--- a/src/lec7_exceptions_07-11/exceptions.pptx
+++ b/src/lec7_exceptions_07-11/exceptions.pptx
@@ -1,39 +1,39 @@
 
 <file path=ppt/presentation.xml><?xml version="1.0" encoding="utf-8"?>
-<p:presentation xmlns:a="http://schemas.openxmlformats.org/drawingml/2006/main" xmlns:r="http://schemas.openxmlformats.org/officeDocument/2006/relationships" xmlns:mc="http://schemas.openxmlformats.org/markup-compatibility/2006" xmlns:mv="urn:schemas-microsoft-com:mac:vml" xmlns:p="http://schemas.openxmlformats.org/presentationml/2006/main" xmlns:c="http://schemas.openxmlformats.org/drawingml/2006/chart" xmlns:dgm="http://schemas.openxmlformats.org/drawingml/2006/diagram" xmlns:o="urn:schemas-microsoft-com:office:office" xmlns:v="urn:schemas-microsoft-com:vml" xmlns:pvml="urn:schemas-microsoft-com:office:powerpoint" xmlns:com="http://schemas.openxmlformats.org/drawingml/2006/compatibility" xmlns:p14="http://schemas.microsoft.com/office/powerpoint/2010/main" xmlns:p15="http://schemas.microsoft.com/office/powerpoint/2012/main" xmlns:ahyp="http://schemas.microsoft.com/office/drawing/2018/hyperlinkcolor" autoCompressPictures="0" strictFirstAndLastChars="0" saveSubsetFonts="1">
+<p:presentation xmlns:a="http://schemas.openxmlformats.org/drawingml/2006/main" xmlns:r="http://schemas.openxmlformats.org/officeDocument/2006/relationships" xmlns:p="http://schemas.openxmlformats.org/presentationml/2006/main" strictFirstAndLastChars="0" saveSubsetFonts="1" autoCompressPictures="0">
   <p:sldMasterIdLst>
-    <p:sldMasterId id="2147483659" r:id="rId4"/>
+    <p:sldMasterId id="2147483659" r:id="rId1"/>
   </p:sldMasterIdLst>
   <p:notesMasterIdLst>
-    <p:notesMasterId r:id="rId5"/>
+    <p:notesMasterId r:id="rId23"/>
   </p:notesMasterIdLst>
   <p:sldIdLst>
-    <p:sldId id="256" r:id="rId6"/>
-    <p:sldId id="257" r:id="rId7"/>
-    <p:sldId id="258" r:id="rId8"/>
-    <p:sldId id="259" r:id="rId9"/>
-    <p:sldId id="260" r:id="rId10"/>
-    <p:sldId id="261" r:id="rId11"/>
-    <p:sldId id="262" r:id="rId12"/>
-    <p:sldId id="263" r:id="rId13"/>
-    <p:sldId id="264" r:id="rId14"/>
-    <p:sldId id="265" r:id="rId15"/>
-    <p:sldId id="266" r:id="rId16"/>
-    <p:sldId id="267" r:id="rId17"/>
-    <p:sldId id="268" r:id="rId18"/>
-    <p:sldId id="269" r:id="rId19"/>
-    <p:sldId id="270" r:id="rId20"/>
-    <p:sldId id="271" r:id="rId21"/>
-    <p:sldId id="272" r:id="rId22"/>
-    <p:sldId id="273" r:id="rId23"/>
-    <p:sldId id="274" r:id="rId24"/>
-    <p:sldId id="275" r:id="rId25"/>
-    <p:sldId id="276" r:id="rId26"/>
+    <p:sldId id="256" r:id="rId2"/>
+    <p:sldId id="257" r:id="rId3"/>
+    <p:sldId id="258" r:id="rId4"/>
+    <p:sldId id="259" r:id="rId5"/>
+    <p:sldId id="260" r:id="rId6"/>
+    <p:sldId id="261" r:id="rId7"/>
+    <p:sldId id="262" r:id="rId8"/>
+    <p:sldId id="263" r:id="rId9"/>
+    <p:sldId id="264" r:id="rId10"/>
+    <p:sldId id="265" r:id="rId11"/>
+    <p:sldId id="266" r:id="rId12"/>
+    <p:sldId id="267" r:id="rId13"/>
+    <p:sldId id="268" r:id="rId14"/>
+    <p:sldId id="269" r:id="rId15"/>
+    <p:sldId id="270" r:id="rId16"/>
+    <p:sldId id="271" r:id="rId17"/>
+    <p:sldId id="272" r:id="rId18"/>
+    <p:sldId id="273" r:id="rId19"/>
+    <p:sldId id="274" r:id="rId20"/>
+    <p:sldId id="275" r:id="rId21"/>
+    <p:sldId id="276" r:id="rId22"/>
   </p:sldIdLst>
-  <p:sldSz cy="5143500" cx="9144000"/>
+  <p:sldSz cx="9144000" cy="5143500" type="screen16x9"/>
   <p:notesSz cx="6858000" cy="9144000"/>
   <p:defaultTextStyle>
-    <a:defPPr lvl="0" marR="0" rtl="0" algn="l">
+    <a:defPPr marR="0" lvl="0" algn="l" rtl="0">
       <a:lnSpc>
         <a:spcPct val="100000"/>
       </a:lnSpc>
@@ -44,7 +44,7 @@
         <a:spcPts val="0"/>
       </a:spcAft>
     </a:defPPr>
-    <a:lvl1pPr lvl="0" marR="0" rtl="0" algn="l">
+    <a:lvl1pPr marR="0" lvl="0" algn="l" rtl="0">
       <a:lnSpc>
         <a:spcPct val="100000"/>
       </a:lnSpc>
@@ -58,7 +58,7 @@
         <a:srgbClr val="000000"/>
       </a:buClr>
       <a:buFont typeface="Arial"/>
-      <a:defRPr b="0" i="0" sz="1400" u="none" cap="none" strike="noStrike">
+      <a:defRPr sz="1400" b="0" i="0" u="none" strike="noStrike" cap="none">
         <a:solidFill>
           <a:srgbClr val="000000"/>
         </a:solidFill>
@@ -68,7 +68,7 @@
         <a:sym typeface="Arial"/>
       </a:defRPr>
     </a:lvl1pPr>
-    <a:lvl2pPr lvl="1" marR="0" rtl="0" algn="l">
+    <a:lvl2pPr marR="0" lvl="1" algn="l" rtl="0">
       <a:lnSpc>
         <a:spcPct val="100000"/>
       </a:lnSpc>
@@ -82,7 +82,7 @@
         <a:srgbClr val="000000"/>
       </a:buClr>
       <a:buFont typeface="Arial"/>
-      <a:defRPr b="0" i="0" sz="1400" u="none" cap="none" strike="noStrike">
+      <a:defRPr sz="1400" b="0" i="0" u="none" strike="noStrike" cap="none">
         <a:solidFill>
           <a:srgbClr val="000000"/>
         </a:solidFill>
@@ -92,7 +92,7 @@
         <a:sym typeface="Arial"/>
       </a:defRPr>
     </a:lvl2pPr>
-    <a:lvl3pPr lvl="2" marR="0" rtl="0" algn="l">
+    <a:lvl3pPr marR="0" lvl="2" algn="l" rtl="0">
       <a:lnSpc>
         <a:spcPct val="100000"/>
       </a:lnSpc>
@@ -106,7 +106,7 @@
         <a:srgbClr val="000000"/>
       </a:buClr>
       <a:buFont typeface="Arial"/>
-      <a:defRPr b="0" i="0" sz="1400" u="none" cap="none" strike="noStrike">
+      <a:defRPr sz="1400" b="0" i="0" u="none" strike="noStrike" cap="none">
         <a:solidFill>
           <a:srgbClr val="000000"/>
         </a:solidFill>
@@ -116,7 +116,7 @@
         <a:sym typeface="Arial"/>
       </a:defRPr>
     </a:lvl3pPr>
-    <a:lvl4pPr lvl="3" marR="0" rtl="0" algn="l">
+    <a:lvl4pPr marR="0" lvl="3" algn="l" rtl="0">
       <a:lnSpc>
         <a:spcPct val="100000"/>
       </a:lnSpc>
@@ -130,7 +130,7 @@
         <a:srgbClr val="000000"/>
       </a:buClr>
       <a:buFont typeface="Arial"/>
-      <a:defRPr b="0" i="0" sz="1400" u="none" cap="none" strike="noStrike">
+      <a:defRPr sz="1400" b="0" i="0" u="none" strike="noStrike" cap="none">
         <a:solidFill>
           <a:srgbClr val="000000"/>
         </a:solidFill>
@@ -140,7 +140,7 @@
         <a:sym typeface="Arial"/>
       </a:defRPr>
     </a:lvl4pPr>
-    <a:lvl5pPr lvl="4" marR="0" rtl="0" algn="l">
+    <a:lvl5pPr marR="0" lvl="4" algn="l" rtl="0">
       <a:lnSpc>
         <a:spcPct val="100000"/>
       </a:lnSpc>
@@ -154,7 +154,7 @@
         <a:srgbClr val="000000"/>
       </a:buClr>
       <a:buFont typeface="Arial"/>
-      <a:defRPr b="0" i="0" sz="1400" u="none" cap="none" strike="noStrike">
+      <a:defRPr sz="1400" b="0" i="0" u="none" strike="noStrike" cap="none">
         <a:solidFill>
           <a:srgbClr val="000000"/>
         </a:solidFill>
@@ -164,7 +164,7 @@
         <a:sym typeface="Arial"/>
       </a:defRPr>
     </a:lvl5pPr>
-    <a:lvl6pPr lvl="5" marR="0" rtl="0" algn="l">
+    <a:lvl6pPr marR="0" lvl="5" algn="l" rtl="0">
       <a:lnSpc>
         <a:spcPct val="100000"/>
       </a:lnSpc>
@@ -178,7 +178,7 @@
         <a:srgbClr val="000000"/>
       </a:buClr>
       <a:buFont typeface="Arial"/>
-      <a:defRPr b="0" i="0" sz="1400" u="none" cap="none" strike="noStrike">
+      <a:defRPr sz="1400" b="0" i="0" u="none" strike="noStrike" cap="none">
         <a:solidFill>
           <a:srgbClr val="000000"/>
         </a:solidFill>
@@ -188,7 +188,7 @@
         <a:sym typeface="Arial"/>
       </a:defRPr>
     </a:lvl6pPr>
-    <a:lvl7pPr lvl="6" marR="0" rtl="0" algn="l">
+    <a:lvl7pPr marR="0" lvl="6" algn="l" rtl="0">
       <a:lnSpc>
         <a:spcPct val="100000"/>
       </a:lnSpc>
@@ -202,7 +202,7 @@
         <a:srgbClr val="000000"/>
       </a:buClr>
       <a:buFont typeface="Arial"/>
-      <a:defRPr b="0" i="0" sz="1400" u="none" cap="none" strike="noStrike">
+      <a:defRPr sz="1400" b="0" i="0" u="none" strike="noStrike" cap="none">
         <a:solidFill>
           <a:srgbClr val="000000"/>
         </a:solidFill>
@@ -212,7 +212,7 @@
         <a:sym typeface="Arial"/>
       </a:defRPr>
     </a:lvl7pPr>
-    <a:lvl8pPr lvl="7" marR="0" rtl="0" algn="l">
+    <a:lvl8pPr marR="0" lvl="7" algn="l" rtl="0">
       <a:lnSpc>
         <a:spcPct val="100000"/>
       </a:lnSpc>
@@ -226,7 +226,7 @@
         <a:srgbClr val="000000"/>
       </a:buClr>
       <a:buFont typeface="Arial"/>
-      <a:defRPr b="0" i="0" sz="1400" u="none" cap="none" strike="noStrike">
+      <a:defRPr sz="1400" b="0" i="0" u="none" strike="noStrike" cap="none">
         <a:solidFill>
           <a:srgbClr val="000000"/>
         </a:solidFill>
@@ -236,7 +236,7 @@
         <a:sym typeface="Arial"/>
       </a:defRPr>
     </a:lvl8pPr>
-    <a:lvl9pPr lvl="8" marR="0" rtl="0" algn="l">
+    <a:lvl9pPr marR="0" lvl="8" algn="l" rtl="0">
       <a:lnSpc>
         <a:spcPct val="100000"/>
       </a:lnSpc>
@@ -250,7 +250,7 @@
         <a:srgbClr val="000000"/>
       </a:buClr>
       <a:buFont typeface="Arial"/>
-      <a:defRPr b="0" i="0" sz="1400" u="none" cap="none" strike="noStrike">
+      <a:defRPr sz="1400" b="0" i="0" u="none" strike="noStrike" cap="none">
         <a:solidFill>
           <a:srgbClr val="000000"/>
         </a:solidFill>
@@ -263,7 +263,7 @@
   </p:defaultTextStyle>
   <p:extLst>
     <p:ext uri="{EFAFB233-063F-42B5-8137-9DF3F51BA10A}">
-      <p15:sldGuideLst>
+      <p15:sldGuideLst xmlns:p15="http://schemas.microsoft.com/office/powerpoint/2012/main">
         <p15:guide id="1" orient="horz" pos="1620">
           <p15:clr>
             <a:srgbClr val="747775"/>
@@ -281,11 +281,16 @@
 </file>
 
 <file path=ppt/notesMasters/notesMaster1.xml><?xml version="1.0" encoding="utf-8"?>
-<p:notesMaster xmlns:a="http://schemas.openxmlformats.org/drawingml/2006/main" xmlns:r="http://schemas.openxmlformats.org/officeDocument/2006/relationships" xmlns:mc="http://schemas.openxmlformats.org/markup-compatibility/2006" xmlns:mv="urn:schemas-microsoft-com:mac:vml" xmlns:p="http://schemas.openxmlformats.org/presentationml/2006/main" xmlns:c="http://schemas.openxmlformats.org/drawingml/2006/chart" xmlns:dgm="http://schemas.openxmlformats.org/drawingml/2006/diagram" xmlns:o="urn:schemas-microsoft-com:office:office" xmlns:v="urn:schemas-microsoft-com:vml" xmlns:pvml="urn:schemas-microsoft-com:office:powerpoint" xmlns:com="http://schemas.openxmlformats.org/drawingml/2006/compatibility" xmlns:p14="http://schemas.microsoft.com/office/powerpoint/2010/main" xmlns:p15="http://schemas.microsoft.com/office/powerpoint/2012/main" xmlns:ahyp="http://schemas.microsoft.com/office/drawing/2018/hyperlinkcolor">
+<p:notesMaster xmlns:a="http://schemas.openxmlformats.org/drawingml/2006/main" xmlns:r="http://schemas.openxmlformats.org/officeDocument/2006/relationships" xmlns:p="http://schemas.openxmlformats.org/presentationml/2006/main">
   <p:cSld>
+    <p:bg>
+      <p:bgRef idx="1001">
+        <a:schemeClr val="bg1"/>
+      </p:bgRef>
+    </p:bg>
     <p:spTree>
       <p:nvGrpSpPr>
-        <p:cNvPr id="2" name="Shape 2"/>
+        <p:cNvPr id="1" name="Shape 2"/>
         <p:cNvGrpSpPr/>
         <p:nvPr/>
       </p:nvGrpSpPr>
@@ -300,9 +305,11 @@
       <p:sp>
         <p:nvSpPr>
           <p:cNvPr id="3" name="Google Shape;3;n"/>
-          <p:cNvSpPr/>
+          <p:cNvSpPr>
+            <a:spLocks noGrp="1" noRot="1" noChangeAspect="1"/>
+          </p:cNvSpPr>
           <p:nvPr>
-            <p:ph idx="2" type="sldImg"/>
+            <p:ph type="sldImg" idx="2"/>
           </p:nvPr>
         </p:nvSpPr>
         <p:spPr>
@@ -311,9 +318,13 @@
             <a:ext cx="6096075" cy="3429000"/>
           </a:xfrm>
           <a:custGeom>
-            <a:rect b="b" l="l" r="r" t="t"/>
+            <a:avLst/>
+            <a:gdLst/>
+            <a:ahLst/>
+            <a:cxnLst/>
+            <a:rect l="l" t="t" r="r" b="b"/>
             <a:pathLst>
-              <a:path extrusionOk="0" h="120000" w="120000">
+              <a:path w="120000" h="120000" extrusionOk="0">
                 <a:moveTo>
                   <a:pt x="0" y="0"/>
                 </a:moveTo>
@@ -331,23 +342,25 @@
             </a:pathLst>
           </a:custGeom>
           <a:noFill/>
-          <a:ln cap="flat" cmpd="sng" w="9525">
+          <a:ln w="9525" cap="flat" cmpd="sng">
             <a:solidFill>
               <a:srgbClr val="000000"/>
             </a:solidFill>
             <a:prstDash val="solid"/>
             <a:round/>
-            <a:headEnd len="sm" w="sm" type="none"/>
-            <a:tailEnd len="sm" w="sm" type="none"/>
+            <a:headEnd type="none" w="sm" len="sm"/>
+            <a:tailEnd type="none" w="sm" len="sm"/>
           </a:ln>
         </p:spPr>
       </p:sp>
       <p:sp>
         <p:nvSpPr>
           <p:cNvPr id="4" name="Google Shape;4;n"/>
-          <p:cNvSpPr txBox="1"/>
+          <p:cNvSpPr txBox="1">
+            <a:spLocks noGrp="1"/>
+          </p:cNvSpPr>
           <p:nvPr>
-            <p:ph idx="1" type="body"/>
+            <p:ph type="body" idx="1"/>
           </p:nvPr>
         </p:nvSpPr>
         <p:spPr>
@@ -364,11 +377,11 @@
           </a:ln>
         </p:spPr>
         <p:txBody>
-          <a:bodyPr anchorCtr="0" anchor="t" bIns="91425" lIns="91425" spcFirstLastPara="1" rIns="91425" wrap="square" tIns="91425">
+          <a:bodyPr spcFirstLastPara="1" wrap="square" lIns="91425" tIns="91425" rIns="91425" bIns="91425" anchor="t" anchorCtr="0">
             <a:noAutofit/>
           </a:bodyPr>
           <a:lstStyle>
-            <a:lvl1pPr indent="-298450" lvl="0" marL="457200">
+            <a:lvl1pPr marL="457200" lvl="0" indent="-298450">
               <a:spcBef>
                 <a:spcPts val="0"/>
               </a:spcBef>
@@ -379,7 +392,7 @@
               <a:buChar char="●"/>
               <a:defRPr sz="1100"/>
             </a:lvl1pPr>
-            <a:lvl2pPr indent="-298450" lvl="1" marL="914400">
+            <a:lvl2pPr marL="914400" lvl="1" indent="-298450">
               <a:spcBef>
                 <a:spcPts val="0"/>
               </a:spcBef>
@@ -390,7 +403,7 @@
               <a:buChar char="○"/>
               <a:defRPr sz="1100"/>
             </a:lvl2pPr>
-            <a:lvl3pPr indent="-298450" lvl="2" marL="1371600">
+            <a:lvl3pPr marL="1371600" lvl="2" indent="-298450">
               <a:spcBef>
                 <a:spcPts val="0"/>
               </a:spcBef>
@@ -401,7 +414,7 @@
               <a:buChar char="■"/>
               <a:defRPr sz="1100"/>
             </a:lvl3pPr>
-            <a:lvl4pPr indent="-298450" lvl="3" marL="1828800">
+            <a:lvl4pPr marL="1828800" lvl="3" indent="-298450">
               <a:spcBef>
                 <a:spcPts val="0"/>
               </a:spcBef>
@@ -412,7 +425,7 @@
               <a:buChar char="●"/>
               <a:defRPr sz="1100"/>
             </a:lvl4pPr>
-            <a:lvl5pPr indent="-298450" lvl="4" marL="2286000">
+            <a:lvl5pPr marL="2286000" lvl="4" indent="-298450">
               <a:spcBef>
                 <a:spcPts val="0"/>
               </a:spcBef>
@@ -423,7 +436,7 @@
               <a:buChar char="○"/>
               <a:defRPr sz="1100"/>
             </a:lvl5pPr>
-            <a:lvl6pPr indent="-298450" lvl="5" marL="2743200">
+            <a:lvl6pPr marL="2743200" lvl="5" indent="-298450">
               <a:spcBef>
                 <a:spcPts val="0"/>
               </a:spcBef>
@@ -434,7 +447,7 @@
               <a:buChar char="■"/>
               <a:defRPr sz="1100"/>
             </a:lvl6pPr>
-            <a:lvl7pPr indent="-298450" lvl="6" marL="3200400">
+            <a:lvl7pPr marL="3200400" lvl="6" indent="-298450">
               <a:spcBef>
                 <a:spcPts val="0"/>
               </a:spcBef>
@@ -445,7 +458,7 @@
               <a:buChar char="●"/>
               <a:defRPr sz="1100"/>
             </a:lvl7pPr>
-            <a:lvl8pPr indent="-298450" lvl="7" marL="3657600">
+            <a:lvl8pPr marL="3657600" lvl="7" indent="-298450">
               <a:spcBef>
                 <a:spcPts val="0"/>
               </a:spcBef>
@@ -456,7 +469,7 @@
               <a:buChar char="○"/>
               <a:defRPr sz="1100"/>
             </a:lvl8pPr>
-            <a:lvl9pPr indent="-298450" lvl="8" marL="4114800">
+            <a:lvl9pPr marL="4114800" lvl="8" indent="-298450">
               <a:spcBef>
                 <a:spcPts val="0"/>
               </a:spcBef>
@@ -468,14 +481,16 @@
               <a:defRPr sz="1100"/>
             </a:lvl9pPr>
           </a:lstStyle>
-          <a:p/>
+          <a:p>
+            <a:endParaRPr/>
+          </a:p>
         </p:txBody>
       </p:sp>
     </p:spTree>
   </p:cSld>
-  <p:clrMap accent1="accent1" accent2="accent2" accent3="accent3" accent4="accent4" accent5="accent5" accent6="accent6" bg1="lt1" bg2="dk2" tx1="dk1" tx2="lt2" folHlink="folHlink" hlink="hlink"/>
+  <p:clrMap bg1="lt1" tx1="dk1" bg2="dk2" tx2="lt2" accent1="accent1" accent2="accent2" accent3="accent3" accent4="accent4" accent5="accent5" accent6="accent6" hlink="hlink" folHlink="folHlink"/>
   <p:notesStyle>
-    <a:defPPr lvl="0" marR="0" rtl="0" algn="l">
+    <a:defPPr marR="0" lvl="0" algn="l" rtl="0">
       <a:lnSpc>
         <a:spcPct val="100000"/>
       </a:lnSpc>
@@ -486,7 +501,7 @@
         <a:spcPts val="0"/>
       </a:spcAft>
     </a:defPPr>
-    <a:lvl1pPr lvl="0" marR="0" rtl="0" algn="l">
+    <a:lvl1pPr marR="0" lvl="0" algn="l" rtl="0">
       <a:lnSpc>
         <a:spcPct val="100000"/>
       </a:lnSpc>
@@ -500,7 +515,7 @@
         <a:srgbClr val="000000"/>
       </a:buClr>
       <a:buFont typeface="Arial"/>
-      <a:defRPr b="0" i="0" sz="1400" u="none" cap="none" strike="noStrike">
+      <a:defRPr sz="1400" b="0" i="0" u="none" strike="noStrike" cap="none">
         <a:solidFill>
           <a:srgbClr val="000000"/>
         </a:solidFill>
@@ -510,7 +525,7 @@
         <a:sym typeface="Arial"/>
       </a:defRPr>
     </a:lvl1pPr>
-    <a:lvl2pPr lvl="1" marR="0" rtl="0" algn="l">
+    <a:lvl2pPr marR="0" lvl="1" algn="l" rtl="0">
       <a:lnSpc>
         <a:spcPct val="100000"/>
       </a:lnSpc>
@@ -524,7 +539,7 @@
         <a:srgbClr val="000000"/>
       </a:buClr>
       <a:buFont typeface="Arial"/>
-      <a:defRPr b="0" i="0" sz="1400" u="none" cap="none" strike="noStrike">
+      <a:defRPr sz="1400" b="0" i="0" u="none" strike="noStrike" cap="none">
         <a:solidFill>
           <a:srgbClr val="000000"/>
         </a:solidFill>
@@ -534,7 +549,7 @@
         <a:sym typeface="Arial"/>
       </a:defRPr>
     </a:lvl2pPr>
-    <a:lvl3pPr lvl="2" marR="0" rtl="0" algn="l">
+    <a:lvl3pPr marR="0" lvl="2" algn="l" rtl="0">
       <a:lnSpc>
         <a:spcPct val="100000"/>
       </a:lnSpc>
@@ -548,7 +563,7 @@
         <a:srgbClr val="000000"/>
       </a:buClr>
       <a:buFont typeface="Arial"/>
-      <a:defRPr b="0" i="0" sz="1400" u="none" cap="none" strike="noStrike">
+      <a:defRPr sz="1400" b="0" i="0" u="none" strike="noStrike" cap="none">
         <a:solidFill>
           <a:srgbClr val="000000"/>
         </a:solidFill>
@@ -558,7 +573,7 @@
         <a:sym typeface="Arial"/>
       </a:defRPr>
     </a:lvl3pPr>
-    <a:lvl4pPr lvl="3" marR="0" rtl="0" algn="l">
+    <a:lvl4pPr marR="0" lvl="3" algn="l" rtl="0">
       <a:lnSpc>
         <a:spcPct val="100000"/>
       </a:lnSpc>
@@ -572,7 +587,7 @@
         <a:srgbClr val="000000"/>
       </a:buClr>
       <a:buFont typeface="Arial"/>
-      <a:defRPr b="0" i="0" sz="1400" u="none" cap="none" strike="noStrike">
+      <a:defRPr sz="1400" b="0" i="0" u="none" strike="noStrike" cap="none">
         <a:solidFill>
           <a:srgbClr val="000000"/>
         </a:solidFill>
@@ -582,7 +597,7 @@
         <a:sym typeface="Arial"/>
       </a:defRPr>
     </a:lvl4pPr>
-    <a:lvl5pPr lvl="4" marR="0" rtl="0" algn="l">
+    <a:lvl5pPr marR="0" lvl="4" algn="l" rtl="0">
       <a:lnSpc>
         <a:spcPct val="100000"/>
       </a:lnSpc>
@@ -596,7 +611,7 @@
         <a:srgbClr val="000000"/>
       </a:buClr>
       <a:buFont typeface="Arial"/>
-      <a:defRPr b="0" i="0" sz="1400" u="none" cap="none" strike="noStrike">
+      <a:defRPr sz="1400" b="0" i="0" u="none" strike="noStrike" cap="none">
         <a:solidFill>
           <a:srgbClr val="000000"/>
         </a:solidFill>
@@ -606,7 +621,7 @@
         <a:sym typeface="Arial"/>
       </a:defRPr>
     </a:lvl5pPr>
-    <a:lvl6pPr lvl="5" marR="0" rtl="0" algn="l">
+    <a:lvl6pPr marR="0" lvl="5" algn="l" rtl="0">
       <a:lnSpc>
         <a:spcPct val="100000"/>
       </a:lnSpc>
@@ -620,7 +635,7 @@
         <a:srgbClr val="000000"/>
       </a:buClr>
       <a:buFont typeface="Arial"/>
-      <a:defRPr b="0" i="0" sz="1400" u="none" cap="none" strike="noStrike">
+      <a:defRPr sz="1400" b="0" i="0" u="none" strike="noStrike" cap="none">
         <a:solidFill>
           <a:srgbClr val="000000"/>
         </a:solidFill>
@@ -630,7 +645,7 @@
         <a:sym typeface="Arial"/>
       </a:defRPr>
     </a:lvl6pPr>
-    <a:lvl7pPr lvl="6" marR="0" rtl="0" algn="l">
+    <a:lvl7pPr marR="0" lvl="6" algn="l" rtl="0">
       <a:lnSpc>
         <a:spcPct val="100000"/>
       </a:lnSpc>
@@ -644,7 +659,7 @@
         <a:srgbClr val="000000"/>
       </a:buClr>
       <a:buFont typeface="Arial"/>
-      <a:defRPr b="0" i="0" sz="1400" u="none" cap="none" strike="noStrike">
+      <a:defRPr sz="1400" b="0" i="0" u="none" strike="noStrike" cap="none">
         <a:solidFill>
           <a:srgbClr val="000000"/>
         </a:solidFill>
@@ -654,7 +669,7 @@
         <a:sym typeface="Arial"/>
       </a:defRPr>
     </a:lvl7pPr>
-    <a:lvl8pPr lvl="7" marR="0" rtl="0" algn="l">
+    <a:lvl8pPr marR="0" lvl="7" algn="l" rtl="0">
       <a:lnSpc>
         <a:spcPct val="100000"/>
       </a:lnSpc>
@@ -668,7 +683,7 @@
         <a:srgbClr val="000000"/>
       </a:buClr>
       <a:buFont typeface="Arial"/>
-      <a:defRPr b="0" i="0" sz="1400" u="none" cap="none" strike="noStrike">
+      <a:defRPr sz="1400" b="0" i="0" u="none" strike="noStrike" cap="none">
         <a:solidFill>
           <a:srgbClr val="000000"/>
         </a:solidFill>
@@ -678,7 +693,7 @@
         <a:sym typeface="Arial"/>
       </a:defRPr>
     </a:lvl8pPr>
-    <a:lvl9pPr lvl="8" marR="0" rtl="0" algn="l">
+    <a:lvl9pPr marR="0" lvl="8" algn="l" rtl="0">
       <a:lnSpc>
         <a:spcPct val="100000"/>
       </a:lnSpc>
@@ -692,7 +707,7 @@
         <a:srgbClr val="000000"/>
       </a:buClr>
       <a:buFont typeface="Arial"/>
-      <a:defRPr b="0" i="0" sz="1400" u="none" cap="none" strike="noStrike">
+      <a:defRPr sz="1400" b="0" i="0" u="none" strike="noStrike" cap="none">
         <a:solidFill>
           <a:srgbClr val="000000"/>
         </a:solidFill>
@@ -707,11 +722,11 @@
 </file>
 
 <file path=ppt/notesSlides/notesSlide1.xml><?xml version="1.0" encoding="utf-8"?>
-<p:notes xmlns:a="http://schemas.openxmlformats.org/drawingml/2006/main" xmlns:r="http://schemas.openxmlformats.org/officeDocument/2006/relationships" xmlns:mc="http://schemas.openxmlformats.org/markup-compatibility/2006" xmlns:mv="urn:schemas-microsoft-com:mac:vml" xmlns:p="http://schemas.openxmlformats.org/presentationml/2006/main" xmlns:c="http://schemas.openxmlformats.org/drawingml/2006/chart" xmlns:dgm="http://schemas.openxmlformats.org/drawingml/2006/diagram" xmlns:o="urn:schemas-microsoft-com:office:office" xmlns:v="urn:schemas-microsoft-com:vml" xmlns:pvml="urn:schemas-microsoft-com:office:powerpoint" xmlns:com="http://schemas.openxmlformats.org/drawingml/2006/compatibility" xmlns:p14="http://schemas.microsoft.com/office/powerpoint/2010/main" xmlns:p15="http://schemas.microsoft.com/office/powerpoint/2012/main" xmlns:ahyp="http://schemas.microsoft.com/office/drawing/2018/hyperlinkcolor" showMasterPhAnim="0" showMasterSp="0">
+<p:notes xmlns:a="http://schemas.openxmlformats.org/drawingml/2006/main" xmlns:r="http://schemas.openxmlformats.org/officeDocument/2006/relationships" xmlns:p="http://schemas.openxmlformats.org/presentationml/2006/main" showMasterSp="0" showMasterPhAnim="0">
   <p:cSld>
     <p:spTree>
       <p:nvGrpSpPr>
-        <p:cNvPr id="50" name="Shape 50"/>
+        <p:cNvPr id="1" name="Shape 50"/>
         <p:cNvGrpSpPr/>
         <p:nvPr/>
       </p:nvGrpSpPr>
@@ -726,9 +741,11 @@
       <p:sp>
         <p:nvSpPr>
           <p:cNvPr id="51" name="Google Shape;51;p:notes"/>
-          <p:cNvSpPr/>
+          <p:cNvSpPr>
+            <a:spLocks noGrp="1" noRot="1" noChangeAspect="1"/>
+          </p:cNvSpPr>
           <p:nvPr>
-            <p:ph idx="2" type="sldImg"/>
+            <p:ph type="sldImg" idx="2"/>
           </p:nvPr>
         </p:nvSpPr>
         <p:spPr>
@@ -737,9 +754,13 @@
             <a:ext cx="6096075" cy="3429000"/>
           </a:xfrm>
           <a:custGeom>
-            <a:rect b="b" l="l" r="r" t="t"/>
+            <a:avLst/>
+            <a:gdLst/>
+            <a:ahLst/>
+            <a:cxnLst/>
+            <a:rect l="l" t="t" r="r" b="b"/>
             <a:pathLst>
-              <a:path extrusionOk="0" h="120000" w="120000">
+              <a:path w="120000" h="120000" extrusionOk="0">
                 <a:moveTo>
                   <a:pt x="0" y="0"/>
                 </a:moveTo>
@@ -761,9 +782,11 @@
       <p:sp>
         <p:nvSpPr>
           <p:cNvPr id="52" name="Google Shape;52;p:notes"/>
-          <p:cNvSpPr txBox="1"/>
+          <p:cNvSpPr txBox="1">
+            <a:spLocks noGrp="1"/>
+          </p:cNvSpPr>
           <p:nvPr>
-            <p:ph idx="1" type="body"/>
+            <p:ph type="body" idx="1"/>
           </p:nvPr>
         </p:nvSpPr>
         <p:spPr>
@@ -776,23 +799,20 @@
           </a:prstGeom>
         </p:spPr>
         <p:txBody>
-          <a:bodyPr anchorCtr="0" anchor="t" bIns="91425" lIns="91425" spcFirstLastPara="1" rIns="91425" wrap="square" tIns="91425">
+          <a:bodyPr spcFirstLastPara="1" wrap="square" lIns="91425" tIns="91425" rIns="91425" bIns="91425" anchor="t" anchorCtr="0">
             <a:noAutofit/>
           </a:bodyPr>
           <a:lstStyle/>
           <a:p>
-            <a:pPr indent="0" lvl="0" marL="0" rtl="0" algn="l">
-              <a:spcBef>
-                <a:spcPts val="0"/>
-              </a:spcBef>
-              <a:spcAft>
-                <a:spcPts val="0"/>
-              </a:spcAft>
-              <a:buNone/>
-            </a:pPr>
-            <a:r>
-              <a:t/>
-            </a:r>
+            <a:pPr marL="0" lvl="0" indent="0" algn="l" rtl="0">
+              <a:spcBef>
+                <a:spcPts val="0"/>
+              </a:spcBef>
+              <a:spcAft>
+                <a:spcPts val="0"/>
+              </a:spcAft>
+              <a:buNone/>
+            </a:pPr>
             <a:endParaRPr/>
           </a:p>
         </p:txBody>
@@ -806,11 +826,11 @@
 </file>
 
 <file path=ppt/notesSlides/notesSlide10.xml><?xml version="1.0" encoding="utf-8"?>
-<p:notes xmlns:a="http://schemas.openxmlformats.org/drawingml/2006/main" xmlns:r="http://schemas.openxmlformats.org/officeDocument/2006/relationships" xmlns:mc="http://schemas.openxmlformats.org/markup-compatibility/2006" xmlns:mv="urn:schemas-microsoft-com:mac:vml" xmlns:p="http://schemas.openxmlformats.org/presentationml/2006/main" xmlns:c="http://schemas.openxmlformats.org/drawingml/2006/chart" xmlns:dgm="http://schemas.openxmlformats.org/drawingml/2006/diagram" xmlns:o="urn:schemas-microsoft-com:office:office" xmlns:v="urn:schemas-microsoft-com:vml" xmlns:pvml="urn:schemas-microsoft-com:office:powerpoint" xmlns:com="http://schemas.openxmlformats.org/drawingml/2006/compatibility" xmlns:p14="http://schemas.microsoft.com/office/powerpoint/2010/main" xmlns:p15="http://schemas.microsoft.com/office/powerpoint/2012/main" xmlns:ahyp="http://schemas.microsoft.com/office/drawing/2018/hyperlinkcolor" showMasterPhAnim="0" showMasterSp="0">
+<p:notes xmlns:a="http://schemas.openxmlformats.org/drawingml/2006/main" xmlns:r="http://schemas.openxmlformats.org/officeDocument/2006/relationships" xmlns:p="http://schemas.openxmlformats.org/presentationml/2006/main" showMasterSp="0" showMasterPhAnim="0">
   <p:cSld>
     <p:spTree>
       <p:nvGrpSpPr>
-        <p:cNvPr id="109" name="Shape 109"/>
+        <p:cNvPr id="1" name="Shape 109"/>
         <p:cNvGrpSpPr/>
         <p:nvPr/>
       </p:nvGrpSpPr>
@@ -825,9 +845,11 @@
       <p:sp>
         <p:nvSpPr>
           <p:cNvPr id="110" name="Google Shape;110;g29796951e82_0_125:notes"/>
-          <p:cNvSpPr/>
+          <p:cNvSpPr>
+            <a:spLocks noGrp="1" noRot="1" noChangeAspect="1"/>
+          </p:cNvSpPr>
           <p:nvPr>
-            <p:ph idx="2" type="sldImg"/>
+            <p:ph type="sldImg" idx="2"/>
           </p:nvPr>
         </p:nvSpPr>
         <p:spPr>
@@ -836,9 +858,13 @@
             <a:ext cx="6096000" cy="3429000"/>
           </a:xfrm>
           <a:custGeom>
-            <a:rect b="b" l="l" r="r" t="t"/>
+            <a:avLst/>
+            <a:gdLst/>
+            <a:ahLst/>
+            <a:cxnLst/>
+            <a:rect l="l" t="t" r="r" b="b"/>
             <a:pathLst>
-              <a:path extrusionOk="0" h="120000" w="120000">
+              <a:path w="120000" h="120000" extrusionOk="0">
                 <a:moveTo>
                   <a:pt x="0" y="0"/>
                 </a:moveTo>
@@ -860,9 +886,11 @@
       <p:sp>
         <p:nvSpPr>
           <p:cNvPr id="111" name="Google Shape;111;g29796951e82_0_125:notes"/>
-          <p:cNvSpPr txBox="1"/>
+          <p:cNvSpPr txBox="1">
+            <a:spLocks noGrp="1"/>
+          </p:cNvSpPr>
           <p:nvPr>
-            <p:ph idx="1" type="body"/>
+            <p:ph type="body" idx="1"/>
           </p:nvPr>
         </p:nvSpPr>
         <p:spPr>
@@ -875,23 +903,20 @@
           </a:prstGeom>
         </p:spPr>
         <p:txBody>
-          <a:bodyPr anchorCtr="0" anchor="t" bIns="91425" lIns="91425" spcFirstLastPara="1" rIns="91425" wrap="square" tIns="91425">
+          <a:bodyPr spcFirstLastPara="1" wrap="square" lIns="91425" tIns="91425" rIns="91425" bIns="91425" anchor="t" anchorCtr="0">
             <a:noAutofit/>
           </a:bodyPr>
           <a:lstStyle/>
           <a:p>
-            <a:pPr indent="0" lvl="0" marL="0" rtl="0" algn="l">
-              <a:spcBef>
-                <a:spcPts val="0"/>
-              </a:spcBef>
-              <a:spcAft>
-                <a:spcPts val="0"/>
-              </a:spcAft>
-              <a:buNone/>
-            </a:pPr>
-            <a:r>
-              <a:t/>
-            </a:r>
+            <a:pPr marL="0" lvl="0" indent="0" algn="l" rtl="0">
+              <a:spcBef>
+                <a:spcPts val="0"/>
+              </a:spcBef>
+              <a:spcAft>
+                <a:spcPts val="0"/>
+              </a:spcAft>
+              <a:buNone/>
+            </a:pPr>
             <a:endParaRPr/>
           </a:p>
         </p:txBody>
@@ -905,11 +930,11 @@
 </file>
 
 <file path=ppt/notesSlides/notesSlide11.xml><?xml version="1.0" encoding="utf-8"?>
-<p:notes xmlns:a="http://schemas.openxmlformats.org/drawingml/2006/main" xmlns:r="http://schemas.openxmlformats.org/officeDocument/2006/relationships" xmlns:mc="http://schemas.openxmlformats.org/markup-compatibility/2006" xmlns:mv="urn:schemas-microsoft-com:mac:vml" xmlns:p="http://schemas.openxmlformats.org/presentationml/2006/main" xmlns:c="http://schemas.openxmlformats.org/drawingml/2006/chart" xmlns:dgm="http://schemas.openxmlformats.org/drawingml/2006/diagram" xmlns:o="urn:schemas-microsoft-com:office:office" xmlns:v="urn:schemas-microsoft-com:vml" xmlns:pvml="urn:schemas-microsoft-com:office:powerpoint" xmlns:com="http://schemas.openxmlformats.org/drawingml/2006/compatibility" xmlns:p14="http://schemas.microsoft.com/office/powerpoint/2010/main" xmlns:p15="http://schemas.microsoft.com/office/powerpoint/2012/main" xmlns:ahyp="http://schemas.microsoft.com/office/drawing/2018/hyperlinkcolor" showMasterPhAnim="0" showMasterSp="0">
+<p:notes xmlns:a="http://schemas.openxmlformats.org/drawingml/2006/main" xmlns:r="http://schemas.openxmlformats.org/officeDocument/2006/relationships" xmlns:p="http://schemas.openxmlformats.org/presentationml/2006/main" showMasterSp="0" showMasterPhAnim="0">
   <p:cSld>
     <p:spTree>
       <p:nvGrpSpPr>
-        <p:cNvPr id="115" name="Shape 115"/>
+        <p:cNvPr id="1" name="Shape 115"/>
         <p:cNvGrpSpPr/>
         <p:nvPr/>
       </p:nvGrpSpPr>
@@ -924,9 +949,11 @@
       <p:sp>
         <p:nvSpPr>
           <p:cNvPr id="116" name="Google Shape;116;g29796951e82_0_130:notes"/>
-          <p:cNvSpPr/>
+          <p:cNvSpPr>
+            <a:spLocks noGrp="1" noRot="1" noChangeAspect="1"/>
+          </p:cNvSpPr>
           <p:nvPr>
-            <p:ph idx="2" type="sldImg"/>
+            <p:ph type="sldImg" idx="2"/>
           </p:nvPr>
         </p:nvSpPr>
         <p:spPr>
@@ -935,9 +962,13 @@
             <a:ext cx="6096000" cy="3429000"/>
           </a:xfrm>
           <a:custGeom>
-            <a:rect b="b" l="l" r="r" t="t"/>
+            <a:avLst/>
+            <a:gdLst/>
+            <a:ahLst/>
+            <a:cxnLst/>
+            <a:rect l="l" t="t" r="r" b="b"/>
             <a:pathLst>
-              <a:path extrusionOk="0" h="120000" w="120000">
+              <a:path w="120000" h="120000" extrusionOk="0">
                 <a:moveTo>
                   <a:pt x="0" y="0"/>
                 </a:moveTo>
@@ -959,9 +990,11 @@
       <p:sp>
         <p:nvSpPr>
           <p:cNvPr id="117" name="Google Shape;117;g29796951e82_0_130:notes"/>
-          <p:cNvSpPr txBox="1"/>
+          <p:cNvSpPr txBox="1">
+            <a:spLocks noGrp="1"/>
+          </p:cNvSpPr>
           <p:nvPr>
-            <p:ph idx="1" type="body"/>
+            <p:ph type="body" idx="1"/>
           </p:nvPr>
         </p:nvSpPr>
         <p:spPr>
@@ -974,23 +1007,20 @@
           </a:prstGeom>
         </p:spPr>
         <p:txBody>
-          <a:bodyPr anchorCtr="0" anchor="t" bIns="91425" lIns="91425" spcFirstLastPara="1" rIns="91425" wrap="square" tIns="91425">
+          <a:bodyPr spcFirstLastPara="1" wrap="square" lIns="91425" tIns="91425" rIns="91425" bIns="91425" anchor="t" anchorCtr="0">
             <a:noAutofit/>
           </a:bodyPr>
           <a:lstStyle/>
           <a:p>
-            <a:pPr indent="0" lvl="0" marL="0" rtl="0" algn="l">
-              <a:spcBef>
-                <a:spcPts val="0"/>
-              </a:spcBef>
-              <a:spcAft>
-                <a:spcPts val="0"/>
-              </a:spcAft>
-              <a:buNone/>
-            </a:pPr>
-            <a:r>
-              <a:t/>
-            </a:r>
+            <a:pPr marL="0" lvl="0" indent="0" algn="l" rtl="0">
+              <a:spcBef>
+                <a:spcPts val="0"/>
+              </a:spcBef>
+              <a:spcAft>
+                <a:spcPts val="0"/>
+              </a:spcAft>
+              <a:buNone/>
+            </a:pPr>
             <a:endParaRPr/>
           </a:p>
         </p:txBody>
@@ -1004,11 +1034,11 @@
 </file>
 
 <file path=ppt/notesSlides/notesSlide12.xml><?xml version="1.0" encoding="utf-8"?>
-<p:notes xmlns:a="http://schemas.openxmlformats.org/drawingml/2006/main" xmlns:r="http://schemas.openxmlformats.org/officeDocument/2006/relationships" xmlns:mc="http://schemas.openxmlformats.org/markup-compatibility/2006" xmlns:mv="urn:schemas-microsoft-com:mac:vml" xmlns:p="http://schemas.openxmlformats.org/presentationml/2006/main" xmlns:c="http://schemas.openxmlformats.org/drawingml/2006/chart" xmlns:dgm="http://schemas.openxmlformats.org/drawingml/2006/diagram" xmlns:o="urn:schemas-microsoft-com:office:office" xmlns:v="urn:schemas-microsoft-com:vml" xmlns:pvml="urn:schemas-microsoft-com:office:powerpoint" xmlns:com="http://schemas.openxmlformats.org/drawingml/2006/compatibility" xmlns:p14="http://schemas.microsoft.com/office/powerpoint/2010/main" xmlns:p15="http://schemas.microsoft.com/office/powerpoint/2012/main" xmlns:ahyp="http://schemas.microsoft.com/office/drawing/2018/hyperlinkcolor" showMasterPhAnim="0" showMasterSp="0">
+<p:notes xmlns:a="http://schemas.openxmlformats.org/drawingml/2006/main" xmlns:r="http://schemas.openxmlformats.org/officeDocument/2006/relationships" xmlns:p="http://schemas.openxmlformats.org/presentationml/2006/main" showMasterSp="0" showMasterPhAnim="0">
   <p:cSld>
     <p:spTree>
       <p:nvGrpSpPr>
-        <p:cNvPr id="121" name="Shape 121"/>
+        <p:cNvPr id="1" name="Shape 121"/>
         <p:cNvGrpSpPr/>
         <p:nvPr/>
       </p:nvGrpSpPr>
@@ -1023,20 +1053,26 @@
       <p:sp>
         <p:nvSpPr>
           <p:cNvPr id="122" name="Google Shape;122;g29796951e82_0_135:notes"/>
-          <p:cNvSpPr/>
+          <p:cNvSpPr>
+            <a:spLocks noGrp="1" noRot="1" noChangeAspect="1"/>
+          </p:cNvSpPr>
           <p:nvPr>
-            <p:ph idx="2" type="sldImg"/>
+            <p:ph type="sldImg" idx="2"/>
           </p:nvPr>
         </p:nvSpPr>
         <p:spPr>
           <a:xfrm>
-            <a:off x="381300" y="685800"/>
+            <a:off x="381000" y="685800"/>
             <a:ext cx="6096000" cy="3429000"/>
           </a:xfrm>
           <a:custGeom>
-            <a:rect b="b" l="l" r="r" t="t"/>
+            <a:avLst/>
+            <a:gdLst/>
+            <a:ahLst/>
+            <a:cxnLst/>
+            <a:rect l="l" t="t" r="r" b="b"/>
             <a:pathLst>
-              <a:path extrusionOk="0" h="120000" w="120000">
+              <a:path w="120000" h="120000" extrusionOk="0">
                 <a:moveTo>
                   <a:pt x="0" y="0"/>
                 </a:moveTo>
@@ -1058,9 +1094,11 @@
       <p:sp>
         <p:nvSpPr>
           <p:cNvPr id="123" name="Google Shape;123;g29796951e82_0_135:notes"/>
-          <p:cNvSpPr txBox="1"/>
+          <p:cNvSpPr txBox="1">
+            <a:spLocks noGrp="1"/>
+          </p:cNvSpPr>
           <p:nvPr>
-            <p:ph idx="1" type="body"/>
+            <p:ph type="body" idx="1"/>
           </p:nvPr>
         </p:nvSpPr>
         <p:spPr>
@@ -1073,23 +1111,20 @@
           </a:prstGeom>
         </p:spPr>
         <p:txBody>
-          <a:bodyPr anchorCtr="0" anchor="t" bIns="91425" lIns="91425" spcFirstLastPara="1" rIns="91425" wrap="square" tIns="91425">
+          <a:bodyPr spcFirstLastPara="1" wrap="square" lIns="91425" tIns="91425" rIns="91425" bIns="91425" anchor="t" anchorCtr="0">
             <a:noAutofit/>
           </a:bodyPr>
           <a:lstStyle/>
           <a:p>
-            <a:pPr indent="0" lvl="0" marL="0" rtl="0" algn="l">
-              <a:spcBef>
-                <a:spcPts val="0"/>
-              </a:spcBef>
-              <a:spcAft>
-                <a:spcPts val="0"/>
-              </a:spcAft>
-              <a:buNone/>
-            </a:pPr>
-            <a:r>
-              <a:t/>
-            </a:r>
+            <a:pPr marL="0" lvl="0" indent="0" algn="l" rtl="0">
+              <a:spcBef>
+                <a:spcPts val="0"/>
+              </a:spcBef>
+              <a:spcAft>
+                <a:spcPts val="0"/>
+              </a:spcAft>
+              <a:buNone/>
+            </a:pPr>
             <a:endParaRPr/>
           </a:p>
         </p:txBody>
@@ -1103,11 +1138,11 @@
 </file>
 
 <file path=ppt/notesSlides/notesSlide13.xml><?xml version="1.0" encoding="utf-8"?>
-<p:notes xmlns:a="http://schemas.openxmlformats.org/drawingml/2006/main" xmlns:r="http://schemas.openxmlformats.org/officeDocument/2006/relationships" xmlns:mc="http://schemas.openxmlformats.org/markup-compatibility/2006" xmlns:mv="urn:schemas-microsoft-com:mac:vml" xmlns:p="http://schemas.openxmlformats.org/presentationml/2006/main" xmlns:c="http://schemas.openxmlformats.org/drawingml/2006/chart" xmlns:dgm="http://schemas.openxmlformats.org/drawingml/2006/diagram" xmlns:o="urn:schemas-microsoft-com:office:office" xmlns:v="urn:schemas-microsoft-com:vml" xmlns:pvml="urn:schemas-microsoft-com:office:powerpoint" xmlns:com="http://schemas.openxmlformats.org/drawingml/2006/compatibility" xmlns:p14="http://schemas.microsoft.com/office/powerpoint/2010/main" xmlns:p15="http://schemas.microsoft.com/office/powerpoint/2012/main" xmlns:ahyp="http://schemas.microsoft.com/office/drawing/2018/hyperlinkcolor" showMasterPhAnim="0" showMasterSp="0">
+<p:notes xmlns:a="http://schemas.openxmlformats.org/drawingml/2006/main" xmlns:r="http://schemas.openxmlformats.org/officeDocument/2006/relationships" xmlns:p="http://schemas.openxmlformats.org/presentationml/2006/main" showMasterSp="0" showMasterPhAnim="0">
   <p:cSld>
     <p:spTree>
       <p:nvGrpSpPr>
-        <p:cNvPr id="127" name="Shape 127"/>
+        <p:cNvPr id="1" name="Shape 127"/>
         <p:cNvGrpSpPr/>
         <p:nvPr/>
       </p:nvGrpSpPr>
@@ -1122,9 +1157,11 @@
       <p:sp>
         <p:nvSpPr>
           <p:cNvPr id="128" name="Google Shape;128;g29796951e82_0_140:notes"/>
-          <p:cNvSpPr/>
+          <p:cNvSpPr>
+            <a:spLocks noGrp="1" noRot="1" noChangeAspect="1"/>
+          </p:cNvSpPr>
           <p:nvPr>
-            <p:ph idx="2" type="sldImg"/>
+            <p:ph type="sldImg" idx="2"/>
           </p:nvPr>
         </p:nvSpPr>
         <p:spPr>
@@ -1133,9 +1170,13 @@
             <a:ext cx="6096000" cy="3429000"/>
           </a:xfrm>
           <a:custGeom>
-            <a:rect b="b" l="l" r="r" t="t"/>
+            <a:avLst/>
+            <a:gdLst/>
+            <a:ahLst/>
+            <a:cxnLst/>
+            <a:rect l="l" t="t" r="r" b="b"/>
             <a:pathLst>
-              <a:path extrusionOk="0" h="120000" w="120000">
+              <a:path w="120000" h="120000" extrusionOk="0">
                 <a:moveTo>
                   <a:pt x="0" y="0"/>
                 </a:moveTo>
@@ -1157,9 +1198,11 @@
       <p:sp>
         <p:nvSpPr>
           <p:cNvPr id="129" name="Google Shape;129;g29796951e82_0_140:notes"/>
-          <p:cNvSpPr txBox="1"/>
+          <p:cNvSpPr txBox="1">
+            <a:spLocks noGrp="1"/>
+          </p:cNvSpPr>
           <p:nvPr>
-            <p:ph idx="1" type="body"/>
+            <p:ph type="body" idx="1"/>
           </p:nvPr>
         </p:nvSpPr>
         <p:spPr>
@@ -1172,23 +1215,20 @@
           </a:prstGeom>
         </p:spPr>
         <p:txBody>
-          <a:bodyPr anchorCtr="0" anchor="t" bIns="91425" lIns="91425" spcFirstLastPara="1" rIns="91425" wrap="square" tIns="91425">
+          <a:bodyPr spcFirstLastPara="1" wrap="square" lIns="91425" tIns="91425" rIns="91425" bIns="91425" anchor="t" anchorCtr="0">
             <a:noAutofit/>
           </a:bodyPr>
           <a:lstStyle/>
           <a:p>
-            <a:pPr indent="0" lvl="0" marL="0" rtl="0" algn="l">
-              <a:spcBef>
-                <a:spcPts val="0"/>
-              </a:spcBef>
-              <a:spcAft>
-                <a:spcPts val="0"/>
-              </a:spcAft>
-              <a:buNone/>
-            </a:pPr>
-            <a:r>
-              <a:t/>
-            </a:r>
+            <a:pPr marL="0" lvl="0" indent="0" algn="l" rtl="0">
+              <a:spcBef>
+                <a:spcPts val="0"/>
+              </a:spcBef>
+              <a:spcAft>
+                <a:spcPts val="0"/>
+              </a:spcAft>
+              <a:buNone/>
+            </a:pPr>
             <a:endParaRPr/>
           </a:p>
         </p:txBody>
@@ -1202,11 +1242,11 @@
 </file>
 
 <file path=ppt/notesSlides/notesSlide14.xml><?xml version="1.0" encoding="utf-8"?>
-<p:notes xmlns:a="http://schemas.openxmlformats.org/drawingml/2006/main" xmlns:r="http://schemas.openxmlformats.org/officeDocument/2006/relationships" xmlns:mc="http://schemas.openxmlformats.org/markup-compatibility/2006" xmlns:mv="urn:schemas-microsoft-com:mac:vml" xmlns:p="http://schemas.openxmlformats.org/presentationml/2006/main" xmlns:c="http://schemas.openxmlformats.org/drawingml/2006/chart" xmlns:dgm="http://schemas.openxmlformats.org/drawingml/2006/diagram" xmlns:o="urn:schemas-microsoft-com:office:office" xmlns:v="urn:schemas-microsoft-com:vml" xmlns:pvml="urn:schemas-microsoft-com:office:powerpoint" xmlns:com="http://schemas.openxmlformats.org/drawingml/2006/compatibility" xmlns:p14="http://schemas.microsoft.com/office/powerpoint/2010/main" xmlns:p15="http://schemas.microsoft.com/office/powerpoint/2012/main" xmlns:ahyp="http://schemas.microsoft.com/office/drawing/2018/hyperlinkcolor" showMasterPhAnim="0" showMasterSp="0">
+<p:notes xmlns:a="http://schemas.openxmlformats.org/drawingml/2006/main" xmlns:r="http://schemas.openxmlformats.org/officeDocument/2006/relationships" xmlns:p="http://schemas.openxmlformats.org/presentationml/2006/main" showMasterSp="0" showMasterPhAnim="0">
   <p:cSld>
     <p:spTree>
       <p:nvGrpSpPr>
-        <p:cNvPr id="133" name="Shape 133"/>
+        <p:cNvPr id="1" name="Shape 133"/>
         <p:cNvGrpSpPr/>
         <p:nvPr/>
       </p:nvGrpSpPr>
@@ -1221,9 +1261,11 @@
       <p:sp>
         <p:nvSpPr>
           <p:cNvPr id="134" name="Google Shape;134;g29796951e82_0_145:notes"/>
-          <p:cNvSpPr/>
+          <p:cNvSpPr>
+            <a:spLocks noGrp="1" noRot="1" noChangeAspect="1"/>
+          </p:cNvSpPr>
           <p:nvPr>
-            <p:ph idx="2" type="sldImg"/>
+            <p:ph type="sldImg" idx="2"/>
           </p:nvPr>
         </p:nvSpPr>
         <p:spPr>
@@ -1232,9 +1274,13 @@
             <a:ext cx="6096000" cy="3429000"/>
           </a:xfrm>
           <a:custGeom>
-            <a:rect b="b" l="l" r="r" t="t"/>
+            <a:avLst/>
+            <a:gdLst/>
+            <a:ahLst/>
+            <a:cxnLst/>
+            <a:rect l="l" t="t" r="r" b="b"/>
             <a:pathLst>
-              <a:path extrusionOk="0" h="120000" w="120000">
+              <a:path w="120000" h="120000" extrusionOk="0">
                 <a:moveTo>
                   <a:pt x="0" y="0"/>
                 </a:moveTo>
@@ -1256,9 +1302,11 @@
       <p:sp>
         <p:nvSpPr>
           <p:cNvPr id="135" name="Google Shape;135;g29796951e82_0_145:notes"/>
-          <p:cNvSpPr txBox="1"/>
+          <p:cNvSpPr txBox="1">
+            <a:spLocks noGrp="1"/>
+          </p:cNvSpPr>
           <p:nvPr>
-            <p:ph idx="1" type="body"/>
+            <p:ph type="body" idx="1"/>
           </p:nvPr>
         </p:nvSpPr>
         <p:spPr>
@@ -1271,23 +1319,20 @@
           </a:prstGeom>
         </p:spPr>
         <p:txBody>
-          <a:bodyPr anchorCtr="0" anchor="t" bIns="91425" lIns="91425" spcFirstLastPara="1" rIns="91425" wrap="square" tIns="91425">
+          <a:bodyPr spcFirstLastPara="1" wrap="square" lIns="91425" tIns="91425" rIns="91425" bIns="91425" anchor="t" anchorCtr="0">
             <a:noAutofit/>
           </a:bodyPr>
           <a:lstStyle/>
           <a:p>
-            <a:pPr indent="0" lvl="0" marL="0" rtl="0" algn="l">
-              <a:spcBef>
-                <a:spcPts val="0"/>
-              </a:spcBef>
-              <a:spcAft>
-                <a:spcPts val="0"/>
-              </a:spcAft>
-              <a:buNone/>
-            </a:pPr>
-            <a:r>
-              <a:t/>
-            </a:r>
+            <a:pPr marL="0" lvl="0" indent="0" algn="l" rtl="0">
+              <a:spcBef>
+                <a:spcPts val="0"/>
+              </a:spcBef>
+              <a:spcAft>
+                <a:spcPts val="0"/>
+              </a:spcAft>
+              <a:buNone/>
+            </a:pPr>
             <a:endParaRPr/>
           </a:p>
         </p:txBody>
@@ -1301,11 +1346,11 @@
 </file>
 
 <file path=ppt/notesSlides/notesSlide15.xml><?xml version="1.0" encoding="utf-8"?>
-<p:notes xmlns:a="http://schemas.openxmlformats.org/drawingml/2006/main" xmlns:r="http://schemas.openxmlformats.org/officeDocument/2006/relationships" xmlns:mc="http://schemas.openxmlformats.org/markup-compatibility/2006" xmlns:mv="urn:schemas-microsoft-com:mac:vml" xmlns:p="http://schemas.openxmlformats.org/presentationml/2006/main" xmlns:c="http://schemas.openxmlformats.org/drawingml/2006/chart" xmlns:dgm="http://schemas.openxmlformats.org/drawingml/2006/diagram" xmlns:o="urn:schemas-microsoft-com:office:office" xmlns:v="urn:schemas-microsoft-com:vml" xmlns:pvml="urn:schemas-microsoft-com:office:powerpoint" xmlns:com="http://schemas.openxmlformats.org/drawingml/2006/compatibility" xmlns:p14="http://schemas.microsoft.com/office/powerpoint/2010/main" xmlns:p15="http://schemas.microsoft.com/office/powerpoint/2012/main" xmlns:ahyp="http://schemas.microsoft.com/office/drawing/2018/hyperlinkcolor" showMasterPhAnim="0" showMasterSp="0">
+<p:notes xmlns:a="http://schemas.openxmlformats.org/drawingml/2006/main" xmlns:r="http://schemas.openxmlformats.org/officeDocument/2006/relationships" xmlns:p="http://schemas.openxmlformats.org/presentationml/2006/main" showMasterSp="0" showMasterPhAnim="0">
   <p:cSld>
     <p:spTree>
       <p:nvGrpSpPr>
-        <p:cNvPr id="141" name="Shape 141"/>
+        <p:cNvPr id="1" name="Shape 141"/>
         <p:cNvGrpSpPr/>
         <p:nvPr/>
       </p:nvGrpSpPr>
@@ -1320,9 +1365,11 @@
       <p:sp>
         <p:nvSpPr>
           <p:cNvPr id="142" name="Google Shape;142;g29796951e82_0_154:notes"/>
-          <p:cNvSpPr/>
+          <p:cNvSpPr>
+            <a:spLocks noGrp="1" noRot="1" noChangeAspect="1"/>
+          </p:cNvSpPr>
           <p:nvPr>
-            <p:ph idx="2" type="sldImg"/>
+            <p:ph type="sldImg" idx="2"/>
           </p:nvPr>
         </p:nvSpPr>
         <p:spPr>
@@ -1331,9 +1378,13 @@
             <a:ext cx="6096000" cy="3429000"/>
           </a:xfrm>
           <a:custGeom>
-            <a:rect b="b" l="l" r="r" t="t"/>
+            <a:avLst/>
+            <a:gdLst/>
+            <a:ahLst/>
+            <a:cxnLst/>
+            <a:rect l="l" t="t" r="r" b="b"/>
             <a:pathLst>
-              <a:path extrusionOk="0" h="120000" w="120000">
+              <a:path w="120000" h="120000" extrusionOk="0">
                 <a:moveTo>
                   <a:pt x="0" y="0"/>
                 </a:moveTo>
@@ -1355,9 +1406,11 @@
       <p:sp>
         <p:nvSpPr>
           <p:cNvPr id="143" name="Google Shape;143;g29796951e82_0_154:notes"/>
-          <p:cNvSpPr txBox="1"/>
+          <p:cNvSpPr txBox="1">
+            <a:spLocks noGrp="1"/>
+          </p:cNvSpPr>
           <p:nvPr>
-            <p:ph idx="1" type="body"/>
+            <p:ph type="body" idx="1"/>
           </p:nvPr>
         </p:nvSpPr>
         <p:spPr>
@@ -1370,23 +1423,20 @@
           </a:prstGeom>
         </p:spPr>
         <p:txBody>
-          <a:bodyPr anchorCtr="0" anchor="t" bIns="91425" lIns="91425" spcFirstLastPara="1" rIns="91425" wrap="square" tIns="91425">
+          <a:bodyPr spcFirstLastPara="1" wrap="square" lIns="91425" tIns="91425" rIns="91425" bIns="91425" anchor="t" anchorCtr="0">
             <a:noAutofit/>
           </a:bodyPr>
           <a:lstStyle/>
           <a:p>
-            <a:pPr indent="0" lvl="0" marL="0" rtl="0" algn="l">
-              <a:spcBef>
-                <a:spcPts val="0"/>
-              </a:spcBef>
-              <a:spcAft>
-                <a:spcPts val="0"/>
-              </a:spcAft>
-              <a:buNone/>
-            </a:pPr>
-            <a:r>
-              <a:t/>
-            </a:r>
+            <a:pPr marL="0" lvl="0" indent="0" algn="l" rtl="0">
+              <a:spcBef>
+                <a:spcPts val="0"/>
+              </a:spcBef>
+              <a:spcAft>
+                <a:spcPts val="0"/>
+              </a:spcAft>
+              <a:buNone/>
+            </a:pPr>
             <a:endParaRPr/>
           </a:p>
         </p:txBody>
@@ -1400,11 +1450,11 @@
 </file>
 
 <file path=ppt/notesSlides/notesSlide16.xml><?xml version="1.0" encoding="utf-8"?>
-<p:notes xmlns:a="http://schemas.openxmlformats.org/drawingml/2006/main" xmlns:r="http://schemas.openxmlformats.org/officeDocument/2006/relationships" xmlns:mc="http://schemas.openxmlformats.org/markup-compatibility/2006" xmlns:mv="urn:schemas-microsoft-com:mac:vml" xmlns:p="http://schemas.openxmlformats.org/presentationml/2006/main" xmlns:c="http://schemas.openxmlformats.org/drawingml/2006/chart" xmlns:dgm="http://schemas.openxmlformats.org/drawingml/2006/diagram" xmlns:o="urn:schemas-microsoft-com:office:office" xmlns:v="urn:schemas-microsoft-com:vml" xmlns:pvml="urn:schemas-microsoft-com:office:powerpoint" xmlns:com="http://schemas.openxmlformats.org/drawingml/2006/compatibility" xmlns:p14="http://schemas.microsoft.com/office/powerpoint/2010/main" xmlns:p15="http://schemas.microsoft.com/office/powerpoint/2012/main" xmlns:ahyp="http://schemas.microsoft.com/office/drawing/2018/hyperlinkcolor" showMasterPhAnim="0" showMasterSp="0">
+<p:notes xmlns:a="http://schemas.openxmlformats.org/drawingml/2006/main" xmlns:r="http://schemas.openxmlformats.org/officeDocument/2006/relationships" xmlns:p="http://schemas.openxmlformats.org/presentationml/2006/main" showMasterSp="0" showMasterPhAnim="0">
   <p:cSld>
     <p:spTree>
       <p:nvGrpSpPr>
-        <p:cNvPr id="147" name="Shape 147"/>
+        <p:cNvPr id="1" name="Shape 147"/>
         <p:cNvGrpSpPr/>
         <p:nvPr/>
       </p:nvGrpSpPr>
@@ -1419,9 +1469,11 @@
       <p:sp>
         <p:nvSpPr>
           <p:cNvPr id="148" name="Google Shape;148;g29796951e82_0_159:notes"/>
-          <p:cNvSpPr/>
+          <p:cNvSpPr>
+            <a:spLocks noGrp="1" noRot="1" noChangeAspect="1"/>
+          </p:cNvSpPr>
           <p:nvPr>
-            <p:ph idx="2" type="sldImg"/>
+            <p:ph type="sldImg" idx="2"/>
           </p:nvPr>
         </p:nvSpPr>
         <p:spPr>
@@ -1430,9 +1482,13 @@
             <a:ext cx="6096000" cy="3429000"/>
           </a:xfrm>
           <a:custGeom>
-            <a:rect b="b" l="l" r="r" t="t"/>
+            <a:avLst/>
+            <a:gdLst/>
+            <a:ahLst/>
+            <a:cxnLst/>
+            <a:rect l="l" t="t" r="r" b="b"/>
             <a:pathLst>
-              <a:path extrusionOk="0" h="120000" w="120000">
+              <a:path w="120000" h="120000" extrusionOk="0">
                 <a:moveTo>
                   <a:pt x="0" y="0"/>
                 </a:moveTo>
@@ -1454,9 +1510,11 @@
       <p:sp>
         <p:nvSpPr>
           <p:cNvPr id="149" name="Google Shape;149;g29796951e82_0_159:notes"/>
-          <p:cNvSpPr txBox="1"/>
+          <p:cNvSpPr txBox="1">
+            <a:spLocks noGrp="1"/>
+          </p:cNvSpPr>
           <p:nvPr>
-            <p:ph idx="1" type="body"/>
+            <p:ph type="body" idx="1"/>
           </p:nvPr>
         </p:nvSpPr>
         <p:spPr>
@@ -1469,23 +1527,20 @@
           </a:prstGeom>
         </p:spPr>
         <p:txBody>
-          <a:bodyPr anchorCtr="0" anchor="t" bIns="91425" lIns="91425" spcFirstLastPara="1" rIns="91425" wrap="square" tIns="91425">
+          <a:bodyPr spcFirstLastPara="1" wrap="square" lIns="91425" tIns="91425" rIns="91425" bIns="91425" anchor="t" anchorCtr="0">
             <a:noAutofit/>
           </a:bodyPr>
           <a:lstStyle/>
           <a:p>
-            <a:pPr indent="0" lvl="0" marL="0" rtl="0" algn="l">
-              <a:spcBef>
-                <a:spcPts val="0"/>
-              </a:spcBef>
-              <a:spcAft>
-                <a:spcPts val="0"/>
-              </a:spcAft>
-              <a:buNone/>
-            </a:pPr>
-            <a:r>
-              <a:t/>
-            </a:r>
+            <a:pPr marL="0" lvl="0" indent="0" algn="l" rtl="0">
+              <a:spcBef>
+                <a:spcPts val="0"/>
+              </a:spcBef>
+              <a:spcAft>
+                <a:spcPts val="0"/>
+              </a:spcAft>
+              <a:buNone/>
+            </a:pPr>
             <a:endParaRPr/>
           </a:p>
         </p:txBody>
@@ -1499,11 +1554,11 @@
 </file>
 
 <file path=ppt/notesSlides/notesSlide17.xml><?xml version="1.0" encoding="utf-8"?>
-<p:notes xmlns:a="http://schemas.openxmlformats.org/drawingml/2006/main" xmlns:r="http://schemas.openxmlformats.org/officeDocument/2006/relationships" xmlns:mc="http://schemas.openxmlformats.org/markup-compatibility/2006" xmlns:mv="urn:schemas-microsoft-com:mac:vml" xmlns:p="http://schemas.openxmlformats.org/presentationml/2006/main" xmlns:c="http://schemas.openxmlformats.org/drawingml/2006/chart" xmlns:dgm="http://schemas.openxmlformats.org/drawingml/2006/diagram" xmlns:o="urn:schemas-microsoft-com:office:office" xmlns:v="urn:schemas-microsoft-com:vml" xmlns:pvml="urn:schemas-microsoft-com:office:powerpoint" xmlns:com="http://schemas.openxmlformats.org/drawingml/2006/compatibility" xmlns:p14="http://schemas.microsoft.com/office/powerpoint/2010/main" xmlns:p15="http://schemas.microsoft.com/office/powerpoint/2012/main" xmlns:ahyp="http://schemas.microsoft.com/office/drawing/2018/hyperlinkcolor" showMasterPhAnim="0" showMasterSp="0">
+<p:notes xmlns:a="http://schemas.openxmlformats.org/drawingml/2006/main" xmlns:r="http://schemas.openxmlformats.org/officeDocument/2006/relationships" xmlns:p="http://schemas.openxmlformats.org/presentationml/2006/main" showMasterSp="0" showMasterPhAnim="0">
   <p:cSld>
     <p:spTree>
       <p:nvGrpSpPr>
-        <p:cNvPr id="154" name="Shape 154"/>
+        <p:cNvPr id="1" name="Shape 154"/>
         <p:cNvGrpSpPr/>
         <p:nvPr/>
       </p:nvGrpSpPr>
@@ -1518,9 +1573,11 @@
       <p:sp>
         <p:nvSpPr>
           <p:cNvPr id="155" name="Google Shape;155;g29796951e82_0_166:notes"/>
-          <p:cNvSpPr/>
+          <p:cNvSpPr>
+            <a:spLocks noGrp="1" noRot="1" noChangeAspect="1"/>
+          </p:cNvSpPr>
           <p:nvPr>
-            <p:ph idx="2" type="sldImg"/>
+            <p:ph type="sldImg" idx="2"/>
           </p:nvPr>
         </p:nvSpPr>
         <p:spPr>
@@ -1529,9 +1586,13 @@
             <a:ext cx="6096000" cy="3429000"/>
           </a:xfrm>
           <a:custGeom>
-            <a:rect b="b" l="l" r="r" t="t"/>
+            <a:avLst/>
+            <a:gdLst/>
+            <a:ahLst/>
+            <a:cxnLst/>
+            <a:rect l="l" t="t" r="r" b="b"/>
             <a:pathLst>
-              <a:path extrusionOk="0" h="120000" w="120000">
+              <a:path w="120000" h="120000" extrusionOk="0">
                 <a:moveTo>
                   <a:pt x="0" y="0"/>
                 </a:moveTo>
@@ -1553,9 +1614,11 @@
       <p:sp>
         <p:nvSpPr>
           <p:cNvPr id="156" name="Google Shape;156;g29796951e82_0_166:notes"/>
-          <p:cNvSpPr txBox="1"/>
+          <p:cNvSpPr txBox="1">
+            <a:spLocks noGrp="1"/>
+          </p:cNvSpPr>
           <p:nvPr>
-            <p:ph idx="1" type="body"/>
+            <p:ph type="body" idx="1"/>
           </p:nvPr>
         </p:nvSpPr>
         <p:spPr>
@@ -1568,23 +1631,20 @@
           </a:prstGeom>
         </p:spPr>
         <p:txBody>
-          <a:bodyPr anchorCtr="0" anchor="t" bIns="91425" lIns="91425" spcFirstLastPara="1" rIns="91425" wrap="square" tIns="91425">
+          <a:bodyPr spcFirstLastPara="1" wrap="square" lIns="91425" tIns="91425" rIns="91425" bIns="91425" anchor="t" anchorCtr="0">
             <a:noAutofit/>
           </a:bodyPr>
           <a:lstStyle/>
           <a:p>
-            <a:pPr indent="0" lvl="0" marL="0" rtl="0" algn="l">
-              <a:spcBef>
-                <a:spcPts val="0"/>
-              </a:spcBef>
-              <a:spcAft>
-                <a:spcPts val="0"/>
-              </a:spcAft>
-              <a:buNone/>
-            </a:pPr>
-            <a:r>
-              <a:t/>
-            </a:r>
+            <a:pPr marL="0" lvl="0" indent="0" algn="l" rtl="0">
+              <a:spcBef>
+                <a:spcPts val="0"/>
+              </a:spcBef>
+              <a:spcAft>
+                <a:spcPts val="0"/>
+              </a:spcAft>
+              <a:buNone/>
+            </a:pPr>
             <a:endParaRPr/>
           </a:p>
         </p:txBody>
@@ -1598,11 +1658,11 @@
 </file>
 
 <file path=ppt/notesSlides/notesSlide18.xml><?xml version="1.0" encoding="utf-8"?>
-<p:notes xmlns:a="http://schemas.openxmlformats.org/drawingml/2006/main" xmlns:r="http://schemas.openxmlformats.org/officeDocument/2006/relationships" xmlns:mc="http://schemas.openxmlformats.org/markup-compatibility/2006" xmlns:mv="urn:schemas-microsoft-com:mac:vml" xmlns:p="http://schemas.openxmlformats.org/presentationml/2006/main" xmlns:c="http://schemas.openxmlformats.org/drawingml/2006/chart" xmlns:dgm="http://schemas.openxmlformats.org/drawingml/2006/diagram" xmlns:o="urn:schemas-microsoft-com:office:office" xmlns:v="urn:schemas-microsoft-com:vml" xmlns:pvml="urn:schemas-microsoft-com:office:powerpoint" xmlns:com="http://schemas.openxmlformats.org/drawingml/2006/compatibility" xmlns:p14="http://schemas.microsoft.com/office/powerpoint/2010/main" xmlns:p15="http://schemas.microsoft.com/office/powerpoint/2012/main" xmlns:ahyp="http://schemas.microsoft.com/office/drawing/2018/hyperlinkcolor" showMasterPhAnim="0" showMasterSp="0">
+<p:notes xmlns:a="http://schemas.openxmlformats.org/drawingml/2006/main" xmlns:r="http://schemas.openxmlformats.org/officeDocument/2006/relationships" xmlns:p="http://schemas.openxmlformats.org/presentationml/2006/main" showMasterSp="0" showMasterPhAnim="0">
   <p:cSld>
     <p:spTree>
       <p:nvGrpSpPr>
-        <p:cNvPr id="161" name="Shape 161"/>
+        <p:cNvPr id="1" name="Shape 161"/>
         <p:cNvGrpSpPr/>
         <p:nvPr/>
       </p:nvGrpSpPr>
@@ -1617,9 +1677,11 @@
       <p:sp>
         <p:nvSpPr>
           <p:cNvPr id="162" name="Google Shape;162;g29796951e82_0_175:notes"/>
-          <p:cNvSpPr/>
+          <p:cNvSpPr>
+            <a:spLocks noGrp="1" noRot="1" noChangeAspect="1"/>
+          </p:cNvSpPr>
           <p:nvPr>
-            <p:ph idx="2" type="sldImg"/>
+            <p:ph type="sldImg" idx="2"/>
           </p:nvPr>
         </p:nvSpPr>
         <p:spPr>
@@ -1628,9 +1690,13 @@
             <a:ext cx="6096000" cy="3429000"/>
           </a:xfrm>
           <a:custGeom>
-            <a:rect b="b" l="l" r="r" t="t"/>
+            <a:avLst/>
+            <a:gdLst/>
+            <a:ahLst/>
+            <a:cxnLst/>
+            <a:rect l="l" t="t" r="r" b="b"/>
             <a:pathLst>
-              <a:path extrusionOk="0" h="120000" w="120000">
+              <a:path w="120000" h="120000" extrusionOk="0">
                 <a:moveTo>
                   <a:pt x="0" y="0"/>
                 </a:moveTo>
@@ -1652,9 +1718,11 @@
       <p:sp>
         <p:nvSpPr>
           <p:cNvPr id="163" name="Google Shape;163;g29796951e82_0_175:notes"/>
-          <p:cNvSpPr txBox="1"/>
+          <p:cNvSpPr txBox="1">
+            <a:spLocks noGrp="1"/>
+          </p:cNvSpPr>
           <p:nvPr>
-            <p:ph idx="1" type="body"/>
+            <p:ph type="body" idx="1"/>
           </p:nvPr>
         </p:nvSpPr>
         <p:spPr>
@@ -1667,23 +1735,20 @@
           </a:prstGeom>
         </p:spPr>
         <p:txBody>
-          <a:bodyPr anchorCtr="0" anchor="t" bIns="91425" lIns="91425" spcFirstLastPara="1" rIns="91425" wrap="square" tIns="91425">
+          <a:bodyPr spcFirstLastPara="1" wrap="square" lIns="91425" tIns="91425" rIns="91425" bIns="91425" anchor="t" anchorCtr="0">
             <a:noAutofit/>
           </a:bodyPr>
           <a:lstStyle/>
           <a:p>
-            <a:pPr indent="0" lvl="0" marL="0" rtl="0" algn="l">
-              <a:spcBef>
-                <a:spcPts val="0"/>
-              </a:spcBef>
-              <a:spcAft>
-                <a:spcPts val="0"/>
-              </a:spcAft>
-              <a:buNone/>
-            </a:pPr>
-            <a:r>
-              <a:t/>
-            </a:r>
+            <a:pPr marL="0" lvl="0" indent="0" algn="l" rtl="0">
+              <a:spcBef>
+                <a:spcPts val="0"/>
+              </a:spcBef>
+              <a:spcAft>
+                <a:spcPts val="0"/>
+              </a:spcAft>
+              <a:buNone/>
+            </a:pPr>
             <a:endParaRPr/>
           </a:p>
         </p:txBody>
@@ -1697,11 +1762,11 @@
 </file>
 
 <file path=ppt/notesSlides/notesSlide19.xml><?xml version="1.0" encoding="utf-8"?>
-<p:notes xmlns:a="http://schemas.openxmlformats.org/drawingml/2006/main" xmlns:r="http://schemas.openxmlformats.org/officeDocument/2006/relationships" xmlns:mc="http://schemas.openxmlformats.org/markup-compatibility/2006" xmlns:mv="urn:schemas-microsoft-com:mac:vml" xmlns:p="http://schemas.openxmlformats.org/presentationml/2006/main" xmlns:c="http://schemas.openxmlformats.org/drawingml/2006/chart" xmlns:dgm="http://schemas.openxmlformats.org/drawingml/2006/diagram" xmlns:o="urn:schemas-microsoft-com:office:office" xmlns:v="urn:schemas-microsoft-com:vml" xmlns:pvml="urn:schemas-microsoft-com:office:powerpoint" xmlns:com="http://schemas.openxmlformats.org/drawingml/2006/compatibility" xmlns:p14="http://schemas.microsoft.com/office/powerpoint/2010/main" xmlns:p15="http://schemas.microsoft.com/office/powerpoint/2012/main" xmlns:ahyp="http://schemas.microsoft.com/office/drawing/2018/hyperlinkcolor" showMasterPhAnim="0" showMasterSp="0">
+<p:notes xmlns:a="http://schemas.openxmlformats.org/drawingml/2006/main" xmlns:r="http://schemas.openxmlformats.org/officeDocument/2006/relationships" xmlns:p="http://schemas.openxmlformats.org/presentationml/2006/main" showMasterSp="0" showMasterPhAnim="0">
   <p:cSld>
     <p:spTree>
       <p:nvGrpSpPr>
-        <p:cNvPr id="168" name="Shape 168"/>
+        <p:cNvPr id="1" name="Shape 168"/>
         <p:cNvGrpSpPr/>
         <p:nvPr/>
       </p:nvGrpSpPr>
@@ -1716,9 +1781,11 @@
       <p:sp>
         <p:nvSpPr>
           <p:cNvPr id="169" name="Google Shape;169;g29796951e82_0_181:notes"/>
-          <p:cNvSpPr/>
+          <p:cNvSpPr>
+            <a:spLocks noGrp="1" noRot="1" noChangeAspect="1"/>
+          </p:cNvSpPr>
           <p:nvPr>
-            <p:ph idx="2" type="sldImg"/>
+            <p:ph type="sldImg" idx="2"/>
           </p:nvPr>
         </p:nvSpPr>
         <p:spPr>
@@ -1727,9 +1794,13 @@
             <a:ext cx="6096000" cy="3429000"/>
           </a:xfrm>
           <a:custGeom>
-            <a:rect b="b" l="l" r="r" t="t"/>
+            <a:avLst/>
+            <a:gdLst/>
+            <a:ahLst/>
+            <a:cxnLst/>
+            <a:rect l="l" t="t" r="r" b="b"/>
             <a:pathLst>
-              <a:path extrusionOk="0" h="120000" w="120000">
+              <a:path w="120000" h="120000" extrusionOk="0">
                 <a:moveTo>
                   <a:pt x="0" y="0"/>
                 </a:moveTo>
@@ -1751,9 +1822,11 @@
       <p:sp>
         <p:nvSpPr>
           <p:cNvPr id="170" name="Google Shape;170;g29796951e82_0_181:notes"/>
-          <p:cNvSpPr txBox="1"/>
+          <p:cNvSpPr txBox="1">
+            <a:spLocks noGrp="1"/>
+          </p:cNvSpPr>
           <p:nvPr>
-            <p:ph idx="1" type="body"/>
+            <p:ph type="body" idx="1"/>
           </p:nvPr>
         </p:nvSpPr>
         <p:spPr>
@@ -1766,23 +1839,20 @@
           </a:prstGeom>
         </p:spPr>
         <p:txBody>
-          <a:bodyPr anchorCtr="0" anchor="t" bIns="91425" lIns="91425" spcFirstLastPara="1" rIns="91425" wrap="square" tIns="91425">
+          <a:bodyPr spcFirstLastPara="1" wrap="square" lIns="91425" tIns="91425" rIns="91425" bIns="91425" anchor="t" anchorCtr="0">
             <a:noAutofit/>
           </a:bodyPr>
           <a:lstStyle/>
           <a:p>
-            <a:pPr indent="0" lvl="0" marL="0" rtl="0" algn="l">
-              <a:spcBef>
-                <a:spcPts val="0"/>
-              </a:spcBef>
-              <a:spcAft>
-                <a:spcPts val="0"/>
-              </a:spcAft>
-              <a:buNone/>
-            </a:pPr>
-            <a:r>
-              <a:t/>
-            </a:r>
+            <a:pPr marL="0" lvl="0" indent="0" algn="l" rtl="0">
+              <a:spcBef>
+                <a:spcPts val="0"/>
+              </a:spcBef>
+              <a:spcAft>
+                <a:spcPts val="0"/>
+              </a:spcAft>
+              <a:buNone/>
+            </a:pPr>
             <a:endParaRPr/>
           </a:p>
         </p:txBody>
@@ -1796,11 +1866,11 @@
 </file>
 
 <file path=ppt/notesSlides/notesSlide2.xml><?xml version="1.0" encoding="utf-8"?>
-<p:notes xmlns:a="http://schemas.openxmlformats.org/drawingml/2006/main" xmlns:r="http://schemas.openxmlformats.org/officeDocument/2006/relationships" xmlns:mc="http://schemas.openxmlformats.org/markup-compatibility/2006" xmlns:mv="urn:schemas-microsoft-com:mac:vml" xmlns:p="http://schemas.openxmlformats.org/presentationml/2006/main" xmlns:c="http://schemas.openxmlformats.org/drawingml/2006/chart" xmlns:dgm="http://schemas.openxmlformats.org/drawingml/2006/diagram" xmlns:o="urn:schemas-microsoft-com:office:office" xmlns:v="urn:schemas-microsoft-com:vml" xmlns:pvml="urn:schemas-microsoft-com:office:powerpoint" xmlns:com="http://schemas.openxmlformats.org/drawingml/2006/compatibility" xmlns:p14="http://schemas.microsoft.com/office/powerpoint/2010/main" xmlns:p15="http://schemas.microsoft.com/office/powerpoint/2012/main" xmlns:ahyp="http://schemas.microsoft.com/office/drawing/2018/hyperlinkcolor" showMasterPhAnim="0" showMasterSp="0">
+<p:notes xmlns:a="http://schemas.openxmlformats.org/drawingml/2006/main" xmlns:r="http://schemas.openxmlformats.org/officeDocument/2006/relationships" xmlns:p="http://schemas.openxmlformats.org/presentationml/2006/main" showMasterSp="0" showMasterPhAnim="0">
   <p:cSld>
     <p:spTree>
       <p:nvGrpSpPr>
-        <p:cNvPr id="56" name="Shape 56"/>
+        <p:cNvPr id="1" name="Shape 56"/>
         <p:cNvGrpSpPr/>
         <p:nvPr/>
       </p:nvGrpSpPr>
@@ -1815,9 +1885,11 @@
       <p:sp>
         <p:nvSpPr>
           <p:cNvPr id="57" name="Google Shape;57;g2979489d2d8_4_3:notes"/>
-          <p:cNvSpPr/>
+          <p:cNvSpPr>
+            <a:spLocks noGrp="1" noRot="1" noChangeAspect="1"/>
+          </p:cNvSpPr>
           <p:nvPr>
-            <p:ph idx="2" type="sldImg"/>
+            <p:ph type="sldImg" idx="2"/>
           </p:nvPr>
         </p:nvSpPr>
         <p:spPr>
@@ -1826,9 +1898,13 @@
             <a:ext cx="6096000" cy="3429000"/>
           </a:xfrm>
           <a:custGeom>
-            <a:rect b="b" l="l" r="r" t="t"/>
+            <a:avLst/>
+            <a:gdLst/>
+            <a:ahLst/>
+            <a:cxnLst/>
+            <a:rect l="l" t="t" r="r" b="b"/>
             <a:pathLst>
-              <a:path extrusionOk="0" h="120000" w="120000">
+              <a:path w="120000" h="120000" extrusionOk="0">
                 <a:moveTo>
                   <a:pt x="0" y="0"/>
                 </a:moveTo>
@@ -1850,9 +1926,11 @@
       <p:sp>
         <p:nvSpPr>
           <p:cNvPr id="58" name="Google Shape;58;g2979489d2d8_4_3:notes"/>
-          <p:cNvSpPr txBox="1"/>
+          <p:cNvSpPr txBox="1">
+            <a:spLocks noGrp="1"/>
+          </p:cNvSpPr>
           <p:nvPr>
-            <p:ph idx="1" type="body"/>
+            <p:ph type="body" idx="1"/>
           </p:nvPr>
         </p:nvSpPr>
         <p:spPr>
@@ -1865,23 +1943,20 @@
           </a:prstGeom>
         </p:spPr>
         <p:txBody>
-          <a:bodyPr anchorCtr="0" anchor="t" bIns="91425" lIns="91425" spcFirstLastPara="1" rIns="91425" wrap="square" tIns="91425">
+          <a:bodyPr spcFirstLastPara="1" wrap="square" lIns="91425" tIns="91425" rIns="91425" bIns="91425" anchor="t" anchorCtr="0">
             <a:noAutofit/>
           </a:bodyPr>
           <a:lstStyle/>
           <a:p>
-            <a:pPr indent="0" lvl="0" marL="0" rtl="0" algn="l">
-              <a:spcBef>
-                <a:spcPts val="0"/>
-              </a:spcBef>
-              <a:spcAft>
-                <a:spcPts val="0"/>
-              </a:spcAft>
-              <a:buNone/>
-            </a:pPr>
-            <a:r>
-              <a:t/>
-            </a:r>
+            <a:pPr marL="0" lvl="0" indent="0" algn="l" rtl="0">
+              <a:spcBef>
+                <a:spcPts val="0"/>
+              </a:spcBef>
+              <a:spcAft>
+                <a:spcPts val="0"/>
+              </a:spcAft>
+              <a:buNone/>
+            </a:pPr>
             <a:endParaRPr/>
           </a:p>
         </p:txBody>
@@ -1895,11 +1970,11 @@
 </file>
 
 <file path=ppt/notesSlides/notesSlide20.xml><?xml version="1.0" encoding="utf-8"?>
-<p:notes xmlns:a="http://schemas.openxmlformats.org/drawingml/2006/main" xmlns:r="http://schemas.openxmlformats.org/officeDocument/2006/relationships" xmlns:mc="http://schemas.openxmlformats.org/markup-compatibility/2006" xmlns:mv="urn:schemas-microsoft-com:mac:vml" xmlns:p="http://schemas.openxmlformats.org/presentationml/2006/main" xmlns:c="http://schemas.openxmlformats.org/drawingml/2006/chart" xmlns:dgm="http://schemas.openxmlformats.org/drawingml/2006/diagram" xmlns:o="urn:schemas-microsoft-com:office:office" xmlns:v="urn:schemas-microsoft-com:vml" xmlns:pvml="urn:schemas-microsoft-com:office:powerpoint" xmlns:com="http://schemas.openxmlformats.org/drawingml/2006/compatibility" xmlns:p14="http://schemas.microsoft.com/office/powerpoint/2010/main" xmlns:p15="http://schemas.microsoft.com/office/powerpoint/2012/main" xmlns:ahyp="http://schemas.microsoft.com/office/drawing/2018/hyperlinkcolor" showMasterPhAnim="0" showMasterSp="0">
+<p:notes xmlns:a="http://schemas.openxmlformats.org/drawingml/2006/main" xmlns:r="http://schemas.openxmlformats.org/officeDocument/2006/relationships" xmlns:p="http://schemas.openxmlformats.org/presentationml/2006/main" showMasterSp="0" showMasterPhAnim="0">
   <p:cSld>
     <p:spTree>
       <p:nvGrpSpPr>
-        <p:cNvPr id="175" name="Shape 175"/>
+        <p:cNvPr id="1" name="Shape 175"/>
         <p:cNvGrpSpPr/>
         <p:nvPr/>
       </p:nvGrpSpPr>
@@ -1914,9 +1989,11 @@
       <p:sp>
         <p:nvSpPr>
           <p:cNvPr id="176" name="Google Shape;176;g29796951e82_0_188:notes"/>
-          <p:cNvSpPr/>
+          <p:cNvSpPr>
+            <a:spLocks noGrp="1" noRot="1" noChangeAspect="1"/>
+          </p:cNvSpPr>
           <p:nvPr>
-            <p:ph idx="2" type="sldImg"/>
+            <p:ph type="sldImg" idx="2"/>
           </p:nvPr>
         </p:nvSpPr>
         <p:spPr>
@@ -1925,9 +2002,13 @@
             <a:ext cx="6096000" cy="3429000"/>
           </a:xfrm>
           <a:custGeom>
-            <a:rect b="b" l="l" r="r" t="t"/>
+            <a:avLst/>
+            <a:gdLst/>
+            <a:ahLst/>
+            <a:cxnLst/>
+            <a:rect l="l" t="t" r="r" b="b"/>
             <a:pathLst>
-              <a:path extrusionOk="0" h="120000" w="120000">
+              <a:path w="120000" h="120000" extrusionOk="0">
                 <a:moveTo>
                   <a:pt x="0" y="0"/>
                 </a:moveTo>
@@ -1949,9 +2030,11 @@
       <p:sp>
         <p:nvSpPr>
           <p:cNvPr id="177" name="Google Shape;177;g29796951e82_0_188:notes"/>
-          <p:cNvSpPr txBox="1"/>
+          <p:cNvSpPr txBox="1">
+            <a:spLocks noGrp="1"/>
+          </p:cNvSpPr>
           <p:nvPr>
-            <p:ph idx="1" type="body"/>
+            <p:ph type="body" idx="1"/>
           </p:nvPr>
         </p:nvSpPr>
         <p:spPr>
@@ -1964,23 +2047,20 @@
           </a:prstGeom>
         </p:spPr>
         <p:txBody>
-          <a:bodyPr anchorCtr="0" anchor="t" bIns="91425" lIns="91425" spcFirstLastPara="1" rIns="91425" wrap="square" tIns="91425">
+          <a:bodyPr spcFirstLastPara="1" wrap="square" lIns="91425" tIns="91425" rIns="91425" bIns="91425" anchor="t" anchorCtr="0">
             <a:noAutofit/>
           </a:bodyPr>
           <a:lstStyle/>
           <a:p>
-            <a:pPr indent="0" lvl="0" marL="0" rtl="0" algn="l">
-              <a:spcBef>
-                <a:spcPts val="0"/>
-              </a:spcBef>
-              <a:spcAft>
-                <a:spcPts val="0"/>
-              </a:spcAft>
-              <a:buNone/>
-            </a:pPr>
-            <a:r>
-              <a:t/>
-            </a:r>
+            <a:pPr marL="0" lvl="0" indent="0" algn="l" rtl="0">
+              <a:spcBef>
+                <a:spcPts val="0"/>
+              </a:spcBef>
+              <a:spcAft>
+                <a:spcPts val="0"/>
+              </a:spcAft>
+              <a:buNone/>
+            </a:pPr>
             <a:endParaRPr/>
           </a:p>
         </p:txBody>
@@ -1994,11 +2074,11 @@
 </file>
 
 <file path=ppt/notesSlides/notesSlide21.xml><?xml version="1.0" encoding="utf-8"?>
-<p:notes xmlns:a="http://schemas.openxmlformats.org/drawingml/2006/main" xmlns:r="http://schemas.openxmlformats.org/officeDocument/2006/relationships" xmlns:mc="http://schemas.openxmlformats.org/markup-compatibility/2006" xmlns:mv="urn:schemas-microsoft-com:mac:vml" xmlns:p="http://schemas.openxmlformats.org/presentationml/2006/main" xmlns:c="http://schemas.openxmlformats.org/drawingml/2006/chart" xmlns:dgm="http://schemas.openxmlformats.org/drawingml/2006/diagram" xmlns:o="urn:schemas-microsoft-com:office:office" xmlns:v="urn:schemas-microsoft-com:vml" xmlns:pvml="urn:schemas-microsoft-com:office:powerpoint" xmlns:com="http://schemas.openxmlformats.org/drawingml/2006/compatibility" xmlns:p14="http://schemas.microsoft.com/office/powerpoint/2010/main" xmlns:p15="http://schemas.microsoft.com/office/powerpoint/2012/main" xmlns:ahyp="http://schemas.microsoft.com/office/drawing/2018/hyperlinkcolor" showMasterPhAnim="0" showMasterSp="0">
+<p:notes xmlns:a="http://schemas.openxmlformats.org/drawingml/2006/main" xmlns:r="http://schemas.openxmlformats.org/officeDocument/2006/relationships" xmlns:p="http://schemas.openxmlformats.org/presentationml/2006/main" showMasterSp="0" showMasterPhAnim="0">
   <p:cSld>
     <p:spTree>
       <p:nvGrpSpPr>
-        <p:cNvPr id="181" name="Shape 181"/>
+        <p:cNvPr id="1" name="Shape 181"/>
         <p:cNvGrpSpPr/>
         <p:nvPr/>
       </p:nvGrpSpPr>
@@ -2013,9 +2093,11 @@
       <p:sp>
         <p:nvSpPr>
           <p:cNvPr id="182" name="Google Shape;182;g29796951e82_0_193:notes"/>
-          <p:cNvSpPr/>
+          <p:cNvSpPr>
+            <a:spLocks noGrp="1" noRot="1" noChangeAspect="1"/>
+          </p:cNvSpPr>
           <p:nvPr>
-            <p:ph idx="2" type="sldImg"/>
+            <p:ph type="sldImg" idx="2"/>
           </p:nvPr>
         </p:nvSpPr>
         <p:spPr>
@@ -2024,9 +2106,13 @@
             <a:ext cx="6096000" cy="3429000"/>
           </a:xfrm>
           <a:custGeom>
-            <a:rect b="b" l="l" r="r" t="t"/>
+            <a:avLst/>
+            <a:gdLst/>
+            <a:ahLst/>
+            <a:cxnLst/>
+            <a:rect l="l" t="t" r="r" b="b"/>
             <a:pathLst>
-              <a:path extrusionOk="0" h="120000" w="120000">
+              <a:path w="120000" h="120000" extrusionOk="0">
                 <a:moveTo>
                   <a:pt x="0" y="0"/>
                 </a:moveTo>
@@ -2048,9 +2134,11 @@
       <p:sp>
         <p:nvSpPr>
           <p:cNvPr id="183" name="Google Shape;183;g29796951e82_0_193:notes"/>
-          <p:cNvSpPr txBox="1"/>
+          <p:cNvSpPr txBox="1">
+            <a:spLocks noGrp="1"/>
+          </p:cNvSpPr>
           <p:nvPr>
-            <p:ph idx="1" type="body"/>
+            <p:ph type="body" idx="1"/>
           </p:nvPr>
         </p:nvSpPr>
         <p:spPr>
@@ -2063,23 +2151,20 @@
           </a:prstGeom>
         </p:spPr>
         <p:txBody>
-          <a:bodyPr anchorCtr="0" anchor="t" bIns="91425" lIns="91425" spcFirstLastPara="1" rIns="91425" wrap="square" tIns="91425">
+          <a:bodyPr spcFirstLastPara="1" wrap="square" lIns="91425" tIns="91425" rIns="91425" bIns="91425" anchor="t" anchorCtr="0">
             <a:noAutofit/>
           </a:bodyPr>
           <a:lstStyle/>
           <a:p>
-            <a:pPr indent="0" lvl="0" marL="0" rtl="0" algn="l">
-              <a:spcBef>
-                <a:spcPts val="0"/>
-              </a:spcBef>
-              <a:spcAft>
-                <a:spcPts val="0"/>
-              </a:spcAft>
-              <a:buNone/>
-            </a:pPr>
-            <a:r>
-              <a:t/>
-            </a:r>
+            <a:pPr marL="0" lvl="0" indent="0" algn="l" rtl="0">
+              <a:spcBef>
+                <a:spcPts val="0"/>
+              </a:spcBef>
+              <a:spcAft>
+                <a:spcPts val="0"/>
+              </a:spcAft>
+              <a:buNone/>
+            </a:pPr>
             <a:endParaRPr/>
           </a:p>
         </p:txBody>
@@ -2093,11 +2178,11 @@
 </file>
 
 <file path=ppt/notesSlides/notesSlide3.xml><?xml version="1.0" encoding="utf-8"?>
-<p:notes xmlns:a="http://schemas.openxmlformats.org/drawingml/2006/main" xmlns:r="http://schemas.openxmlformats.org/officeDocument/2006/relationships" xmlns:mc="http://schemas.openxmlformats.org/markup-compatibility/2006" xmlns:mv="urn:schemas-microsoft-com:mac:vml" xmlns:p="http://schemas.openxmlformats.org/presentationml/2006/main" xmlns:c="http://schemas.openxmlformats.org/drawingml/2006/chart" xmlns:dgm="http://schemas.openxmlformats.org/drawingml/2006/diagram" xmlns:o="urn:schemas-microsoft-com:office:office" xmlns:v="urn:schemas-microsoft-com:vml" xmlns:pvml="urn:schemas-microsoft-com:office:powerpoint" xmlns:com="http://schemas.openxmlformats.org/drawingml/2006/compatibility" xmlns:p14="http://schemas.microsoft.com/office/powerpoint/2010/main" xmlns:p15="http://schemas.microsoft.com/office/powerpoint/2012/main" xmlns:ahyp="http://schemas.microsoft.com/office/drawing/2018/hyperlinkcolor" showMasterPhAnim="0" showMasterSp="0">
+<p:notes xmlns:a="http://schemas.openxmlformats.org/drawingml/2006/main" xmlns:r="http://schemas.openxmlformats.org/officeDocument/2006/relationships" xmlns:p="http://schemas.openxmlformats.org/presentationml/2006/main" showMasterSp="0" showMasterPhAnim="0">
   <p:cSld>
     <p:spTree>
       <p:nvGrpSpPr>
-        <p:cNvPr id="62" name="Shape 62"/>
+        <p:cNvPr id="1" name="Shape 62"/>
         <p:cNvGrpSpPr/>
         <p:nvPr/>
       </p:nvGrpSpPr>
@@ -2112,9 +2197,11 @@
       <p:sp>
         <p:nvSpPr>
           <p:cNvPr id="63" name="Google Shape;63;g2979489d2d8_4_12:notes"/>
-          <p:cNvSpPr/>
+          <p:cNvSpPr>
+            <a:spLocks noGrp="1" noRot="1" noChangeAspect="1"/>
+          </p:cNvSpPr>
           <p:nvPr>
-            <p:ph idx="2" type="sldImg"/>
+            <p:ph type="sldImg" idx="2"/>
           </p:nvPr>
         </p:nvSpPr>
         <p:spPr>
@@ -2123,9 +2210,13 @@
             <a:ext cx="6096000" cy="3429000"/>
           </a:xfrm>
           <a:custGeom>
-            <a:rect b="b" l="l" r="r" t="t"/>
+            <a:avLst/>
+            <a:gdLst/>
+            <a:ahLst/>
+            <a:cxnLst/>
+            <a:rect l="l" t="t" r="r" b="b"/>
             <a:pathLst>
-              <a:path extrusionOk="0" h="120000" w="120000">
+              <a:path w="120000" h="120000" extrusionOk="0">
                 <a:moveTo>
                   <a:pt x="0" y="0"/>
                 </a:moveTo>
@@ -2147,9 +2238,11 @@
       <p:sp>
         <p:nvSpPr>
           <p:cNvPr id="64" name="Google Shape;64;g2979489d2d8_4_12:notes"/>
-          <p:cNvSpPr txBox="1"/>
+          <p:cNvSpPr txBox="1">
+            <a:spLocks noGrp="1"/>
+          </p:cNvSpPr>
           <p:nvPr>
-            <p:ph idx="1" type="body"/>
+            <p:ph type="body" idx="1"/>
           </p:nvPr>
         </p:nvSpPr>
         <p:spPr>
@@ -2162,23 +2255,20 @@
           </a:prstGeom>
         </p:spPr>
         <p:txBody>
-          <a:bodyPr anchorCtr="0" anchor="t" bIns="91425" lIns="91425" spcFirstLastPara="1" rIns="91425" wrap="square" tIns="91425">
+          <a:bodyPr spcFirstLastPara="1" wrap="square" lIns="91425" tIns="91425" rIns="91425" bIns="91425" anchor="t" anchorCtr="0">
             <a:noAutofit/>
           </a:bodyPr>
           <a:lstStyle/>
           <a:p>
-            <a:pPr indent="0" lvl="0" marL="0" rtl="0" algn="l">
-              <a:spcBef>
-                <a:spcPts val="0"/>
-              </a:spcBef>
-              <a:spcAft>
-                <a:spcPts val="0"/>
-              </a:spcAft>
-              <a:buNone/>
-            </a:pPr>
-            <a:r>
-              <a:t/>
-            </a:r>
+            <a:pPr marL="0" lvl="0" indent="0" algn="l" rtl="0">
+              <a:spcBef>
+                <a:spcPts val="0"/>
+              </a:spcBef>
+              <a:spcAft>
+                <a:spcPts val="0"/>
+              </a:spcAft>
+              <a:buNone/>
+            </a:pPr>
             <a:endParaRPr/>
           </a:p>
         </p:txBody>
@@ -2192,11 +2282,11 @@
 </file>
 
 <file path=ppt/notesSlides/notesSlide4.xml><?xml version="1.0" encoding="utf-8"?>
-<p:notes xmlns:a="http://schemas.openxmlformats.org/drawingml/2006/main" xmlns:r="http://schemas.openxmlformats.org/officeDocument/2006/relationships" xmlns:mc="http://schemas.openxmlformats.org/markup-compatibility/2006" xmlns:mv="urn:schemas-microsoft-com:mac:vml" xmlns:p="http://schemas.openxmlformats.org/presentationml/2006/main" xmlns:c="http://schemas.openxmlformats.org/drawingml/2006/chart" xmlns:dgm="http://schemas.openxmlformats.org/drawingml/2006/diagram" xmlns:o="urn:schemas-microsoft-com:office:office" xmlns:v="urn:schemas-microsoft-com:vml" xmlns:pvml="urn:schemas-microsoft-com:office:powerpoint" xmlns:com="http://schemas.openxmlformats.org/drawingml/2006/compatibility" xmlns:p14="http://schemas.microsoft.com/office/powerpoint/2010/main" xmlns:p15="http://schemas.microsoft.com/office/powerpoint/2012/main" xmlns:ahyp="http://schemas.microsoft.com/office/drawing/2018/hyperlinkcolor" showMasterPhAnim="0" showMasterSp="0">
+<p:notes xmlns:a="http://schemas.openxmlformats.org/drawingml/2006/main" xmlns:r="http://schemas.openxmlformats.org/officeDocument/2006/relationships" xmlns:p="http://schemas.openxmlformats.org/presentationml/2006/main" showMasterSp="0" showMasterPhAnim="0">
   <p:cSld>
     <p:spTree>
       <p:nvGrpSpPr>
-        <p:cNvPr id="68" name="Shape 68"/>
+        <p:cNvPr id="1" name="Shape 68"/>
         <p:cNvGrpSpPr/>
         <p:nvPr/>
       </p:nvGrpSpPr>
@@ -2211,9 +2301,11 @@
       <p:sp>
         <p:nvSpPr>
           <p:cNvPr id="69" name="Google Shape;69;g29796951e82_0_90:notes"/>
-          <p:cNvSpPr/>
+          <p:cNvSpPr>
+            <a:spLocks noGrp="1" noRot="1" noChangeAspect="1"/>
+          </p:cNvSpPr>
           <p:nvPr>
-            <p:ph idx="2" type="sldImg"/>
+            <p:ph type="sldImg" idx="2"/>
           </p:nvPr>
         </p:nvSpPr>
         <p:spPr>
@@ -2222,9 +2314,13 @@
             <a:ext cx="6096000" cy="3429000"/>
           </a:xfrm>
           <a:custGeom>
-            <a:rect b="b" l="l" r="r" t="t"/>
+            <a:avLst/>
+            <a:gdLst/>
+            <a:ahLst/>
+            <a:cxnLst/>
+            <a:rect l="l" t="t" r="r" b="b"/>
             <a:pathLst>
-              <a:path extrusionOk="0" h="120000" w="120000">
+              <a:path w="120000" h="120000" extrusionOk="0">
                 <a:moveTo>
                   <a:pt x="0" y="0"/>
                 </a:moveTo>
@@ -2246,9 +2342,11 @@
       <p:sp>
         <p:nvSpPr>
           <p:cNvPr id="70" name="Google Shape;70;g29796951e82_0_90:notes"/>
-          <p:cNvSpPr txBox="1"/>
+          <p:cNvSpPr txBox="1">
+            <a:spLocks noGrp="1"/>
+          </p:cNvSpPr>
           <p:nvPr>
-            <p:ph idx="1" type="body"/>
+            <p:ph type="body" idx="1"/>
           </p:nvPr>
         </p:nvSpPr>
         <p:spPr>
@@ -2261,23 +2359,20 @@
           </a:prstGeom>
         </p:spPr>
         <p:txBody>
-          <a:bodyPr anchorCtr="0" anchor="t" bIns="91425" lIns="91425" spcFirstLastPara="1" rIns="91425" wrap="square" tIns="91425">
+          <a:bodyPr spcFirstLastPara="1" wrap="square" lIns="91425" tIns="91425" rIns="91425" bIns="91425" anchor="t" anchorCtr="0">
             <a:noAutofit/>
           </a:bodyPr>
           <a:lstStyle/>
           <a:p>
-            <a:pPr indent="0" lvl="0" marL="0" rtl="0" algn="l">
-              <a:spcBef>
-                <a:spcPts val="0"/>
-              </a:spcBef>
-              <a:spcAft>
-                <a:spcPts val="0"/>
-              </a:spcAft>
-              <a:buNone/>
-            </a:pPr>
-            <a:r>
-              <a:t/>
-            </a:r>
+            <a:pPr marL="0" lvl="0" indent="0" algn="l" rtl="0">
+              <a:spcBef>
+                <a:spcPts val="0"/>
+              </a:spcBef>
+              <a:spcAft>
+                <a:spcPts val="0"/>
+              </a:spcAft>
+              <a:buNone/>
+            </a:pPr>
             <a:endParaRPr/>
           </a:p>
         </p:txBody>
@@ -2291,11 +2386,11 @@
 </file>
 
 <file path=ppt/notesSlides/notesSlide5.xml><?xml version="1.0" encoding="utf-8"?>
-<p:notes xmlns:a="http://schemas.openxmlformats.org/drawingml/2006/main" xmlns:r="http://schemas.openxmlformats.org/officeDocument/2006/relationships" xmlns:mc="http://schemas.openxmlformats.org/markup-compatibility/2006" xmlns:mv="urn:schemas-microsoft-com:mac:vml" xmlns:p="http://schemas.openxmlformats.org/presentationml/2006/main" xmlns:c="http://schemas.openxmlformats.org/drawingml/2006/chart" xmlns:dgm="http://schemas.openxmlformats.org/drawingml/2006/diagram" xmlns:o="urn:schemas-microsoft-com:office:office" xmlns:v="urn:schemas-microsoft-com:vml" xmlns:pvml="urn:schemas-microsoft-com:office:powerpoint" xmlns:com="http://schemas.openxmlformats.org/drawingml/2006/compatibility" xmlns:p14="http://schemas.microsoft.com/office/powerpoint/2010/main" xmlns:p15="http://schemas.microsoft.com/office/powerpoint/2012/main" xmlns:ahyp="http://schemas.microsoft.com/office/drawing/2018/hyperlinkcolor" showMasterPhAnim="0" showMasterSp="0">
+<p:notes xmlns:a="http://schemas.openxmlformats.org/drawingml/2006/main" xmlns:r="http://schemas.openxmlformats.org/officeDocument/2006/relationships" xmlns:p="http://schemas.openxmlformats.org/presentationml/2006/main" showMasterSp="0" showMasterPhAnim="0">
   <p:cSld>
     <p:spTree>
       <p:nvGrpSpPr>
-        <p:cNvPr id="74" name="Shape 74"/>
+        <p:cNvPr id="1" name="Shape 74"/>
         <p:cNvGrpSpPr/>
         <p:nvPr/>
       </p:nvGrpSpPr>
@@ -2310,9 +2405,11 @@
       <p:sp>
         <p:nvSpPr>
           <p:cNvPr id="75" name="Google Shape;75;g29796951e82_0_95:notes"/>
-          <p:cNvSpPr/>
+          <p:cNvSpPr>
+            <a:spLocks noGrp="1" noRot="1" noChangeAspect="1"/>
+          </p:cNvSpPr>
           <p:nvPr>
-            <p:ph idx="2" type="sldImg"/>
+            <p:ph type="sldImg" idx="2"/>
           </p:nvPr>
         </p:nvSpPr>
         <p:spPr>
@@ -2321,9 +2418,13 @@
             <a:ext cx="6096000" cy="3429000"/>
           </a:xfrm>
           <a:custGeom>
-            <a:rect b="b" l="l" r="r" t="t"/>
+            <a:avLst/>
+            <a:gdLst/>
+            <a:ahLst/>
+            <a:cxnLst/>
+            <a:rect l="l" t="t" r="r" b="b"/>
             <a:pathLst>
-              <a:path extrusionOk="0" h="120000" w="120000">
+              <a:path w="120000" h="120000" extrusionOk="0">
                 <a:moveTo>
                   <a:pt x="0" y="0"/>
                 </a:moveTo>
@@ -2345,9 +2446,11 @@
       <p:sp>
         <p:nvSpPr>
           <p:cNvPr id="76" name="Google Shape;76;g29796951e82_0_95:notes"/>
-          <p:cNvSpPr txBox="1"/>
+          <p:cNvSpPr txBox="1">
+            <a:spLocks noGrp="1"/>
+          </p:cNvSpPr>
           <p:nvPr>
-            <p:ph idx="1" type="body"/>
+            <p:ph type="body" idx="1"/>
           </p:nvPr>
         </p:nvSpPr>
         <p:spPr>
@@ -2360,23 +2463,20 @@
           </a:prstGeom>
         </p:spPr>
         <p:txBody>
-          <a:bodyPr anchorCtr="0" anchor="t" bIns="91425" lIns="91425" spcFirstLastPara="1" rIns="91425" wrap="square" tIns="91425">
+          <a:bodyPr spcFirstLastPara="1" wrap="square" lIns="91425" tIns="91425" rIns="91425" bIns="91425" anchor="t" anchorCtr="0">
             <a:noAutofit/>
           </a:bodyPr>
           <a:lstStyle/>
           <a:p>
-            <a:pPr indent="0" lvl="0" marL="0" rtl="0" algn="l">
-              <a:spcBef>
-                <a:spcPts val="0"/>
-              </a:spcBef>
-              <a:spcAft>
-                <a:spcPts val="0"/>
-              </a:spcAft>
-              <a:buNone/>
-            </a:pPr>
-            <a:r>
-              <a:t/>
-            </a:r>
+            <a:pPr marL="0" lvl="0" indent="0" algn="l" rtl="0">
+              <a:spcBef>
+                <a:spcPts val="0"/>
+              </a:spcBef>
+              <a:spcAft>
+                <a:spcPts val="0"/>
+              </a:spcAft>
+              <a:buNone/>
+            </a:pPr>
             <a:endParaRPr/>
           </a:p>
         </p:txBody>
@@ -2390,11 +2490,11 @@
 </file>
 
 <file path=ppt/notesSlides/notesSlide6.xml><?xml version="1.0" encoding="utf-8"?>
-<p:notes xmlns:a="http://schemas.openxmlformats.org/drawingml/2006/main" xmlns:r="http://schemas.openxmlformats.org/officeDocument/2006/relationships" xmlns:mc="http://schemas.openxmlformats.org/markup-compatibility/2006" xmlns:mv="urn:schemas-microsoft-com:mac:vml" xmlns:p="http://schemas.openxmlformats.org/presentationml/2006/main" xmlns:c="http://schemas.openxmlformats.org/drawingml/2006/chart" xmlns:dgm="http://schemas.openxmlformats.org/drawingml/2006/diagram" xmlns:o="urn:schemas-microsoft-com:office:office" xmlns:v="urn:schemas-microsoft-com:vml" xmlns:pvml="urn:schemas-microsoft-com:office:powerpoint" xmlns:com="http://schemas.openxmlformats.org/drawingml/2006/compatibility" xmlns:p14="http://schemas.microsoft.com/office/powerpoint/2010/main" xmlns:p15="http://schemas.microsoft.com/office/powerpoint/2012/main" xmlns:ahyp="http://schemas.microsoft.com/office/drawing/2018/hyperlinkcolor" showMasterPhAnim="0" showMasterSp="0">
+<p:notes xmlns:a="http://schemas.openxmlformats.org/drawingml/2006/main" xmlns:r="http://schemas.openxmlformats.org/officeDocument/2006/relationships" xmlns:p="http://schemas.openxmlformats.org/presentationml/2006/main" showMasterSp="0" showMasterPhAnim="0">
   <p:cSld>
     <p:spTree>
       <p:nvGrpSpPr>
-        <p:cNvPr id="80" name="Shape 80"/>
+        <p:cNvPr id="1" name="Shape 80"/>
         <p:cNvGrpSpPr/>
         <p:nvPr/>
       </p:nvGrpSpPr>
@@ -2409,9 +2509,11 @@
       <p:sp>
         <p:nvSpPr>
           <p:cNvPr id="81" name="Google Shape;81;g29796951e82_0_198:notes"/>
-          <p:cNvSpPr/>
+          <p:cNvSpPr>
+            <a:spLocks noGrp="1" noRot="1" noChangeAspect="1"/>
+          </p:cNvSpPr>
           <p:nvPr>
-            <p:ph idx="2" type="sldImg"/>
+            <p:ph type="sldImg" idx="2"/>
           </p:nvPr>
         </p:nvSpPr>
         <p:spPr>
@@ -2420,9 +2522,13 @@
             <a:ext cx="6096000" cy="3429000"/>
           </a:xfrm>
           <a:custGeom>
-            <a:rect b="b" l="l" r="r" t="t"/>
+            <a:avLst/>
+            <a:gdLst/>
+            <a:ahLst/>
+            <a:cxnLst/>
+            <a:rect l="l" t="t" r="r" b="b"/>
             <a:pathLst>
-              <a:path extrusionOk="0" h="120000" w="120000">
+              <a:path w="120000" h="120000" extrusionOk="0">
                 <a:moveTo>
                   <a:pt x="0" y="0"/>
                 </a:moveTo>
@@ -2444,9 +2550,11 @@
       <p:sp>
         <p:nvSpPr>
           <p:cNvPr id="82" name="Google Shape;82;g29796951e82_0_198:notes"/>
-          <p:cNvSpPr txBox="1"/>
+          <p:cNvSpPr txBox="1">
+            <a:spLocks noGrp="1"/>
+          </p:cNvSpPr>
           <p:nvPr>
-            <p:ph idx="1" type="body"/>
+            <p:ph type="body" idx="1"/>
           </p:nvPr>
         </p:nvSpPr>
         <p:spPr>
@@ -2459,23 +2567,20 @@
           </a:prstGeom>
         </p:spPr>
         <p:txBody>
-          <a:bodyPr anchorCtr="0" anchor="t" bIns="91425" lIns="91425" spcFirstLastPara="1" rIns="91425" wrap="square" tIns="91425">
+          <a:bodyPr spcFirstLastPara="1" wrap="square" lIns="91425" tIns="91425" rIns="91425" bIns="91425" anchor="t" anchorCtr="0">
             <a:noAutofit/>
           </a:bodyPr>
           <a:lstStyle/>
           <a:p>
-            <a:pPr indent="0" lvl="0" marL="0" rtl="0" algn="l">
-              <a:spcBef>
-                <a:spcPts val="0"/>
-              </a:spcBef>
-              <a:spcAft>
-                <a:spcPts val="0"/>
-              </a:spcAft>
-              <a:buNone/>
-            </a:pPr>
-            <a:r>
-              <a:t/>
-            </a:r>
+            <a:pPr marL="0" lvl="0" indent="0" algn="l" rtl="0">
+              <a:spcBef>
+                <a:spcPts val="0"/>
+              </a:spcBef>
+              <a:spcAft>
+                <a:spcPts val="0"/>
+              </a:spcAft>
+              <a:buNone/>
+            </a:pPr>
             <a:endParaRPr/>
           </a:p>
         </p:txBody>
@@ -2489,11 +2594,11 @@
 </file>
 
 <file path=ppt/notesSlides/notesSlide7.xml><?xml version="1.0" encoding="utf-8"?>
-<p:notes xmlns:a="http://schemas.openxmlformats.org/drawingml/2006/main" xmlns:r="http://schemas.openxmlformats.org/officeDocument/2006/relationships" xmlns:mc="http://schemas.openxmlformats.org/markup-compatibility/2006" xmlns:mv="urn:schemas-microsoft-com:mac:vml" xmlns:p="http://schemas.openxmlformats.org/presentationml/2006/main" xmlns:c="http://schemas.openxmlformats.org/drawingml/2006/chart" xmlns:dgm="http://schemas.openxmlformats.org/drawingml/2006/diagram" xmlns:o="urn:schemas-microsoft-com:office:office" xmlns:v="urn:schemas-microsoft-com:vml" xmlns:pvml="urn:schemas-microsoft-com:office:powerpoint" xmlns:com="http://schemas.openxmlformats.org/drawingml/2006/compatibility" xmlns:p14="http://schemas.microsoft.com/office/powerpoint/2010/main" xmlns:p15="http://schemas.microsoft.com/office/powerpoint/2012/main" xmlns:ahyp="http://schemas.microsoft.com/office/drawing/2018/hyperlinkcolor" showMasterPhAnim="0" showMasterSp="0">
+<p:notes xmlns:a="http://schemas.openxmlformats.org/drawingml/2006/main" xmlns:r="http://schemas.openxmlformats.org/officeDocument/2006/relationships" xmlns:p="http://schemas.openxmlformats.org/presentationml/2006/main" showMasterSp="0" showMasterPhAnim="0">
   <p:cSld>
     <p:spTree>
       <p:nvGrpSpPr>
-        <p:cNvPr id="88" name="Shape 88"/>
+        <p:cNvPr id="1" name="Shape 88"/>
         <p:cNvGrpSpPr/>
         <p:nvPr/>
       </p:nvGrpSpPr>
@@ -2508,9 +2613,11 @@
       <p:sp>
         <p:nvSpPr>
           <p:cNvPr id="89" name="Google Shape;89;g29796951e82_0_105:notes"/>
-          <p:cNvSpPr/>
+          <p:cNvSpPr>
+            <a:spLocks noGrp="1" noRot="1" noChangeAspect="1"/>
+          </p:cNvSpPr>
           <p:nvPr>
-            <p:ph idx="2" type="sldImg"/>
+            <p:ph type="sldImg" idx="2"/>
           </p:nvPr>
         </p:nvSpPr>
         <p:spPr>
@@ -2519,9 +2626,13 @@
             <a:ext cx="6096000" cy="3429000"/>
           </a:xfrm>
           <a:custGeom>
-            <a:rect b="b" l="l" r="r" t="t"/>
+            <a:avLst/>
+            <a:gdLst/>
+            <a:ahLst/>
+            <a:cxnLst/>
+            <a:rect l="l" t="t" r="r" b="b"/>
             <a:pathLst>
-              <a:path extrusionOk="0" h="120000" w="120000">
+              <a:path w="120000" h="120000" extrusionOk="0">
                 <a:moveTo>
                   <a:pt x="0" y="0"/>
                 </a:moveTo>
@@ -2543,9 +2654,11 @@
       <p:sp>
         <p:nvSpPr>
           <p:cNvPr id="90" name="Google Shape;90;g29796951e82_0_105:notes"/>
-          <p:cNvSpPr txBox="1"/>
+          <p:cNvSpPr txBox="1">
+            <a:spLocks noGrp="1"/>
+          </p:cNvSpPr>
           <p:nvPr>
-            <p:ph idx="1" type="body"/>
+            <p:ph type="body" idx="1"/>
           </p:nvPr>
         </p:nvSpPr>
         <p:spPr>
@@ -2558,23 +2671,20 @@
           </a:prstGeom>
         </p:spPr>
         <p:txBody>
-          <a:bodyPr anchorCtr="0" anchor="t" bIns="91425" lIns="91425" spcFirstLastPara="1" rIns="91425" wrap="square" tIns="91425">
+          <a:bodyPr spcFirstLastPara="1" wrap="square" lIns="91425" tIns="91425" rIns="91425" bIns="91425" anchor="t" anchorCtr="0">
             <a:noAutofit/>
           </a:bodyPr>
           <a:lstStyle/>
           <a:p>
-            <a:pPr indent="0" lvl="0" marL="0" rtl="0" algn="l">
-              <a:spcBef>
-                <a:spcPts val="0"/>
-              </a:spcBef>
-              <a:spcAft>
-                <a:spcPts val="0"/>
-              </a:spcAft>
-              <a:buNone/>
-            </a:pPr>
-            <a:r>
-              <a:t/>
-            </a:r>
+            <a:pPr marL="0" lvl="0" indent="0" algn="l" rtl="0">
+              <a:spcBef>
+                <a:spcPts val="0"/>
+              </a:spcBef>
+              <a:spcAft>
+                <a:spcPts val="0"/>
+              </a:spcAft>
+              <a:buNone/>
+            </a:pPr>
             <a:endParaRPr/>
           </a:p>
         </p:txBody>
@@ -2588,11 +2698,11 @@
 </file>
 
 <file path=ppt/notesSlides/notesSlide8.xml><?xml version="1.0" encoding="utf-8"?>
-<p:notes xmlns:a="http://schemas.openxmlformats.org/drawingml/2006/main" xmlns:r="http://schemas.openxmlformats.org/officeDocument/2006/relationships" xmlns:mc="http://schemas.openxmlformats.org/markup-compatibility/2006" xmlns:mv="urn:schemas-microsoft-com:mac:vml" xmlns:p="http://schemas.openxmlformats.org/presentationml/2006/main" xmlns:c="http://schemas.openxmlformats.org/drawingml/2006/chart" xmlns:dgm="http://schemas.openxmlformats.org/drawingml/2006/diagram" xmlns:o="urn:schemas-microsoft-com:office:office" xmlns:v="urn:schemas-microsoft-com:vml" xmlns:pvml="urn:schemas-microsoft-com:office:powerpoint" xmlns:com="http://schemas.openxmlformats.org/drawingml/2006/compatibility" xmlns:p14="http://schemas.microsoft.com/office/powerpoint/2010/main" xmlns:p15="http://schemas.microsoft.com/office/powerpoint/2012/main" xmlns:ahyp="http://schemas.microsoft.com/office/drawing/2018/hyperlinkcolor" showMasterPhAnim="0" showMasterSp="0">
+<p:notes xmlns:a="http://schemas.openxmlformats.org/drawingml/2006/main" xmlns:r="http://schemas.openxmlformats.org/officeDocument/2006/relationships" xmlns:p="http://schemas.openxmlformats.org/presentationml/2006/main" showMasterSp="0" showMasterPhAnim="0">
   <p:cSld>
     <p:spTree>
       <p:nvGrpSpPr>
-        <p:cNvPr id="94" name="Shape 94"/>
+        <p:cNvPr id="1" name="Shape 94"/>
         <p:cNvGrpSpPr/>
         <p:nvPr/>
       </p:nvGrpSpPr>
@@ -2607,9 +2717,11 @@
       <p:sp>
         <p:nvSpPr>
           <p:cNvPr id="95" name="Google Shape;95;g29796951e82_0_100:notes"/>
-          <p:cNvSpPr/>
+          <p:cNvSpPr>
+            <a:spLocks noGrp="1" noRot="1" noChangeAspect="1"/>
+          </p:cNvSpPr>
           <p:nvPr>
-            <p:ph idx="2" type="sldImg"/>
+            <p:ph type="sldImg" idx="2"/>
           </p:nvPr>
         </p:nvSpPr>
         <p:spPr>
@@ -2618,9 +2730,13 @@
             <a:ext cx="6096000" cy="3429000"/>
           </a:xfrm>
           <a:custGeom>
-            <a:rect b="b" l="l" r="r" t="t"/>
+            <a:avLst/>
+            <a:gdLst/>
+            <a:ahLst/>
+            <a:cxnLst/>
+            <a:rect l="l" t="t" r="r" b="b"/>
             <a:pathLst>
-              <a:path extrusionOk="0" h="120000" w="120000">
+              <a:path w="120000" h="120000" extrusionOk="0">
                 <a:moveTo>
                   <a:pt x="0" y="0"/>
                 </a:moveTo>
@@ -2642,9 +2758,11 @@
       <p:sp>
         <p:nvSpPr>
           <p:cNvPr id="96" name="Google Shape;96;g29796951e82_0_100:notes"/>
-          <p:cNvSpPr txBox="1"/>
+          <p:cNvSpPr txBox="1">
+            <a:spLocks noGrp="1"/>
+          </p:cNvSpPr>
           <p:nvPr>
-            <p:ph idx="1" type="body"/>
+            <p:ph type="body" idx="1"/>
           </p:nvPr>
         </p:nvSpPr>
         <p:spPr>
@@ -2657,23 +2775,20 @@
           </a:prstGeom>
         </p:spPr>
         <p:txBody>
-          <a:bodyPr anchorCtr="0" anchor="t" bIns="91425" lIns="91425" spcFirstLastPara="1" rIns="91425" wrap="square" tIns="91425">
+          <a:bodyPr spcFirstLastPara="1" wrap="square" lIns="91425" tIns="91425" rIns="91425" bIns="91425" anchor="t" anchorCtr="0">
             <a:noAutofit/>
           </a:bodyPr>
           <a:lstStyle/>
           <a:p>
-            <a:pPr indent="0" lvl="0" marL="0" rtl="0" algn="l">
-              <a:spcBef>
-                <a:spcPts val="0"/>
-              </a:spcBef>
-              <a:spcAft>
-                <a:spcPts val="0"/>
-              </a:spcAft>
-              <a:buNone/>
-            </a:pPr>
-            <a:r>
-              <a:t/>
-            </a:r>
+            <a:pPr marL="0" lvl="0" indent="0" algn="l" rtl="0">
+              <a:spcBef>
+                <a:spcPts val="0"/>
+              </a:spcBef>
+              <a:spcAft>
+                <a:spcPts val="0"/>
+              </a:spcAft>
+              <a:buNone/>
+            </a:pPr>
             <a:endParaRPr/>
           </a:p>
         </p:txBody>
@@ -2687,11 +2802,11 @@
 </file>
 
 <file path=ppt/notesSlides/notesSlide9.xml><?xml version="1.0" encoding="utf-8"?>
-<p:notes xmlns:a="http://schemas.openxmlformats.org/drawingml/2006/main" xmlns:r="http://schemas.openxmlformats.org/officeDocument/2006/relationships" xmlns:mc="http://schemas.openxmlformats.org/markup-compatibility/2006" xmlns:mv="urn:schemas-microsoft-com:mac:vml" xmlns:p="http://schemas.openxmlformats.org/presentationml/2006/main" xmlns:c="http://schemas.openxmlformats.org/drawingml/2006/chart" xmlns:dgm="http://schemas.openxmlformats.org/drawingml/2006/diagram" xmlns:o="urn:schemas-microsoft-com:office:office" xmlns:v="urn:schemas-microsoft-com:vml" xmlns:pvml="urn:schemas-microsoft-com:office:powerpoint" xmlns:com="http://schemas.openxmlformats.org/drawingml/2006/compatibility" xmlns:p14="http://schemas.microsoft.com/office/powerpoint/2010/main" xmlns:p15="http://schemas.microsoft.com/office/powerpoint/2012/main" xmlns:ahyp="http://schemas.microsoft.com/office/drawing/2018/hyperlinkcolor" showMasterPhAnim="0" showMasterSp="0">
+<p:notes xmlns:a="http://schemas.openxmlformats.org/drawingml/2006/main" xmlns:r="http://schemas.openxmlformats.org/officeDocument/2006/relationships" xmlns:p="http://schemas.openxmlformats.org/presentationml/2006/main" showMasterSp="0" showMasterPhAnim="0">
   <p:cSld>
     <p:spTree>
       <p:nvGrpSpPr>
-        <p:cNvPr id="101" name="Shape 101"/>
+        <p:cNvPr id="1" name="Shape 101"/>
         <p:cNvGrpSpPr/>
         <p:nvPr/>
       </p:nvGrpSpPr>
@@ -2706,9 +2821,11 @@
       <p:sp>
         <p:nvSpPr>
           <p:cNvPr id="102" name="Google Shape;102;g29796951e82_0_114:notes"/>
-          <p:cNvSpPr/>
+          <p:cNvSpPr>
+            <a:spLocks noGrp="1" noRot="1" noChangeAspect="1"/>
+          </p:cNvSpPr>
           <p:nvPr>
-            <p:ph idx="2" type="sldImg"/>
+            <p:ph type="sldImg" idx="2"/>
           </p:nvPr>
         </p:nvSpPr>
         <p:spPr>
@@ -2717,9 +2834,13 @@
             <a:ext cx="6096000" cy="3429000"/>
           </a:xfrm>
           <a:custGeom>
-            <a:rect b="b" l="l" r="r" t="t"/>
+            <a:avLst/>
+            <a:gdLst/>
+            <a:ahLst/>
+            <a:cxnLst/>
+            <a:rect l="l" t="t" r="r" b="b"/>
             <a:pathLst>
-              <a:path extrusionOk="0" h="120000" w="120000">
+              <a:path w="120000" h="120000" extrusionOk="0">
                 <a:moveTo>
                   <a:pt x="0" y="0"/>
                 </a:moveTo>
@@ -2741,9 +2862,11 @@
       <p:sp>
         <p:nvSpPr>
           <p:cNvPr id="103" name="Google Shape;103;g29796951e82_0_114:notes"/>
-          <p:cNvSpPr txBox="1"/>
+          <p:cNvSpPr txBox="1">
+            <a:spLocks noGrp="1"/>
+          </p:cNvSpPr>
           <p:nvPr>
-            <p:ph idx="1" type="body"/>
+            <p:ph type="body" idx="1"/>
           </p:nvPr>
         </p:nvSpPr>
         <p:spPr>
@@ -2756,23 +2879,20 @@
           </a:prstGeom>
         </p:spPr>
         <p:txBody>
-          <a:bodyPr anchorCtr="0" anchor="t" bIns="91425" lIns="91425" spcFirstLastPara="1" rIns="91425" wrap="square" tIns="91425">
+          <a:bodyPr spcFirstLastPara="1" wrap="square" lIns="91425" tIns="91425" rIns="91425" bIns="91425" anchor="t" anchorCtr="0">
             <a:noAutofit/>
           </a:bodyPr>
           <a:lstStyle/>
           <a:p>
-            <a:pPr indent="0" lvl="0" marL="0" rtl="0" algn="l">
-              <a:spcBef>
-                <a:spcPts val="0"/>
-              </a:spcBef>
-              <a:spcAft>
-                <a:spcPts val="0"/>
-              </a:spcAft>
-              <a:buNone/>
-            </a:pPr>
-            <a:r>
-              <a:t/>
-            </a:r>
+            <a:pPr marL="0" lvl="0" indent="0" algn="l" rtl="0">
+              <a:spcBef>
+                <a:spcPts val="0"/>
+              </a:spcBef>
+              <a:spcAft>
+                <a:spcPts val="0"/>
+              </a:spcAft>
+              <a:buNone/>
+            </a:pPr>
             <a:endParaRPr/>
           </a:p>
         </p:txBody>
@@ -2786,11 +2906,11 @@
 </file>
 
 <file path=ppt/slideLayouts/slideLayout1.xml><?xml version="1.0" encoding="utf-8"?>
-<p:sldLayout xmlns:a="http://schemas.openxmlformats.org/drawingml/2006/main" xmlns:r="http://schemas.openxmlformats.org/officeDocument/2006/relationships" xmlns:mc="http://schemas.openxmlformats.org/markup-compatibility/2006" xmlns:mv="urn:schemas-microsoft-com:mac:vml" xmlns:p="http://schemas.openxmlformats.org/presentationml/2006/main" xmlns:c="http://schemas.openxmlformats.org/drawingml/2006/chart" xmlns:dgm="http://schemas.openxmlformats.org/drawingml/2006/diagram" xmlns:o="urn:schemas-microsoft-com:office:office" xmlns:v="urn:schemas-microsoft-com:vml" xmlns:pvml="urn:schemas-microsoft-com:office:powerpoint" xmlns:com="http://schemas.openxmlformats.org/drawingml/2006/compatibility" xmlns:p14="http://schemas.microsoft.com/office/powerpoint/2010/main" xmlns:p15="http://schemas.microsoft.com/office/powerpoint/2012/main" xmlns:ahyp="http://schemas.microsoft.com/office/drawing/2018/hyperlinkcolor" matchingName="Title slide" type="title">
+<p:sldLayout xmlns:a="http://schemas.openxmlformats.org/drawingml/2006/main" xmlns:r="http://schemas.openxmlformats.org/officeDocument/2006/relationships" xmlns:p="http://schemas.openxmlformats.org/presentationml/2006/main" matchingName="Title slide" type="title">
   <p:cSld name="TITLE">
     <p:spTree>
       <p:nvGrpSpPr>
-        <p:cNvPr id="9" name="Shape 9"/>
+        <p:cNvPr id="1" name="Shape 9"/>
         <p:cNvGrpSpPr/>
         <p:nvPr/>
       </p:nvGrpSpPr>
@@ -2805,7 +2925,9 @@
       <p:sp>
         <p:nvSpPr>
           <p:cNvPr id="10" name="Google Shape;10;p2"/>
-          <p:cNvSpPr txBox="1"/>
+          <p:cNvSpPr txBox="1">
+            <a:spLocks noGrp="1"/>
+          </p:cNvSpPr>
           <p:nvPr>
             <p:ph type="ctrTitle"/>
           </p:nvPr>
@@ -2820,7 +2942,7 @@
           </a:prstGeom>
         </p:spPr>
         <p:txBody>
-          <a:bodyPr anchorCtr="0" anchor="b" bIns="91425" lIns="91425" spcFirstLastPara="1" rIns="91425" wrap="square" tIns="91425">
+          <a:bodyPr spcFirstLastPara="1" wrap="square" lIns="91425" tIns="91425" rIns="91425" bIns="91425" anchor="b" anchorCtr="0">
             <a:normAutofit/>
           </a:bodyPr>
           <a:lstStyle>
@@ -2924,15 +3046,19 @@
               <a:defRPr sz="5200"/>
             </a:lvl9pPr>
           </a:lstStyle>
-          <a:p/>
+          <a:p>
+            <a:endParaRPr/>
+          </a:p>
         </p:txBody>
       </p:sp>
       <p:sp>
         <p:nvSpPr>
           <p:cNvPr id="11" name="Google Shape;11;p2"/>
-          <p:cNvSpPr txBox="1"/>
+          <p:cNvSpPr txBox="1">
+            <a:spLocks noGrp="1"/>
+          </p:cNvSpPr>
           <p:nvPr>
-            <p:ph idx="1" type="subTitle"/>
+            <p:ph type="subTitle" idx="1"/>
           </p:nvPr>
         </p:nvSpPr>
         <p:spPr>
@@ -2945,7 +3071,7 @@
           </a:prstGeom>
         </p:spPr>
         <p:txBody>
-          <a:bodyPr anchorCtr="0" anchor="t" bIns="91425" lIns="91425" spcFirstLastPara="1" rIns="91425" wrap="square" tIns="91425">
+          <a:bodyPr spcFirstLastPara="1" wrap="square" lIns="91425" tIns="91425" rIns="91425" bIns="91425" anchor="t" anchorCtr="0">
             <a:normAutofit/>
           </a:bodyPr>
           <a:lstStyle>
@@ -3076,15 +3202,19 @@
               <a:defRPr sz="2800"/>
             </a:lvl9pPr>
           </a:lstStyle>
-          <a:p/>
+          <a:p>
+            <a:endParaRPr/>
+          </a:p>
         </p:txBody>
       </p:sp>
       <p:sp>
         <p:nvSpPr>
           <p:cNvPr id="12" name="Google Shape;12;p2"/>
-          <p:cNvSpPr txBox="1"/>
+          <p:cNvSpPr txBox="1">
+            <a:spLocks noGrp="1"/>
+          </p:cNvSpPr>
           <p:nvPr>
-            <p:ph idx="12" type="sldNum"/>
+            <p:ph type="sldNum" idx="12"/>
           </p:nvPr>
         </p:nvSpPr>
         <p:spPr>
@@ -3097,7 +3227,7 @@
           </a:prstGeom>
         </p:spPr>
         <p:txBody>
-          <a:bodyPr anchorCtr="0" anchor="ctr" bIns="91425" lIns="91425" spcFirstLastPara="1" rIns="91425" wrap="square" tIns="91425">
+          <a:bodyPr spcFirstLastPara="1" wrap="square" lIns="91425" tIns="91425" rIns="91425" bIns="91425" anchor="ctr" anchorCtr="0">
             <a:normAutofit/>
           </a:bodyPr>
           <a:lstStyle>
@@ -3139,7 +3269,7 @@
             </a:lvl9pPr>
           </a:lstStyle>
           <a:p>
-            <a:pPr indent="0" lvl="0" marL="0" rtl="0" algn="r">
+            <a:pPr marL="0" lvl="0" indent="0" algn="r" rtl="0">
               <a:spcBef>
                 <a:spcPts val="0"/>
               </a:spcBef>
@@ -3165,11 +3295,11 @@
 </file>
 
 <file path=ppt/slideLayouts/slideLayout10.xml><?xml version="1.0" encoding="utf-8"?>
-<p:sldLayout xmlns:a="http://schemas.openxmlformats.org/drawingml/2006/main" xmlns:r="http://schemas.openxmlformats.org/officeDocument/2006/relationships" xmlns:mc="http://schemas.openxmlformats.org/markup-compatibility/2006" xmlns:mv="urn:schemas-microsoft-com:mac:vml" xmlns:p="http://schemas.openxmlformats.org/presentationml/2006/main" xmlns:c="http://schemas.openxmlformats.org/drawingml/2006/chart" xmlns:dgm="http://schemas.openxmlformats.org/drawingml/2006/diagram" xmlns:o="urn:schemas-microsoft-com:office:office" xmlns:v="urn:schemas-microsoft-com:vml" xmlns:pvml="urn:schemas-microsoft-com:office:powerpoint" xmlns:com="http://schemas.openxmlformats.org/drawingml/2006/compatibility" xmlns:p14="http://schemas.microsoft.com/office/powerpoint/2010/main" xmlns:p15="http://schemas.microsoft.com/office/powerpoint/2012/main" xmlns:ahyp="http://schemas.microsoft.com/office/drawing/2018/hyperlinkcolor" matchingName="Big number">
+<p:sldLayout xmlns:a="http://schemas.openxmlformats.org/drawingml/2006/main" xmlns:r="http://schemas.openxmlformats.org/officeDocument/2006/relationships" xmlns:p="http://schemas.openxmlformats.org/presentationml/2006/main" matchingName="Big number">
   <p:cSld name="BIG_NUMBER">
     <p:spTree>
       <p:nvGrpSpPr>
-        <p:cNvPr id="44" name="Shape 44"/>
+        <p:cNvPr id="1" name="Shape 44"/>
         <p:cNvGrpSpPr/>
         <p:nvPr/>
       </p:nvGrpSpPr>
@@ -3184,9 +3314,11 @@
       <p:sp>
         <p:nvSpPr>
           <p:cNvPr id="45" name="Google Shape;45;p11"/>
-          <p:cNvSpPr txBox="1"/>
+          <p:cNvSpPr txBox="1">
+            <a:spLocks noGrp="1"/>
+          </p:cNvSpPr>
           <p:nvPr>
-            <p:ph hasCustomPrompt="1" type="title"/>
+            <p:ph type="title" hasCustomPrompt="1"/>
           </p:nvPr>
         </p:nvSpPr>
         <p:spPr>
@@ -3199,7 +3331,7 @@
           </a:prstGeom>
         </p:spPr>
         <p:txBody>
-          <a:bodyPr anchorCtr="0" anchor="b" bIns="91425" lIns="91425" spcFirstLastPara="1" rIns="91425" wrap="square" tIns="91425">
+          <a:bodyPr spcFirstLastPara="1" wrap="square" lIns="91425" tIns="91425" rIns="91425" bIns="91425" anchor="b" anchorCtr="0">
             <a:normAutofit/>
           </a:bodyPr>
           <a:lstStyle>
@@ -3313,9 +3445,11 @@
       <p:sp>
         <p:nvSpPr>
           <p:cNvPr id="46" name="Google Shape;46;p11"/>
-          <p:cNvSpPr txBox="1"/>
+          <p:cNvSpPr txBox="1">
+            <a:spLocks noGrp="1"/>
+          </p:cNvSpPr>
           <p:nvPr>
-            <p:ph idx="1" type="body"/>
+            <p:ph type="body" idx="1"/>
           </p:nvPr>
         </p:nvSpPr>
         <p:spPr>
@@ -3328,11 +3462,11 @@
           </a:prstGeom>
         </p:spPr>
         <p:txBody>
-          <a:bodyPr anchorCtr="0" anchor="t" bIns="91425" lIns="91425" spcFirstLastPara="1" rIns="91425" wrap="square" tIns="91425">
+          <a:bodyPr spcFirstLastPara="1" wrap="square" lIns="91425" tIns="91425" rIns="91425" bIns="91425" anchor="t" anchorCtr="0">
             <a:normAutofit/>
           </a:bodyPr>
           <a:lstStyle>
-            <a:lvl1pPr indent="-342900" lvl="0" marL="457200" algn="ctr">
+            <a:lvl1pPr marL="457200" lvl="0" indent="-342900" algn="ctr">
               <a:spcBef>
                 <a:spcPts val="0"/>
               </a:spcBef>
@@ -3343,7 +3477,7 @@
               <a:buChar char="●"/>
               <a:defRPr/>
             </a:lvl1pPr>
-            <a:lvl2pPr indent="-317500" lvl="1" marL="914400" algn="ctr">
+            <a:lvl2pPr marL="914400" lvl="1" indent="-317500" algn="ctr">
               <a:spcBef>
                 <a:spcPts val="0"/>
               </a:spcBef>
@@ -3354,7 +3488,7 @@
               <a:buChar char="○"/>
               <a:defRPr/>
             </a:lvl2pPr>
-            <a:lvl3pPr indent="-317500" lvl="2" marL="1371600" algn="ctr">
+            <a:lvl3pPr marL="1371600" lvl="2" indent="-317500" algn="ctr">
               <a:spcBef>
                 <a:spcPts val="0"/>
               </a:spcBef>
@@ -3365,7 +3499,7 @@
               <a:buChar char="■"/>
               <a:defRPr/>
             </a:lvl3pPr>
-            <a:lvl4pPr indent="-317500" lvl="3" marL="1828800" algn="ctr">
+            <a:lvl4pPr marL="1828800" lvl="3" indent="-317500" algn="ctr">
               <a:spcBef>
                 <a:spcPts val="0"/>
               </a:spcBef>
@@ -3376,7 +3510,7 @@
               <a:buChar char="●"/>
               <a:defRPr/>
             </a:lvl4pPr>
-            <a:lvl5pPr indent="-317500" lvl="4" marL="2286000" algn="ctr">
+            <a:lvl5pPr marL="2286000" lvl="4" indent="-317500" algn="ctr">
               <a:spcBef>
                 <a:spcPts val="0"/>
               </a:spcBef>
@@ -3387,7 +3521,7 @@
               <a:buChar char="○"/>
               <a:defRPr/>
             </a:lvl5pPr>
-            <a:lvl6pPr indent="-317500" lvl="5" marL="2743200" algn="ctr">
+            <a:lvl6pPr marL="2743200" lvl="5" indent="-317500" algn="ctr">
               <a:spcBef>
                 <a:spcPts val="0"/>
               </a:spcBef>
@@ -3398,7 +3532,7 @@
               <a:buChar char="■"/>
               <a:defRPr/>
             </a:lvl6pPr>
-            <a:lvl7pPr indent="-317500" lvl="6" marL="3200400" algn="ctr">
+            <a:lvl7pPr marL="3200400" lvl="6" indent="-317500" algn="ctr">
               <a:spcBef>
                 <a:spcPts val="0"/>
               </a:spcBef>
@@ -3409,7 +3543,7 @@
               <a:buChar char="●"/>
               <a:defRPr/>
             </a:lvl7pPr>
-            <a:lvl8pPr indent="-317500" lvl="7" marL="3657600" algn="ctr">
+            <a:lvl8pPr marL="3657600" lvl="7" indent="-317500" algn="ctr">
               <a:spcBef>
                 <a:spcPts val="0"/>
               </a:spcBef>
@@ -3420,7 +3554,7 @@
               <a:buChar char="○"/>
               <a:defRPr/>
             </a:lvl8pPr>
-            <a:lvl9pPr indent="-317500" lvl="8" marL="4114800" algn="ctr">
+            <a:lvl9pPr marL="4114800" lvl="8" indent="-317500" algn="ctr">
               <a:spcBef>
                 <a:spcPts val="0"/>
               </a:spcBef>
@@ -3432,15 +3566,19 @@
               <a:defRPr/>
             </a:lvl9pPr>
           </a:lstStyle>
-          <a:p/>
+          <a:p>
+            <a:endParaRPr/>
+          </a:p>
         </p:txBody>
       </p:sp>
       <p:sp>
         <p:nvSpPr>
           <p:cNvPr id="47" name="Google Shape;47;p11"/>
-          <p:cNvSpPr txBox="1"/>
+          <p:cNvSpPr txBox="1">
+            <a:spLocks noGrp="1"/>
+          </p:cNvSpPr>
           <p:nvPr>
-            <p:ph idx="12" type="sldNum"/>
+            <p:ph type="sldNum" idx="12"/>
           </p:nvPr>
         </p:nvSpPr>
         <p:spPr>
@@ -3453,7 +3591,7 @@
           </a:prstGeom>
         </p:spPr>
         <p:txBody>
-          <a:bodyPr anchorCtr="0" anchor="ctr" bIns="91425" lIns="91425" spcFirstLastPara="1" rIns="91425" wrap="square" tIns="91425">
+          <a:bodyPr spcFirstLastPara="1" wrap="square" lIns="91425" tIns="91425" rIns="91425" bIns="91425" anchor="ctr" anchorCtr="0">
             <a:normAutofit/>
           </a:bodyPr>
           <a:lstStyle>
@@ -3495,7 +3633,7 @@
             </a:lvl9pPr>
           </a:lstStyle>
           <a:p>
-            <a:pPr indent="0" lvl="0" marL="0" rtl="0" algn="r">
+            <a:pPr marL="0" lvl="0" indent="0" algn="r" rtl="0">
               <a:spcBef>
                 <a:spcPts val="0"/>
               </a:spcBef>
@@ -3521,11 +3659,11 @@
 </file>
 
 <file path=ppt/slideLayouts/slideLayout11.xml><?xml version="1.0" encoding="utf-8"?>
-<p:sldLayout xmlns:a="http://schemas.openxmlformats.org/drawingml/2006/main" xmlns:r="http://schemas.openxmlformats.org/officeDocument/2006/relationships" xmlns:mc="http://schemas.openxmlformats.org/markup-compatibility/2006" xmlns:mv="urn:schemas-microsoft-com:mac:vml" xmlns:p="http://schemas.openxmlformats.org/presentationml/2006/main" xmlns:c="http://schemas.openxmlformats.org/drawingml/2006/chart" xmlns:dgm="http://schemas.openxmlformats.org/drawingml/2006/diagram" xmlns:o="urn:schemas-microsoft-com:office:office" xmlns:v="urn:schemas-microsoft-com:vml" xmlns:pvml="urn:schemas-microsoft-com:office:powerpoint" xmlns:com="http://schemas.openxmlformats.org/drawingml/2006/compatibility" xmlns:p14="http://schemas.microsoft.com/office/powerpoint/2010/main" xmlns:p15="http://schemas.microsoft.com/office/powerpoint/2012/main" xmlns:ahyp="http://schemas.microsoft.com/office/drawing/2018/hyperlinkcolor" matchingName="Blank" type="blank">
+<p:sldLayout xmlns:a="http://schemas.openxmlformats.org/drawingml/2006/main" xmlns:r="http://schemas.openxmlformats.org/officeDocument/2006/relationships" xmlns:p="http://schemas.openxmlformats.org/presentationml/2006/main" matchingName="Blank" type="blank">
   <p:cSld name="BLANK">
     <p:spTree>
       <p:nvGrpSpPr>
-        <p:cNvPr id="48" name="Shape 48"/>
+        <p:cNvPr id="1" name="Shape 48"/>
         <p:cNvGrpSpPr/>
         <p:nvPr/>
       </p:nvGrpSpPr>
@@ -3540,9 +3678,11 @@
       <p:sp>
         <p:nvSpPr>
           <p:cNvPr id="49" name="Google Shape;49;p12"/>
-          <p:cNvSpPr txBox="1"/>
+          <p:cNvSpPr txBox="1">
+            <a:spLocks noGrp="1"/>
+          </p:cNvSpPr>
           <p:nvPr>
-            <p:ph idx="12" type="sldNum"/>
+            <p:ph type="sldNum" idx="12"/>
           </p:nvPr>
         </p:nvSpPr>
         <p:spPr>
@@ -3555,7 +3695,7 @@
           </a:prstGeom>
         </p:spPr>
         <p:txBody>
-          <a:bodyPr anchorCtr="0" anchor="ctr" bIns="91425" lIns="91425" spcFirstLastPara="1" rIns="91425" wrap="square" tIns="91425">
+          <a:bodyPr spcFirstLastPara="1" wrap="square" lIns="91425" tIns="91425" rIns="91425" bIns="91425" anchor="ctr" anchorCtr="0">
             <a:normAutofit/>
           </a:bodyPr>
           <a:lstStyle>
@@ -3597,7 +3737,7 @@
             </a:lvl9pPr>
           </a:lstStyle>
           <a:p>
-            <a:pPr indent="0" lvl="0" marL="0" rtl="0" algn="r">
+            <a:pPr marL="0" lvl="0" indent="0" algn="r" rtl="0">
               <a:spcBef>
                 <a:spcPts val="0"/>
               </a:spcBef>
@@ -3623,11 +3763,11 @@
 </file>
 
 <file path=ppt/slideLayouts/slideLayout2.xml><?xml version="1.0" encoding="utf-8"?>
-<p:sldLayout xmlns:a="http://schemas.openxmlformats.org/drawingml/2006/main" xmlns:r="http://schemas.openxmlformats.org/officeDocument/2006/relationships" xmlns:mc="http://schemas.openxmlformats.org/markup-compatibility/2006" xmlns:mv="urn:schemas-microsoft-com:mac:vml" xmlns:p="http://schemas.openxmlformats.org/presentationml/2006/main" xmlns:c="http://schemas.openxmlformats.org/drawingml/2006/chart" xmlns:dgm="http://schemas.openxmlformats.org/drawingml/2006/diagram" xmlns:o="urn:schemas-microsoft-com:office:office" xmlns:v="urn:schemas-microsoft-com:vml" xmlns:pvml="urn:schemas-microsoft-com:office:powerpoint" xmlns:com="http://schemas.openxmlformats.org/drawingml/2006/compatibility" xmlns:p14="http://schemas.microsoft.com/office/powerpoint/2010/main" xmlns:p15="http://schemas.microsoft.com/office/powerpoint/2012/main" xmlns:ahyp="http://schemas.microsoft.com/office/drawing/2018/hyperlinkcolor" matchingName="Section header" type="secHead">
+<p:sldLayout xmlns:a="http://schemas.openxmlformats.org/drawingml/2006/main" xmlns:r="http://schemas.openxmlformats.org/officeDocument/2006/relationships" xmlns:p="http://schemas.openxmlformats.org/presentationml/2006/main" matchingName="Section header" type="secHead">
   <p:cSld name="SECTION_HEADER">
     <p:spTree>
       <p:nvGrpSpPr>
-        <p:cNvPr id="13" name="Shape 13"/>
+        <p:cNvPr id="1" name="Shape 13"/>
         <p:cNvGrpSpPr/>
         <p:nvPr/>
       </p:nvGrpSpPr>
@@ -3642,7 +3782,9 @@
       <p:sp>
         <p:nvSpPr>
           <p:cNvPr id="14" name="Google Shape;14;p3"/>
-          <p:cNvSpPr txBox="1"/>
+          <p:cNvSpPr txBox="1">
+            <a:spLocks noGrp="1"/>
+          </p:cNvSpPr>
           <p:nvPr>
             <p:ph type="title"/>
           </p:nvPr>
@@ -3657,7 +3799,7 @@
           </a:prstGeom>
         </p:spPr>
         <p:txBody>
-          <a:bodyPr anchorCtr="0" anchor="ctr" bIns="91425" lIns="91425" spcFirstLastPara="1" rIns="91425" wrap="square" tIns="91425">
+          <a:bodyPr spcFirstLastPara="1" wrap="square" lIns="91425" tIns="91425" rIns="91425" bIns="91425" anchor="ctr" anchorCtr="0">
             <a:normAutofit/>
           </a:bodyPr>
           <a:lstStyle>
@@ -3761,15 +3903,19 @@
               <a:defRPr sz="3600"/>
             </a:lvl9pPr>
           </a:lstStyle>
-          <a:p/>
+          <a:p>
+            <a:endParaRPr/>
+          </a:p>
         </p:txBody>
       </p:sp>
       <p:sp>
         <p:nvSpPr>
           <p:cNvPr id="15" name="Google Shape;15;p3"/>
-          <p:cNvSpPr txBox="1"/>
+          <p:cNvSpPr txBox="1">
+            <a:spLocks noGrp="1"/>
+          </p:cNvSpPr>
           <p:nvPr>
-            <p:ph idx="12" type="sldNum"/>
+            <p:ph type="sldNum" idx="12"/>
           </p:nvPr>
         </p:nvSpPr>
         <p:spPr>
@@ -3782,7 +3928,7 @@
           </a:prstGeom>
         </p:spPr>
         <p:txBody>
-          <a:bodyPr anchorCtr="0" anchor="ctr" bIns="91425" lIns="91425" spcFirstLastPara="1" rIns="91425" wrap="square" tIns="91425">
+          <a:bodyPr spcFirstLastPara="1" wrap="square" lIns="91425" tIns="91425" rIns="91425" bIns="91425" anchor="ctr" anchorCtr="0">
             <a:normAutofit/>
           </a:bodyPr>
           <a:lstStyle>
@@ -3824,7 +3970,7 @@
             </a:lvl9pPr>
           </a:lstStyle>
           <a:p>
-            <a:pPr indent="0" lvl="0" marL="0" rtl="0" algn="r">
+            <a:pPr marL="0" lvl="0" indent="0" algn="r" rtl="0">
               <a:spcBef>
                 <a:spcPts val="0"/>
               </a:spcBef>
@@ -3850,11 +3996,11 @@
 </file>
 
 <file path=ppt/slideLayouts/slideLayout3.xml><?xml version="1.0" encoding="utf-8"?>
-<p:sldLayout xmlns:a="http://schemas.openxmlformats.org/drawingml/2006/main" xmlns:r="http://schemas.openxmlformats.org/officeDocument/2006/relationships" xmlns:mc="http://schemas.openxmlformats.org/markup-compatibility/2006" xmlns:mv="urn:schemas-microsoft-com:mac:vml" xmlns:p="http://schemas.openxmlformats.org/presentationml/2006/main" xmlns:c="http://schemas.openxmlformats.org/drawingml/2006/chart" xmlns:dgm="http://schemas.openxmlformats.org/drawingml/2006/diagram" xmlns:o="urn:schemas-microsoft-com:office:office" xmlns:v="urn:schemas-microsoft-com:vml" xmlns:pvml="urn:schemas-microsoft-com:office:powerpoint" xmlns:com="http://schemas.openxmlformats.org/drawingml/2006/compatibility" xmlns:p14="http://schemas.microsoft.com/office/powerpoint/2010/main" xmlns:p15="http://schemas.microsoft.com/office/powerpoint/2012/main" xmlns:ahyp="http://schemas.microsoft.com/office/drawing/2018/hyperlinkcolor" matchingName="Title and body" type="tx">
+<p:sldLayout xmlns:a="http://schemas.openxmlformats.org/drawingml/2006/main" xmlns:r="http://schemas.openxmlformats.org/officeDocument/2006/relationships" xmlns:p="http://schemas.openxmlformats.org/presentationml/2006/main" matchingName="Title and body" type="tx">
   <p:cSld name="TITLE_AND_BODY">
     <p:spTree>
       <p:nvGrpSpPr>
-        <p:cNvPr id="16" name="Shape 16"/>
+        <p:cNvPr id="1" name="Shape 16"/>
         <p:cNvGrpSpPr/>
         <p:nvPr/>
       </p:nvGrpSpPr>
@@ -3869,7 +4015,9 @@
       <p:sp>
         <p:nvSpPr>
           <p:cNvPr id="17" name="Google Shape;17;p4"/>
-          <p:cNvSpPr txBox="1"/>
+          <p:cNvSpPr txBox="1">
+            <a:spLocks noGrp="1"/>
+          </p:cNvSpPr>
           <p:nvPr>
             <p:ph type="title"/>
           </p:nvPr>
@@ -3884,7 +4032,7 @@
           </a:prstGeom>
         </p:spPr>
         <p:txBody>
-          <a:bodyPr anchorCtr="0" anchor="t" bIns="91425" lIns="91425" spcFirstLastPara="1" rIns="91425" wrap="square" tIns="91425">
+          <a:bodyPr spcFirstLastPara="1" wrap="square" lIns="91425" tIns="91425" rIns="91425" bIns="91425" anchor="t" anchorCtr="0">
             <a:normAutofit/>
           </a:bodyPr>
           <a:lstStyle>
@@ -3988,15 +4136,19 @@
               <a:defRPr/>
             </a:lvl9pPr>
           </a:lstStyle>
-          <a:p/>
+          <a:p>
+            <a:endParaRPr/>
+          </a:p>
         </p:txBody>
       </p:sp>
       <p:sp>
         <p:nvSpPr>
           <p:cNvPr id="18" name="Google Shape;18;p4"/>
-          <p:cNvSpPr txBox="1"/>
+          <p:cNvSpPr txBox="1">
+            <a:spLocks noGrp="1"/>
+          </p:cNvSpPr>
           <p:nvPr>
-            <p:ph idx="1" type="body"/>
+            <p:ph type="body" idx="1"/>
           </p:nvPr>
         </p:nvSpPr>
         <p:spPr>
@@ -4009,11 +4161,11 @@
           </a:prstGeom>
         </p:spPr>
         <p:txBody>
-          <a:bodyPr anchorCtr="0" anchor="t" bIns="91425" lIns="91425" spcFirstLastPara="1" rIns="91425" wrap="square" tIns="91425">
+          <a:bodyPr spcFirstLastPara="1" wrap="square" lIns="91425" tIns="91425" rIns="91425" bIns="91425" anchor="t" anchorCtr="0">
             <a:normAutofit/>
           </a:bodyPr>
           <a:lstStyle>
-            <a:lvl1pPr indent="-342900" lvl="0" marL="457200">
+            <a:lvl1pPr marL="457200" lvl="0" indent="-342900">
               <a:spcBef>
                 <a:spcPts val="0"/>
               </a:spcBef>
@@ -4024,7 +4176,7 @@
               <a:buChar char="●"/>
               <a:defRPr/>
             </a:lvl1pPr>
-            <a:lvl2pPr indent="-317500" lvl="1" marL="914400">
+            <a:lvl2pPr marL="914400" lvl="1" indent="-317500">
               <a:spcBef>
                 <a:spcPts val="0"/>
               </a:spcBef>
@@ -4035,7 +4187,7 @@
               <a:buChar char="○"/>
               <a:defRPr/>
             </a:lvl2pPr>
-            <a:lvl3pPr indent="-317500" lvl="2" marL="1371600">
+            <a:lvl3pPr marL="1371600" lvl="2" indent="-317500">
               <a:spcBef>
                 <a:spcPts val="0"/>
               </a:spcBef>
@@ -4046,7 +4198,7 @@
               <a:buChar char="■"/>
               <a:defRPr/>
             </a:lvl3pPr>
-            <a:lvl4pPr indent="-317500" lvl="3" marL="1828800">
+            <a:lvl4pPr marL="1828800" lvl="3" indent="-317500">
               <a:spcBef>
                 <a:spcPts val="0"/>
               </a:spcBef>
@@ -4057,7 +4209,7 @@
               <a:buChar char="●"/>
               <a:defRPr/>
             </a:lvl4pPr>
-            <a:lvl5pPr indent="-317500" lvl="4" marL="2286000">
+            <a:lvl5pPr marL="2286000" lvl="4" indent="-317500">
               <a:spcBef>
                 <a:spcPts val="0"/>
               </a:spcBef>
@@ -4068,7 +4220,7 @@
               <a:buChar char="○"/>
               <a:defRPr/>
             </a:lvl5pPr>
-            <a:lvl6pPr indent="-317500" lvl="5" marL="2743200">
+            <a:lvl6pPr marL="2743200" lvl="5" indent="-317500">
               <a:spcBef>
                 <a:spcPts val="0"/>
               </a:spcBef>
@@ -4079,7 +4231,7 @@
               <a:buChar char="■"/>
               <a:defRPr/>
             </a:lvl6pPr>
-            <a:lvl7pPr indent="-317500" lvl="6" marL="3200400">
+            <a:lvl7pPr marL="3200400" lvl="6" indent="-317500">
               <a:spcBef>
                 <a:spcPts val="0"/>
               </a:spcBef>
@@ -4090,7 +4242,7 @@
               <a:buChar char="●"/>
               <a:defRPr/>
             </a:lvl7pPr>
-            <a:lvl8pPr indent="-317500" lvl="7" marL="3657600">
+            <a:lvl8pPr marL="3657600" lvl="7" indent="-317500">
               <a:spcBef>
                 <a:spcPts val="0"/>
               </a:spcBef>
@@ -4101,7 +4253,7 @@
               <a:buChar char="○"/>
               <a:defRPr/>
             </a:lvl8pPr>
-            <a:lvl9pPr indent="-317500" lvl="8" marL="4114800">
+            <a:lvl9pPr marL="4114800" lvl="8" indent="-317500">
               <a:spcBef>
                 <a:spcPts val="0"/>
               </a:spcBef>
@@ -4113,15 +4265,19 @@
               <a:defRPr/>
             </a:lvl9pPr>
           </a:lstStyle>
-          <a:p/>
+          <a:p>
+            <a:endParaRPr/>
+          </a:p>
         </p:txBody>
       </p:sp>
       <p:sp>
         <p:nvSpPr>
           <p:cNvPr id="19" name="Google Shape;19;p4"/>
-          <p:cNvSpPr txBox="1"/>
+          <p:cNvSpPr txBox="1">
+            <a:spLocks noGrp="1"/>
+          </p:cNvSpPr>
           <p:nvPr>
-            <p:ph idx="12" type="sldNum"/>
+            <p:ph type="sldNum" idx="12"/>
           </p:nvPr>
         </p:nvSpPr>
         <p:spPr>
@@ -4134,7 +4290,7 @@
           </a:prstGeom>
         </p:spPr>
         <p:txBody>
-          <a:bodyPr anchorCtr="0" anchor="ctr" bIns="91425" lIns="91425" spcFirstLastPara="1" rIns="91425" wrap="square" tIns="91425">
+          <a:bodyPr spcFirstLastPara="1" wrap="square" lIns="91425" tIns="91425" rIns="91425" bIns="91425" anchor="ctr" anchorCtr="0">
             <a:normAutofit/>
           </a:bodyPr>
           <a:lstStyle>
@@ -4176,7 +4332,7 @@
             </a:lvl9pPr>
           </a:lstStyle>
           <a:p>
-            <a:pPr indent="0" lvl="0" marL="0" rtl="0" algn="r">
+            <a:pPr marL="0" lvl="0" indent="0" algn="r" rtl="0">
               <a:spcBef>
                 <a:spcPts val="0"/>
               </a:spcBef>
@@ -4202,11 +4358,11 @@
 </file>
 
 <file path=ppt/slideLayouts/slideLayout4.xml><?xml version="1.0" encoding="utf-8"?>
-<p:sldLayout xmlns:a="http://schemas.openxmlformats.org/drawingml/2006/main" xmlns:r="http://schemas.openxmlformats.org/officeDocument/2006/relationships" xmlns:mc="http://schemas.openxmlformats.org/markup-compatibility/2006" xmlns:mv="urn:schemas-microsoft-com:mac:vml" xmlns:p="http://schemas.openxmlformats.org/presentationml/2006/main" xmlns:c="http://schemas.openxmlformats.org/drawingml/2006/chart" xmlns:dgm="http://schemas.openxmlformats.org/drawingml/2006/diagram" xmlns:o="urn:schemas-microsoft-com:office:office" xmlns:v="urn:schemas-microsoft-com:vml" xmlns:pvml="urn:schemas-microsoft-com:office:powerpoint" xmlns:com="http://schemas.openxmlformats.org/drawingml/2006/compatibility" xmlns:p14="http://schemas.microsoft.com/office/powerpoint/2010/main" xmlns:p15="http://schemas.microsoft.com/office/powerpoint/2012/main" xmlns:ahyp="http://schemas.microsoft.com/office/drawing/2018/hyperlinkcolor" matchingName="Title and two columns" type="twoColTx">
+<p:sldLayout xmlns:a="http://schemas.openxmlformats.org/drawingml/2006/main" xmlns:r="http://schemas.openxmlformats.org/officeDocument/2006/relationships" xmlns:p="http://schemas.openxmlformats.org/presentationml/2006/main" matchingName="Title and two columns" type="twoColTx">
   <p:cSld name="TITLE_AND_TWO_COLUMNS">
     <p:spTree>
       <p:nvGrpSpPr>
-        <p:cNvPr id="20" name="Shape 20"/>
+        <p:cNvPr id="1" name="Shape 20"/>
         <p:cNvGrpSpPr/>
         <p:nvPr/>
       </p:nvGrpSpPr>
@@ -4221,7 +4377,9 @@
       <p:sp>
         <p:nvSpPr>
           <p:cNvPr id="21" name="Google Shape;21;p5"/>
-          <p:cNvSpPr txBox="1"/>
+          <p:cNvSpPr txBox="1">
+            <a:spLocks noGrp="1"/>
+          </p:cNvSpPr>
           <p:nvPr>
             <p:ph type="title"/>
           </p:nvPr>
@@ -4236,7 +4394,7 @@
           </a:prstGeom>
         </p:spPr>
         <p:txBody>
-          <a:bodyPr anchorCtr="0" anchor="t" bIns="91425" lIns="91425" spcFirstLastPara="1" rIns="91425" wrap="square" tIns="91425">
+          <a:bodyPr spcFirstLastPara="1" wrap="square" lIns="91425" tIns="91425" rIns="91425" bIns="91425" anchor="t" anchorCtr="0">
             <a:normAutofit/>
           </a:bodyPr>
           <a:lstStyle>
@@ -4340,15 +4498,19 @@
               <a:defRPr/>
             </a:lvl9pPr>
           </a:lstStyle>
-          <a:p/>
+          <a:p>
+            <a:endParaRPr/>
+          </a:p>
         </p:txBody>
       </p:sp>
       <p:sp>
         <p:nvSpPr>
           <p:cNvPr id="22" name="Google Shape;22;p5"/>
-          <p:cNvSpPr txBox="1"/>
+          <p:cNvSpPr txBox="1">
+            <a:spLocks noGrp="1"/>
+          </p:cNvSpPr>
           <p:nvPr>
-            <p:ph idx="1" type="body"/>
+            <p:ph type="body" idx="1"/>
           </p:nvPr>
         </p:nvSpPr>
         <p:spPr>
@@ -4361,11 +4523,11 @@
           </a:prstGeom>
         </p:spPr>
         <p:txBody>
-          <a:bodyPr anchorCtr="0" anchor="t" bIns="91425" lIns="91425" spcFirstLastPara="1" rIns="91425" wrap="square" tIns="91425">
+          <a:bodyPr spcFirstLastPara="1" wrap="square" lIns="91425" tIns="91425" rIns="91425" bIns="91425" anchor="t" anchorCtr="0">
             <a:normAutofit/>
           </a:bodyPr>
           <a:lstStyle>
-            <a:lvl1pPr indent="-317500" lvl="0" marL="457200">
+            <a:lvl1pPr marL="457200" lvl="0" indent="-317500">
               <a:spcBef>
                 <a:spcPts val="0"/>
               </a:spcBef>
@@ -4376,7 +4538,7 @@
               <a:buChar char="●"/>
               <a:defRPr sz="1400"/>
             </a:lvl1pPr>
-            <a:lvl2pPr indent="-304800" lvl="1" marL="914400">
+            <a:lvl2pPr marL="914400" lvl="1" indent="-304800">
               <a:spcBef>
                 <a:spcPts val="0"/>
               </a:spcBef>
@@ -4387,7 +4549,7 @@
               <a:buChar char="○"/>
               <a:defRPr sz="1200"/>
             </a:lvl2pPr>
-            <a:lvl3pPr indent="-304800" lvl="2" marL="1371600">
+            <a:lvl3pPr marL="1371600" lvl="2" indent="-304800">
               <a:spcBef>
                 <a:spcPts val="0"/>
               </a:spcBef>
@@ -4398,7 +4560,7 @@
               <a:buChar char="■"/>
               <a:defRPr sz="1200"/>
             </a:lvl3pPr>
-            <a:lvl4pPr indent="-304800" lvl="3" marL="1828800">
+            <a:lvl4pPr marL="1828800" lvl="3" indent="-304800">
               <a:spcBef>
                 <a:spcPts val="0"/>
               </a:spcBef>
@@ -4409,7 +4571,7 @@
               <a:buChar char="●"/>
               <a:defRPr sz="1200"/>
             </a:lvl4pPr>
-            <a:lvl5pPr indent="-304800" lvl="4" marL="2286000">
+            <a:lvl5pPr marL="2286000" lvl="4" indent="-304800">
               <a:spcBef>
                 <a:spcPts val="0"/>
               </a:spcBef>
@@ -4420,7 +4582,7 @@
               <a:buChar char="○"/>
               <a:defRPr sz="1200"/>
             </a:lvl5pPr>
-            <a:lvl6pPr indent="-304800" lvl="5" marL="2743200">
+            <a:lvl6pPr marL="2743200" lvl="5" indent="-304800">
               <a:spcBef>
                 <a:spcPts val="0"/>
               </a:spcBef>
@@ -4431,7 +4593,7 @@
               <a:buChar char="■"/>
               <a:defRPr sz="1200"/>
             </a:lvl6pPr>
-            <a:lvl7pPr indent="-304800" lvl="6" marL="3200400">
+            <a:lvl7pPr marL="3200400" lvl="6" indent="-304800">
               <a:spcBef>
                 <a:spcPts val="0"/>
               </a:spcBef>
@@ -4442,7 +4604,7 @@
               <a:buChar char="●"/>
               <a:defRPr sz="1200"/>
             </a:lvl7pPr>
-            <a:lvl8pPr indent="-304800" lvl="7" marL="3657600">
+            <a:lvl8pPr marL="3657600" lvl="7" indent="-304800">
               <a:spcBef>
                 <a:spcPts val="0"/>
               </a:spcBef>
@@ -4453,7 +4615,7 @@
               <a:buChar char="○"/>
               <a:defRPr sz="1200"/>
             </a:lvl8pPr>
-            <a:lvl9pPr indent="-304800" lvl="8" marL="4114800">
+            <a:lvl9pPr marL="4114800" lvl="8" indent="-304800">
               <a:spcBef>
                 <a:spcPts val="0"/>
               </a:spcBef>
@@ -4465,15 +4627,19 @@
               <a:defRPr sz="1200"/>
             </a:lvl9pPr>
           </a:lstStyle>
-          <a:p/>
+          <a:p>
+            <a:endParaRPr/>
+          </a:p>
         </p:txBody>
       </p:sp>
       <p:sp>
         <p:nvSpPr>
           <p:cNvPr id="23" name="Google Shape;23;p5"/>
-          <p:cNvSpPr txBox="1"/>
+          <p:cNvSpPr txBox="1">
+            <a:spLocks noGrp="1"/>
+          </p:cNvSpPr>
           <p:nvPr>
-            <p:ph idx="2" type="body"/>
+            <p:ph type="body" idx="2"/>
           </p:nvPr>
         </p:nvSpPr>
         <p:spPr>
@@ -4486,11 +4652,11 @@
           </a:prstGeom>
         </p:spPr>
         <p:txBody>
-          <a:bodyPr anchorCtr="0" anchor="t" bIns="91425" lIns="91425" spcFirstLastPara="1" rIns="91425" wrap="square" tIns="91425">
+          <a:bodyPr spcFirstLastPara="1" wrap="square" lIns="91425" tIns="91425" rIns="91425" bIns="91425" anchor="t" anchorCtr="0">
             <a:normAutofit/>
           </a:bodyPr>
           <a:lstStyle>
-            <a:lvl1pPr indent="-317500" lvl="0" marL="457200">
+            <a:lvl1pPr marL="457200" lvl="0" indent="-317500">
               <a:spcBef>
                 <a:spcPts val="0"/>
               </a:spcBef>
@@ -4501,7 +4667,7 @@
               <a:buChar char="●"/>
               <a:defRPr sz="1400"/>
             </a:lvl1pPr>
-            <a:lvl2pPr indent="-304800" lvl="1" marL="914400">
+            <a:lvl2pPr marL="914400" lvl="1" indent="-304800">
               <a:spcBef>
                 <a:spcPts val="0"/>
               </a:spcBef>
@@ -4512,7 +4678,7 @@
               <a:buChar char="○"/>
               <a:defRPr sz="1200"/>
             </a:lvl2pPr>
-            <a:lvl3pPr indent="-304800" lvl="2" marL="1371600">
+            <a:lvl3pPr marL="1371600" lvl="2" indent="-304800">
               <a:spcBef>
                 <a:spcPts val="0"/>
               </a:spcBef>
@@ -4523,7 +4689,7 @@
               <a:buChar char="■"/>
               <a:defRPr sz="1200"/>
             </a:lvl3pPr>
-            <a:lvl4pPr indent="-304800" lvl="3" marL="1828800">
+            <a:lvl4pPr marL="1828800" lvl="3" indent="-304800">
               <a:spcBef>
                 <a:spcPts val="0"/>
               </a:spcBef>
@@ -4534,7 +4700,7 @@
               <a:buChar char="●"/>
               <a:defRPr sz="1200"/>
             </a:lvl4pPr>
-            <a:lvl5pPr indent="-304800" lvl="4" marL="2286000">
+            <a:lvl5pPr marL="2286000" lvl="4" indent="-304800">
               <a:spcBef>
                 <a:spcPts val="0"/>
               </a:spcBef>
@@ -4545,7 +4711,7 @@
               <a:buChar char="○"/>
               <a:defRPr sz="1200"/>
             </a:lvl5pPr>
-            <a:lvl6pPr indent="-304800" lvl="5" marL="2743200">
+            <a:lvl6pPr marL="2743200" lvl="5" indent="-304800">
               <a:spcBef>
                 <a:spcPts val="0"/>
               </a:spcBef>
@@ -4556,7 +4722,7 @@
               <a:buChar char="■"/>
               <a:defRPr sz="1200"/>
             </a:lvl6pPr>
-            <a:lvl7pPr indent="-304800" lvl="6" marL="3200400">
+            <a:lvl7pPr marL="3200400" lvl="6" indent="-304800">
               <a:spcBef>
                 <a:spcPts val="0"/>
               </a:spcBef>
@@ -4567,7 +4733,7 @@
               <a:buChar char="●"/>
               <a:defRPr sz="1200"/>
             </a:lvl7pPr>
-            <a:lvl8pPr indent="-304800" lvl="7" marL="3657600">
+            <a:lvl8pPr marL="3657600" lvl="7" indent="-304800">
               <a:spcBef>
                 <a:spcPts val="0"/>
               </a:spcBef>
@@ -4578,7 +4744,7 @@
               <a:buChar char="○"/>
               <a:defRPr sz="1200"/>
             </a:lvl8pPr>
-            <a:lvl9pPr indent="-304800" lvl="8" marL="4114800">
+            <a:lvl9pPr marL="4114800" lvl="8" indent="-304800">
               <a:spcBef>
                 <a:spcPts val="0"/>
               </a:spcBef>
@@ -4590,15 +4756,19 @@
               <a:defRPr sz="1200"/>
             </a:lvl9pPr>
           </a:lstStyle>
-          <a:p/>
+          <a:p>
+            <a:endParaRPr/>
+          </a:p>
         </p:txBody>
       </p:sp>
       <p:sp>
         <p:nvSpPr>
           <p:cNvPr id="24" name="Google Shape;24;p5"/>
-          <p:cNvSpPr txBox="1"/>
+          <p:cNvSpPr txBox="1">
+            <a:spLocks noGrp="1"/>
+          </p:cNvSpPr>
           <p:nvPr>
-            <p:ph idx="12" type="sldNum"/>
+            <p:ph type="sldNum" idx="12"/>
           </p:nvPr>
         </p:nvSpPr>
         <p:spPr>
@@ -4611,7 +4781,7 @@
           </a:prstGeom>
         </p:spPr>
         <p:txBody>
-          <a:bodyPr anchorCtr="0" anchor="ctr" bIns="91425" lIns="91425" spcFirstLastPara="1" rIns="91425" wrap="square" tIns="91425">
+          <a:bodyPr spcFirstLastPara="1" wrap="square" lIns="91425" tIns="91425" rIns="91425" bIns="91425" anchor="ctr" anchorCtr="0">
             <a:normAutofit/>
           </a:bodyPr>
           <a:lstStyle>
@@ -4653,7 +4823,7 @@
             </a:lvl9pPr>
           </a:lstStyle>
           <a:p>
-            <a:pPr indent="0" lvl="0" marL="0" rtl="0" algn="r">
+            <a:pPr marL="0" lvl="0" indent="0" algn="r" rtl="0">
               <a:spcBef>
                 <a:spcPts val="0"/>
               </a:spcBef>
@@ -4679,11 +4849,11 @@
 </file>
 
 <file path=ppt/slideLayouts/slideLayout5.xml><?xml version="1.0" encoding="utf-8"?>
-<p:sldLayout xmlns:a="http://schemas.openxmlformats.org/drawingml/2006/main" xmlns:r="http://schemas.openxmlformats.org/officeDocument/2006/relationships" xmlns:mc="http://schemas.openxmlformats.org/markup-compatibility/2006" xmlns:mv="urn:schemas-microsoft-com:mac:vml" xmlns:p="http://schemas.openxmlformats.org/presentationml/2006/main" xmlns:c="http://schemas.openxmlformats.org/drawingml/2006/chart" xmlns:dgm="http://schemas.openxmlformats.org/drawingml/2006/diagram" xmlns:o="urn:schemas-microsoft-com:office:office" xmlns:v="urn:schemas-microsoft-com:vml" xmlns:pvml="urn:schemas-microsoft-com:office:powerpoint" xmlns:com="http://schemas.openxmlformats.org/drawingml/2006/compatibility" xmlns:p14="http://schemas.microsoft.com/office/powerpoint/2010/main" xmlns:p15="http://schemas.microsoft.com/office/powerpoint/2012/main" xmlns:ahyp="http://schemas.microsoft.com/office/drawing/2018/hyperlinkcolor" matchingName="Title only" type="titleOnly">
+<p:sldLayout xmlns:a="http://schemas.openxmlformats.org/drawingml/2006/main" xmlns:r="http://schemas.openxmlformats.org/officeDocument/2006/relationships" xmlns:p="http://schemas.openxmlformats.org/presentationml/2006/main" matchingName="Title only" type="titleOnly">
   <p:cSld name="TITLE_ONLY">
     <p:spTree>
       <p:nvGrpSpPr>
-        <p:cNvPr id="25" name="Shape 25"/>
+        <p:cNvPr id="1" name="Shape 25"/>
         <p:cNvGrpSpPr/>
         <p:nvPr/>
       </p:nvGrpSpPr>
@@ -4698,7 +4868,9 @@
       <p:sp>
         <p:nvSpPr>
           <p:cNvPr id="26" name="Google Shape;26;p6"/>
-          <p:cNvSpPr txBox="1"/>
+          <p:cNvSpPr txBox="1">
+            <a:spLocks noGrp="1"/>
+          </p:cNvSpPr>
           <p:nvPr>
             <p:ph type="title"/>
           </p:nvPr>
@@ -4713,7 +4885,7 @@
           </a:prstGeom>
         </p:spPr>
         <p:txBody>
-          <a:bodyPr anchorCtr="0" anchor="t" bIns="91425" lIns="91425" spcFirstLastPara="1" rIns="91425" wrap="square" tIns="91425">
+          <a:bodyPr spcFirstLastPara="1" wrap="square" lIns="91425" tIns="91425" rIns="91425" bIns="91425" anchor="t" anchorCtr="0">
             <a:normAutofit/>
           </a:bodyPr>
           <a:lstStyle>
@@ -4817,15 +4989,19 @@
               <a:defRPr/>
             </a:lvl9pPr>
           </a:lstStyle>
-          <a:p/>
+          <a:p>
+            <a:endParaRPr/>
+          </a:p>
         </p:txBody>
       </p:sp>
       <p:sp>
         <p:nvSpPr>
           <p:cNvPr id="27" name="Google Shape;27;p6"/>
-          <p:cNvSpPr txBox="1"/>
+          <p:cNvSpPr txBox="1">
+            <a:spLocks noGrp="1"/>
+          </p:cNvSpPr>
           <p:nvPr>
-            <p:ph idx="12" type="sldNum"/>
+            <p:ph type="sldNum" idx="12"/>
           </p:nvPr>
         </p:nvSpPr>
         <p:spPr>
@@ -4838,7 +5014,7 @@
           </a:prstGeom>
         </p:spPr>
         <p:txBody>
-          <a:bodyPr anchorCtr="0" anchor="ctr" bIns="91425" lIns="91425" spcFirstLastPara="1" rIns="91425" wrap="square" tIns="91425">
+          <a:bodyPr spcFirstLastPara="1" wrap="square" lIns="91425" tIns="91425" rIns="91425" bIns="91425" anchor="ctr" anchorCtr="0">
             <a:normAutofit/>
           </a:bodyPr>
           <a:lstStyle>
@@ -4880,7 +5056,7 @@
             </a:lvl9pPr>
           </a:lstStyle>
           <a:p>
-            <a:pPr indent="0" lvl="0" marL="0" rtl="0" algn="r">
+            <a:pPr marL="0" lvl="0" indent="0" algn="r" rtl="0">
               <a:spcBef>
                 <a:spcPts val="0"/>
               </a:spcBef>
@@ -4906,11 +5082,11 @@
 </file>
 
 <file path=ppt/slideLayouts/slideLayout6.xml><?xml version="1.0" encoding="utf-8"?>
-<p:sldLayout xmlns:a="http://schemas.openxmlformats.org/drawingml/2006/main" xmlns:r="http://schemas.openxmlformats.org/officeDocument/2006/relationships" xmlns:mc="http://schemas.openxmlformats.org/markup-compatibility/2006" xmlns:mv="urn:schemas-microsoft-com:mac:vml" xmlns:p="http://schemas.openxmlformats.org/presentationml/2006/main" xmlns:c="http://schemas.openxmlformats.org/drawingml/2006/chart" xmlns:dgm="http://schemas.openxmlformats.org/drawingml/2006/diagram" xmlns:o="urn:schemas-microsoft-com:office:office" xmlns:v="urn:schemas-microsoft-com:vml" xmlns:pvml="urn:schemas-microsoft-com:office:powerpoint" xmlns:com="http://schemas.openxmlformats.org/drawingml/2006/compatibility" xmlns:p14="http://schemas.microsoft.com/office/powerpoint/2010/main" xmlns:p15="http://schemas.microsoft.com/office/powerpoint/2012/main" xmlns:ahyp="http://schemas.microsoft.com/office/drawing/2018/hyperlinkcolor" matchingName="One column text">
+<p:sldLayout xmlns:a="http://schemas.openxmlformats.org/drawingml/2006/main" xmlns:r="http://schemas.openxmlformats.org/officeDocument/2006/relationships" xmlns:p="http://schemas.openxmlformats.org/presentationml/2006/main" matchingName="One column text">
   <p:cSld name="ONE_COLUMN_TEXT">
     <p:spTree>
       <p:nvGrpSpPr>
-        <p:cNvPr id="28" name="Shape 28"/>
+        <p:cNvPr id="1" name="Shape 28"/>
         <p:cNvGrpSpPr/>
         <p:nvPr/>
       </p:nvGrpSpPr>
@@ -4925,7 +5101,9 @@
       <p:sp>
         <p:nvSpPr>
           <p:cNvPr id="29" name="Google Shape;29;p7"/>
-          <p:cNvSpPr txBox="1"/>
+          <p:cNvSpPr txBox="1">
+            <a:spLocks noGrp="1"/>
+          </p:cNvSpPr>
           <p:nvPr>
             <p:ph type="title"/>
           </p:nvPr>
@@ -4940,7 +5118,7 @@
           </a:prstGeom>
         </p:spPr>
         <p:txBody>
-          <a:bodyPr anchorCtr="0" anchor="b" bIns="91425" lIns="91425" spcFirstLastPara="1" rIns="91425" wrap="square" tIns="91425">
+          <a:bodyPr spcFirstLastPara="1" wrap="square" lIns="91425" tIns="91425" rIns="91425" bIns="91425" anchor="b" anchorCtr="0">
             <a:normAutofit/>
           </a:bodyPr>
           <a:lstStyle>
@@ -5044,15 +5222,19 @@
               <a:defRPr sz="2400"/>
             </a:lvl9pPr>
           </a:lstStyle>
-          <a:p/>
+          <a:p>
+            <a:endParaRPr/>
+          </a:p>
         </p:txBody>
       </p:sp>
       <p:sp>
         <p:nvSpPr>
           <p:cNvPr id="30" name="Google Shape;30;p7"/>
-          <p:cNvSpPr txBox="1"/>
+          <p:cNvSpPr txBox="1">
+            <a:spLocks noGrp="1"/>
+          </p:cNvSpPr>
           <p:nvPr>
-            <p:ph idx="1" type="body"/>
+            <p:ph type="body" idx="1"/>
           </p:nvPr>
         </p:nvSpPr>
         <p:spPr>
@@ -5065,11 +5247,11 @@
           </a:prstGeom>
         </p:spPr>
         <p:txBody>
-          <a:bodyPr anchorCtr="0" anchor="t" bIns="91425" lIns="91425" spcFirstLastPara="1" rIns="91425" wrap="square" tIns="91425">
+          <a:bodyPr spcFirstLastPara="1" wrap="square" lIns="91425" tIns="91425" rIns="91425" bIns="91425" anchor="t" anchorCtr="0">
             <a:normAutofit/>
           </a:bodyPr>
           <a:lstStyle>
-            <a:lvl1pPr indent="-304800" lvl="0" marL="457200">
+            <a:lvl1pPr marL="457200" lvl="0" indent="-304800">
               <a:spcBef>
                 <a:spcPts val="0"/>
               </a:spcBef>
@@ -5080,7 +5262,7 @@
               <a:buChar char="●"/>
               <a:defRPr sz="1200"/>
             </a:lvl1pPr>
-            <a:lvl2pPr indent="-304800" lvl="1" marL="914400">
+            <a:lvl2pPr marL="914400" lvl="1" indent="-304800">
               <a:spcBef>
                 <a:spcPts val="0"/>
               </a:spcBef>
@@ -5091,7 +5273,7 @@
               <a:buChar char="○"/>
               <a:defRPr sz="1200"/>
             </a:lvl2pPr>
-            <a:lvl3pPr indent="-304800" lvl="2" marL="1371600">
+            <a:lvl3pPr marL="1371600" lvl="2" indent="-304800">
               <a:spcBef>
                 <a:spcPts val="0"/>
               </a:spcBef>
@@ -5102,7 +5284,7 @@
               <a:buChar char="■"/>
               <a:defRPr sz="1200"/>
             </a:lvl3pPr>
-            <a:lvl4pPr indent="-304800" lvl="3" marL="1828800">
+            <a:lvl4pPr marL="1828800" lvl="3" indent="-304800">
               <a:spcBef>
                 <a:spcPts val="0"/>
               </a:spcBef>
@@ -5113,7 +5295,7 @@
               <a:buChar char="●"/>
               <a:defRPr sz="1200"/>
             </a:lvl4pPr>
-            <a:lvl5pPr indent="-304800" lvl="4" marL="2286000">
+            <a:lvl5pPr marL="2286000" lvl="4" indent="-304800">
               <a:spcBef>
                 <a:spcPts val="0"/>
               </a:spcBef>
@@ -5124,7 +5306,7 @@
               <a:buChar char="○"/>
               <a:defRPr sz="1200"/>
             </a:lvl5pPr>
-            <a:lvl6pPr indent="-304800" lvl="5" marL="2743200">
+            <a:lvl6pPr marL="2743200" lvl="5" indent="-304800">
               <a:spcBef>
                 <a:spcPts val="0"/>
               </a:spcBef>
@@ -5135,7 +5317,7 @@
               <a:buChar char="■"/>
               <a:defRPr sz="1200"/>
             </a:lvl6pPr>
-            <a:lvl7pPr indent="-304800" lvl="6" marL="3200400">
+            <a:lvl7pPr marL="3200400" lvl="6" indent="-304800">
               <a:spcBef>
                 <a:spcPts val="0"/>
               </a:spcBef>
@@ -5146,7 +5328,7 @@
               <a:buChar char="●"/>
               <a:defRPr sz="1200"/>
             </a:lvl7pPr>
-            <a:lvl8pPr indent="-304800" lvl="7" marL="3657600">
+            <a:lvl8pPr marL="3657600" lvl="7" indent="-304800">
               <a:spcBef>
                 <a:spcPts val="0"/>
               </a:spcBef>
@@ -5157,7 +5339,7 @@
               <a:buChar char="○"/>
               <a:defRPr sz="1200"/>
             </a:lvl8pPr>
-            <a:lvl9pPr indent="-304800" lvl="8" marL="4114800">
+            <a:lvl9pPr marL="4114800" lvl="8" indent="-304800">
               <a:spcBef>
                 <a:spcPts val="0"/>
               </a:spcBef>
@@ -5169,15 +5351,19 @@
               <a:defRPr sz="1200"/>
             </a:lvl9pPr>
           </a:lstStyle>
-          <a:p/>
+          <a:p>
+            <a:endParaRPr/>
+          </a:p>
         </p:txBody>
       </p:sp>
       <p:sp>
         <p:nvSpPr>
           <p:cNvPr id="31" name="Google Shape;31;p7"/>
-          <p:cNvSpPr txBox="1"/>
+          <p:cNvSpPr txBox="1">
+            <a:spLocks noGrp="1"/>
+          </p:cNvSpPr>
           <p:nvPr>
-            <p:ph idx="12" type="sldNum"/>
+            <p:ph type="sldNum" idx="12"/>
           </p:nvPr>
         </p:nvSpPr>
         <p:spPr>
@@ -5190,7 +5376,7 @@
           </a:prstGeom>
         </p:spPr>
         <p:txBody>
-          <a:bodyPr anchorCtr="0" anchor="ctr" bIns="91425" lIns="91425" spcFirstLastPara="1" rIns="91425" wrap="square" tIns="91425">
+          <a:bodyPr spcFirstLastPara="1" wrap="square" lIns="91425" tIns="91425" rIns="91425" bIns="91425" anchor="ctr" anchorCtr="0">
             <a:normAutofit/>
           </a:bodyPr>
           <a:lstStyle>
@@ -5232,7 +5418,7 @@
             </a:lvl9pPr>
           </a:lstStyle>
           <a:p>
-            <a:pPr indent="0" lvl="0" marL="0" rtl="0" algn="r">
+            <a:pPr marL="0" lvl="0" indent="0" algn="r" rtl="0">
               <a:spcBef>
                 <a:spcPts val="0"/>
               </a:spcBef>
@@ -5258,11 +5444,11 @@
 </file>
 
 <file path=ppt/slideLayouts/slideLayout7.xml><?xml version="1.0" encoding="utf-8"?>
-<p:sldLayout xmlns:a="http://schemas.openxmlformats.org/drawingml/2006/main" xmlns:r="http://schemas.openxmlformats.org/officeDocument/2006/relationships" xmlns:mc="http://schemas.openxmlformats.org/markup-compatibility/2006" xmlns:mv="urn:schemas-microsoft-com:mac:vml" xmlns:p="http://schemas.openxmlformats.org/presentationml/2006/main" xmlns:c="http://schemas.openxmlformats.org/drawingml/2006/chart" xmlns:dgm="http://schemas.openxmlformats.org/drawingml/2006/diagram" xmlns:o="urn:schemas-microsoft-com:office:office" xmlns:v="urn:schemas-microsoft-com:vml" xmlns:pvml="urn:schemas-microsoft-com:office:powerpoint" xmlns:com="http://schemas.openxmlformats.org/drawingml/2006/compatibility" xmlns:p14="http://schemas.microsoft.com/office/powerpoint/2010/main" xmlns:p15="http://schemas.microsoft.com/office/powerpoint/2012/main" xmlns:ahyp="http://schemas.microsoft.com/office/drawing/2018/hyperlinkcolor" matchingName="Main point">
+<p:sldLayout xmlns:a="http://schemas.openxmlformats.org/drawingml/2006/main" xmlns:r="http://schemas.openxmlformats.org/officeDocument/2006/relationships" xmlns:p="http://schemas.openxmlformats.org/presentationml/2006/main" matchingName="Main point">
   <p:cSld name="MAIN_POINT">
     <p:spTree>
       <p:nvGrpSpPr>
-        <p:cNvPr id="32" name="Shape 32"/>
+        <p:cNvPr id="1" name="Shape 32"/>
         <p:cNvGrpSpPr/>
         <p:nvPr/>
       </p:nvGrpSpPr>
@@ -5277,7 +5463,9 @@
       <p:sp>
         <p:nvSpPr>
           <p:cNvPr id="33" name="Google Shape;33;p8"/>
-          <p:cNvSpPr txBox="1"/>
+          <p:cNvSpPr txBox="1">
+            <a:spLocks noGrp="1"/>
+          </p:cNvSpPr>
           <p:nvPr>
             <p:ph type="title"/>
           </p:nvPr>
@@ -5292,7 +5480,7 @@
           </a:prstGeom>
         </p:spPr>
         <p:txBody>
-          <a:bodyPr anchorCtr="0" anchor="ctr" bIns="91425" lIns="91425" spcFirstLastPara="1" rIns="91425" wrap="square" tIns="91425">
+          <a:bodyPr spcFirstLastPara="1" wrap="square" lIns="91425" tIns="91425" rIns="91425" bIns="91425" anchor="ctr" anchorCtr="0">
             <a:normAutofit/>
           </a:bodyPr>
           <a:lstStyle>
@@ -5396,15 +5584,19 @@
               <a:defRPr sz="4800"/>
             </a:lvl9pPr>
           </a:lstStyle>
-          <a:p/>
+          <a:p>
+            <a:endParaRPr/>
+          </a:p>
         </p:txBody>
       </p:sp>
       <p:sp>
         <p:nvSpPr>
           <p:cNvPr id="34" name="Google Shape;34;p8"/>
-          <p:cNvSpPr txBox="1"/>
+          <p:cNvSpPr txBox="1">
+            <a:spLocks noGrp="1"/>
+          </p:cNvSpPr>
           <p:nvPr>
-            <p:ph idx="12" type="sldNum"/>
+            <p:ph type="sldNum" idx="12"/>
           </p:nvPr>
         </p:nvSpPr>
         <p:spPr>
@@ -5417,7 +5609,7 @@
           </a:prstGeom>
         </p:spPr>
         <p:txBody>
-          <a:bodyPr anchorCtr="0" anchor="ctr" bIns="91425" lIns="91425" spcFirstLastPara="1" rIns="91425" wrap="square" tIns="91425">
+          <a:bodyPr spcFirstLastPara="1" wrap="square" lIns="91425" tIns="91425" rIns="91425" bIns="91425" anchor="ctr" anchorCtr="0">
             <a:normAutofit/>
           </a:bodyPr>
           <a:lstStyle>
@@ -5459,7 +5651,7 @@
             </a:lvl9pPr>
           </a:lstStyle>
           <a:p>
-            <a:pPr indent="0" lvl="0" marL="0" rtl="0" algn="r">
+            <a:pPr marL="0" lvl="0" indent="0" algn="r" rtl="0">
               <a:spcBef>
                 <a:spcPts val="0"/>
               </a:spcBef>
@@ -5485,11 +5677,11 @@
 </file>
 
 <file path=ppt/slideLayouts/slideLayout8.xml><?xml version="1.0" encoding="utf-8"?>
-<p:sldLayout xmlns:a="http://schemas.openxmlformats.org/drawingml/2006/main" xmlns:r="http://schemas.openxmlformats.org/officeDocument/2006/relationships" xmlns:mc="http://schemas.openxmlformats.org/markup-compatibility/2006" xmlns:mv="urn:schemas-microsoft-com:mac:vml" xmlns:p="http://schemas.openxmlformats.org/presentationml/2006/main" xmlns:c="http://schemas.openxmlformats.org/drawingml/2006/chart" xmlns:dgm="http://schemas.openxmlformats.org/drawingml/2006/diagram" xmlns:o="urn:schemas-microsoft-com:office:office" xmlns:v="urn:schemas-microsoft-com:vml" xmlns:pvml="urn:schemas-microsoft-com:office:powerpoint" xmlns:com="http://schemas.openxmlformats.org/drawingml/2006/compatibility" xmlns:p14="http://schemas.microsoft.com/office/powerpoint/2010/main" xmlns:p15="http://schemas.microsoft.com/office/powerpoint/2012/main" xmlns:ahyp="http://schemas.microsoft.com/office/drawing/2018/hyperlinkcolor" matchingName="Section title and description">
+<p:sldLayout xmlns:a="http://schemas.openxmlformats.org/drawingml/2006/main" xmlns:r="http://schemas.openxmlformats.org/officeDocument/2006/relationships" xmlns:p="http://schemas.openxmlformats.org/presentationml/2006/main" matchingName="Section title and description">
   <p:cSld name="SECTION_TITLE_AND_DESCRIPTION">
     <p:spTree>
       <p:nvGrpSpPr>
-        <p:cNvPr id="35" name="Shape 35"/>
+        <p:cNvPr id="1" name="Shape 35"/>
         <p:cNvGrpSpPr/>
         <p:nvPr/>
       </p:nvGrpSpPr>
@@ -5523,23 +5715,20 @@
           </a:ln>
         </p:spPr>
         <p:txBody>
-          <a:bodyPr anchorCtr="0" anchor="ctr" bIns="91425" lIns="91425" spcFirstLastPara="1" rIns="91425" wrap="square" tIns="91425">
+          <a:bodyPr spcFirstLastPara="1" wrap="square" lIns="91425" tIns="91425" rIns="91425" bIns="91425" anchor="ctr" anchorCtr="0">
             <a:noAutofit/>
           </a:bodyPr>
           <a:lstStyle/>
           <a:p>
-            <a:pPr indent="0" lvl="0" marL="0" rtl="0" algn="l">
-              <a:spcBef>
-                <a:spcPts val="0"/>
-              </a:spcBef>
-              <a:spcAft>
-                <a:spcPts val="0"/>
-              </a:spcAft>
-              <a:buNone/>
-            </a:pPr>
-            <a:r>
-              <a:t/>
-            </a:r>
+            <a:pPr marL="0" lvl="0" indent="0" algn="l" rtl="0">
+              <a:spcBef>
+                <a:spcPts val="0"/>
+              </a:spcBef>
+              <a:spcAft>
+                <a:spcPts val="0"/>
+              </a:spcAft>
+              <a:buNone/>
+            </a:pPr>
             <a:endParaRPr/>
           </a:p>
         </p:txBody>
@@ -5547,7 +5736,9 @@
       <p:sp>
         <p:nvSpPr>
           <p:cNvPr id="37" name="Google Shape;37;p9"/>
-          <p:cNvSpPr txBox="1"/>
+          <p:cNvSpPr txBox="1">
+            <a:spLocks noGrp="1"/>
+          </p:cNvSpPr>
           <p:nvPr>
             <p:ph type="title"/>
           </p:nvPr>
@@ -5562,7 +5753,7 @@
           </a:prstGeom>
         </p:spPr>
         <p:txBody>
-          <a:bodyPr anchorCtr="0" anchor="b" bIns="91425" lIns="91425" spcFirstLastPara="1" rIns="91425" wrap="square" tIns="91425">
+          <a:bodyPr spcFirstLastPara="1" wrap="square" lIns="91425" tIns="91425" rIns="91425" bIns="91425" anchor="b" anchorCtr="0">
             <a:normAutofit/>
           </a:bodyPr>
           <a:lstStyle>
@@ -5666,15 +5857,19 @@
               <a:defRPr sz="4200"/>
             </a:lvl9pPr>
           </a:lstStyle>
-          <a:p/>
+          <a:p>
+            <a:endParaRPr/>
+          </a:p>
         </p:txBody>
       </p:sp>
       <p:sp>
         <p:nvSpPr>
           <p:cNvPr id="38" name="Google Shape;38;p9"/>
-          <p:cNvSpPr txBox="1"/>
+          <p:cNvSpPr txBox="1">
+            <a:spLocks noGrp="1"/>
+          </p:cNvSpPr>
           <p:nvPr>
-            <p:ph idx="1" type="subTitle"/>
+            <p:ph type="subTitle" idx="1"/>
           </p:nvPr>
         </p:nvSpPr>
         <p:spPr>
@@ -5687,7 +5882,7 @@
           </a:prstGeom>
         </p:spPr>
         <p:txBody>
-          <a:bodyPr anchorCtr="0" anchor="t" bIns="91425" lIns="91425" spcFirstLastPara="1" rIns="91425" wrap="square" tIns="91425">
+          <a:bodyPr spcFirstLastPara="1" wrap="square" lIns="91425" tIns="91425" rIns="91425" bIns="91425" anchor="t" anchorCtr="0">
             <a:normAutofit/>
           </a:bodyPr>
           <a:lstStyle>
@@ -5818,15 +6013,19 @@
               <a:defRPr sz="2100"/>
             </a:lvl9pPr>
           </a:lstStyle>
-          <a:p/>
+          <a:p>
+            <a:endParaRPr/>
+          </a:p>
         </p:txBody>
       </p:sp>
       <p:sp>
         <p:nvSpPr>
           <p:cNvPr id="39" name="Google Shape;39;p9"/>
-          <p:cNvSpPr txBox="1"/>
+          <p:cNvSpPr txBox="1">
+            <a:spLocks noGrp="1"/>
+          </p:cNvSpPr>
           <p:nvPr>
-            <p:ph idx="2" type="body"/>
+            <p:ph type="body" idx="2"/>
           </p:nvPr>
         </p:nvSpPr>
         <p:spPr>
@@ -5839,11 +6038,11 @@
           </a:prstGeom>
         </p:spPr>
         <p:txBody>
-          <a:bodyPr anchorCtr="0" anchor="ctr" bIns="91425" lIns="91425" spcFirstLastPara="1" rIns="91425" wrap="square" tIns="91425">
+          <a:bodyPr spcFirstLastPara="1" wrap="square" lIns="91425" tIns="91425" rIns="91425" bIns="91425" anchor="ctr" anchorCtr="0">
             <a:normAutofit/>
           </a:bodyPr>
           <a:lstStyle>
-            <a:lvl1pPr indent="-342900" lvl="0" marL="457200">
+            <a:lvl1pPr marL="457200" lvl="0" indent="-342900">
               <a:spcBef>
                 <a:spcPts val="0"/>
               </a:spcBef>
@@ -5854,7 +6053,7 @@
               <a:buChar char="●"/>
               <a:defRPr/>
             </a:lvl1pPr>
-            <a:lvl2pPr indent="-317500" lvl="1" marL="914400">
+            <a:lvl2pPr marL="914400" lvl="1" indent="-317500">
               <a:spcBef>
                 <a:spcPts val="0"/>
               </a:spcBef>
@@ -5865,7 +6064,7 @@
               <a:buChar char="○"/>
               <a:defRPr/>
             </a:lvl2pPr>
-            <a:lvl3pPr indent="-317500" lvl="2" marL="1371600">
+            <a:lvl3pPr marL="1371600" lvl="2" indent="-317500">
               <a:spcBef>
                 <a:spcPts val="0"/>
               </a:spcBef>
@@ -5876,7 +6075,7 @@
               <a:buChar char="■"/>
               <a:defRPr/>
             </a:lvl3pPr>
-            <a:lvl4pPr indent="-317500" lvl="3" marL="1828800">
+            <a:lvl4pPr marL="1828800" lvl="3" indent="-317500">
               <a:spcBef>
                 <a:spcPts val="0"/>
               </a:spcBef>
@@ -5887,7 +6086,7 @@
               <a:buChar char="●"/>
               <a:defRPr/>
             </a:lvl4pPr>
-            <a:lvl5pPr indent="-317500" lvl="4" marL="2286000">
+            <a:lvl5pPr marL="2286000" lvl="4" indent="-317500">
               <a:spcBef>
                 <a:spcPts val="0"/>
               </a:spcBef>
@@ -5898,7 +6097,7 @@
               <a:buChar char="○"/>
               <a:defRPr/>
             </a:lvl5pPr>
-            <a:lvl6pPr indent="-317500" lvl="5" marL="2743200">
+            <a:lvl6pPr marL="2743200" lvl="5" indent="-317500">
               <a:spcBef>
                 <a:spcPts val="0"/>
               </a:spcBef>
@@ -5909,7 +6108,7 @@
               <a:buChar char="■"/>
               <a:defRPr/>
             </a:lvl6pPr>
-            <a:lvl7pPr indent="-317500" lvl="6" marL="3200400">
+            <a:lvl7pPr marL="3200400" lvl="6" indent="-317500">
               <a:spcBef>
                 <a:spcPts val="0"/>
               </a:spcBef>
@@ -5920,7 +6119,7 @@
               <a:buChar char="●"/>
               <a:defRPr/>
             </a:lvl7pPr>
-            <a:lvl8pPr indent="-317500" lvl="7" marL="3657600">
+            <a:lvl8pPr marL="3657600" lvl="7" indent="-317500">
               <a:spcBef>
                 <a:spcPts val="0"/>
               </a:spcBef>
@@ -5931,7 +6130,7 @@
               <a:buChar char="○"/>
               <a:defRPr/>
             </a:lvl8pPr>
-            <a:lvl9pPr indent="-317500" lvl="8" marL="4114800">
+            <a:lvl9pPr marL="4114800" lvl="8" indent="-317500">
               <a:spcBef>
                 <a:spcPts val="0"/>
               </a:spcBef>
@@ -5943,15 +6142,19 @@
               <a:defRPr/>
             </a:lvl9pPr>
           </a:lstStyle>
-          <a:p/>
+          <a:p>
+            <a:endParaRPr/>
+          </a:p>
         </p:txBody>
       </p:sp>
       <p:sp>
         <p:nvSpPr>
           <p:cNvPr id="40" name="Google Shape;40;p9"/>
-          <p:cNvSpPr txBox="1"/>
+          <p:cNvSpPr txBox="1">
+            <a:spLocks noGrp="1"/>
+          </p:cNvSpPr>
           <p:nvPr>
-            <p:ph idx="12" type="sldNum"/>
+            <p:ph type="sldNum" idx="12"/>
           </p:nvPr>
         </p:nvSpPr>
         <p:spPr>
@@ -5964,7 +6167,7 @@
           </a:prstGeom>
         </p:spPr>
         <p:txBody>
-          <a:bodyPr anchorCtr="0" anchor="ctr" bIns="91425" lIns="91425" spcFirstLastPara="1" rIns="91425" wrap="square" tIns="91425">
+          <a:bodyPr spcFirstLastPara="1" wrap="square" lIns="91425" tIns="91425" rIns="91425" bIns="91425" anchor="ctr" anchorCtr="0">
             <a:normAutofit/>
           </a:bodyPr>
           <a:lstStyle>
@@ -6006,7 +6209,7 @@
             </a:lvl9pPr>
           </a:lstStyle>
           <a:p>
-            <a:pPr indent="0" lvl="0" marL="0" rtl="0" algn="r">
+            <a:pPr marL="0" lvl="0" indent="0" algn="r" rtl="0">
               <a:spcBef>
                 <a:spcPts val="0"/>
               </a:spcBef>
@@ -6032,11 +6235,11 @@
 </file>
 
 <file path=ppt/slideLayouts/slideLayout9.xml><?xml version="1.0" encoding="utf-8"?>
-<p:sldLayout xmlns:a="http://schemas.openxmlformats.org/drawingml/2006/main" xmlns:r="http://schemas.openxmlformats.org/officeDocument/2006/relationships" xmlns:mc="http://schemas.openxmlformats.org/markup-compatibility/2006" xmlns:mv="urn:schemas-microsoft-com:mac:vml" xmlns:p="http://schemas.openxmlformats.org/presentationml/2006/main" xmlns:c="http://schemas.openxmlformats.org/drawingml/2006/chart" xmlns:dgm="http://schemas.openxmlformats.org/drawingml/2006/diagram" xmlns:o="urn:schemas-microsoft-com:office:office" xmlns:v="urn:schemas-microsoft-com:vml" xmlns:pvml="urn:schemas-microsoft-com:office:powerpoint" xmlns:com="http://schemas.openxmlformats.org/drawingml/2006/compatibility" xmlns:p14="http://schemas.microsoft.com/office/powerpoint/2010/main" xmlns:p15="http://schemas.microsoft.com/office/powerpoint/2012/main" xmlns:ahyp="http://schemas.microsoft.com/office/drawing/2018/hyperlinkcolor" matchingName="Caption">
+<p:sldLayout xmlns:a="http://schemas.openxmlformats.org/drawingml/2006/main" xmlns:r="http://schemas.openxmlformats.org/officeDocument/2006/relationships" xmlns:p="http://schemas.openxmlformats.org/presentationml/2006/main" matchingName="Caption">
   <p:cSld name="CAPTION_ONLY">
     <p:spTree>
       <p:nvGrpSpPr>
-        <p:cNvPr id="41" name="Shape 41"/>
+        <p:cNvPr id="1" name="Shape 41"/>
         <p:cNvGrpSpPr/>
         <p:nvPr/>
       </p:nvGrpSpPr>
@@ -6051,9 +6254,11 @@
       <p:sp>
         <p:nvSpPr>
           <p:cNvPr id="42" name="Google Shape;42;p10"/>
-          <p:cNvSpPr txBox="1"/>
+          <p:cNvSpPr txBox="1">
+            <a:spLocks noGrp="1"/>
+          </p:cNvSpPr>
           <p:nvPr>
-            <p:ph idx="1" type="body"/>
+            <p:ph type="body" idx="1"/>
           </p:nvPr>
         </p:nvSpPr>
         <p:spPr>
@@ -6066,11 +6271,11 @@
           </a:prstGeom>
         </p:spPr>
         <p:txBody>
-          <a:bodyPr anchorCtr="0" anchor="ctr" bIns="91425" lIns="91425" spcFirstLastPara="1" rIns="91425" wrap="square" tIns="91425">
+          <a:bodyPr spcFirstLastPara="1" wrap="square" lIns="91425" tIns="91425" rIns="91425" bIns="91425" anchor="ctr" anchorCtr="0">
             <a:normAutofit/>
           </a:bodyPr>
           <a:lstStyle>
-            <a:lvl1pPr indent="-228600" lvl="0" marL="457200">
+            <a:lvl1pPr marL="457200" lvl="0" indent="-228600">
               <a:lnSpc>
                 <a:spcPct val="100000"/>
               </a:lnSpc>
@@ -6085,15 +6290,19 @@
               <a:defRPr/>
             </a:lvl1pPr>
           </a:lstStyle>
-          <a:p/>
+          <a:p>
+            <a:endParaRPr/>
+          </a:p>
         </p:txBody>
       </p:sp>
       <p:sp>
         <p:nvSpPr>
           <p:cNvPr id="43" name="Google Shape;43;p10"/>
-          <p:cNvSpPr txBox="1"/>
+          <p:cNvSpPr txBox="1">
+            <a:spLocks noGrp="1"/>
+          </p:cNvSpPr>
           <p:nvPr>
-            <p:ph idx="12" type="sldNum"/>
+            <p:ph type="sldNum" idx="12"/>
           </p:nvPr>
         </p:nvSpPr>
         <p:spPr>
@@ -6106,7 +6315,7 @@
           </a:prstGeom>
         </p:spPr>
         <p:txBody>
-          <a:bodyPr anchorCtr="0" anchor="ctr" bIns="91425" lIns="91425" spcFirstLastPara="1" rIns="91425" wrap="square" tIns="91425">
+          <a:bodyPr spcFirstLastPara="1" wrap="square" lIns="91425" tIns="91425" rIns="91425" bIns="91425" anchor="ctr" anchorCtr="0">
             <a:normAutofit/>
           </a:bodyPr>
           <a:lstStyle>
@@ -6148,7 +6357,7 @@
             </a:lvl9pPr>
           </a:lstStyle>
           <a:p>
-            <a:pPr indent="0" lvl="0" marL="0" rtl="0" algn="r">
+            <a:pPr marL="0" lvl="0" indent="0" algn="r" rtl="0">
               <a:spcBef>
                 <a:spcPts val="0"/>
               </a:spcBef>
@@ -6174,18 +6383,19 @@
 </file>
 
 <file path=ppt/slideMasters/slideMaster1.xml><?xml version="1.0" encoding="utf-8"?>
-<p:sldMaster xmlns:a="http://schemas.openxmlformats.org/drawingml/2006/main" xmlns:r="http://schemas.openxmlformats.org/officeDocument/2006/relationships" xmlns:mc="http://schemas.openxmlformats.org/markup-compatibility/2006" xmlns:mv="urn:schemas-microsoft-com:mac:vml" xmlns:p="http://schemas.openxmlformats.org/presentationml/2006/main" xmlns:c="http://schemas.openxmlformats.org/drawingml/2006/chart" xmlns:dgm="http://schemas.openxmlformats.org/drawingml/2006/diagram" xmlns:o="urn:schemas-microsoft-com:office:office" xmlns:v="urn:schemas-microsoft-com:vml" xmlns:pvml="urn:schemas-microsoft-com:office:powerpoint" xmlns:com="http://schemas.openxmlformats.org/drawingml/2006/compatibility" xmlns:p14="http://schemas.microsoft.com/office/powerpoint/2010/main" xmlns:p15="http://schemas.microsoft.com/office/powerpoint/2012/main" xmlns:ahyp="http://schemas.microsoft.com/office/drawing/2018/hyperlinkcolor">
+<p:sldMaster xmlns:a="http://schemas.openxmlformats.org/drawingml/2006/main" xmlns:r="http://schemas.openxmlformats.org/officeDocument/2006/relationships" xmlns:p="http://schemas.openxmlformats.org/presentationml/2006/main">
   <p:cSld name="simple-light-2">
     <p:bg>
       <p:bgPr>
         <a:solidFill>
           <a:schemeClr val="lt1"/>
         </a:solidFill>
+        <a:effectLst/>
       </p:bgPr>
     </p:bg>
     <p:spTree>
       <p:nvGrpSpPr>
-        <p:cNvPr id="5" name="Shape 5"/>
+        <p:cNvPr id="1" name="Shape 5"/>
         <p:cNvGrpSpPr/>
         <p:nvPr/>
       </p:nvGrpSpPr>
@@ -6200,7 +6410,9 @@
       <p:sp>
         <p:nvSpPr>
           <p:cNvPr id="6" name="Google Shape;6;p1"/>
-          <p:cNvSpPr txBox="1"/>
+          <p:cNvSpPr txBox="1">
+            <a:spLocks noGrp="1"/>
+          </p:cNvSpPr>
           <p:nvPr>
             <p:ph type="title"/>
           </p:nvPr>
@@ -6219,7 +6431,7 @@
           </a:ln>
         </p:spPr>
         <p:txBody>
-          <a:bodyPr anchorCtr="0" anchor="t" bIns="91425" lIns="91425" spcFirstLastPara="1" rIns="91425" wrap="square" tIns="91425">
+          <a:bodyPr spcFirstLastPara="1" wrap="square" lIns="91425" tIns="91425" rIns="91425" bIns="91425" anchor="t" anchorCtr="0">
             <a:normAutofit/>
           </a:bodyPr>
           <a:lstStyle>
@@ -6386,15 +6598,19 @@
               </a:defRPr>
             </a:lvl9pPr>
           </a:lstStyle>
-          <a:p/>
+          <a:p>
+            <a:endParaRPr/>
+          </a:p>
         </p:txBody>
       </p:sp>
       <p:sp>
         <p:nvSpPr>
           <p:cNvPr id="7" name="Google Shape;7;p1"/>
-          <p:cNvSpPr txBox="1"/>
+          <p:cNvSpPr txBox="1">
+            <a:spLocks noGrp="1"/>
+          </p:cNvSpPr>
           <p:nvPr>
-            <p:ph idx="1" type="body"/>
+            <p:ph type="body" idx="1"/>
           </p:nvPr>
         </p:nvSpPr>
         <p:spPr>
@@ -6411,11 +6627,11 @@
           </a:ln>
         </p:spPr>
         <p:txBody>
-          <a:bodyPr anchorCtr="0" anchor="t" bIns="91425" lIns="91425" spcFirstLastPara="1" rIns="91425" wrap="square" tIns="91425">
+          <a:bodyPr spcFirstLastPara="1" wrap="square" lIns="91425" tIns="91425" rIns="91425" bIns="91425" anchor="t" anchorCtr="0">
             <a:normAutofit/>
           </a:bodyPr>
           <a:lstStyle>
-            <a:lvl1pPr indent="-342900" lvl="0" marL="457200">
+            <a:lvl1pPr marL="457200" lvl="0" indent="-342900">
               <a:lnSpc>
                 <a:spcPct val="115000"/>
               </a:lnSpc>
@@ -6436,7 +6652,7 @@
                 </a:solidFill>
               </a:defRPr>
             </a:lvl1pPr>
-            <a:lvl2pPr indent="-317500" lvl="1" marL="914400">
+            <a:lvl2pPr marL="914400" lvl="1" indent="-317500">
               <a:lnSpc>
                 <a:spcPct val="115000"/>
               </a:lnSpc>
@@ -6457,7 +6673,7 @@
                 </a:solidFill>
               </a:defRPr>
             </a:lvl2pPr>
-            <a:lvl3pPr indent="-317500" lvl="2" marL="1371600">
+            <a:lvl3pPr marL="1371600" lvl="2" indent="-317500">
               <a:lnSpc>
                 <a:spcPct val="115000"/>
               </a:lnSpc>
@@ -6478,7 +6694,7 @@
                 </a:solidFill>
               </a:defRPr>
             </a:lvl3pPr>
-            <a:lvl4pPr indent="-317500" lvl="3" marL="1828800">
+            <a:lvl4pPr marL="1828800" lvl="3" indent="-317500">
               <a:lnSpc>
                 <a:spcPct val="115000"/>
               </a:lnSpc>
@@ -6499,7 +6715,7 @@
                 </a:solidFill>
               </a:defRPr>
             </a:lvl4pPr>
-            <a:lvl5pPr indent="-317500" lvl="4" marL="2286000">
+            <a:lvl5pPr marL="2286000" lvl="4" indent="-317500">
               <a:lnSpc>
                 <a:spcPct val="115000"/>
               </a:lnSpc>
@@ -6520,7 +6736,7 @@
                 </a:solidFill>
               </a:defRPr>
             </a:lvl5pPr>
-            <a:lvl6pPr indent="-317500" lvl="5" marL="2743200">
+            <a:lvl6pPr marL="2743200" lvl="5" indent="-317500">
               <a:lnSpc>
                 <a:spcPct val="115000"/>
               </a:lnSpc>
@@ -6541,7 +6757,7 @@
                 </a:solidFill>
               </a:defRPr>
             </a:lvl6pPr>
-            <a:lvl7pPr indent="-317500" lvl="6" marL="3200400">
+            <a:lvl7pPr marL="3200400" lvl="6" indent="-317500">
               <a:lnSpc>
                 <a:spcPct val="115000"/>
               </a:lnSpc>
@@ -6562,7 +6778,7 @@
                 </a:solidFill>
               </a:defRPr>
             </a:lvl7pPr>
-            <a:lvl8pPr indent="-317500" lvl="7" marL="3657600">
+            <a:lvl8pPr marL="3657600" lvl="7" indent="-317500">
               <a:lnSpc>
                 <a:spcPct val="115000"/>
               </a:lnSpc>
@@ -6583,7 +6799,7 @@
                 </a:solidFill>
               </a:defRPr>
             </a:lvl8pPr>
-            <a:lvl9pPr indent="-317500" lvl="8" marL="4114800">
+            <a:lvl9pPr marL="4114800" lvl="8" indent="-317500">
               <a:lnSpc>
                 <a:spcPct val="115000"/>
               </a:lnSpc>
@@ -6605,15 +6821,19 @@
               </a:defRPr>
             </a:lvl9pPr>
           </a:lstStyle>
-          <a:p/>
+          <a:p>
+            <a:endParaRPr/>
+          </a:p>
         </p:txBody>
       </p:sp>
       <p:sp>
         <p:nvSpPr>
           <p:cNvPr id="8" name="Google Shape;8;p1"/>
-          <p:cNvSpPr txBox="1"/>
+          <p:cNvSpPr txBox="1">
+            <a:spLocks noGrp="1"/>
+          </p:cNvSpPr>
           <p:nvPr>
-            <p:ph idx="12" type="sldNum"/>
+            <p:ph type="sldNum" idx="12"/>
           </p:nvPr>
         </p:nvSpPr>
         <p:spPr>
@@ -6630,7 +6850,7 @@
           </a:ln>
         </p:spPr>
         <p:txBody>
-          <a:bodyPr anchorCtr="0" anchor="ctr" bIns="91425" lIns="91425" spcFirstLastPara="1" rIns="91425" wrap="square" tIns="91425">
+          <a:bodyPr spcFirstLastPara="1" wrap="square" lIns="91425" tIns="91425" rIns="91425" bIns="91425" anchor="ctr" anchorCtr="0">
             <a:normAutofit/>
           </a:bodyPr>
           <a:lstStyle>
@@ -6708,7 +6928,7 @@
             </a:lvl9pPr>
           </a:lstStyle>
           <a:p>
-            <a:pPr indent="0" lvl="0" marL="0" rtl="0" algn="r">
+            <a:pPr marL="0" lvl="0" indent="0" algn="r" rtl="0">
               <a:spcBef>
                 <a:spcPts val="0"/>
               </a:spcBef>
@@ -6727,7 +6947,7 @@
       </p:sp>
     </p:spTree>
   </p:cSld>
-  <p:clrMap accent1="accent1" accent2="accent2" accent3="accent3" accent4="accent4" accent5="accent5" accent6="accent6" bg1="lt1" bg2="dk2" tx1="dk1" tx2="lt2" folHlink="folHlink" hlink="hlink"/>
+  <p:clrMap bg1="lt1" tx1="dk1" bg2="dk2" tx2="lt2" accent1="accent1" accent2="accent2" accent3="accent3" accent4="accent4" accent5="accent5" accent6="accent6" hlink="hlink" folHlink="folHlink"/>
   <p:sldLayoutIdLst>
     <p:sldLayoutId id="2147483648" r:id="rId1"/>
     <p:sldLayoutId id="2147483649" r:id="rId2"/>
@@ -6741,10 +6961,10 @@
     <p:sldLayoutId id="2147483657" r:id="rId10"/>
     <p:sldLayoutId id="2147483658" r:id="rId11"/>
   </p:sldLayoutIdLst>
-  <p:hf dt="0" ftr="0" hdr="0" sldNum="0"/>
+  <p:hf sldNum="0" hdr="0" ftr="0" dt="0"/>
   <p:txStyles>
     <p:titleStyle>
-      <a:defPPr lvl="0" marR="0" rtl="0" algn="l">
+      <a:defPPr marR="0" lvl="0" algn="l" rtl="0">
         <a:lnSpc>
           <a:spcPct val="100000"/>
         </a:lnSpc>
@@ -6755,7 +6975,7 @@
           <a:spcPts val="0"/>
         </a:spcAft>
       </a:defPPr>
-      <a:lvl1pPr lvl="0" marR="0" rtl="0" algn="l">
+      <a:lvl1pPr marR="0" lvl="0" algn="l" rtl="0">
         <a:lnSpc>
           <a:spcPct val="100000"/>
         </a:lnSpc>
@@ -6769,7 +6989,7 @@
           <a:srgbClr val="000000"/>
         </a:buClr>
         <a:buFont typeface="Arial"/>
-        <a:defRPr b="0" i="0" sz="1400" u="none" cap="none" strike="noStrike">
+        <a:defRPr sz="1400" b="0" i="0" u="none" strike="noStrike" cap="none">
           <a:solidFill>
             <a:srgbClr val="000000"/>
           </a:solidFill>
@@ -6779,7 +6999,7 @@
           <a:sym typeface="Arial"/>
         </a:defRPr>
       </a:lvl1pPr>
-      <a:lvl2pPr lvl="1" marR="0" rtl="0" algn="l">
+      <a:lvl2pPr marR="0" lvl="1" algn="l" rtl="0">
         <a:lnSpc>
           <a:spcPct val="100000"/>
         </a:lnSpc>
@@ -6793,7 +7013,7 @@
           <a:srgbClr val="000000"/>
         </a:buClr>
         <a:buFont typeface="Arial"/>
-        <a:defRPr b="0" i="0" sz="1400" u="none" cap="none" strike="noStrike">
+        <a:defRPr sz="1400" b="0" i="0" u="none" strike="noStrike" cap="none">
           <a:solidFill>
             <a:srgbClr val="000000"/>
           </a:solidFill>
@@ -6803,7 +7023,7 @@
           <a:sym typeface="Arial"/>
         </a:defRPr>
       </a:lvl2pPr>
-      <a:lvl3pPr lvl="2" marR="0" rtl="0" algn="l">
+      <a:lvl3pPr marR="0" lvl="2" algn="l" rtl="0">
         <a:lnSpc>
           <a:spcPct val="100000"/>
         </a:lnSpc>
@@ -6817,7 +7037,7 @@
           <a:srgbClr val="000000"/>
         </a:buClr>
         <a:buFont typeface="Arial"/>
-        <a:defRPr b="0" i="0" sz="1400" u="none" cap="none" strike="noStrike">
+        <a:defRPr sz="1400" b="0" i="0" u="none" strike="noStrike" cap="none">
           <a:solidFill>
             <a:srgbClr val="000000"/>
           </a:solidFill>
@@ -6827,7 +7047,7 @@
           <a:sym typeface="Arial"/>
         </a:defRPr>
       </a:lvl3pPr>
-      <a:lvl4pPr lvl="3" marR="0" rtl="0" algn="l">
+      <a:lvl4pPr marR="0" lvl="3" algn="l" rtl="0">
         <a:lnSpc>
           <a:spcPct val="100000"/>
         </a:lnSpc>
@@ -6841,7 +7061,7 @@
           <a:srgbClr val="000000"/>
         </a:buClr>
         <a:buFont typeface="Arial"/>
-        <a:defRPr b="0" i="0" sz="1400" u="none" cap="none" strike="noStrike">
+        <a:defRPr sz="1400" b="0" i="0" u="none" strike="noStrike" cap="none">
           <a:solidFill>
             <a:srgbClr val="000000"/>
           </a:solidFill>
@@ -6851,7 +7071,7 @@
           <a:sym typeface="Arial"/>
         </a:defRPr>
       </a:lvl4pPr>
-      <a:lvl5pPr lvl="4" marR="0" rtl="0" algn="l">
+      <a:lvl5pPr marR="0" lvl="4" algn="l" rtl="0">
         <a:lnSpc>
           <a:spcPct val="100000"/>
         </a:lnSpc>
@@ -6865,7 +7085,7 @@
           <a:srgbClr val="000000"/>
         </a:buClr>
         <a:buFont typeface="Arial"/>
-        <a:defRPr b="0" i="0" sz="1400" u="none" cap="none" strike="noStrike">
+        <a:defRPr sz="1400" b="0" i="0" u="none" strike="noStrike" cap="none">
           <a:solidFill>
             <a:srgbClr val="000000"/>
           </a:solidFill>
@@ -6875,7 +7095,7 @@
           <a:sym typeface="Arial"/>
         </a:defRPr>
       </a:lvl5pPr>
-      <a:lvl6pPr lvl="5" marR="0" rtl="0" algn="l">
+      <a:lvl6pPr marR="0" lvl="5" algn="l" rtl="0">
         <a:lnSpc>
           <a:spcPct val="100000"/>
         </a:lnSpc>
@@ -6889,7 +7109,7 @@
           <a:srgbClr val="000000"/>
         </a:buClr>
         <a:buFont typeface="Arial"/>
-        <a:defRPr b="0" i="0" sz="1400" u="none" cap="none" strike="noStrike">
+        <a:defRPr sz="1400" b="0" i="0" u="none" strike="noStrike" cap="none">
           <a:solidFill>
             <a:srgbClr val="000000"/>
           </a:solidFill>
@@ -6899,7 +7119,7 @@
           <a:sym typeface="Arial"/>
         </a:defRPr>
       </a:lvl6pPr>
-      <a:lvl7pPr lvl="6" marR="0" rtl="0" algn="l">
+      <a:lvl7pPr marR="0" lvl="6" algn="l" rtl="0">
         <a:lnSpc>
           <a:spcPct val="100000"/>
         </a:lnSpc>
@@ -6913,7 +7133,7 @@
           <a:srgbClr val="000000"/>
         </a:buClr>
         <a:buFont typeface="Arial"/>
-        <a:defRPr b="0" i="0" sz="1400" u="none" cap="none" strike="noStrike">
+        <a:defRPr sz="1400" b="0" i="0" u="none" strike="noStrike" cap="none">
           <a:solidFill>
             <a:srgbClr val="000000"/>
           </a:solidFill>
@@ -6923,7 +7143,7 @@
           <a:sym typeface="Arial"/>
         </a:defRPr>
       </a:lvl7pPr>
-      <a:lvl8pPr lvl="7" marR="0" rtl="0" algn="l">
+      <a:lvl8pPr marR="0" lvl="7" algn="l" rtl="0">
         <a:lnSpc>
           <a:spcPct val="100000"/>
         </a:lnSpc>
@@ -6937,7 +7157,7 @@
           <a:srgbClr val="000000"/>
         </a:buClr>
         <a:buFont typeface="Arial"/>
-        <a:defRPr b="0" i="0" sz="1400" u="none" cap="none" strike="noStrike">
+        <a:defRPr sz="1400" b="0" i="0" u="none" strike="noStrike" cap="none">
           <a:solidFill>
             <a:srgbClr val="000000"/>
           </a:solidFill>
@@ -6947,7 +7167,7 @@
           <a:sym typeface="Arial"/>
         </a:defRPr>
       </a:lvl8pPr>
-      <a:lvl9pPr lvl="8" marR="0" rtl="0" algn="l">
+      <a:lvl9pPr marR="0" lvl="8" algn="l" rtl="0">
         <a:lnSpc>
           <a:spcPct val="100000"/>
         </a:lnSpc>
@@ -6961,7 +7181,7 @@
           <a:srgbClr val="000000"/>
         </a:buClr>
         <a:buFont typeface="Arial"/>
-        <a:defRPr b="0" i="0" sz="1400" u="none" cap="none" strike="noStrike">
+        <a:defRPr sz="1400" b="0" i="0" u="none" strike="noStrike" cap="none">
           <a:solidFill>
             <a:srgbClr val="000000"/>
           </a:solidFill>
@@ -6973,7 +7193,7 @@
       </a:lvl9pPr>
     </p:titleStyle>
     <p:bodyStyle>
-      <a:defPPr lvl="0" marR="0" rtl="0" algn="l">
+      <a:defPPr marR="0" lvl="0" algn="l" rtl="0">
         <a:lnSpc>
           <a:spcPct val="100000"/>
         </a:lnSpc>
@@ -6984,7 +7204,7 @@
           <a:spcPts val="0"/>
         </a:spcAft>
       </a:defPPr>
-      <a:lvl1pPr lvl="0" marR="0" rtl="0" algn="l">
+      <a:lvl1pPr marR="0" lvl="0" algn="l" rtl="0">
         <a:lnSpc>
           <a:spcPct val="100000"/>
         </a:lnSpc>
@@ -6998,7 +7218,7 @@
           <a:srgbClr val="000000"/>
         </a:buClr>
         <a:buFont typeface="Arial"/>
-        <a:defRPr b="0" i="0" sz="1400" u="none" cap="none" strike="noStrike">
+        <a:defRPr sz="1400" b="0" i="0" u="none" strike="noStrike" cap="none">
           <a:solidFill>
             <a:srgbClr val="000000"/>
           </a:solidFill>
@@ -7008,7 +7228,7 @@
           <a:sym typeface="Arial"/>
         </a:defRPr>
       </a:lvl1pPr>
-      <a:lvl2pPr lvl="1" marR="0" rtl="0" algn="l">
+      <a:lvl2pPr marR="0" lvl="1" algn="l" rtl="0">
         <a:lnSpc>
           <a:spcPct val="100000"/>
         </a:lnSpc>
@@ -7022,7 +7242,7 @@
           <a:srgbClr val="000000"/>
         </a:buClr>
         <a:buFont typeface="Arial"/>
-        <a:defRPr b="0" i="0" sz="1400" u="none" cap="none" strike="noStrike">
+        <a:defRPr sz="1400" b="0" i="0" u="none" strike="noStrike" cap="none">
           <a:solidFill>
             <a:srgbClr val="000000"/>
           </a:solidFill>
@@ -7032,7 +7252,7 @@
           <a:sym typeface="Arial"/>
         </a:defRPr>
       </a:lvl2pPr>
-      <a:lvl3pPr lvl="2" marR="0" rtl="0" algn="l">
+      <a:lvl3pPr marR="0" lvl="2" algn="l" rtl="0">
         <a:lnSpc>
           <a:spcPct val="100000"/>
         </a:lnSpc>
@@ -7046,7 +7266,7 @@
           <a:srgbClr val="000000"/>
         </a:buClr>
         <a:buFont typeface="Arial"/>
-        <a:defRPr b="0" i="0" sz="1400" u="none" cap="none" strike="noStrike">
+        <a:defRPr sz="1400" b="0" i="0" u="none" strike="noStrike" cap="none">
           <a:solidFill>
             <a:srgbClr val="000000"/>
           </a:solidFill>
@@ -7056,7 +7276,7 @@
           <a:sym typeface="Arial"/>
         </a:defRPr>
       </a:lvl3pPr>
-      <a:lvl4pPr lvl="3" marR="0" rtl="0" algn="l">
+      <a:lvl4pPr marR="0" lvl="3" algn="l" rtl="0">
         <a:lnSpc>
           <a:spcPct val="100000"/>
         </a:lnSpc>
@@ -7070,7 +7290,7 @@
           <a:srgbClr val="000000"/>
         </a:buClr>
         <a:buFont typeface="Arial"/>
-        <a:defRPr b="0" i="0" sz="1400" u="none" cap="none" strike="noStrike">
+        <a:defRPr sz="1400" b="0" i="0" u="none" strike="noStrike" cap="none">
           <a:solidFill>
             <a:srgbClr val="000000"/>
           </a:solidFill>
@@ -7080,7 +7300,7 @@
           <a:sym typeface="Arial"/>
         </a:defRPr>
       </a:lvl4pPr>
-      <a:lvl5pPr lvl="4" marR="0" rtl="0" algn="l">
+      <a:lvl5pPr marR="0" lvl="4" algn="l" rtl="0">
         <a:lnSpc>
           <a:spcPct val="100000"/>
         </a:lnSpc>
@@ -7094,7 +7314,7 @@
           <a:srgbClr val="000000"/>
         </a:buClr>
         <a:buFont typeface="Arial"/>
-        <a:defRPr b="0" i="0" sz="1400" u="none" cap="none" strike="noStrike">
+        <a:defRPr sz="1400" b="0" i="0" u="none" strike="noStrike" cap="none">
           <a:solidFill>
             <a:srgbClr val="000000"/>
           </a:solidFill>
@@ -7104,7 +7324,7 @@
           <a:sym typeface="Arial"/>
         </a:defRPr>
       </a:lvl5pPr>
-      <a:lvl6pPr lvl="5" marR="0" rtl="0" algn="l">
+      <a:lvl6pPr marR="0" lvl="5" algn="l" rtl="0">
         <a:lnSpc>
           <a:spcPct val="100000"/>
         </a:lnSpc>
@@ -7118,7 +7338,7 @@
           <a:srgbClr val="000000"/>
         </a:buClr>
         <a:buFont typeface="Arial"/>
-        <a:defRPr b="0" i="0" sz="1400" u="none" cap="none" strike="noStrike">
+        <a:defRPr sz="1400" b="0" i="0" u="none" strike="noStrike" cap="none">
           <a:solidFill>
             <a:srgbClr val="000000"/>
           </a:solidFill>
@@ -7128,7 +7348,7 @@
           <a:sym typeface="Arial"/>
         </a:defRPr>
       </a:lvl6pPr>
-      <a:lvl7pPr lvl="6" marR="0" rtl="0" algn="l">
+      <a:lvl7pPr marR="0" lvl="6" algn="l" rtl="0">
         <a:lnSpc>
           <a:spcPct val="100000"/>
         </a:lnSpc>
@@ -7142,7 +7362,7 @@
           <a:srgbClr val="000000"/>
         </a:buClr>
         <a:buFont typeface="Arial"/>
-        <a:defRPr b="0" i="0" sz="1400" u="none" cap="none" strike="noStrike">
+        <a:defRPr sz="1400" b="0" i="0" u="none" strike="noStrike" cap="none">
           <a:solidFill>
             <a:srgbClr val="000000"/>
           </a:solidFill>
@@ -7152,7 +7372,7 @@
           <a:sym typeface="Arial"/>
         </a:defRPr>
       </a:lvl7pPr>
-      <a:lvl8pPr lvl="7" marR="0" rtl="0" algn="l">
+      <a:lvl8pPr marR="0" lvl="7" algn="l" rtl="0">
         <a:lnSpc>
           <a:spcPct val="100000"/>
         </a:lnSpc>
@@ -7166,7 +7386,7 @@
           <a:srgbClr val="000000"/>
         </a:buClr>
         <a:buFont typeface="Arial"/>
-        <a:defRPr b="0" i="0" sz="1400" u="none" cap="none" strike="noStrike">
+        <a:defRPr sz="1400" b="0" i="0" u="none" strike="noStrike" cap="none">
           <a:solidFill>
             <a:srgbClr val="000000"/>
           </a:solidFill>
@@ -7176,7 +7396,7 @@
           <a:sym typeface="Arial"/>
         </a:defRPr>
       </a:lvl8pPr>
-      <a:lvl9pPr lvl="8" marR="0" rtl="0" algn="l">
+      <a:lvl9pPr marR="0" lvl="8" algn="l" rtl="0">
         <a:lnSpc>
           <a:spcPct val="100000"/>
         </a:lnSpc>
@@ -7190,7 +7410,7 @@
           <a:srgbClr val="000000"/>
         </a:buClr>
         <a:buFont typeface="Arial"/>
-        <a:defRPr b="0" i="0" sz="1400" u="none" cap="none" strike="noStrike">
+        <a:defRPr sz="1400" b="0" i="0" u="none" strike="noStrike" cap="none">
           <a:solidFill>
             <a:srgbClr val="000000"/>
           </a:solidFill>
@@ -7202,7 +7422,7 @@
       </a:lvl9pPr>
     </p:bodyStyle>
     <p:otherStyle>
-      <a:defPPr lvl="0" marR="0" rtl="0" algn="l">
+      <a:defPPr marR="0" lvl="0" algn="l" rtl="0">
         <a:lnSpc>
           <a:spcPct val="100000"/>
         </a:lnSpc>
@@ -7213,7 +7433,7 @@
           <a:spcPts val="0"/>
         </a:spcAft>
       </a:defPPr>
-      <a:lvl1pPr lvl="0" marR="0" rtl="0" algn="l">
+      <a:lvl1pPr marR="0" lvl="0" algn="l" rtl="0">
         <a:lnSpc>
           <a:spcPct val="100000"/>
         </a:lnSpc>
@@ -7227,7 +7447,7 @@
           <a:srgbClr val="000000"/>
         </a:buClr>
         <a:buFont typeface="Arial"/>
-        <a:defRPr b="0" i="0" sz="1400" u="none" cap="none" strike="noStrike">
+        <a:defRPr sz="1400" b="0" i="0" u="none" strike="noStrike" cap="none">
           <a:solidFill>
             <a:srgbClr val="000000"/>
           </a:solidFill>
@@ -7237,7 +7457,7 @@
           <a:sym typeface="Arial"/>
         </a:defRPr>
       </a:lvl1pPr>
-      <a:lvl2pPr lvl="1" marR="0" rtl="0" algn="l">
+      <a:lvl2pPr marR="0" lvl="1" algn="l" rtl="0">
         <a:lnSpc>
           <a:spcPct val="100000"/>
         </a:lnSpc>
@@ -7251,7 +7471,7 @@
           <a:srgbClr val="000000"/>
         </a:buClr>
         <a:buFont typeface="Arial"/>
-        <a:defRPr b="0" i="0" sz="1400" u="none" cap="none" strike="noStrike">
+        <a:defRPr sz="1400" b="0" i="0" u="none" strike="noStrike" cap="none">
           <a:solidFill>
             <a:srgbClr val="000000"/>
           </a:solidFill>
@@ -7261,7 +7481,7 @@
           <a:sym typeface="Arial"/>
         </a:defRPr>
       </a:lvl2pPr>
-      <a:lvl3pPr lvl="2" marR="0" rtl="0" algn="l">
+      <a:lvl3pPr marR="0" lvl="2" algn="l" rtl="0">
         <a:lnSpc>
           <a:spcPct val="100000"/>
         </a:lnSpc>
@@ -7275,7 +7495,7 @@
           <a:srgbClr val="000000"/>
         </a:buClr>
         <a:buFont typeface="Arial"/>
-        <a:defRPr b="0" i="0" sz="1400" u="none" cap="none" strike="noStrike">
+        <a:defRPr sz="1400" b="0" i="0" u="none" strike="noStrike" cap="none">
           <a:solidFill>
             <a:srgbClr val="000000"/>
           </a:solidFill>
@@ -7285,7 +7505,7 @@
           <a:sym typeface="Arial"/>
         </a:defRPr>
       </a:lvl3pPr>
-      <a:lvl4pPr lvl="3" marR="0" rtl="0" algn="l">
+      <a:lvl4pPr marR="0" lvl="3" algn="l" rtl="0">
         <a:lnSpc>
           <a:spcPct val="100000"/>
         </a:lnSpc>
@@ -7299,7 +7519,7 @@
           <a:srgbClr val="000000"/>
         </a:buClr>
         <a:buFont typeface="Arial"/>
-        <a:defRPr b="0" i="0" sz="1400" u="none" cap="none" strike="noStrike">
+        <a:defRPr sz="1400" b="0" i="0" u="none" strike="noStrike" cap="none">
           <a:solidFill>
             <a:srgbClr val="000000"/>
           </a:solidFill>
@@ -7309,7 +7529,7 @@
           <a:sym typeface="Arial"/>
         </a:defRPr>
       </a:lvl4pPr>
-      <a:lvl5pPr lvl="4" marR="0" rtl="0" algn="l">
+      <a:lvl5pPr marR="0" lvl="4" algn="l" rtl="0">
         <a:lnSpc>
           <a:spcPct val="100000"/>
         </a:lnSpc>
@@ -7323,7 +7543,7 @@
           <a:srgbClr val="000000"/>
         </a:buClr>
         <a:buFont typeface="Arial"/>
-        <a:defRPr b="0" i="0" sz="1400" u="none" cap="none" strike="noStrike">
+        <a:defRPr sz="1400" b="0" i="0" u="none" strike="noStrike" cap="none">
           <a:solidFill>
             <a:srgbClr val="000000"/>
           </a:solidFill>
@@ -7333,7 +7553,7 @@
           <a:sym typeface="Arial"/>
         </a:defRPr>
       </a:lvl5pPr>
-      <a:lvl6pPr lvl="5" marR="0" rtl="0" algn="l">
+      <a:lvl6pPr marR="0" lvl="5" algn="l" rtl="0">
         <a:lnSpc>
           <a:spcPct val="100000"/>
         </a:lnSpc>
@@ -7347,7 +7567,7 @@
           <a:srgbClr val="000000"/>
         </a:buClr>
         <a:buFont typeface="Arial"/>
-        <a:defRPr b="0" i="0" sz="1400" u="none" cap="none" strike="noStrike">
+        <a:defRPr sz="1400" b="0" i="0" u="none" strike="noStrike" cap="none">
           <a:solidFill>
             <a:srgbClr val="000000"/>
           </a:solidFill>
@@ -7357,7 +7577,7 @@
           <a:sym typeface="Arial"/>
         </a:defRPr>
       </a:lvl6pPr>
-      <a:lvl7pPr lvl="6" marR="0" rtl="0" algn="l">
+      <a:lvl7pPr marR="0" lvl="6" algn="l" rtl="0">
         <a:lnSpc>
           <a:spcPct val="100000"/>
         </a:lnSpc>
@@ -7371,7 +7591,7 @@
           <a:srgbClr val="000000"/>
         </a:buClr>
         <a:buFont typeface="Arial"/>
-        <a:defRPr b="0" i="0" sz="1400" u="none" cap="none" strike="noStrike">
+        <a:defRPr sz="1400" b="0" i="0" u="none" strike="noStrike" cap="none">
           <a:solidFill>
             <a:srgbClr val="000000"/>
           </a:solidFill>
@@ -7381,7 +7601,7 @@
           <a:sym typeface="Arial"/>
         </a:defRPr>
       </a:lvl7pPr>
-      <a:lvl8pPr lvl="7" marR="0" rtl="0" algn="l">
+      <a:lvl8pPr marR="0" lvl="7" algn="l" rtl="0">
         <a:lnSpc>
           <a:spcPct val="100000"/>
         </a:lnSpc>
@@ -7395,7 +7615,7 @@
           <a:srgbClr val="000000"/>
         </a:buClr>
         <a:buFont typeface="Arial"/>
-        <a:defRPr b="0" i="0" sz="1400" u="none" cap="none" strike="noStrike">
+        <a:defRPr sz="1400" b="0" i="0" u="none" strike="noStrike" cap="none">
           <a:solidFill>
             <a:srgbClr val="000000"/>
           </a:solidFill>
@@ -7405,7 +7625,7 @@
           <a:sym typeface="Arial"/>
         </a:defRPr>
       </a:lvl8pPr>
-      <a:lvl9pPr lvl="8" marR="0" rtl="0" algn="l">
+      <a:lvl9pPr marR="0" lvl="8" algn="l" rtl="0">
         <a:lnSpc>
           <a:spcPct val="100000"/>
         </a:lnSpc>
@@ -7419,7 +7639,7 @@
           <a:srgbClr val="000000"/>
         </a:buClr>
         <a:buFont typeface="Arial"/>
-        <a:defRPr b="0" i="0" sz="1400" u="none" cap="none" strike="noStrike">
+        <a:defRPr sz="1400" b="0" i="0" u="none" strike="noStrike" cap="none">
           <a:solidFill>
             <a:srgbClr val="000000"/>
           </a:solidFill>
@@ -7435,11 +7655,11 @@
 </file>
 
 <file path=ppt/slides/slide1.xml><?xml version="1.0" encoding="utf-8"?>
-<p:sld xmlns:a="http://schemas.openxmlformats.org/drawingml/2006/main" xmlns:r="http://schemas.openxmlformats.org/officeDocument/2006/relationships" xmlns:mc="http://schemas.openxmlformats.org/markup-compatibility/2006" xmlns:mv="urn:schemas-microsoft-com:mac:vml" xmlns:p="http://schemas.openxmlformats.org/presentationml/2006/main" xmlns:c="http://schemas.openxmlformats.org/drawingml/2006/chart" xmlns:dgm="http://schemas.openxmlformats.org/drawingml/2006/diagram" xmlns:o="urn:schemas-microsoft-com:office:office" xmlns:v="urn:schemas-microsoft-com:vml" xmlns:pvml="urn:schemas-microsoft-com:office:powerpoint" xmlns:com="http://schemas.openxmlformats.org/drawingml/2006/compatibility" xmlns:p14="http://schemas.microsoft.com/office/powerpoint/2010/main" xmlns:p15="http://schemas.microsoft.com/office/powerpoint/2012/main" xmlns:ahyp="http://schemas.microsoft.com/office/drawing/2018/hyperlinkcolor">
+<p:sld xmlns:a="http://schemas.openxmlformats.org/drawingml/2006/main" xmlns:r="http://schemas.openxmlformats.org/officeDocument/2006/relationships" xmlns:p="http://schemas.openxmlformats.org/presentationml/2006/main">
   <p:cSld>
     <p:spTree>
       <p:nvGrpSpPr>
-        <p:cNvPr id="53" name="Shape 53"/>
+        <p:cNvPr id="1" name="Shape 53"/>
         <p:cNvGrpSpPr/>
         <p:nvPr/>
       </p:nvGrpSpPr>
@@ -7454,7 +7674,9 @@
       <p:sp>
         <p:nvSpPr>
           <p:cNvPr id="54" name="Google Shape;54;p13"/>
-          <p:cNvSpPr txBox="1"/>
+          <p:cNvSpPr txBox="1">
+            <a:spLocks noGrp="1"/>
+          </p:cNvSpPr>
           <p:nvPr>
             <p:ph type="ctrTitle"/>
           </p:nvPr>
@@ -7469,12 +7691,12 @@
           </a:prstGeom>
         </p:spPr>
         <p:txBody>
-          <a:bodyPr anchorCtr="0" anchor="b" bIns="91425" lIns="91425" spcFirstLastPara="1" rIns="91425" wrap="square" tIns="91425">
+          <a:bodyPr spcFirstLastPara="1" wrap="square" lIns="91425" tIns="91425" rIns="91425" bIns="91425" anchor="b" anchorCtr="0">
             <a:normAutofit/>
           </a:bodyPr>
           <a:lstStyle/>
           <a:p>
-            <a:pPr indent="0" lvl="0" marL="0" rtl="0" algn="ctr">
+            <a:pPr marL="0" lvl="0" indent="0" algn="ctr" rtl="0">
               <a:spcBef>
                 <a:spcPts val="0"/>
               </a:spcBef>
@@ -7494,9 +7716,11 @@
       <p:sp>
         <p:nvSpPr>
           <p:cNvPr id="55" name="Google Shape;55;p13"/>
-          <p:cNvSpPr txBox="1"/>
+          <p:cNvSpPr txBox="1">
+            <a:spLocks noGrp="1"/>
+          </p:cNvSpPr>
           <p:nvPr>
-            <p:ph idx="1" type="subTitle"/>
+            <p:ph type="subTitle" idx="1"/>
           </p:nvPr>
         </p:nvSpPr>
         <p:spPr>
@@ -7509,23 +7733,20 @@
           </a:prstGeom>
         </p:spPr>
         <p:txBody>
-          <a:bodyPr anchorCtr="0" anchor="t" bIns="91425" lIns="91425" spcFirstLastPara="1" rIns="91425" wrap="square" tIns="91425">
+          <a:bodyPr spcFirstLastPara="1" wrap="square" lIns="91425" tIns="91425" rIns="91425" bIns="91425" anchor="t" anchorCtr="0">
             <a:normAutofit/>
           </a:bodyPr>
           <a:lstStyle/>
           <a:p>
-            <a:pPr indent="0" lvl="0" marL="0" rtl="0" algn="ctr">
-              <a:spcBef>
-                <a:spcPts val="0"/>
-              </a:spcBef>
-              <a:spcAft>
-                <a:spcPts val="0"/>
-              </a:spcAft>
-              <a:buNone/>
-            </a:pPr>
-            <a:r>
-              <a:t/>
-            </a:r>
+            <a:pPr marL="0" lvl="0" indent="0" algn="ctr" rtl="0">
+              <a:spcBef>
+                <a:spcPts val="0"/>
+              </a:spcBef>
+              <a:spcAft>
+                <a:spcPts val="0"/>
+              </a:spcAft>
+              <a:buNone/>
+            </a:pPr>
             <a:endParaRPr/>
           </a:p>
         </p:txBody>
@@ -7539,11 +7760,11 @@
 </file>
 
 <file path=ppt/slides/slide10.xml><?xml version="1.0" encoding="utf-8"?>
-<p:sld xmlns:a="http://schemas.openxmlformats.org/drawingml/2006/main" xmlns:r="http://schemas.openxmlformats.org/officeDocument/2006/relationships" xmlns:mc="http://schemas.openxmlformats.org/markup-compatibility/2006" xmlns:mv="urn:schemas-microsoft-com:mac:vml" xmlns:p="http://schemas.openxmlformats.org/presentationml/2006/main" xmlns:c="http://schemas.openxmlformats.org/drawingml/2006/chart" xmlns:dgm="http://schemas.openxmlformats.org/drawingml/2006/diagram" xmlns:o="urn:schemas-microsoft-com:office:office" xmlns:v="urn:schemas-microsoft-com:vml" xmlns:pvml="urn:schemas-microsoft-com:office:powerpoint" xmlns:com="http://schemas.openxmlformats.org/drawingml/2006/compatibility" xmlns:p14="http://schemas.microsoft.com/office/powerpoint/2010/main" xmlns:p15="http://schemas.microsoft.com/office/powerpoint/2012/main" xmlns:ahyp="http://schemas.microsoft.com/office/drawing/2018/hyperlinkcolor">
+<p:sld xmlns:a="http://schemas.openxmlformats.org/drawingml/2006/main" xmlns:r="http://schemas.openxmlformats.org/officeDocument/2006/relationships" xmlns:p="http://schemas.openxmlformats.org/presentationml/2006/main">
   <p:cSld>
     <p:spTree>
       <p:nvGrpSpPr>
-        <p:cNvPr id="112" name="Shape 112"/>
+        <p:cNvPr id="1" name="Shape 112"/>
         <p:cNvGrpSpPr/>
         <p:nvPr/>
       </p:nvGrpSpPr>
@@ -7558,7 +7779,9 @@
       <p:sp>
         <p:nvSpPr>
           <p:cNvPr id="113" name="Google Shape;113;p22"/>
-          <p:cNvSpPr txBox="1"/>
+          <p:cNvSpPr txBox="1">
+            <a:spLocks noGrp="1"/>
+          </p:cNvSpPr>
           <p:nvPr>
             <p:ph type="title"/>
           </p:nvPr>
@@ -7573,12 +7796,12 @@
           </a:prstGeom>
         </p:spPr>
         <p:txBody>
-          <a:bodyPr anchorCtr="0" anchor="t" bIns="91425" lIns="91425" spcFirstLastPara="1" rIns="91425" wrap="square" tIns="91425">
+          <a:bodyPr spcFirstLastPara="1" wrap="square" lIns="91425" tIns="91425" rIns="91425" bIns="91425" anchor="t" anchorCtr="0">
             <a:normAutofit/>
           </a:bodyPr>
           <a:lstStyle/>
           <a:p>
-            <a:pPr indent="0" lvl="0" marL="0" rtl="0" algn="l">
+            <a:pPr marL="0" lvl="0" indent="0" algn="l" rtl="0">
               <a:spcBef>
                 <a:spcPts val="0"/>
               </a:spcBef>
@@ -7589,11 +7812,7 @@
             </a:pPr>
             <a:r>
               <a:rPr lang="ru" sz="2500"/>
-              <a:t>catch-all. </a:t>
-            </a:r>
-            <a:r>
-              <a:rPr lang="ru" sz="2500"/>
-              <a:t>Let It Crash подход</a:t>
+              <a:t>catch-all. Let It Crash подход</a:t>
             </a:r>
             <a:endParaRPr sz="2500"/>
           </a:p>
@@ -7602,9 +7821,11 @@
       <p:sp>
         <p:nvSpPr>
           <p:cNvPr id="114" name="Google Shape;114;p22"/>
-          <p:cNvSpPr txBox="1"/>
+          <p:cNvSpPr txBox="1">
+            <a:spLocks noGrp="1"/>
+          </p:cNvSpPr>
           <p:nvPr>
-            <p:ph idx="1" type="body"/>
+            <p:ph type="body" idx="1"/>
           </p:nvPr>
         </p:nvSpPr>
         <p:spPr>
@@ -7617,12 +7838,12 @@
           </a:prstGeom>
         </p:spPr>
         <p:txBody>
-          <a:bodyPr anchorCtr="0" anchor="t" bIns="91425" lIns="91425" spcFirstLastPara="1" rIns="91425" wrap="square" tIns="91425">
+          <a:bodyPr spcFirstLastPara="1" wrap="square" lIns="91425" tIns="91425" rIns="91425" bIns="91425" anchor="t" anchorCtr="0">
             <a:noAutofit/>
           </a:bodyPr>
           <a:lstStyle/>
           <a:p>
-            <a:pPr indent="0" lvl="0" marL="0" rtl="0" algn="l">
+            <a:pPr marL="0" lvl="0" indent="0" algn="l" rtl="0">
               <a:spcBef>
                 <a:spcPts val="0"/>
               </a:spcBef>
@@ -7651,7 +7872,7 @@
             </a:endParaRPr>
           </a:p>
           <a:p>
-            <a:pPr indent="0" lvl="0" marL="0" rtl="0" algn="l">
+            <a:pPr marL="0" lvl="0" indent="0" algn="l" rtl="0">
               <a:spcBef>
                 <a:spcPts val="0"/>
               </a:spcBef>
@@ -7680,7 +7901,7 @@
             </a:endParaRPr>
           </a:p>
           <a:p>
-            <a:pPr indent="0" lvl="0" marL="0" rtl="0" algn="l">
+            <a:pPr marL="0" lvl="0" indent="0" algn="l" rtl="0">
               <a:spcBef>
                 <a:spcPts val="0"/>
               </a:spcBef>
@@ -7709,7 +7930,7 @@
             </a:endParaRPr>
           </a:p>
           <a:p>
-            <a:pPr indent="0" lvl="0" marL="0" rtl="0" algn="l">
+            <a:pPr marL="0" lvl="0" indent="0" algn="l" rtl="0">
               <a:spcBef>
                 <a:spcPts val="0"/>
               </a:spcBef>
@@ -7746,7 +7967,7 @@
             </a:endParaRPr>
           </a:p>
           <a:p>
-            <a:pPr indent="0" lvl="0" marL="0" rtl="0" algn="l">
+            <a:pPr marL="0" lvl="0" indent="0" algn="l" rtl="0">
               <a:spcBef>
                 <a:spcPts val="0"/>
               </a:spcBef>
@@ -7783,7 +8004,7 @@
             </a:endParaRPr>
           </a:p>
           <a:p>
-            <a:pPr indent="0" lvl="0" marL="0" rtl="0" algn="l">
+            <a:pPr marL="0" lvl="0" indent="0" algn="l" rtl="0">
               <a:spcBef>
                 <a:spcPts val="0"/>
               </a:spcBef>
@@ -7820,7 +8041,7 @@
             </a:endParaRPr>
           </a:p>
           <a:p>
-            <a:pPr indent="0" lvl="0" marL="0" rtl="0" algn="l">
+            <a:pPr marL="0" lvl="0" indent="0" algn="l" rtl="0">
               <a:spcBef>
                 <a:spcPts val="0"/>
               </a:spcBef>
@@ -7853,7 +8074,7 @@
             </a:endParaRPr>
           </a:p>
           <a:p>
-            <a:pPr indent="0" lvl="0" marL="0" rtl="0" algn="l">
+            <a:pPr marL="0" lvl="0" indent="0" algn="l" rtl="0">
               <a:spcBef>
                 <a:spcPts val="0"/>
               </a:spcBef>
@@ -7882,7 +8103,7 @@
             </a:endParaRPr>
           </a:p>
           <a:p>
-            <a:pPr indent="0" lvl="0" marL="0" rtl="0" algn="l">
+            <a:pPr marL="0" lvl="0" indent="0" algn="l" rtl="0">
               <a:spcBef>
                 <a:spcPts val="0"/>
               </a:spcBef>
@@ -7911,7 +8132,7 @@
             </a:endParaRPr>
           </a:p>
           <a:p>
-            <a:pPr indent="0" lvl="0" marL="0" rtl="0" algn="l">
+            <a:pPr marL="0" lvl="0" indent="0" algn="l" rtl="0">
               <a:spcBef>
                 <a:spcPts val="0"/>
               </a:spcBef>
@@ -7920,9 +8141,6 @@
               </a:spcAft>
               <a:buNone/>
             </a:pPr>
-            <a:r>
-              <a:t/>
-            </a:r>
             <a:endParaRPr sz="1500"/>
           </a:p>
         </p:txBody>
@@ -7936,11 +8154,11 @@
 </file>
 
 <file path=ppt/slides/slide11.xml><?xml version="1.0" encoding="utf-8"?>
-<p:sld xmlns:a="http://schemas.openxmlformats.org/drawingml/2006/main" xmlns:r="http://schemas.openxmlformats.org/officeDocument/2006/relationships" xmlns:mc="http://schemas.openxmlformats.org/markup-compatibility/2006" xmlns:mv="urn:schemas-microsoft-com:mac:vml" xmlns:p="http://schemas.openxmlformats.org/presentationml/2006/main" xmlns:c="http://schemas.openxmlformats.org/drawingml/2006/chart" xmlns:dgm="http://schemas.openxmlformats.org/drawingml/2006/diagram" xmlns:o="urn:schemas-microsoft-com:office:office" xmlns:v="urn:schemas-microsoft-com:vml" xmlns:pvml="urn:schemas-microsoft-com:office:powerpoint" xmlns:com="http://schemas.openxmlformats.org/drawingml/2006/compatibility" xmlns:p14="http://schemas.microsoft.com/office/powerpoint/2010/main" xmlns:p15="http://schemas.microsoft.com/office/powerpoint/2012/main" xmlns:ahyp="http://schemas.microsoft.com/office/drawing/2018/hyperlinkcolor">
+<p:sld xmlns:a="http://schemas.openxmlformats.org/drawingml/2006/main" xmlns:r="http://schemas.openxmlformats.org/officeDocument/2006/relationships" xmlns:p="http://schemas.openxmlformats.org/presentationml/2006/main">
   <p:cSld>
     <p:spTree>
       <p:nvGrpSpPr>
-        <p:cNvPr id="118" name="Shape 118"/>
+        <p:cNvPr id="1" name="Shape 118"/>
         <p:cNvGrpSpPr/>
         <p:nvPr/>
       </p:nvGrpSpPr>
@@ -7955,7 +8173,9 @@
       <p:sp>
         <p:nvSpPr>
           <p:cNvPr id="119" name="Google Shape;119;p23"/>
-          <p:cNvSpPr txBox="1"/>
+          <p:cNvSpPr txBox="1">
+            <a:spLocks noGrp="1"/>
+          </p:cNvSpPr>
           <p:nvPr>
             <p:ph type="title"/>
           </p:nvPr>
@@ -7970,12 +8190,12 @@
           </a:prstGeom>
         </p:spPr>
         <p:txBody>
-          <a:bodyPr anchorCtr="0" anchor="t" bIns="91425" lIns="91425" spcFirstLastPara="1" rIns="91425" wrap="square" tIns="91425">
+          <a:bodyPr spcFirstLastPara="1" wrap="square" lIns="91425" tIns="91425" rIns="91425" bIns="91425" anchor="t" anchorCtr="0">
             <a:noAutofit/>
           </a:bodyPr>
           <a:lstStyle/>
           <a:p>
-            <a:pPr indent="0" lvl="0" marL="0" rtl="0" algn="l">
+            <a:pPr marL="0" lvl="0" indent="0" algn="l" rtl="0">
               <a:spcBef>
                 <a:spcPts val="0"/>
               </a:spcBef>
@@ -7996,18 +8216,15 @@
             <a:endParaRPr sz="2500"/>
           </a:p>
           <a:p>
-            <a:pPr indent="0" lvl="0" marL="0" rtl="0" algn="l">
-              <a:spcBef>
-                <a:spcPts val="0"/>
-              </a:spcBef>
-              <a:spcAft>
-                <a:spcPts val="0"/>
-              </a:spcAft>
-              <a:buNone/>
-            </a:pPr>
-            <a:r>
-              <a:t/>
-            </a:r>
+            <a:pPr marL="0" lvl="0" indent="0" algn="l" rtl="0">
+              <a:spcBef>
+                <a:spcPts val="0"/>
+              </a:spcBef>
+              <a:spcAft>
+                <a:spcPts val="0"/>
+              </a:spcAft>
+              <a:buNone/>
+            </a:pPr>
             <a:endParaRPr sz="2500"/>
           </a:p>
         </p:txBody>
@@ -8015,9 +8232,11 @@
       <p:sp>
         <p:nvSpPr>
           <p:cNvPr id="120" name="Google Shape;120;p23"/>
-          <p:cNvSpPr txBox="1"/>
+          <p:cNvSpPr txBox="1">
+            <a:spLocks noGrp="1"/>
+          </p:cNvSpPr>
           <p:nvPr>
-            <p:ph idx="1" type="body"/>
+            <p:ph type="body" idx="1"/>
           </p:nvPr>
         </p:nvSpPr>
         <p:spPr>
@@ -8030,12 +8249,12 @@
           </a:prstGeom>
         </p:spPr>
         <p:txBody>
-          <a:bodyPr anchorCtr="0" anchor="t" bIns="91425" lIns="91425" spcFirstLastPara="1" rIns="91425" wrap="square" tIns="91425">
+          <a:bodyPr spcFirstLastPara="1" wrap="square" lIns="91425" tIns="91425" rIns="91425" bIns="91425" anchor="t" anchorCtr="0">
             <a:normAutofit/>
           </a:bodyPr>
           <a:lstStyle/>
           <a:p>
-            <a:pPr indent="0" lvl="0" marL="0" rtl="0" algn="l">
+            <a:pPr marL="0" lvl="0" indent="0" algn="l" rtl="0">
               <a:spcBef>
                 <a:spcPts val="0"/>
               </a:spcBef>
@@ -8072,7 +8291,7 @@
             </a:endParaRPr>
           </a:p>
           <a:p>
-            <a:pPr indent="0" lvl="0" marL="0" rtl="0" algn="l">
+            <a:pPr marL="0" lvl="0" indent="0" algn="l" rtl="0">
               <a:spcBef>
                 <a:spcPts val="0"/>
               </a:spcBef>
@@ -8109,7 +8328,7 @@
             </a:endParaRPr>
           </a:p>
           <a:p>
-            <a:pPr indent="0" lvl="0" marL="0" rtl="0" algn="l">
+            <a:pPr marL="0" lvl="0" indent="0" algn="l" rtl="0">
               <a:spcBef>
                 <a:spcPts val="0"/>
               </a:spcBef>
@@ -8146,7 +8365,7 @@
             </a:endParaRPr>
           </a:p>
           <a:p>
-            <a:pPr indent="0" lvl="0" marL="0" rtl="0" algn="l">
+            <a:pPr marL="0" lvl="0" indent="0" algn="l" rtl="0">
               <a:spcBef>
                 <a:spcPts val="0"/>
               </a:spcBef>
@@ -8183,7 +8402,7 @@
             </a:endParaRPr>
           </a:p>
           <a:p>
-            <a:pPr indent="0" lvl="0" marL="0" rtl="0" algn="l">
+            <a:pPr marL="0" lvl="0" indent="0" algn="l" rtl="0">
               <a:spcBef>
                 <a:spcPts val="0"/>
               </a:spcBef>
@@ -8220,7 +8439,7 @@
             </a:endParaRPr>
           </a:p>
           <a:p>
-            <a:pPr indent="0" lvl="0" marL="0" rtl="0" algn="l">
+            <a:pPr marL="0" lvl="0" indent="0" algn="l" rtl="0">
               <a:spcBef>
                 <a:spcPts val="0"/>
               </a:spcBef>
@@ -8234,9 +8453,6 @@
               <a:buFont typeface="Arial"/>
               <a:buNone/>
             </a:pPr>
-            <a:r>
-              <a:t/>
-            </a:r>
             <a:endParaRPr sz="1500">
               <a:solidFill>
                 <a:schemeClr val="dk1"/>
@@ -8244,7 +8460,7 @@
             </a:endParaRPr>
           </a:p>
           <a:p>
-            <a:pPr indent="0" lvl="0" marL="0" rtl="0" algn="l">
+            <a:pPr marL="0" lvl="0" indent="0" algn="l" rtl="0">
               <a:spcBef>
                 <a:spcPts val="0"/>
               </a:spcBef>
@@ -8258,9 +8474,6 @@
               <a:buFont typeface="Arial"/>
               <a:buNone/>
             </a:pPr>
-            <a:r>
-              <a:t/>
-            </a:r>
             <a:endParaRPr sz="1500">
               <a:solidFill>
                 <a:schemeClr val="dk1"/>
@@ -8268,7 +8481,7 @@
             </a:endParaRPr>
           </a:p>
           <a:p>
-            <a:pPr indent="0" lvl="0" marL="0" rtl="0" algn="l">
+            <a:pPr marL="0" lvl="0" indent="0" algn="l" rtl="0">
               <a:spcBef>
                 <a:spcPts val="0"/>
               </a:spcBef>
@@ -8297,7 +8510,7 @@
             </a:endParaRPr>
           </a:p>
           <a:p>
-            <a:pPr indent="0" lvl="0" marL="0" rtl="0" algn="l">
+            <a:pPr marL="0" lvl="0" indent="0" algn="l" rtl="0">
               <a:spcBef>
                 <a:spcPts val="0"/>
               </a:spcBef>
@@ -8326,7 +8539,7 @@
             </a:endParaRPr>
           </a:p>
           <a:p>
-            <a:pPr indent="0" lvl="0" marL="0" rtl="0" algn="l">
+            <a:pPr marL="0" lvl="0" indent="0" algn="l" rtl="0">
               <a:spcBef>
                 <a:spcPts val="0"/>
               </a:spcBef>
@@ -8335,9 +8548,6 @@
               </a:spcAft>
               <a:buNone/>
             </a:pPr>
-            <a:r>
-              <a:t/>
-            </a:r>
             <a:endParaRPr/>
           </a:p>
         </p:txBody>
@@ -8351,11 +8561,11 @@
 </file>
 
 <file path=ppt/slides/slide12.xml><?xml version="1.0" encoding="utf-8"?>
-<p:sld xmlns:a="http://schemas.openxmlformats.org/drawingml/2006/main" xmlns:r="http://schemas.openxmlformats.org/officeDocument/2006/relationships" xmlns:mc="http://schemas.openxmlformats.org/markup-compatibility/2006" xmlns:mv="urn:schemas-microsoft-com:mac:vml" xmlns:p="http://schemas.openxmlformats.org/presentationml/2006/main" xmlns:c="http://schemas.openxmlformats.org/drawingml/2006/chart" xmlns:dgm="http://schemas.openxmlformats.org/drawingml/2006/diagram" xmlns:o="urn:schemas-microsoft-com:office:office" xmlns:v="urn:schemas-microsoft-com:vml" xmlns:pvml="urn:schemas-microsoft-com:office:powerpoint" xmlns:com="http://schemas.openxmlformats.org/drawingml/2006/compatibility" xmlns:p14="http://schemas.microsoft.com/office/powerpoint/2010/main" xmlns:p15="http://schemas.microsoft.com/office/powerpoint/2012/main" xmlns:ahyp="http://schemas.microsoft.com/office/drawing/2018/hyperlinkcolor">
+<p:sld xmlns:a="http://schemas.openxmlformats.org/drawingml/2006/main" xmlns:r="http://schemas.openxmlformats.org/officeDocument/2006/relationships" xmlns:p="http://schemas.openxmlformats.org/presentationml/2006/main">
   <p:cSld>
     <p:spTree>
       <p:nvGrpSpPr>
-        <p:cNvPr id="124" name="Shape 124"/>
+        <p:cNvPr id="1" name="Shape 124"/>
         <p:cNvGrpSpPr/>
         <p:nvPr/>
       </p:nvGrpSpPr>
@@ -8370,7 +8580,9 @@
       <p:sp>
         <p:nvSpPr>
           <p:cNvPr id="125" name="Google Shape;125;p24"/>
-          <p:cNvSpPr txBox="1"/>
+          <p:cNvSpPr txBox="1">
+            <a:spLocks noGrp="1"/>
+          </p:cNvSpPr>
           <p:nvPr>
             <p:ph type="title"/>
           </p:nvPr>
@@ -8385,12 +8597,12 @@
           </a:prstGeom>
         </p:spPr>
         <p:txBody>
-          <a:bodyPr anchorCtr="0" anchor="t" bIns="91425" lIns="91425" spcFirstLastPara="1" rIns="91425" wrap="square" tIns="91425">
+          <a:bodyPr spcFirstLastPara="1" wrap="square" lIns="91425" tIns="91425" rIns="91425" bIns="91425" anchor="t" anchorCtr="0">
             <a:normAutofit fontScale="90000"/>
           </a:bodyPr>
           <a:lstStyle/>
           <a:p>
-            <a:pPr indent="0" lvl="0" marL="0" rtl="0" algn="l">
+            <a:pPr marL="0" lvl="0" indent="0" algn="l" rtl="0">
               <a:spcBef>
                 <a:spcPts val="0"/>
               </a:spcBef>
@@ -8410,9 +8622,11 @@
       <p:sp>
         <p:nvSpPr>
           <p:cNvPr id="126" name="Google Shape;126;p24"/>
-          <p:cNvSpPr txBox="1"/>
+          <p:cNvSpPr txBox="1">
+            <a:spLocks noGrp="1"/>
+          </p:cNvSpPr>
           <p:nvPr>
-            <p:ph idx="1" type="body"/>
+            <p:ph type="body" idx="1"/>
           </p:nvPr>
         </p:nvSpPr>
         <p:spPr>
@@ -8425,12 +8639,12 @@
           </a:prstGeom>
         </p:spPr>
         <p:txBody>
-          <a:bodyPr anchorCtr="0" anchor="t" bIns="91425" lIns="91425" spcFirstLastPara="1" rIns="91425" wrap="square" tIns="91425">
+          <a:bodyPr spcFirstLastPara="1" wrap="square" lIns="91425" tIns="91425" rIns="91425" bIns="91425" anchor="t" anchorCtr="0">
             <a:noAutofit/>
           </a:bodyPr>
           <a:lstStyle/>
           <a:p>
-            <a:pPr indent="0" lvl="0" marL="0" rtl="0" algn="l">
+            <a:pPr marL="0" lvl="0" indent="0" algn="l" rtl="0">
               <a:spcBef>
                 <a:spcPts val="0"/>
               </a:spcBef>
@@ -8444,423 +8658,14 @@
               <a:buFont typeface="Arial"/>
               <a:buNone/>
             </a:pPr>
-            <a:r>
-              <a:rPr lang="ru" sz="1500">
-                <a:solidFill>
-                  <a:schemeClr val="dk1"/>
-                </a:solidFill>
-              </a:rPr>
-              <a:t>Устойчивость к ошибкам построена на способности потоков наблюдать друг</a:t>
-            </a:r>
-            <a:endParaRPr sz="1500">
+            <a:endParaRPr sz="1500" dirty="0">
               <a:solidFill>
                 <a:schemeClr val="dk1"/>
               </a:solidFill>
             </a:endParaRPr>
           </a:p>
           <a:p>
-            <a:pPr indent="0" lvl="0" marL="0" rtl="0" algn="l">
-              <a:spcBef>
-                <a:spcPts val="0"/>
-              </a:spcBef>
-              <a:spcAft>
-                <a:spcPts val="0"/>
-              </a:spcAft>
-              <a:buClr>
-                <a:schemeClr val="dk1"/>
-              </a:buClr>
-              <a:buSzPts val="1100"/>
-              <a:buFont typeface="Arial"/>
-              <a:buNone/>
-            </a:pPr>
-            <a:r>
-              <a:rPr lang="ru" sz="1500">
-                <a:solidFill>
-                  <a:schemeClr val="dk1"/>
-                </a:solidFill>
-              </a:rPr>
-              <a:t>за другом.  Два потока можно связать друг с другом так, что при</a:t>
-            </a:r>
-            <a:endParaRPr sz="1500">
-              <a:solidFill>
-                <a:schemeClr val="dk1"/>
-              </a:solidFill>
-            </a:endParaRPr>
-          </a:p>
-          <a:p>
-            <a:pPr indent="0" lvl="0" marL="0" rtl="0" algn="l">
-              <a:spcBef>
-                <a:spcPts val="0"/>
-              </a:spcBef>
-              <a:spcAft>
-                <a:spcPts val="0"/>
-              </a:spcAft>
-              <a:buClr>
-                <a:schemeClr val="dk1"/>
-              </a:buClr>
-              <a:buSzPts val="1100"/>
-              <a:buFont typeface="Arial"/>
-              <a:buNone/>
-            </a:pPr>
-            <a:r>
-              <a:rPr lang="ru" sz="1500">
-                <a:solidFill>
-                  <a:schemeClr val="dk1"/>
-                </a:solidFill>
-              </a:rPr>
-              <a:t>падении одного, второй получит специальное сообщение и тоже упадет.</a:t>
-            </a:r>
-            <a:endParaRPr sz="1500">
-              <a:solidFill>
-                <a:schemeClr val="dk1"/>
-              </a:solidFill>
-            </a:endParaRPr>
-          </a:p>
-          <a:p>
-            <a:pPr indent="0" lvl="0" marL="0" rtl="0" algn="l">
-              <a:spcBef>
-                <a:spcPts val="0"/>
-              </a:spcBef>
-              <a:spcAft>
-                <a:spcPts val="0"/>
-              </a:spcAft>
-              <a:buClr>
-                <a:schemeClr val="dk1"/>
-              </a:buClr>
-              <a:buSzPts val="1100"/>
-              <a:buFont typeface="Arial"/>
-              <a:buNone/>
-            </a:pPr>
-            <a:r>
-              <a:rPr lang="ru" sz="1500">
-                <a:solidFill>
-                  <a:schemeClr val="dk1"/>
-                </a:solidFill>
-              </a:rPr>
-              <a:t>Можно связать группу потоков, так, что при падении одного из них,</a:t>
-            </a:r>
-            <a:endParaRPr sz="1500">
-              <a:solidFill>
-                <a:schemeClr val="dk1"/>
-              </a:solidFill>
-            </a:endParaRPr>
-          </a:p>
-          <a:p>
-            <a:pPr indent="0" lvl="0" marL="0" rtl="0" algn="l">
-              <a:spcBef>
-                <a:spcPts val="0"/>
-              </a:spcBef>
-              <a:spcAft>
-                <a:spcPts val="0"/>
-              </a:spcAft>
-              <a:buClr>
-                <a:schemeClr val="dk1"/>
-              </a:buClr>
-              <a:buSzPts val="1100"/>
-              <a:buFont typeface="Arial"/>
-              <a:buNone/>
-            </a:pPr>
-            <a:r>
-              <a:rPr lang="ru" sz="1500">
-                <a:solidFill>
-                  <a:schemeClr val="dk1"/>
-                </a:solidFill>
-              </a:rPr>
-              <a:t>упадет вся группа. Предполагается, что потоки зависят друг от друга в</a:t>
-            </a:r>
-            <a:endParaRPr sz="1500">
-              <a:solidFill>
-                <a:schemeClr val="dk1"/>
-              </a:solidFill>
-            </a:endParaRPr>
-          </a:p>
-          <a:p>
-            <a:pPr indent="0" lvl="0" marL="0" rtl="0" algn="l">
-              <a:spcBef>
-                <a:spcPts val="0"/>
-              </a:spcBef>
-              <a:spcAft>
-                <a:spcPts val="0"/>
-              </a:spcAft>
-              <a:buClr>
-                <a:schemeClr val="dk1"/>
-              </a:buClr>
-              <a:buSzPts val="1100"/>
-              <a:buFont typeface="Arial"/>
-              <a:buNone/>
-            </a:pPr>
-            <a:r>
-              <a:rPr lang="ru" sz="1500">
-                <a:solidFill>
-                  <a:schemeClr val="dk1"/>
-                </a:solidFill>
-              </a:rPr>
-              <a:t>своей работе. Отсутствие одного потока приводит к нештатной ситуации,</a:t>
-            </a:r>
-            <a:endParaRPr sz="1500">
-              <a:solidFill>
-                <a:schemeClr val="dk1"/>
-              </a:solidFill>
-            </a:endParaRPr>
-          </a:p>
-          <a:p>
-            <a:pPr indent="0" lvl="0" marL="0" rtl="0" algn="l">
-              <a:spcBef>
-                <a:spcPts val="0"/>
-              </a:spcBef>
-              <a:spcAft>
-                <a:spcPts val="0"/>
-              </a:spcAft>
-              <a:buClr>
-                <a:schemeClr val="dk1"/>
-              </a:buClr>
-              <a:buSzPts val="1100"/>
-              <a:buFont typeface="Arial"/>
-              <a:buNone/>
-            </a:pPr>
-            <a:r>
-              <a:rPr lang="ru" sz="1500">
-                <a:solidFill>
-                  <a:schemeClr val="dk1"/>
-                </a:solidFill>
-              </a:rPr>
-              <a:t>в которой остальные не могут выполнять осмысленных действий. Они</a:t>
-            </a:r>
-            <a:endParaRPr sz="1500">
-              <a:solidFill>
-                <a:schemeClr val="dk1"/>
-              </a:solidFill>
-            </a:endParaRPr>
-          </a:p>
-          <a:p>
-            <a:pPr indent="0" lvl="0" marL="0" rtl="0" algn="l">
-              <a:spcBef>
-                <a:spcPts val="0"/>
-              </a:spcBef>
-              <a:spcAft>
-                <a:spcPts val="0"/>
-              </a:spcAft>
-              <a:buClr>
-                <a:schemeClr val="dk1"/>
-              </a:buClr>
-              <a:buSzPts val="1100"/>
-              <a:buFont typeface="Arial"/>
-              <a:buNone/>
-            </a:pPr>
-            <a:r>
-              <a:rPr lang="ru" sz="1500">
-                <a:solidFill>
-                  <a:schemeClr val="dk1"/>
-                </a:solidFill>
-              </a:rPr>
-              <a:t>только усугубляют и распространяют проблемы. Так что лучше остановить</a:t>
-            </a:r>
-            <a:endParaRPr sz="1500">
-              <a:solidFill>
-                <a:schemeClr val="dk1"/>
-              </a:solidFill>
-            </a:endParaRPr>
-          </a:p>
-          <a:p>
-            <a:pPr indent="0" lvl="0" marL="0" rtl="0" algn="l">
-              <a:spcBef>
-                <a:spcPts val="0"/>
-              </a:spcBef>
-              <a:spcAft>
-                <a:spcPts val="0"/>
-              </a:spcAft>
-              <a:buClr>
-                <a:schemeClr val="dk1"/>
-              </a:buClr>
-              <a:buSzPts val="1100"/>
-              <a:buFont typeface="Arial"/>
-              <a:buNone/>
-            </a:pPr>
-            <a:r>
-              <a:rPr lang="ru" sz="1500">
-                <a:solidFill>
-                  <a:schemeClr val="dk1"/>
-                </a:solidFill>
-              </a:rPr>
-              <a:t>и рестартовать всю группу.</a:t>
-            </a:r>
-            <a:endParaRPr sz="1500">
-              <a:solidFill>
-                <a:schemeClr val="dk1"/>
-              </a:solidFill>
-            </a:endParaRPr>
-          </a:p>
-          <a:p>
-            <a:pPr indent="0" lvl="0" marL="0" rtl="0" algn="l">
-              <a:spcBef>
-                <a:spcPts val="0"/>
-              </a:spcBef>
-              <a:spcAft>
-                <a:spcPts val="0"/>
-              </a:spcAft>
-              <a:buClr>
-                <a:schemeClr val="dk1"/>
-              </a:buClr>
-              <a:buSzPts val="1100"/>
-              <a:buFont typeface="Arial"/>
-              <a:buNone/>
-            </a:pPr>
-            <a:r>
-              <a:rPr lang="ru" sz="1500">
-                <a:solidFill>
-                  <a:schemeClr val="dk1"/>
-                </a:solidFill>
-              </a:rPr>
-              <a:t>Вызов link(Pid) создает связь между текущим потоком и Pid.</a:t>
-            </a:r>
-            <a:endParaRPr sz="1500">
-              <a:solidFill>
-                <a:schemeClr val="dk1"/>
-              </a:solidFill>
-            </a:endParaRPr>
-          </a:p>
-          <a:p>
-            <a:pPr indent="0" lvl="0" marL="0" rtl="0" algn="l">
-              <a:spcBef>
-                <a:spcPts val="0"/>
-              </a:spcBef>
-              <a:spcAft>
-                <a:spcPts val="0"/>
-              </a:spcAft>
-              <a:buClr>
-                <a:schemeClr val="dk1"/>
-              </a:buClr>
-              <a:buSzPts val="1100"/>
-              <a:buFont typeface="Arial"/>
-              <a:buNone/>
-            </a:pPr>
-            <a:r>
-              <a:rPr lang="ru" sz="1500">
-                <a:solidFill>
-                  <a:schemeClr val="dk1"/>
-                </a:solidFill>
-              </a:rPr>
-              <a:t>Связь двухсторонняя. Чтобы связать несколько потоков, нужно сделать</a:t>
-            </a:r>
-            <a:endParaRPr sz="1500">
-              <a:solidFill>
-                <a:schemeClr val="dk1"/>
-              </a:solidFill>
-            </a:endParaRPr>
-          </a:p>
-          <a:p>
-            <a:pPr indent="0" lvl="0" marL="0" rtl="0" algn="l">
-              <a:spcBef>
-                <a:spcPts val="0"/>
-              </a:spcBef>
-              <a:spcAft>
-                <a:spcPts val="0"/>
-              </a:spcAft>
-              <a:buClr>
-                <a:schemeClr val="dk1"/>
-              </a:buClr>
-              <a:buSzPts val="1100"/>
-              <a:buFont typeface="Arial"/>
-              <a:buNone/>
-            </a:pPr>
-            <a:r>
-              <a:rPr lang="ru" sz="1500">
-                <a:solidFill>
-                  <a:schemeClr val="dk1"/>
-                </a:solidFill>
-              </a:rPr>
-              <a:t>несколько вызовов link. Если потоки уже связаны, то вызов link не</a:t>
-            </a:r>
-            <a:endParaRPr sz="1500">
-              <a:solidFill>
-                <a:schemeClr val="dk1"/>
-              </a:solidFill>
-            </a:endParaRPr>
-          </a:p>
-          <a:p>
-            <a:pPr indent="0" lvl="0" marL="0" rtl="0" algn="l">
-              <a:spcBef>
-                <a:spcPts val="0"/>
-              </a:spcBef>
-              <a:spcAft>
-                <a:spcPts val="0"/>
-              </a:spcAft>
-              <a:buClr>
-                <a:schemeClr val="dk1"/>
-              </a:buClr>
-              <a:buSzPts val="1100"/>
-              <a:buFont typeface="Arial"/>
-              <a:buNone/>
-            </a:pPr>
-            <a:r>
-              <a:rPr lang="ru" sz="1500">
-                <a:solidFill>
-                  <a:schemeClr val="dk1"/>
-                </a:solidFill>
-              </a:rPr>
-              <a:t>оказывает никакого эффекта.</a:t>
-            </a:r>
-            <a:endParaRPr sz="1500">
-              <a:solidFill>
-                <a:schemeClr val="dk1"/>
-              </a:solidFill>
-            </a:endParaRPr>
-          </a:p>
-          <a:p>
-            <a:pPr indent="0" lvl="0" marL="0" rtl="0" algn="l">
-              <a:spcBef>
-                <a:spcPts val="0"/>
-              </a:spcBef>
-              <a:spcAft>
-                <a:spcPts val="0"/>
-              </a:spcAft>
-              <a:buClr>
-                <a:schemeClr val="dk1"/>
-              </a:buClr>
-              <a:buSzPts val="1100"/>
-              <a:buFont typeface="Arial"/>
-              <a:buNone/>
-            </a:pPr>
-            <a:r>
-              <a:rPr lang="ru" sz="1500">
-                <a:solidFill>
-                  <a:schemeClr val="dk1"/>
-                </a:solidFill>
-              </a:rPr>
-              <a:t>Вызов unlink(Pid) разрывает связь.</a:t>
-            </a:r>
-            <a:endParaRPr sz="1500">
-              <a:solidFill>
-                <a:schemeClr val="dk1"/>
-              </a:solidFill>
-            </a:endParaRPr>
-          </a:p>
-          <a:p>
-            <a:pPr indent="0" lvl="0" marL="0" rtl="0" algn="l">
-              <a:spcBef>
-                <a:spcPts val="0"/>
-              </a:spcBef>
-              <a:spcAft>
-                <a:spcPts val="0"/>
-              </a:spcAft>
-              <a:buClr>
-                <a:schemeClr val="dk1"/>
-              </a:buClr>
-              <a:buSzPts val="1100"/>
-              <a:buFont typeface="Arial"/>
-              <a:buNone/>
-            </a:pPr>
-            <a:r>
-              <a:t/>
-            </a:r>
-            <a:endParaRPr sz="1500">
-              <a:solidFill>
-                <a:schemeClr val="dk1"/>
-              </a:solidFill>
-            </a:endParaRPr>
-          </a:p>
-          <a:p>
-            <a:pPr indent="0" lvl="0" marL="0" rtl="0" algn="l">
+            <a:pPr marL="0" lvl="0" indent="0" algn="l" rtl="0">
               <a:spcBef>
                 <a:spcPts val="0"/>
               </a:spcBef>
@@ -8869,13 +8674,70 @@
               </a:spcAft>
               <a:buNone/>
             </a:pPr>
-            <a:r>
-              <a:t/>
-            </a:r>
-            <a:endParaRPr sz="1500"/>
+            <a:endParaRPr sz="1500" dirty="0"/>
           </a:p>
         </p:txBody>
       </p:sp>
+      <p:pic>
+        <p:nvPicPr>
+          <p:cNvPr id="3" name="Рисунок 2">
+            <a:extLst>
+              <a:ext uri="{FF2B5EF4-FFF2-40B4-BE49-F238E27FC236}">
+                <a16:creationId xmlns:a16="http://schemas.microsoft.com/office/drawing/2014/main" id="{2CBAED7F-C653-1D28-D48F-9534FF831FCA}"/>
+              </a:ext>
+            </a:extLst>
+          </p:cNvPr>
+          <p:cNvPicPr>
+            <a:picLocks noChangeAspect="1"/>
+          </p:cNvPicPr>
+          <p:nvPr/>
+        </p:nvPicPr>
+        <p:blipFill>
+          <a:blip r:embed="rId3"/>
+          <a:stretch>
+            <a:fillRect/>
+          </a:stretch>
+        </p:blipFill>
+        <p:spPr>
+          <a:xfrm>
+            <a:off x="311700" y="1097989"/>
+            <a:ext cx="5288114" cy="1932670"/>
+          </a:xfrm>
+          <a:prstGeom prst="rect">
+            <a:avLst/>
+          </a:prstGeom>
+        </p:spPr>
+      </p:pic>
+      <p:pic>
+        <p:nvPicPr>
+          <p:cNvPr id="5" name="Рисунок 4">
+            <a:extLst>
+              <a:ext uri="{FF2B5EF4-FFF2-40B4-BE49-F238E27FC236}">
+                <a16:creationId xmlns:a16="http://schemas.microsoft.com/office/drawing/2014/main" id="{FB1E7F80-C8AB-43B2-FBD1-7808D6033673}"/>
+              </a:ext>
+            </a:extLst>
+          </p:cNvPr>
+          <p:cNvPicPr>
+            <a:picLocks noChangeAspect="1"/>
+          </p:cNvPicPr>
+          <p:nvPr/>
+        </p:nvPicPr>
+        <p:blipFill>
+          <a:blip r:embed="rId4"/>
+          <a:stretch>
+            <a:fillRect/>
+          </a:stretch>
+        </p:blipFill>
+        <p:spPr>
+          <a:xfrm>
+            <a:off x="6018422" y="1097989"/>
+            <a:ext cx="2295845" cy="2495898"/>
+          </a:xfrm>
+          <a:prstGeom prst="rect">
+            <a:avLst/>
+          </a:prstGeom>
+        </p:spPr>
+      </p:pic>
     </p:spTree>
   </p:cSld>
   <p:clrMapOvr>
@@ -8885,11 +8747,11 @@
 </file>
 
 <file path=ppt/slides/slide13.xml><?xml version="1.0" encoding="utf-8"?>
-<p:sld xmlns:a="http://schemas.openxmlformats.org/drawingml/2006/main" xmlns:r="http://schemas.openxmlformats.org/officeDocument/2006/relationships" xmlns:mc="http://schemas.openxmlformats.org/markup-compatibility/2006" xmlns:mv="urn:schemas-microsoft-com:mac:vml" xmlns:p="http://schemas.openxmlformats.org/presentationml/2006/main" xmlns:c="http://schemas.openxmlformats.org/drawingml/2006/chart" xmlns:dgm="http://schemas.openxmlformats.org/drawingml/2006/diagram" xmlns:o="urn:schemas-microsoft-com:office:office" xmlns:v="urn:schemas-microsoft-com:vml" xmlns:pvml="urn:schemas-microsoft-com:office:powerpoint" xmlns:com="http://schemas.openxmlformats.org/drawingml/2006/compatibility" xmlns:p14="http://schemas.microsoft.com/office/powerpoint/2010/main" xmlns:p15="http://schemas.microsoft.com/office/powerpoint/2012/main" xmlns:ahyp="http://schemas.microsoft.com/office/drawing/2018/hyperlinkcolor">
+<p:sld xmlns:a="http://schemas.openxmlformats.org/drawingml/2006/main" xmlns:r="http://schemas.openxmlformats.org/officeDocument/2006/relationships" xmlns:p="http://schemas.openxmlformats.org/presentationml/2006/main">
   <p:cSld>
     <p:spTree>
       <p:nvGrpSpPr>
-        <p:cNvPr id="130" name="Shape 130"/>
+        <p:cNvPr id="1" name="Shape 130"/>
         <p:cNvGrpSpPr/>
         <p:nvPr/>
       </p:nvGrpSpPr>
@@ -8904,7 +8766,9 @@
       <p:sp>
         <p:nvSpPr>
           <p:cNvPr id="131" name="Google Shape;131;p25"/>
-          <p:cNvSpPr txBox="1"/>
+          <p:cNvSpPr txBox="1">
+            <a:spLocks noGrp="1"/>
+          </p:cNvSpPr>
           <p:nvPr>
             <p:ph type="title"/>
           </p:nvPr>
@@ -8919,12 +8783,12 @@
           </a:prstGeom>
         </p:spPr>
         <p:txBody>
-          <a:bodyPr anchorCtr="0" anchor="t" bIns="91425" lIns="91425" spcFirstLastPara="1" rIns="91425" wrap="square" tIns="91425">
+          <a:bodyPr spcFirstLastPara="1" wrap="square" lIns="91425" tIns="91425" rIns="91425" bIns="91425" anchor="t" anchorCtr="0">
             <a:normAutofit/>
           </a:bodyPr>
           <a:lstStyle/>
           <a:p>
-            <a:pPr indent="0" lvl="0" marL="0" rtl="0" algn="l">
+            <a:pPr marL="0" lvl="0" indent="0" algn="l" rtl="0">
               <a:lnSpc>
                 <a:spcPct val="115000"/>
               </a:lnSpc>
@@ -8952,9 +8816,11 @@
       <p:sp>
         <p:nvSpPr>
           <p:cNvPr id="132" name="Google Shape;132;p25"/>
-          <p:cNvSpPr txBox="1"/>
+          <p:cNvSpPr txBox="1">
+            <a:spLocks noGrp="1"/>
+          </p:cNvSpPr>
           <p:nvPr>
-            <p:ph idx="1" type="body"/>
+            <p:ph type="body" idx="1"/>
           </p:nvPr>
         </p:nvSpPr>
         <p:spPr>
@@ -8967,12 +8833,12 @@
           </a:prstGeom>
         </p:spPr>
         <p:txBody>
-          <a:bodyPr anchorCtr="0" anchor="t" bIns="91425" lIns="91425" spcFirstLastPara="1" rIns="91425" wrap="square" tIns="91425">
+          <a:bodyPr spcFirstLastPara="1" wrap="square" lIns="91425" tIns="91425" rIns="91425" bIns="91425" anchor="t" anchorCtr="0">
             <a:normAutofit/>
           </a:bodyPr>
           <a:lstStyle/>
           <a:p>
-            <a:pPr indent="0" lvl="0" marL="0" rtl="0" algn="l">
+            <a:pPr marL="0" lvl="0" indent="0" algn="l" rtl="0">
               <a:spcBef>
                 <a:spcPts val="0"/>
               </a:spcBef>
@@ -9001,7 +8867,7 @@
             </a:endParaRPr>
           </a:p>
           <a:p>
-            <a:pPr indent="0" lvl="0" marL="0" rtl="0" algn="l">
+            <a:pPr marL="0" lvl="0" indent="0" algn="l" rtl="0">
               <a:spcBef>
                 <a:spcPts val="0"/>
               </a:spcBef>
@@ -9030,7 +8896,7 @@
             </a:endParaRPr>
           </a:p>
           <a:p>
-            <a:pPr indent="0" lvl="0" marL="0" rtl="0" algn="l">
+            <a:pPr marL="0" lvl="0" indent="0" algn="l" rtl="0">
               <a:spcBef>
                 <a:spcPts val="0"/>
               </a:spcBef>
@@ -9059,7 +8925,7 @@
             </a:endParaRPr>
           </a:p>
           <a:p>
-            <a:pPr indent="0" lvl="0" marL="0" rtl="0" algn="l">
+            <a:pPr marL="0" lvl="0" indent="0" algn="l" rtl="0">
               <a:spcBef>
                 <a:spcPts val="0"/>
               </a:spcBef>
@@ -9088,7 +8954,7 @@
             </a:endParaRPr>
           </a:p>
           <a:p>
-            <a:pPr indent="0" lvl="0" marL="0" rtl="0" algn="l">
+            <a:pPr marL="0" lvl="0" indent="0" algn="l" rtl="0">
               <a:spcBef>
                 <a:spcPts val="0"/>
               </a:spcBef>
@@ -9102,9 +8968,6 @@
               <a:buFont typeface="Arial"/>
               <a:buNone/>
             </a:pPr>
-            <a:r>
-              <a:t/>
-            </a:r>
             <a:endParaRPr sz="1500">
               <a:solidFill>
                 <a:schemeClr val="dk1"/>
@@ -9112,7 +8975,7 @@
             </a:endParaRPr>
           </a:p>
           <a:p>
-            <a:pPr indent="0" lvl="0" marL="0" rtl="0" algn="l">
+            <a:pPr marL="0" lvl="0" indent="0" algn="l" rtl="0">
               <a:spcBef>
                 <a:spcPts val="0"/>
               </a:spcBef>
@@ -9141,7 +9004,7 @@
             </a:endParaRPr>
           </a:p>
           <a:p>
-            <a:pPr indent="0" lvl="0" marL="0" rtl="0" algn="l">
+            <a:pPr marL="0" lvl="0" indent="0" algn="l" rtl="0">
               <a:spcBef>
                 <a:spcPts val="0"/>
               </a:spcBef>
@@ -9155,9 +9018,6 @@
               <a:buFont typeface="Arial"/>
               <a:buNone/>
             </a:pPr>
-            <a:r>
-              <a:t/>
-            </a:r>
             <a:endParaRPr sz="1500">
               <a:solidFill>
                 <a:schemeClr val="dk1"/>
@@ -9165,7 +9025,7 @@
             </a:endParaRPr>
           </a:p>
           <a:p>
-            <a:pPr indent="0" lvl="0" marL="0" rtl="0" algn="l">
+            <a:pPr marL="0" lvl="0" indent="0" algn="l" rtl="0">
               <a:spcBef>
                 <a:spcPts val="0"/>
               </a:spcBef>
@@ -9202,7 +9062,7 @@
             </a:endParaRPr>
           </a:p>
           <a:p>
-            <a:pPr indent="0" lvl="0" marL="0" rtl="0" algn="l">
+            <a:pPr marL="0" lvl="0" indent="0" algn="l" rtl="0">
               <a:spcBef>
                 <a:spcPts val="0"/>
               </a:spcBef>
@@ -9211,9 +9071,6 @@
               </a:spcAft>
               <a:buNone/>
             </a:pPr>
-            <a:r>
-              <a:t/>
-            </a:r>
             <a:endParaRPr sz="1500"/>
           </a:p>
         </p:txBody>
@@ -9227,11 +9084,11 @@
 </file>
 
 <file path=ppt/slides/slide14.xml><?xml version="1.0" encoding="utf-8"?>
-<p:sld xmlns:a="http://schemas.openxmlformats.org/drawingml/2006/main" xmlns:r="http://schemas.openxmlformats.org/officeDocument/2006/relationships" xmlns:mc="http://schemas.openxmlformats.org/markup-compatibility/2006" xmlns:mv="urn:schemas-microsoft-com:mac:vml" xmlns:p="http://schemas.openxmlformats.org/presentationml/2006/main" xmlns:c="http://schemas.openxmlformats.org/drawingml/2006/chart" xmlns:dgm="http://schemas.openxmlformats.org/drawingml/2006/diagram" xmlns:o="urn:schemas-microsoft-com:office:office" xmlns:v="urn:schemas-microsoft-com:vml" xmlns:pvml="urn:schemas-microsoft-com:office:powerpoint" xmlns:com="http://schemas.openxmlformats.org/drawingml/2006/compatibility" xmlns:p14="http://schemas.microsoft.com/office/powerpoint/2010/main" xmlns:p15="http://schemas.microsoft.com/office/powerpoint/2012/main" xmlns:ahyp="http://schemas.microsoft.com/office/drawing/2018/hyperlinkcolor">
+<p:sld xmlns:a="http://schemas.openxmlformats.org/drawingml/2006/main" xmlns:r="http://schemas.openxmlformats.org/officeDocument/2006/relationships" xmlns:p="http://schemas.openxmlformats.org/presentationml/2006/main">
   <p:cSld>
     <p:spTree>
       <p:nvGrpSpPr>
-        <p:cNvPr id="136" name="Shape 136"/>
+        <p:cNvPr id="1" name="Shape 136"/>
         <p:cNvGrpSpPr/>
         <p:nvPr/>
       </p:nvGrpSpPr>
@@ -9246,7 +9103,9 @@
       <p:sp>
         <p:nvSpPr>
           <p:cNvPr id="137" name="Google Shape;137;p26"/>
-          <p:cNvSpPr txBox="1"/>
+          <p:cNvSpPr txBox="1">
+            <a:spLocks noGrp="1"/>
+          </p:cNvSpPr>
           <p:nvPr>
             <p:ph type="title"/>
           </p:nvPr>
@@ -9261,12 +9120,12 @@
           </a:prstGeom>
         </p:spPr>
         <p:txBody>
-          <a:bodyPr anchorCtr="0" anchor="t" bIns="91425" lIns="91425" spcFirstLastPara="1" rIns="91425" wrap="square" tIns="91425">
+          <a:bodyPr spcFirstLastPara="1" wrap="square" lIns="91425" tIns="91425" rIns="91425" bIns="91425" anchor="t" anchorCtr="0">
             <a:normAutofit fontScale="90000"/>
           </a:bodyPr>
           <a:lstStyle/>
           <a:p>
-            <a:pPr indent="0" lvl="0" marL="0" rtl="0" algn="l">
+            <a:pPr marL="0" lvl="0" indent="0" algn="l" rtl="0">
               <a:spcBef>
                 <a:spcPts val="0"/>
               </a:spcBef>
@@ -9286,9 +9145,11 @@
       <p:sp>
         <p:nvSpPr>
           <p:cNvPr id="138" name="Google Shape;138;p26"/>
-          <p:cNvSpPr txBox="1"/>
+          <p:cNvSpPr txBox="1">
+            <a:spLocks noGrp="1"/>
+          </p:cNvSpPr>
           <p:nvPr>
-            <p:ph idx="1" type="body"/>
+            <p:ph type="body" idx="1"/>
           </p:nvPr>
         </p:nvSpPr>
         <p:spPr>
@@ -9301,12 +9162,12 @@
           </a:prstGeom>
         </p:spPr>
         <p:txBody>
-          <a:bodyPr anchorCtr="0" anchor="t" bIns="91425" lIns="91425" spcFirstLastPara="1" rIns="91425" wrap="square" tIns="91425">
+          <a:bodyPr spcFirstLastPara="1" wrap="square" lIns="91425" tIns="91425" rIns="91425" bIns="91425" anchor="t" anchorCtr="0">
             <a:normAutofit/>
           </a:bodyPr>
           <a:lstStyle/>
           <a:p>
-            <a:pPr indent="0" lvl="0" marL="0" rtl="0" algn="l">
+            <a:pPr marL="0" lvl="0" indent="0" algn="l" rtl="0">
               <a:spcBef>
                 <a:spcPts val="0"/>
               </a:spcBef>
@@ -9315,9 +9176,6 @@
               </a:spcAft>
               <a:buNone/>
             </a:pPr>
-            <a:r>
-              <a:t/>
-            </a:r>
             <a:endParaRPr/>
           </a:p>
         </p:txBody>
@@ -9387,11 +9245,11 @@
 </file>
 
 <file path=ppt/slides/slide15.xml><?xml version="1.0" encoding="utf-8"?>
-<p:sld xmlns:a="http://schemas.openxmlformats.org/drawingml/2006/main" xmlns:r="http://schemas.openxmlformats.org/officeDocument/2006/relationships" xmlns:mc="http://schemas.openxmlformats.org/markup-compatibility/2006" xmlns:mv="urn:schemas-microsoft-com:mac:vml" xmlns:p="http://schemas.openxmlformats.org/presentationml/2006/main" xmlns:c="http://schemas.openxmlformats.org/drawingml/2006/chart" xmlns:dgm="http://schemas.openxmlformats.org/drawingml/2006/diagram" xmlns:o="urn:schemas-microsoft-com:office:office" xmlns:v="urn:schemas-microsoft-com:vml" xmlns:pvml="urn:schemas-microsoft-com:office:powerpoint" xmlns:com="http://schemas.openxmlformats.org/drawingml/2006/compatibility" xmlns:p14="http://schemas.microsoft.com/office/powerpoint/2010/main" xmlns:p15="http://schemas.microsoft.com/office/powerpoint/2012/main" xmlns:ahyp="http://schemas.microsoft.com/office/drawing/2018/hyperlinkcolor">
+<p:sld xmlns:a="http://schemas.openxmlformats.org/drawingml/2006/main" xmlns:r="http://schemas.openxmlformats.org/officeDocument/2006/relationships" xmlns:p="http://schemas.openxmlformats.org/presentationml/2006/main">
   <p:cSld>
     <p:spTree>
       <p:nvGrpSpPr>
-        <p:cNvPr id="144" name="Shape 144"/>
+        <p:cNvPr id="1" name="Shape 144"/>
         <p:cNvGrpSpPr/>
         <p:nvPr/>
       </p:nvGrpSpPr>
@@ -9406,7 +9264,9 @@
       <p:sp>
         <p:nvSpPr>
           <p:cNvPr id="145" name="Google Shape;145;p27"/>
-          <p:cNvSpPr txBox="1"/>
+          <p:cNvSpPr txBox="1">
+            <a:spLocks noGrp="1"/>
+          </p:cNvSpPr>
           <p:nvPr>
             <p:ph type="title"/>
           </p:nvPr>
@@ -9421,12 +9281,12 @@
           </a:prstGeom>
         </p:spPr>
         <p:txBody>
-          <a:bodyPr anchorCtr="0" anchor="t" bIns="91425" lIns="91425" spcFirstLastPara="1" rIns="91425" wrap="square" tIns="91425">
+          <a:bodyPr spcFirstLastPara="1" wrap="square" lIns="91425" tIns="91425" rIns="91425" bIns="91425" anchor="t" anchorCtr="0">
             <a:noAutofit/>
           </a:bodyPr>
           <a:lstStyle/>
           <a:p>
-            <a:pPr indent="0" lvl="0" marL="0" rtl="0" algn="l">
+            <a:pPr marL="0" lvl="0" indent="0" algn="l" rtl="0">
               <a:lnSpc>
                 <a:spcPct val="115000"/>
               </a:lnSpc>
@@ -9449,9 +9309,11 @@
       <p:sp>
         <p:nvSpPr>
           <p:cNvPr id="146" name="Google Shape;146;p27"/>
-          <p:cNvSpPr txBox="1"/>
+          <p:cNvSpPr txBox="1">
+            <a:spLocks noGrp="1"/>
+          </p:cNvSpPr>
           <p:nvPr>
-            <p:ph idx="1" type="body"/>
+            <p:ph type="body" idx="1"/>
           </p:nvPr>
         </p:nvSpPr>
         <p:spPr>
@@ -9464,12 +9326,12 @@
           </a:prstGeom>
         </p:spPr>
         <p:txBody>
-          <a:bodyPr anchorCtr="0" anchor="t" bIns="91425" lIns="91425" spcFirstLastPara="1" rIns="91425" wrap="square" tIns="91425">
+          <a:bodyPr spcFirstLastPara="1" wrap="square" lIns="91425" tIns="91425" rIns="91425" bIns="91425" anchor="t" anchorCtr="0">
             <a:normAutofit/>
           </a:bodyPr>
           <a:lstStyle/>
           <a:p>
-            <a:pPr indent="0" lvl="0" marL="0" rtl="0" algn="l">
+            <a:pPr marL="0" lvl="0" indent="0" algn="l" rtl="0">
               <a:spcBef>
                 <a:spcPts val="0"/>
               </a:spcBef>
@@ -9498,7 +9360,7 @@
             </a:endParaRPr>
           </a:p>
           <a:p>
-            <a:pPr indent="0" lvl="0" marL="0" rtl="0" algn="l">
+            <a:pPr marL="0" lvl="0" indent="0" algn="l" rtl="0">
               <a:spcBef>
                 <a:spcPts val="0"/>
               </a:spcBef>
@@ -9527,7 +9389,7 @@
             </a:endParaRPr>
           </a:p>
           <a:p>
-            <a:pPr indent="0" lvl="0" marL="0" rtl="0" algn="l">
+            <a:pPr marL="0" lvl="0" indent="0" algn="l" rtl="0">
               <a:spcBef>
                 <a:spcPts val="0"/>
               </a:spcBef>
@@ -9556,7 +9418,7 @@
             </a:endParaRPr>
           </a:p>
           <a:p>
-            <a:pPr indent="0" lvl="0" marL="0" rtl="0" algn="l">
+            <a:pPr marL="0" lvl="0" indent="0" algn="l" rtl="0">
               <a:spcBef>
                 <a:spcPts val="0"/>
               </a:spcBef>
@@ -9570,9 +9432,6 @@
               <a:buFont typeface="Arial"/>
               <a:buNone/>
             </a:pPr>
-            <a:r>
-              <a:t/>
-            </a:r>
             <a:endParaRPr sz="1500">
               <a:solidFill>
                 <a:schemeClr val="dk1"/>
@@ -9580,7 +9439,7 @@
             </a:endParaRPr>
           </a:p>
           <a:p>
-            <a:pPr indent="0" lvl="0" marL="0" rtl="0" algn="l">
+            <a:pPr marL="0" lvl="0" indent="0" algn="l" rtl="0">
               <a:spcBef>
                 <a:spcPts val="0"/>
               </a:spcBef>
@@ -9609,7 +9468,7 @@
             </a:endParaRPr>
           </a:p>
           <a:p>
-            <a:pPr indent="0" lvl="0" marL="0" rtl="0" algn="l">
+            <a:pPr marL="0" lvl="0" indent="0" algn="l" rtl="0">
               <a:spcBef>
                 <a:spcPts val="0"/>
               </a:spcBef>
@@ -9618,9 +9477,6 @@
               </a:spcAft>
               <a:buNone/>
             </a:pPr>
-            <a:r>
-              <a:t/>
-            </a:r>
             <a:endParaRPr sz="1500"/>
           </a:p>
         </p:txBody>
@@ -9634,11 +9490,11 @@
 </file>
 
 <file path=ppt/slides/slide16.xml><?xml version="1.0" encoding="utf-8"?>
-<p:sld xmlns:a="http://schemas.openxmlformats.org/drawingml/2006/main" xmlns:r="http://schemas.openxmlformats.org/officeDocument/2006/relationships" xmlns:mc="http://schemas.openxmlformats.org/markup-compatibility/2006" xmlns:mv="urn:schemas-microsoft-com:mac:vml" xmlns:p="http://schemas.openxmlformats.org/presentationml/2006/main" xmlns:c="http://schemas.openxmlformats.org/drawingml/2006/chart" xmlns:dgm="http://schemas.openxmlformats.org/drawingml/2006/diagram" xmlns:o="urn:schemas-microsoft-com:office:office" xmlns:v="urn:schemas-microsoft-com:vml" xmlns:pvml="urn:schemas-microsoft-com:office:powerpoint" xmlns:com="http://schemas.openxmlformats.org/drawingml/2006/compatibility" xmlns:p14="http://schemas.microsoft.com/office/powerpoint/2010/main" xmlns:p15="http://schemas.microsoft.com/office/powerpoint/2012/main" xmlns:ahyp="http://schemas.microsoft.com/office/drawing/2018/hyperlinkcolor">
+<p:sld xmlns:a="http://schemas.openxmlformats.org/drawingml/2006/main" xmlns:r="http://schemas.openxmlformats.org/officeDocument/2006/relationships" xmlns:p="http://schemas.openxmlformats.org/presentationml/2006/main">
   <p:cSld>
     <p:spTree>
       <p:nvGrpSpPr>
-        <p:cNvPr id="150" name="Shape 150"/>
+        <p:cNvPr id="1" name="Shape 150"/>
         <p:cNvGrpSpPr/>
         <p:nvPr/>
       </p:nvGrpSpPr>
@@ -9653,7 +9509,9 @@
       <p:sp>
         <p:nvSpPr>
           <p:cNvPr id="151" name="Google Shape;151;p28"/>
-          <p:cNvSpPr txBox="1"/>
+          <p:cNvSpPr txBox="1">
+            <a:spLocks noGrp="1"/>
+          </p:cNvSpPr>
           <p:nvPr>
             <p:ph type="title"/>
           </p:nvPr>
@@ -9668,12 +9526,12 @@
           </a:prstGeom>
         </p:spPr>
         <p:txBody>
-          <a:bodyPr anchorCtr="0" anchor="t" bIns="91425" lIns="91425" spcFirstLastPara="1" rIns="91425" wrap="square" tIns="91425">
+          <a:bodyPr spcFirstLastPara="1" wrap="square" lIns="91425" tIns="91425" rIns="91425" bIns="91425" anchor="t" anchorCtr="0">
             <a:normAutofit fontScale="90000"/>
           </a:bodyPr>
           <a:lstStyle/>
           <a:p>
-            <a:pPr indent="0" lvl="0" marL="0" rtl="0" algn="l">
+            <a:pPr marL="0" lvl="0" indent="0" algn="l" rtl="0">
               <a:spcBef>
                 <a:spcPts val="0"/>
               </a:spcBef>
@@ -9693,9 +9551,11 @@
       <p:sp>
         <p:nvSpPr>
           <p:cNvPr id="152" name="Google Shape;152;p28"/>
-          <p:cNvSpPr txBox="1"/>
+          <p:cNvSpPr txBox="1">
+            <a:spLocks noGrp="1"/>
+          </p:cNvSpPr>
           <p:nvPr>
-            <p:ph idx="1" type="body"/>
+            <p:ph type="body" idx="1"/>
           </p:nvPr>
         </p:nvSpPr>
         <p:spPr>
@@ -9708,12 +9568,12 @@
           </a:prstGeom>
         </p:spPr>
         <p:txBody>
-          <a:bodyPr anchorCtr="0" anchor="t" bIns="91425" lIns="91425" spcFirstLastPara="1" rIns="91425" wrap="square" tIns="91425">
+          <a:bodyPr spcFirstLastPara="1" wrap="square" lIns="91425" tIns="91425" rIns="91425" bIns="91425" anchor="t" anchorCtr="0">
             <a:normAutofit/>
           </a:bodyPr>
           <a:lstStyle/>
           <a:p>
-            <a:pPr indent="0" lvl="0" marL="0" rtl="0" algn="l">
+            <a:pPr marL="0" lvl="0" indent="0" algn="l" rtl="0">
               <a:spcBef>
                 <a:spcPts val="0"/>
               </a:spcBef>
@@ -9742,7 +9602,7 @@
             </a:endParaRPr>
           </a:p>
           <a:p>
-            <a:pPr indent="0" lvl="0" marL="0" rtl="0" algn="l">
+            <a:pPr marL="0" lvl="0" indent="0" algn="l" rtl="0">
               <a:spcBef>
                 <a:spcPts val="0"/>
               </a:spcBef>
@@ -9751,9 +9611,6 @@
               </a:spcAft>
               <a:buNone/>
             </a:pPr>
-            <a:r>
-              <a:t/>
-            </a:r>
             <a:endParaRPr sz="1500"/>
           </a:p>
         </p:txBody>
@@ -9795,11 +9652,11 @@
 </file>
 
 <file path=ppt/slides/slide17.xml><?xml version="1.0" encoding="utf-8"?>
-<p:sld xmlns:a="http://schemas.openxmlformats.org/drawingml/2006/main" xmlns:r="http://schemas.openxmlformats.org/officeDocument/2006/relationships" xmlns:mc="http://schemas.openxmlformats.org/markup-compatibility/2006" xmlns:mv="urn:schemas-microsoft-com:mac:vml" xmlns:p="http://schemas.openxmlformats.org/presentationml/2006/main" xmlns:c="http://schemas.openxmlformats.org/drawingml/2006/chart" xmlns:dgm="http://schemas.openxmlformats.org/drawingml/2006/diagram" xmlns:o="urn:schemas-microsoft-com:office:office" xmlns:v="urn:schemas-microsoft-com:vml" xmlns:pvml="urn:schemas-microsoft-com:office:powerpoint" xmlns:com="http://schemas.openxmlformats.org/drawingml/2006/compatibility" xmlns:p14="http://schemas.microsoft.com/office/powerpoint/2010/main" xmlns:p15="http://schemas.microsoft.com/office/powerpoint/2012/main" xmlns:ahyp="http://schemas.microsoft.com/office/drawing/2018/hyperlinkcolor">
+<p:sld xmlns:a="http://schemas.openxmlformats.org/drawingml/2006/main" xmlns:r="http://schemas.openxmlformats.org/officeDocument/2006/relationships" xmlns:p="http://schemas.openxmlformats.org/presentationml/2006/main">
   <p:cSld>
     <p:spTree>
       <p:nvGrpSpPr>
-        <p:cNvPr id="157" name="Shape 157"/>
+        <p:cNvPr id="1" name="Shape 157"/>
         <p:cNvGrpSpPr/>
         <p:nvPr/>
       </p:nvGrpSpPr>
@@ -9814,7 +9671,9 @@
       <p:sp>
         <p:nvSpPr>
           <p:cNvPr id="158" name="Google Shape;158;p29"/>
-          <p:cNvSpPr txBox="1"/>
+          <p:cNvSpPr txBox="1">
+            <a:spLocks noGrp="1"/>
+          </p:cNvSpPr>
           <p:nvPr>
             <p:ph type="title"/>
           </p:nvPr>
@@ -9829,12 +9688,12 @@
           </a:prstGeom>
         </p:spPr>
         <p:txBody>
-          <a:bodyPr anchorCtr="0" anchor="t" bIns="91425" lIns="91425" spcFirstLastPara="1" rIns="91425" wrap="square" tIns="91425">
+          <a:bodyPr spcFirstLastPara="1" wrap="square" lIns="91425" tIns="91425" rIns="91425" bIns="91425" anchor="t" anchorCtr="0">
             <a:normAutofit fontScale="90000"/>
           </a:bodyPr>
           <a:lstStyle/>
           <a:p>
-            <a:pPr indent="0" lvl="0" marL="0" rtl="0" algn="l">
+            <a:pPr marL="0" lvl="0" indent="0" algn="l" rtl="0">
               <a:spcBef>
                 <a:spcPts val="0"/>
               </a:spcBef>
@@ -9854,9 +9713,11 @@
       <p:sp>
         <p:nvSpPr>
           <p:cNvPr id="159" name="Google Shape;159;p29"/>
-          <p:cNvSpPr txBox="1"/>
+          <p:cNvSpPr txBox="1">
+            <a:spLocks noGrp="1"/>
+          </p:cNvSpPr>
           <p:nvPr>
-            <p:ph idx="1" type="body"/>
+            <p:ph type="body" idx="1"/>
           </p:nvPr>
         </p:nvSpPr>
         <p:spPr>
@@ -9869,12 +9730,12 @@
           </a:prstGeom>
         </p:spPr>
         <p:txBody>
-          <a:bodyPr anchorCtr="0" anchor="t" bIns="91425" lIns="91425" spcFirstLastPara="1" rIns="91425" wrap="square" tIns="91425">
+          <a:bodyPr spcFirstLastPara="1" wrap="square" lIns="91425" tIns="91425" rIns="91425" bIns="91425" anchor="t" anchorCtr="0">
             <a:normAutofit/>
           </a:bodyPr>
           <a:lstStyle/>
           <a:p>
-            <a:pPr indent="0" lvl="0" marL="0" rtl="0" algn="l">
+            <a:pPr marL="0" lvl="0" indent="0" algn="l" rtl="0">
               <a:spcBef>
                 <a:spcPts val="0"/>
               </a:spcBef>
@@ -9883,9 +9744,6 @@
               </a:spcAft>
               <a:buNone/>
             </a:pPr>
-            <a:r>
-              <a:t/>
-            </a:r>
             <a:endParaRPr/>
           </a:p>
         </p:txBody>
@@ -9927,11 +9785,11 @@
 </file>
 
 <file path=ppt/slides/slide18.xml><?xml version="1.0" encoding="utf-8"?>
-<p:sld xmlns:a="http://schemas.openxmlformats.org/drawingml/2006/main" xmlns:r="http://schemas.openxmlformats.org/officeDocument/2006/relationships" xmlns:mc="http://schemas.openxmlformats.org/markup-compatibility/2006" xmlns:mv="urn:schemas-microsoft-com:mac:vml" xmlns:p="http://schemas.openxmlformats.org/presentationml/2006/main" xmlns:c="http://schemas.openxmlformats.org/drawingml/2006/chart" xmlns:dgm="http://schemas.openxmlformats.org/drawingml/2006/diagram" xmlns:o="urn:schemas-microsoft-com:office:office" xmlns:v="urn:schemas-microsoft-com:vml" xmlns:pvml="urn:schemas-microsoft-com:office:powerpoint" xmlns:com="http://schemas.openxmlformats.org/drawingml/2006/compatibility" xmlns:p14="http://schemas.microsoft.com/office/powerpoint/2010/main" xmlns:p15="http://schemas.microsoft.com/office/powerpoint/2012/main" xmlns:ahyp="http://schemas.microsoft.com/office/drawing/2018/hyperlinkcolor">
+<p:sld xmlns:a="http://schemas.openxmlformats.org/drawingml/2006/main" xmlns:r="http://schemas.openxmlformats.org/officeDocument/2006/relationships" xmlns:p="http://schemas.openxmlformats.org/presentationml/2006/main">
   <p:cSld>
     <p:spTree>
       <p:nvGrpSpPr>
-        <p:cNvPr id="164" name="Shape 164"/>
+        <p:cNvPr id="1" name="Shape 164"/>
         <p:cNvGrpSpPr/>
         <p:nvPr/>
       </p:nvGrpSpPr>
@@ -9946,7 +9804,9 @@
       <p:sp>
         <p:nvSpPr>
           <p:cNvPr id="165" name="Google Shape;165;p30"/>
-          <p:cNvSpPr txBox="1"/>
+          <p:cNvSpPr txBox="1">
+            <a:spLocks noGrp="1"/>
+          </p:cNvSpPr>
           <p:nvPr>
             <p:ph type="title"/>
           </p:nvPr>
@@ -9961,12 +9821,12 @@
           </a:prstGeom>
         </p:spPr>
         <p:txBody>
-          <a:bodyPr anchorCtr="0" anchor="t" bIns="91425" lIns="91425" spcFirstLastPara="1" rIns="91425" wrap="square" tIns="91425">
+          <a:bodyPr spcFirstLastPara="1" wrap="square" lIns="91425" tIns="91425" rIns="91425" bIns="91425" anchor="t" anchorCtr="0">
             <a:normAutofit fontScale="90000"/>
           </a:bodyPr>
           <a:lstStyle/>
           <a:p>
-            <a:pPr indent="0" lvl="0" marL="0" rtl="0" algn="l">
+            <a:pPr marL="0" lvl="0" indent="0" algn="l" rtl="0">
               <a:spcBef>
                 <a:spcPts val="0"/>
               </a:spcBef>
@@ -9986,9 +9846,11 @@
       <p:sp>
         <p:nvSpPr>
           <p:cNvPr id="166" name="Google Shape;166;p30"/>
-          <p:cNvSpPr txBox="1"/>
+          <p:cNvSpPr txBox="1">
+            <a:spLocks noGrp="1"/>
+          </p:cNvSpPr>
           <p:nvPr>
-            <p:ph idx="1" type="body"/>
+            <p:ph type="body" idx="1"/>
           </p:nvPr>
         </p:nvSpPr>
         <p:spPr>
@@ -10001,12 +9863,12 @@
           </a:prstGeom>
         </p:spPr>
         <p:txBody>
-          <a:bodyPr anchorCtr="0" anchor="t" bIns="91425" lIns="91425" spcFirstLastPara="1" rIns="91425" wrap="square" tIns="91425">
+          <a:bodyPr spcFirstLastPara="1" wrap="square" lIns="91425" tIns="91425" rIns="91425" bIns="91425" anchor="t" anchorCtr="0">
             <a:normAutofit/>
           </a:bodyPr>
           <a:lstStyle/>
           <a:p>
-            <a:pPr indent="0" lvl="0" marL="0" rtl="0" algn="l">
+            <a:pPr marL="0" lvl="0" indent="0" algn="l" rtl="0">
               <a:spcBef>
                 <a:spcPts val="0"/>
               </a:spcBef>
@@ -10015,9 +9877,6 @@
               </a:spcAft>
               <a:buNone/>
             </a:pPr>
-            <a:r>
-              <a:t/>
-            </a:r>
             <a:endParaRPr/>
           </a:p>
         </p:txBody>
@@ -10059,11 +9918,11 @@
 </file>
 
 <file path=ppt/slides/slide19.xml><?xml version="1.0" encoding="utf-8"?>
-<p:sld xmlns:a="http://schemas.openxmlformats.org/drawingml/2006/main" xmlns:r="http://schemas.openxmlformats.org/officeDocument/2006/relationships" xmlns:mc="http://schemas.openxmlformats.org/markup-compatibility/2006" xmlns:mv="urn:schemas-microsoft-com:mac:vml" xmlns:p="http://schemas.openxmlformats.org/presentationml/2006/main" xmlns:c="http://schemas.openxmlformats.org/drawingml/2006/chart" xmlns:dgm="http://schemas.openxmlformats.org/drawingml/2006/diagram" xmlns:o="urn:schemas-microsoft-com:office:office" xmlns:v="urn:schemas-microsoft-com:vml" xmlns:pvml="urn:schemas-microsoft-com:office:powerpoint" xmlns:com="http://schemas.openxmlformats.org/drawingml/2006/compatibility" xmlns:p14="http://schemas.microsoft.com/office/powerpoint/2010/main" xmlns:p15="http://schemas.microsoft.com/office/powerpoint/2012/main" xmlns:ahyp="http://schemas.microsoft.com/office/drawing/2018/hyperlinkcolor">
+<p:sld xmlns:a="http://schemas.openxmlformats.org/drawingml/2006/main" xmlns:r="http://schemas.openxmlformats.org/officeDocument/2006/relationships" xmlns:p="http://schemas.openxmlformats.org/presentationml/2006/main">
   <p:cSld>
     <p:spTree>
       <p:nvGrpSpPr>
-        <p:cNvPr id="171" name="Shape 171"/>
+        <p:cNvPr id="1" name="Shape 171"/>
         <p:cNvGrpSpPr/>
         <p:nvPr/>
       </p:nvGrpSpPr>
@@ -10078,7 +9937,9 @@
       <p:sp>
         <p:nvSpPr>
           <p:cNvPr id="172" name="Google Shape;172;p31"/>
-          <p:cNvSpPr txBox="1"/>
+          <p:cNvSpPr txBox="1">
+            <a:spLocks noGrp="1"/>
+          </p:cNvSpPr>
           <p:nvPr>
             <p:ph type="title"/>
           </p:nvPr>
@@ -10093,12 +9954,12 @@
           </a:prstGeom>
         </p:spPr>
         <p:txBody>
-          <a:bodyPr anchorCtr="0" anchor="t" bIns="91425" lIns="91425" spcFirstLastPara="1" rIns="91425" wrap="square" tIns="91425">
+          <a:bodyPr spcFirstLastPara="1" wrap="square" lIns="91425" tIns="91425" rIns="91425" bIns="91425" anchor="t" anchorCtr="0">
             <a:noAutofit/>
           </a:bodyPr>
           <a:lstStyle/>
           <a:p>
-            <a:pPr indent="0" lvl="0" marL="0" rtl="0" algn="l">
+            <a:pPr marL="0" lvl="0" indent="0" algn="l" rtl="0">
               <a:lnSpc>
                 <a:spcPct val="115000"/>
               </a:lnSpc>
@@ -10130,7 +9991,7 @@
             </a:endParaRPr>
           </a:p>
           <a:p>
-            <a:pPr indent="0" lvl="0" marL="0" rtl="0" algn="l">
+            <a:pPr marL="0" lvl="0" indent="0" algn="l" rtl="0">
               <a:spcBef>
                 <a:spcPts val="400"/>
               </a:spcBef>
@@ -10139,9 +10000,6 @@
               </a:spcAft>
               <a:buNone/>
             </a:pPr>
-            <a:r>
-              <a:t/>
-            </a:r>
             <a:endParaRPr sz="2500"/>
           </a:p>
         </p:txBody>
@@ -10149,9 +10007,11 @@
       <p:sp>
         <p:nvSpPr>
           <p:cNvPr id="173" name="Google Shape;173;p31"/>
-          <p:cNvSpPr txBox="1"/>
+          <p:cNvSpPr txBox="1">
+            <a:spLocks noGrp="1"/>
+          </p:cNvSpPr>
           <p:nvPr>
-            <p:ph idx="1" type="body"/>
+            <p:ph type="body" idx="1"/>
           </p:nvPr>
         </p:nvSpPr>
         <p:spPr>
@@ -10164,12 +10024,12 @@
           </a:prstGeom>
         </p:spPr>
         <p:txBody>
-          <a:bodyPr anchorCtr="0" anchor="t" bIns="91425" lIns="91425" spcFirstLastPara="1" rIns="91425" wrap="square" tIns="91425">
+          <a:bodyPr spcFirstLastPara="1" wrap="square" lIns="91425" tIns="91425" rIns="91425" bIns="91425" anchor="t" anchorCtr="0">
             <a:normAutofit/>
           </a:bodyPr>
           <a:lstStyle/>
           <a:p>
-            <a:pPr indent="0" lvl="0" marL="0" rtl="0" algn="l">
+            <a:pPr marL="0" lvl="0" indent="0" algn="l" rtl="0">
               <a:spcBef>
                 <a:spcPts val="0"/>
               </a:spcBef>
@@ -10178,9 +10038,6 @@
               </a:spcAft>
               <a:buNone/>
             </a:pPr>
-            <a:r>
-              <a:t/>
-            </a:r>
             <a:endParaRPr/>
           </a:p>
         </p:txBody>
@@ -10222,11 +10079,11 @@
 </file>
 
 <file path=ppt/slides/slide2.xml><?xml version="1.0" encoding="utf-8"?>
-<p:sld xmlns:a="http://schemas.openxmlformats.org/drawingml/2006/main" xmlns:r="http://schemas.openxmlformats.org/officeDocument/2006/relationships" xmlns:mc="http://schemas.openxmlformats.org/markup-compatibility/2006" xmlns:mv="urn:schemas-microsoft-com:mac:vml" xmlns:p="http://schemas.openxmlformats.org/presentationml/2006/main" xmlns:c="http://schemas.openxmlformats.org/drawingml/2006/chart" xmlns:dgm="http://schemas.openxmlformats.org/drawingml/2006/diagram" xmlns:o="urn:schemas-microsoft-com:office:office" xmlns:v="urn:schemas-microsoft-com:vml" xmlns:pvml="urn:schemas-microsoft-com:office:powerpoint" xmlns:com="http://schemas.openxmlformats.org/drawingml/2006/compatibility" xmlns:p14="http://schemas.microsoft.com/office/powerpoint/2010/main" xmlns:p15="http://schemas.microsoft.com/office/powerpoint/2012/main" xmlns:ahyp="http://schemas.microsoft.com/office/drawing/2018/hyperlinkcolor">
+<p:sld xmlns:a="http://schemas.openxmlformats.org/drawingml/2006/main" xmlns:r="http://schemas.openxmlformats.org/officeDocument/2006/relationships" xmlns:p="http://schemas.openxmlformats.org/presentationml/2006/main">
   <p:cSld>
     <p:spTree>
       <p:nvGrpSpPr>
-        <p:cNvPr id="59" name="Shape 59"/>
+        <p:cNvPr id="1" name="Shape 59"/>
         <p:cNvGrpSpPr/>
         <p:nvPr/>
       </p:nvGrpSpPr>
@@ -10241,7 +10098,9 @@
       <p:sp>
         <p:nvSpPr>
           <p:cNvPr id="60" name="Google Shape;60;p14"/>
-          <p:cNvSpPr txBox="1"/>
+          <p:cNvSpPr txBox="1">
+            <a:spLocks noGrp="1"/>
+          </p:cNvSpPr>
           <p:nvPr>
             <p:ph type="title"/>
           </p:nvPr>
@@ -10256,12 +10115,12 @@
           </a:prstGeom>
         </p:spPr>
         <p:txBody>
-          <a:bodyPr anchorCtr="0" anchor="t" bIns="91425" lIns="91425" spcFirstLastPara="1" rIns="91425" wrap="square" tIns="91425">
+          <a:bodyPr spcFirstLastPara="1" wrap="square" lIns="91425" tIns="91425" rIns="91425" bIns="91425" anchor="t" anchorCtr="0">
             <a:normAutofit fontScale="90000"/>
           </a:bodyPr>
           <a:lstStyle/>
           <a:p>
-            <a:pPr indent="0" lvl="0" marL="0" rtl="0" algn="l">
+            <a:pPr marL="0" lvl="0" indent="0" algn="l" rtl="0">
               <a:spcBef>
                 <a:spcPts val="0"/>
               </a:spcBef>
@@ -10281,9 +10140,11 @@
       <p:sp>
         <p:nvSpPr>
           <p:cNvPr id="61" name="Google Shape;61;p14"/>
-          <p:cNvSpPr txBox="1"/>
+          <p:cNvSpPr txBox="1">
+            <a:spLocks noGrp="1"/>
+          </p:cNvSpPr>
           <p:nvPr>
-            <p:ph idx="1" type="body"/>
+            <p:ph type="body" idx="1"/>
           </p:nvPr>
         </p:nvSpPr>
         <p:spPr>
@@ -10296,12 +10157,12 @@
           </a:prstGeom>
         </p:spPr>
         <p:txBody>
-          <a:bodyPr anchorCtr="0" anchor="t" bIns="91425" lIns="91425" spcFirstLastPara="1" rIns="91425" wrap="square" tIns="91425">
+          <a:bodyPr spcFirstLastPara="1" wrap="square" lIns="91425" tIns="91425" rIns="91425" bIns="91425" anchor="t" anchorCtr="0">
             <a:normAutofit lnSpcReduction="10000"/>
           </a:bodyPr>
           <a:lstStyle/>
           <a:p>
-            <a:pPr indent="0" lvl="0" marL="0" rtl="0" algn="l">
+            <a:pPr marL="0" lvl="0" indent="0" algn="l" rtl="0">
               <a:spcBef>
                 <a:spcPts val="0"/>
               </a:spcBef>
@@ -10316,15 +10177,7 @@
                   <a:schemeClr val="dk1"/>
                 </a:solidFill>
               </a:rPr>
-              <a:t>П</a:t>
-            </a:r>
-            <a:r>
-              <a:rPr lang="ru">
-                <a:solidFill>
-                  <a:schemeClr val="dk1"/>
-                </a:solidFill>
-              </a:rPr>
-              <a:t>рограммисты стараются предусмотреть обработку всех возможных ошибок во всех возможных местах. Такой стиль программирования называется Defensive Programming. И он нередко приводит к тому, что программа содержит больше кода для обработки ошибок, чем кода, выполняющего основную задачу. Конечно, это усложняет и написание кода, и поддержку.</a:t>
+              <a:t>Программисты стараются предусмотреть обработку всех возможных ошибок во всех возможных местах. Такой стиль программирования называется Defensive Programming. И он нередко приводит к тому, что программа содержит больше кода для обработки ошибок, чем кода, выполняющего основную задачу. Конечно, это усложняет и написание кода, и поддержку.</a:t>
             </a:r>
             <a:endParaRPr>
               <a:solidFill>
@@ -10333,7 +10186,7 @@
             </a:endParaRPr>
           </a:p>
           <a:p>
-            <a:pPr indent="0" lvl="0" marL="0" rtl="0" algn="l">
+            <a:pPr marL="0" lvl="0" indent="0" algn="l" rtl="0">
               <a:spcBef>
                 <a:spcPts val="1200"/>
               </a:spcBef>
@@ -10367,11 +10220,11 @@
 </file>
 
 <file path=ppt/slides/slide20.xml><?xml version="1.0" encoding="utf-8"?>
-<p:sld xmlns:a="http://schemas.openxmlformats.org/drawingml/2006/main" xmlns:r="http://schemas.openxmlformats.org/officeDocument/2006/relationships" xmlns:mc="http://schemas.openxmlformats.org/markup-compatibility/2006" xmlns:mv="urn:schemas-microsoft-com:mac:vml" xmlns:p="http://schemas.openxmlformats.org/presentationml/2006/main" xmlns:c="http://schemas.openxmlformats.org/drawingml/2006/chart" xmlns:dgm="http://schemas.openxmlformats.org/drawingml/2006/diagram" xmlns:o="urn:schemas-microsoft-com:office:office" xmlns:v="urn:schemas-microsoft-com:vml" xmlns:pvml="urn:schemas-microsoft-com:office:powerpoint" xmlns:com="http://schemas.openxmlformats.org/drawingml/2006/compatibility" xmlns:p14="http://schemas.microsoft.com/office/powerpoint/2010/main" xmlns:p15="http://schemas.microsoft.com/office/powerpoint/2012/main" xmlns:ahyp="http://schemas.microsoft.com/office/drawing/2018/hyperlinkcolor">
+<p:sld xmlns:a="http://schemas.openxmlformats.org/drawingml/2006/main" xmlns:r="http://schemas.openxmlformats.org/officeDocument/2006/relationships" xmlns:p="http://schemas.openxmlformats.org/presentationml/2006/main">
   <p:cSld>
     <p:spTree>
       <p:nvGrpSpPr>
-        <p:cNvPr id="178" name="Shape 178"/>
+        <p:cNvPr id="1" name="Shape 178"/>
         <p:cNvGrpSpPr/>
         <p:nvPr/>
       </p:nvGrpSpPr>
@@ -10386,7 +10239,9 @@
       <p:sp>
         <p:nvSpPr>
           <p:cNvPr id="179" name="Google Shape;179;p32"/>
-          <p:cNvSpPr txBox="1"/>
+          <p:cNvSpPr txBox="1">
+            <a:spLocks noGrp="1"/>
+          </p:cNvSpPr>
           <p:nvPr>
             <p:ph type="title"/>
           </p:nvPr>
@@ -10401,12 +10256,12 @@
           </a:prstGeom>
         </p:spPr>
         <p:txBody>
-          <a:bodyPr anchorCtr="0" anchor="t" bIns="91425" lIns="91425" spcFirstLastPara="1" rIns="91425" wrap="square" tIns="91425">
+          <a:bodyPr spcFirstLastPara="1" wrap="square" lIns="91425" tIns="91425" rIns="91425" bIns="91425" anchor="t" anchorCtr="0">
             <a:normAutofit/>
           </a:bodyPr>
           <a:lstStyle/>
           <a:p>
-            <a:pPr indent="0" lvl="0" marL="0" rtl="0" algn="l">
+            <a:pPr marL="0" lvl="0" indent="0" algn="l" rtl="0">
               <a:lnSpc>
                 <a:spcPct val="115000"/>
               </a:lnSpc>
@@ -10434,9 +10289,11 @@
       <p:sp>
         <p:nvSpPr>
           <p:cNvPr id="180" name="Google Shape;180;p32"/>
-          <p:cNvSpPr txBox="1"/>
+          <p:cNvSpPr txBox="1">
+            <a:spLocks noGrp="1"/>
+          </p:cNvSpPr>
           <p:nvPr>
-            <p:ph idx="1" type="body"/>
+            <p:ph type="body" idx="1"/>
           </p:nvPr>
         </p:nvSpPr>
         <p:spPr>
@@ -10449,12 +10306,12 @@
           </a:prstGeom>
         </p:spPr>
         <p:txBody>
-          <a:bodyPr anchorCtr="0" anchor="t" bIns="91425" lIns="91425" spcFirstLastPara="1" rIns="91425" wrap="square" tIns="91425">
+          <a:bodyPr spcFirstLastPara="1" wrap="square" lIns="91425" tIns="91425" rIns="91425" bIns="91425" anchor="t" anchorCtr="0">
             <a:noAutofit/>
           </a:bodyPr>
           <a:lstStyle/>
           <a:p>
-            <a:pPr indent="0" lvl="0" marL="0" rtl="0" algn="l">
+            <a:pPr marL="0" lvl="0" indent="0" algn="l" rtl="0">
               <a:spcBef>
                 <a:spcPts val="0"/>
               </a:spcBef>
@@ -10483,7 +10340,7 @@
             </a:endParaRPr>
           </a:p>
           <a:p>
-            <a:pPr indent="0" lvl="0" marL="0" rtl="0" algn="l">
+            <a:pPr marL="0" lvl="0" indent="0" algn="l" rtl="0">
               <a:spcBef>
                 <a:spcPts val="0"/>
               </a:spcBef>
@@ -10512,7 +10369,7 @@
             </a:endParaRPr>
           </a:p>
           <a:p>
-            <a:pPr indent="0" lvl="0" marL="0" rtl="0" algn="l">
+            <a:pPr marL="0" lvl="0" indent="0" algn="l" rtl="0">
               <a:spcBef>
                 <a:spcPts val="0"/>
               </a:spcBef>
@@ -10541,7 +10398,7 @@
             </a:endParaRPr>
           </a:p>
           <a:p>
-            <a:pPr indent="0" lvl="0" marL="0" rtl="0" algn="l">
+            <a:pPr marL="0" lvl="0" indent="0" algn="l" rtl="0">
               <a:spcBef>
                 <a:spcPts val="0"/>
               </a:spcBef>
@@ -10570,7 +10427,7 @@
             </a:endParaRPr>
           </a:p>
           <a:p>
-            <a:pPr indent="0" lvl="0" marL="0" rtl="0" algn="l">
+            <a:pPr marL="0" lvl="0" indent="0" algn="l" rtl="0">
               <a:spcBef>
                 <a:spcPts val="0"/>
               </a:spcBef>
@@ -10599,7 +10456,7 @@
             </a:endParaRPr>
           </a:p>
           <a:p>
-            <a:pPr indent="0" lvl="0" marL="0" rtl="0" algn="l">
+            <a:pPr marL="0" lvl="0" indent="0" algn="l" rtl="0">
               <a:spcBef>
                 <a:spcPts val="0"/>
               </a:spcBef>
@@ -10628,7 +10485,7 @@
             </a:endParaRPr>
           </a:p>
           <a:p>
-            <a:pPr indent="0" lvl="0" marL="0" rtl="0" algn="l">
+            <a:pPr marL="0" lvl="0" indent="0" algn="l" rtl="0">
               <a:spcBef>
                 <a:spcPts val="0"/>
               </a:spcBef>
@@ -10657,7 +10514,7 @@
             </a:endParaRPr>
           </a:p>
           <a:p>
-            <a:pPr indent="0" lvl="0" marL="0" rtl="0" algn="l">
+            <a:pPr marL="0" lvl="0" indent="0" algn="l" rtl="0">
               <a:spcBef>
                 <a:spcPts val="0"/>
               </a:spcBef>
@@ -10686,7 +10543,7 @@
             </a:endParaRPr>
           </a:p>
           <a:p>
-            <a:pPr indent="457200" lvl="0" marL="0" rtl="0" algn="l">
+            <a:pPr marL="0" lvl="0" indent="457200" algn="l" rtl="0">
               <a:spcBef>
                 <a:spcPts val="0"/>
               </a:spcBef>
@@ -10719,7 +10576,7 @@
             </a:endParaRPr>
           </a:p>
           <a:p>
-            <a:pPr indent="0" lvl="0" marL="0" rtl="0" algn="l">
+            <a:pPr marL="0" lvl="0" indent="0" algn="l" rtl="0">
               <a:spcBef>
                 <a:spcPts val="0"/>
               </a:spcBef>
@@ -10748,7 +10605,7 @@
             </a:endParaRPr>
           </a:p>
           <a:p>
-            <a:pPr indent="0" lvl="0" marL="0" rtl="0" algn="l">
+            <a:pPr marL="0" lvl="0" indent="0" algn="l" rtl="0">
               <a:spcBef>
                 <a:spcPts val="0"/>
               </a:spcBef>
@@ -10772,7 +10629,7 @@
             </a:endParaRPr>
           </a:p>
           <a:p>
-            <a:pPr indent="0" lvl="0" marL="0" rtl="0" algn="l">
+            <a:pPr marL="0" lvl="0" indent="0" algn="l" rtl="0">
               <a:spcBef>
                 <a:spcPts val="0"/>
               </a:spcBef>
@@ -10796,7 +10653,7 @@
             </a:endParaRPr>
           </a:p>
           <a:p>
-            <a:pPr indent="457200" lvl="0" marL="0" rtl="0" algn="l">
+            <a:pPr marL="0" lvl="0" indent="457200" algn="l" rtl="0">
               <a:spcBef>
                 <a:spcPts val="0"/>
               </a:spcBef>
@@ -10824,7 +10681,7 @@
             </a:endParaRPr>
           </a:p>
           <a:p>
-            <a:pPr indent="0" lvl="0" marL="0" rtl="0" algn="l">
+            <a:pPr marL="0" lvl="0" indent="0" algn="l" rtl="0">
               <a:spcBef>
                 <a:spcPts val="0"/>
               </a:spcBef>
@@ -10838,9 +10695,6 @@
               <a:buFont typeface="Arial"/>
               <a:buNone/>
             </a:pPr>
-            <a:r>
-              <a:t/>
-            </a:r>
             <a:endParaRPr sz="1500">
               <a:solidFill>
                 <a:schemeClr val="dk1"/>
@@ -10858,11 +10712,11 @@
 </file>
 
 <file path=ppt/slides/slide21.xml><?xml version="1.0" encoding="utf-8"?>
-<p:sld xmlns:a="http://schemas.openxmlformats.org/drawingml/2006/main" xmlns:r="http://schemas.openxmlformats.org/officeDocument/2006/relationships" xmlns:mc="http://schemas.openxmlformats.org/markup-compatibility/2006" xmlns:mv="urn:schemas-microsoft-com:mac:vml" xmlns:p="http://schemas.openxmlformats.org/presentationml/2006/main" xmlns:c="http://schemas.openxmlformats.org/drawingml/2006/chart" xmlns:dgm="http://schemas.openxmlformats.org/drawingml/2006/diagram" xmlns:o="urn:schemas-microsoft-com:office:office" xmlns:v="urn:schemas-microsoft-com:vml" xmlns:pvml="urn:schemas-microsoft-com:office:powerpoint" xmlns:com="http://schemas.openxmlformats.org/drawingml/2006/compatibility" xmlns:p14="http://schemas.microsoft.com/office/powerpoint/2010/main" xmlns:p15="http://schemas.microsoft.com/office/powerpoint/2012/main" xmlns:ahyp="http://schemas.microsoft.com/office/drawing/2018/hyperlinkcolor">
+<p:sld xmlns:a="http://schemas.openxmlformats.org/drawingml/2006/main" xmlns:r="http://schemas.openxmlformats.org/officeDocument/2006/relationships" xmlns:p="http://schemas.openxmlformats.org/presentationml/2006/main">
   <p:cSld>
     <p:spTree>
       <p:nvGrpSpPr>
-        <p:cNvPr id="184" name="Shape 184"/>
+        <p:cNvPr id="1" name="Shape 184"/>
         <p:cNvGrpSpPr/>
         <p:nvPr/>
       </p:nvGrpSpPr>
@@ -10877,9 +10731,11 @@
       <p:sp>
         <p:nvSpPr>
           <p:cNvPr id="185" name="Google Shape;185;p33"/>
-          <p:cNvSpPr txBox="1"/>
+          <p:cNvSpPr txBox="1">
+            <a:spLocks noGrp="1"/>
+          </p:cNvSpPr>
           <p:nvPr>
-            <p:ph idx="1" type="subTitle"/>
+            <p:ph type="subTitle" idx="1"/>
           </p:nvPr>
         </p:nvSpPr>
         <p:spPr>
@@ -10892,23 +10748,20 @@
           </a:prstGeom>
         </p:spPr>
         <p:txBody>
-          <a:bodyPr anchorCtr="0" anchor="t" bIns="91425" lIns="91425" spcFirstLastPara="1" rIns="91425" wrap="square" tIns="91425">
+          <a:bodyPr spcFirstLastPara="1" wrap="square" lIns="91425" tIns="91425" rIns="91425" bIns="91425" anchor="t" anchorCtr="0">
             <a:normAutofit/>
           </a:bodyPr>
           <a:lstStyle/>
           <a:p>
-            <a:pPr indent="0" lvl="0" marL="0" rtl="0" algn="ctr">
-              <a:spcBef>
-                <a:spcPts val="0"/>
-              </a:spcBef>
-              <a:spcAft>
-                <a:spcPts val="0"/>
-              </a:spcAft>
-              <a:buNone/>
-            </a:pPr>
-            <a:r>
-              <a:t/>
-            </a:r>
+            <a:pPr marL="0" lvl="0" indent="0" algn="ctr" rtl="0">
+              <a:spcBef>
+                <a:spcPts val="0"/>
+              </a:spcBef>
+              <a:spcAft>
+                <a:spcPts val="0"/>
+              </a:spcAft>
+              <a:buNone/>
+            </a:pPr>
             <a:endParaRPr/>
           </a:p>
         </p:txBody>
@@ -10958,34 +10811,31 @@
           <a:solidFill>
             <a:schemeClr val="lt2"/>
           </a:solidFill>
-          <a:ln cap="flat" cmpd="sng" w="9525">
+          <a:ln w="9525" cap="flat" cmpd="sng">
             <a:solidFill>
               <a:schemeClr val="dk2"/>
             </a:solidFill>
             <a:prstDash val="solid"/>
             <a:round/>
-            <a:headEnd len="sm" w="sm" type="none"/>
-            <a:tailEnd len="sm" w="sm" type="none"/>
+            <a:headEnd type="none" w="sm" len="sm"/>
+            <a:tailEnd type="none" w="sm" len="sm"/>
           </a:ln>
         </p:spPr>
         <p:txBody>
-          <a:bodyPr anchorCtr="0" anchor="ctr" bIns="91425" lIns="91425" spcFirstLastPara="1" rIns="91425" wrap="square" tIns="91425">
+          <a:bodyPr spcFirstLastPara="1" wrap="square" lIns="91425" tIns="91425" rIns="91425" bIns="91425" anchor="ctr" anchorCtr="0">
             <a:noAutofit/>
           </a:bodyPr>
           <a:lstStyle/>
           <a:p>
-            <a:pPr indent="0" lvl="0" marL="0" rtl="0" algn="ctr">
-              <a:spcBef>
-                <a:spcPts val="0"/>
-              </a:spcBef>
-              <a:spcAft>
-                <a:spcPts val="0"/>
-              </a:spcAft>
-              <a:buNone/>
-            </a:pPr>
-            <a:r>
-              <a:t/>
-            </a:r>
+            <a:pPr marL="0" lvl="0" indent="0" algn="ctr" rtl="0">
+              <a:spcBef>
+                <a:spcPts val="0"/>
+              </a:spcBef>
+              <a:spcAft>
+                <a:spcPts val="0"/>
+              </a:spcAft>
+              <a:buNone/>
+            </a:pPr>
             <a:endParaRPr>
               <a:highlight>
                 <a:schemeClr val="accent1"/>
@@ -11014,12 +10864,12 @@
           </a:ln>
         </p:spPr>
         <p:txBody>
-          <a:bodyPr anchorCtr="0" anchor="t" bIns="91425" lIns="91425" spcFirstLastPara="1" rIns="91425" wrap="square" tIns="91425">
+          <a:bodyPr spcFirstLastPara="1" wrap="square" lIns="91425" tIns="91425" rIns="91425" bIns="91425" anchor="t" anchorCtr="0">
             <a:noAutofit/>
           </a:bodyPr>
           <a:lstStyle/>
           <a:p>
-            <a:pPr indent="0" lvl="0" marL="0" rtl="0" algn="l">
+            <a:pPr marL="0" lvl="0" indent="0" algn="l" rtl="0">
               <a:spcBef>
                 <a:spcPts val="0"/>
               </a:spcBef>
@@ -11034,15 +10884,7 @@
                   <a:schemeClr val="lt1"/>
                 </a:solidFill>
               </a:rPr>
-              <a:t>С </a:t>
-            </a:r>
-            <a:r>
-              <a:rPr lang="ru" sz="4000">
-                <a:solidFill>
-                  <a:schemeClr val="lt1"/>
-                </a:solidFill>
-              </a:rPr>
-              <a:t>Эрлангом</a:t>
+              <a:t>С Эрлангом</a:t>
             </a:r>
             <a:endParaRPr sz="4000">
               <a:solidFill>
@@ -11074,12 +10916,12 @@
           </a:ln>
         </p:spPr>
         <p:txBody>
-          <a:bodyPr anchorCtr="0" anchor="t" bIns="91425" lIns="91425" spcFirstLastPara="1" rIns="91425" wrap="square" tIns="91425">
+          <a:bodyPr spcFirstLastPara="1" wrap="square" lIns="91425" tIns="91425" rIns="91425" bIns="91425" anchor="t" anchorCtr="0">
             <a:spAutoFit/>
           </a:bodyPr>
           <a:lstStyle/>
           <a:p>
-            <a:pPr indent="0" lvl="0" marL="0" rtl="0" algn="l">
+            <a:pPr marL="0" lvl="0" indent="0" algn="l" rtl="0">
               <a:spcBef>
                 <a:spcPts val="0"/>
               </a:spcBef>
@@ -11105,11 +10947,11 @@
 </file>
 
 <file path=ppt/slides/slide3.xml><?xml version="1.0" encoding="utf-8"?>
-<p:sld xmlns:a="http://schemas.openxmlformats.org/drawingml/2006/main" xmlns:r="http://schemas.openxmlformats.org/officeDocument/2006/relationships" xmlns:mc="http://schemas.openxmlformats.org/markup-compatibility/2006" xmlns:mv="urn:schemas-microsoft-com:mac:vml" xmlns:p="http://schemas.openxmlformats.org/presentationml/2006/main" xmlns:c="http://schemas.openxmlformats.org/drawingml/2006/chart" xmlns:dgm="http://schemas.openxmlformats.org/drawingml/2006/diagram" xmlns:o="urn:schemas-microsoft-com:office:office" xmlns:v="urn:schemas-microsoft-com:vml" xmlns:pvml="urn:schemas-microsoft-com:office:powerpoint" xmlns:com="http://schemas.openxmlformats.org/drawingml/2006/compatibility" xmlns:p14="http://schemas.microsoft.com/office/powerpoint/2010/main" xmlns:p15="http://schemas.microsoft.com/office/powerpoint/2012/main" xmlns:ahyp="http://schemas.microsoft.com/office/drawing/2018/hyperlinkcolor">
+<p:sld xmlns:a="http://schemas.openxmlformats.org/drawingml/2006/main" xmlns:r="http://schemas.openxmlformats.org/officeDocument/2006/relationships" xmlns:p="http://schemas.openxmlformats.org/presentationml/2006/main">
   <p:cSld>
     <p:spTree>
       <p:nvGrpSpPr>
-        <p:cNvPr id="65" name="Shape 65"/>
+        <p:cNvPr id="1" name="Shape 65"/>
         <p:cNvGrpSpPr/>
         <p:nvPr/>
       </p:nvGrpSpPr>
@@ -11124,7 +10966,9 @@
       <p:sp>
         <p:nvSpPr>
           <p:cNvPr id="66" name="Google Shape;66;p15"/>
-          <p:cNvSpPr txBox="1"/>
+          <p:cNvSpPr txBox="1">
+            <a:spLocks noGrp="1"/>
+          </p:cNvSpPr>
           <p:nvPr>
             <p:ph type="title"/>
           </p:nvPr>
@@ -11139,12 +10983,12 @@
           </a:prstGeom>
         </p:spPr>
         <p:txBody>
-          <a:bodyPr anchorCtr="0" anchor="t" bIns="91425" lIns="91425" spcFirstLastPara="1" rIns="91425" wrap="square" tIns="91425">
+          <a:bodyPr spcFirstLastPara="1" wrap="square" lIns="91425" tIns="91425" rIns="91425" bIns="91425" anchor="t" anchorCtr="0">
             <a:normAutofit fontScale="90000"/>
           </a:bodyPr>
           <a:lstStyle/>
           <a:p>
-            <a:pPr indent="0" lvl="0" marL="0" rtl="0" algn="l">
+            <a:pPr marL="0" lvl="0" indent="0" algn="l" rtl="0">
               <a:spcBef>
                 <a:spcPts val="0"/>
               </a:spcBef>
@@ -11164,9 +11008,11 @@
       <p:sp>
         <p:nvSpPr>
           <p:cNvPr id="67" name="Google Shape;67;p15"/>
-          <p:cNvSpPr txBox="1"/>
+          <p:cNvSpPr txBox="1">
+            <a:spLocks noGrp="1"/>
+          </p:cNvSpPr>
           <p:nvPr>
-            <p:ph idx="1" type="body"/>
+            <p:ph type="body" idx="1"/>
           </p:nvPr>
         </p:nvSpPr>
         <p:spPr>
@@ -11179,12 +11025,12 @@
           </a:prstGeom>
         </p:spPr>
         <p:txBody>
-          <a:bodyPr anchorCtr="0" anchor="t" bIns="91425" lIns="91425" spcFirstLastPara="1" rIns="91425" wrap="square" tIns="91425">
+          <a:bodyPr spcFirstLastPara="1" wrap="square" lIns="91425" tIns="91425" rIns="91425" bIns="91425" anchor="t" anchorCtr="0">
             <a:normAutofit fontScale="85000" lnSpcReduction="20000"/>
           </a:bodyPr>
           <a:lstStyle/>
           <a:p>
-            <a:pPr indent="0" lvl="0" marL="0" rtl="0" algn="l">
+            <a:pPr marL="0" lvl="0" indent="0" algn="l" rtl="0">
               <a:spcBef>
                 <a:spcPts val="0"/>
               </a:spcBef>
@@ -11199,15 +11045,7 @@
                   <a:schemeClr val="dk1"/>
                 </a:solidFill>
               </a:rPr>
-              <a:t>Е</a:t>
-            </a:r>
-            <a:r>
-              <a:rPr lang="ru">
-                <a:solidFill>
-                  <a:schemeClr val="dk1"/>
-                </a:solidFill>
-              </a:rPr>
-              <a:t>сть три типа исключений и три разных способа их генерировать. </a:t>
+              <a:t>Есть три типа исключений и три разных способа их генерировать. </a:t>
             </a:r>
             <a:endParaRPr>
               <a:solidFill>
@@ -11216,7 +11054,7 @@
             </a:endParaRPr>
           </a:p>
           <a:p>
-            <a:pPr indent="0" lvl="0" marL="0" rtl="0" algn="l">
+            <a:pPr marL="0" lvl="0" indent="0" algn="l" rtl="0">
               <a:spcBef>
                 <a:spcPts val="1200"/>
               </a:spcBef>
@@ -11240,7 +11078,7 @@
             </a:endParaRPr>
           </a:p>
           <a:p>
-            <a:pPr indent="0" lvl="0" marL="0" rtl="0" algn="l">
+            <a:pPr marL="0" lvl="0" indent="0" algn="l" rtl="0">
               <a:spcBef>
                 <a:spcPts val="1200"/>
               </a:spcBef>
@@ -11264,7 +11102,7 @@
             </a:endParaRPr>
           </a:p>
           <a:p>
-            <a:pPr indent="0" lvl="0" marL="0" rtl="0" algn="l">
+            <a:pPr marL="0" lvl="0" indent="0" algn="l" rtl="0">
               <a:spcBef>
                 <a:spcPts val="1200"/>
               </a:spcBef>
@@ -11288,7 +11126,7 @@
             </a:endParaRPr>
           </a:p>
           <a:p>
-            <a:pPr indent="0" lvl="0" marL="0" rtl="0" algn="l">
+            <a:pPr marL="0" lvl="0" indent="0" algn="l" rtl="0">
               <a:spcBef>
                 <a:spcPts val="1200"/>
               </a:spcBef>
@@ -11322,11 +11160,11 @@
 </file>
 
 <file path=ppt/slides/slide4.xml><?xml version="1.0" encoding="utf-8"?>
-<p:sld xmlns:a="http://schemas.openxmlformats.org/drawingml/2006/main" xmlns:r="http://schemas.openxmlformats.org/officeDocument/2006/relationships" xmlns:mc="http://schemas.openxmlformats.org/markup-compatibility/2006" xmlns:mv="urn:schemas-microsoft-com:mac:vml" xmlns:p="http://schemas.openxmlformats.org/presentationml/2006/main" xmlns:c="http://schemas.openxmlformats.org/drawingml/2006/chart" xmlns:dgm="http://schemas.openxmlformats.org/drawingml/2006/diagram" xmlns:o="urn:schemas-microsoft-com:office:office" xmlns:v="urn:schemas-microsoft-com:vml" xmlns:pvml="urn:schemas-microsoft-com:office:powerpoint" xmlns:com="http://schemas.openxmlformats.org/drawingml/2006/compatibility" xmlns:p14="http://schemas.microsoft.com/office/powerpoint/2010/main" xmlns:p15="http://schemas.microsoft.com/office/powerpoint/2012/main" xmlns:ahyp="http://schemas.microsoft.com/office/drawing/2018/hyperlinkcolor">
+<p:sld xmlns:a="http://schemas.openxmlformats.org/drawingml/2006/main" xmlns:r="http://schemas.openxmlformats.org/officeDocument/2006/relationships" xmlns:p="http://schemas.openxmlformats.org/presentationml/2006/main">
   <p:cSld>
     <p:spTree>
       <p:nvGrpSpPr>
-        <p:cNvPr id="71" name="Shape 71"/>
+        <p:cNvPr id="1" name="Shape 71"/>
         <p:cNvGrpSpPr/>
         <p:nvPr/>
       </p:nvGrpSpPr>
@@ -11341,7 +11179,9 @@
       <p:sp>
         <p:nvSpPr>
           <p:cNvPr id="72" name="Google Shape;72;p16"/>
-          <p:cNvSpPr txBox="1"/>
+          <p:cNvSpPr txBox="1">
+            <a:spLocks noGrp="1"/>
+          </p:cNvSpPr>
           <p:nvPr>
             <p:ph type="title"/>
           </p:nvPr>
@@ -11356,12 +11196,12 @@
           </a:prstGeom>
         </p:spPr>
         <p:txBody>
-          <a:bodyPr anchorCtr="0" anchor="t" bIns="91425" lIns="91425" spcFirstLastPara="1" rIns="91425" wrap="square" tIns="91425">
+          <a:bodyPr spcFirstLastPara="1" wrap="square" lIns="91425" tIns="91425" rIns="91425" bIns="91425" anchor="t" anchorCtr="0">
             <a:normAutofit fontScale="90000"/>
           </a:bodyPr>
           <a:lstStyle/>
           <a:p>
-            <a:pPr indent="0" lvl="0" marL="0" rtl="0" algn="l">
+            <a:pPr marL="0" lvl="0" indent="0" algn="l" rtl="0">
               <a:spcBef>
                 <a:spcPts val="0"/>
               </a:spcBef>
@@ -11381,9 +11221,11 @@
       <p:sp>
         <p:nvSpPr>
           <p:cNvPr id="73" name="Google Shape;73;p16"/>
-          <p:cNvSpPr txBox="1"/>
+          <p:cNvSpPr txBox="1">
+            <a:spLocks noGrp="1"/>
+          </p:cNvSpPr>
           <p:nvPr>
-            <p:ph idx="1" type="body"/>
+            <p:ph type="body" idx="1"/>
           </p:nvPr>
         </p:nvSpPr>
         <p:spPr>
@@ -11396,12 +11238,12 @@
           </a:prstGeom>
         </p:spPr>
         <p:txBody>
-          <a:bodyPr anchorCtr="0" anchor="t" bIns="91425" lIns="91425" spcFirstLastPara="1" rIns="91425" wrap="square" tIns="91425">
+          <a:bodyPr spcFirstLastPara="1" wrap="square" lIns="91425" tIns="91425" rIns="91425" bIns="91425" anchor="t" anchorCtr="0">
             <a:normAutofit/>
           </a:bodyPr>
           <a:lstStyle/>
           <a:p>
-            <a:pPr indent="0" lvl="0" marL="0" rtl="0" algn="l">
+            <a:pPr marL="0" lvl="0" indent="0" algn="l" rtl="0">
               <a:spcBef>
                 <a:spcPts val="0"/>
               </a:spcBef>
@@ -11438,7 +11280,7 @@
             </a:endParaRPr>
           </a:p>
           <a:p>
-            <a:pPr indent="0" lvl="0" marL="0" rtl="0" algn="l">
+            <a:pPr marL="0" lvl="0" indent="0" algn="l" rtl="0">
               <a:spcBef>
                 <a:spcPts val="0"/>
               </a:spcBef>
@@ -11475,7 +11317,7 @@
             </a:endParaRPr>
           </a:p>
           <a:p>
-            <a:pPr indent="0" lvl="0" marL="0" rtl="0" algn="l">
+            <a:pPr marL="0" lvl="0" indent="0" algn="l" rtl="0">
               <a:spcBef>
                 <a:spcPts val="0"/>
               </a:spcBef>
@@ -11512,7 +11354,7 @@
             </a:endParaRPr>
           </a:p>
           <a:p>
-            <a:pPr indent="0" lvl="0" marL="0" rtl="0" algn="l">
+            <a:pPr marL="0" lvl="0" indent="0" algn="l" rtl="0">
               <a:spcBef>
                 <a:spcPts val="0"/>
               </a:spcBef>
@@ -11549,7 +11391,7 @@
             </a:endParaRPr>
           </a:p>
           <a:p>
-            <a:pPr indent="0" lvl="0" marL="0" rtl="0" algn="l">
+            <a:pPr marL="0" lvl="0" indent="0" algn="l" rtl="0">
               <a:spcBef>
                 <a:spcPts val="0"/>
               </a:spcBef>
@@ -11586,7 +11428,7 @@
             </a:endParaRPr>
           </a:p>
           <a:p>
-            <a:pPr indent="0" lvl="0" marL="0" rtl="0" algn="l">
+            <a:pPr marL="0" lvl="0" indent="0" algn="l" rtl="0">
               <a:spcBef>
                 <a:spcPts val="0"/>
               </a:spcBef>
@@ -11618,7 +11460,7 @@
             </a:endParaRPr>
           </a:p>
           <a:p>
-            <a:pPr indent="0" lvl="0" marL="0" rtl="0" algn="l">
+            <a:pPr marL="0" lvl="0" indent="0" algn="l" rtl="0">
               <a:spcBef>
                 <a:spcPts val="0"/>
               </a:spcBef>
@@ -11632,9 +11474,6 @@
               <a:buFont typeface="Arial"/>
               <a:buNone/>
             </a:pPr>
-            <a:r>
-              <a:t/>
-            </a:r>
             <a:endParaRPr sz="1500">
               <a:solidFill>
                 <a:schemeClr val="dk1"/>
@@ -11646,7 +11485,7 @@
             </a:endParaRPr>
           </a:p>
           <a:p>
-            <a:pPr indent="0" lvl="0" marL="0" rtl="0" algn="l">
+            <a:pPr marL="0" lvl="0" indent="0" algn="l" rtl="0">
               <a:spcBef>
                 <a:spcPts val="0"/>
               </a:spcBef>
@@ -11675,7 +11514,7 @@
             </a:endParaRPr>
           </a:p>
           <a:p>
-            <a:pPr indent="0" lvl="0" marL="0" rtl="0" algn="l">
+            <a:pPr marL="0" lvl="0" indent="0" algn="l" rtl="0">
               <a:spcBef>
                 <a:spcPts val="0"/>
               </a:spcBef>
@@ -11704,7 +11543,7 @@
             </a:endParaRPr>
           </a:p>
           <a:p>
-            <a:pPr indent="0" lvl="0" marL="0" rtl="0" algn="l">
+            <a:pPr marL="0" lvl="0" indent="0" algn="l" rtl="0">
               <a:spcBef>
                 <a:spcPts val="0"/>
               </a:spcBef>
@@ -11733,7 +11572,7 @@
             </a:endParaRPr>
           </a:p>
           <a:p>
-            <a:pPr indent="0" lvl="0" marL="0" rtl="0" algn="l">
+            <a:pPr marL="0" lvl="0" indent="0" algn="l" rtl="0">
               <a:spcBef>
                 <a:spcPts val="0"/>
               </a:spcBef>
@@ -11762,7 +11601,7 @@
             </a:endParaRPr>
           </a:p>
           <a:p>
-            <a:pPr indent="0" lvl="0" marL="0" rtl="0" algn="l">
+            <a:pPr marL="0" lvl="0" indent="0" algn="l" rtl="0">
               <a:spcBef>
                 <a:spcPts val="0"/>
               </a:spcBef>
@@ -11771,9 +11610,6 @@
               </a:spcAft>
               <a:buNone/>
             </a:pPr>
-            <a:r>
-              <a:t/>
-            </a:r>
             <a:endParaRPr sz="1500"/>
           </a:p>
         </p:txBody>
@@ -11787,11 +11623,11 @@
 </file>
 
 <file path=ppt/slides/slide5.xml><?xml version="1.0" encoding="utf-8"?>
-<p:sld xmlns:a="http://schemas.openxmlformats.org/drawingml/2006/main" xmlns:r="http://schemas.openxmlformats.org/officeDocument/2006/relationships" xmlns:mc="http://schemas.openxmlformats.org/markup-compatibility/2006" xmlns:mv="urn:schemas-microsoft-com:mac:vml" xmlns:p="http://schemas.openxmlformats.org/presentationml/2006/main" xmlns:c="http://schemas.openxmlformats.org/drawingml/2006/chart" xmlns:dgm="http://schemas.openxmlformats.org/drawingml/2006/diagram" xmlns:o="urn:schemas-microsoft-com:office:office" xmlns:v="urn:schemas-microsoft-com:vml" xmlns:pvml="urn:schemas-microsoft-com:office:powerpoint" xmlns:com="http://schemas.openxmlformats.org/drawingml/2006/compatibility" xmlns:p14="http://schemas.microsoft.com/office/powerpoint/2010/main" xmlns:p15="http://schemas.microsoft.com/office/powerpoint/2012/main" xmlns:ahyp="http://schemas.microsoft.com/office/drawing/2018/hyperlinkcolor">
+<p:sld xmlns:a="http://schemas.openxmlformats.org/drawingml/2006/main" xmlns:r="http://schemas.openxmlformats.org/officeDocument/2006/relationships" xmlns:p="http://schemas.openxmlformats.org/presentationml/2006/main">
   <p:cSld>
     <p:spTree>
       <p:nvGrpSpPr>
-        <p:cNvPr id="77" name="Shape 77"/>
+        <p:cNvPr id="1" name="Shape 77"/>
         <p:cNvGrpSpPr/>
         <p:nvPr/>
       </p:nvGrpSpPr>
@@ -11806,7 +11642,9 @@
       <p:sp>
         <p:nvSpPr>
           <p:cNvPr id="78" name="Google Shape;78;p17"/>
-          <p:cNvSpPr txBox="1"/>
+          <p:cNvSpPr txBox="1">
+            <a:spLocks noGrp="1"/>
+          </p:cNvSpPr>
           <p:nvPr>
             <p:ph type="title"/>
           </p:nvPr>
@@ -11821,12 +11659,12 @@
           </a:prstGeom>
         </p:spPr>
         <p:txBody>
-          <a:bodyPr anchorCtr="0" anchor="t" bIns="91425" lIns="91425" spcFirstLastPara="1" rIns="91425" wrap="square" tIns="91425">
+          <a:bodyPr spcFirstLastPara="1" wrap="square" lIns="91425" tIns="91425" rIns="91425" bIns="91425" anchor="t" anchorCtr="0">
             <a:normAutofit fontScale="90000"/>
           </a:bodyPr>
           <a:lstStyle/>
           <a:p>
-            <a:pPr indent="0" lvl="0" marL="0" rtl="0" algn="l">
+            <a:pPr marL="0" lvl="0" indent="0" algn="l" rtl="0">
               <a:spcBef>
                 <a:spcPts val="0"/>
               </a:spcBef>
@@ -11846,9 +11684,11 @@
       <p:sp>
         <p:nvSpPr>
           <p:cNvPr id="79" name="Google Shape;79;p17"/>
-          <p:cNvSpPr txBox="1"/>
+          <p:cNvSpPr txBox="1">
+            <a:spLocks noGrp="1"/>
+          </p:cNvSpPr>
           <p:nvPr>
-            <p:ph idx="1" type="body"/>
+            <p:ph type="body" idx="1"/>
           </p:nvPr>
         </p:nvSpPr>
         <p:spPr>
@@ -11861,12 +11701,12 @@
           </a:prstGeom>
         </p:spPr>
         <p:txBody>
-          <a:bodyPr anchorCtr="0" anchor="t" bIns="91425" lIns="91425" spcFirstLastPara="1" rIns="91425" wrap="square" tIns="91425">
+          <a:bodyPr spcFirstLastPara="1" wrap="square" lIns="91425" tIns="91425" rIns="91425" bIns="91425" anchor="t" anchorCtr="0">
             <a:normAutofit/>
           </a:bodyPr>
           <a:lstStyle/>
           <a:p>
-            <a:pPr indent="0" lvl="0" marL="0" rtl="0" algn="l">
+            <a:pPr marL="0" lvl="0" indent="0" algn="l" rtl="0">
               <a:spcBef>
                 <a:spcPts val="0"/>
               </a:spcBef>
@@ -11903,7 +11743,7 @@
             </a:endParaRPr>
           </a:p>
           <a:p>
-            <a:pPr indent="0" lvl="0" marL="0" rtl="0" algn="l">
+            <a:pPr marL="0" lvl="0" indent="0" algn="l" rtl="0">
               <a:spcBef>
                 <a:spcPts val="0"/>
               </a:spcBef>
@@ -11940,7 +11780,7 @@
             </a:endParaRPr>
           </a:p>
           <a:p>
-            <a:pPr indent="0" lvl="0" marL="0" rtl="0" algn="l">
+            <a:pPr marL="0" lvl="0" indent="0" algn="l" rtl="0">
               <a:spcBef>
                 <a:spcPts val="0"/>
               </a:spcBef>
@@ -11977,7 +11817,7 @@
             </a:endParaRPr>
           </a:p>
           <a:p>
-            <a:pPr indent="0" lvl="0" marL="0" rtl="0" algn="l">
+            <a:pPr marL="0" lvl="0" indent="0" algn="l" rtl="0">
               <a:spcBef>
                 <a:spcPts val="0"/>
               </a:spcBef>
@@ -12014,7 +11854,7 @@
             </a:endParaRPr>
           </a:p>
           <a:p>
-            <a:pPr indent="0" lvl="0" marL="0" rtl="0" algn="l">
+            <a:pPr marL="0" lvl="0" indent="0" algn="l" rtl="0">
               <a:spcBef>
                 <a:spcPts val="0"/>
               </a:spcBef>
@@ -12051,7 +11891,7 @@
             </a:endParaRPr>
           </a:p>
           <a:p>
-            <a:pPr indent="0" lvl="0" marL="0" rtl="0" algn="l">
+            <a:pPr marL="0" lvl="0" indent="0" algn="l" rtl="0">
               <a:spcBef>
                 <a:spcPts val="0"/>
               </a:spcBef>
@@ -12088,7 +11928,7 @@
             </a:endParaRPr>
           </a:p>
           <a:p>
-            <a:pPr indent="0" lvl="0" marL="0" rtl="0" algn="l">
+            <a:pPr marL="0" lvl="0" indent="0" algn="l" rtl="0">
               <a:spcBef>
                 <a:spcPts val="0"/>
               </a:spcBef>
@@ -12125,7 +11965,7 @@
             </a:endParaRPr>
           </a:p>
           <a:p>
-            <a:pPr indent="0" lvl="0" marL="0" rtl="0" algn="l">
+            <a:pPr marL="0" lvl="0" indent="0" algn="l" rtl="0">
               <a:spcBef>
                 <a:spcPts val="0"/>
               </a:spcBef>
@@ -12162,7 +12002,7 @@
             </a:endParaRPr>
           </a:p>
           <a:p>
-            <a:pPr indent="0" lvl="0" marL="0" rtl="0" algn="l">
+            <a:pPr marL="0" lvl="0" indent="0" algn="l" rtl="0">
               <a:spcBef>
                 <a:spcPts val="0"/>
               </a:spcBef>
@@ -12199,7 +12039,7 @@
             </a:endParaRPr>
           </a:p>
           <a:p>
-            <a:pPr indent="0" lvl="0" marL="0" rtl="0" algn="l">
+            <a:pPr marL="0" lvl="0" indent="0" algn="l" rtl="0">
               <a:spcBef>
                 <a:spcPts val="0"/>
               </a:spcBef>
@@ -12208,9 +12048,6 @@
               </a:spcAft>
               <a:buNone/>
             </a:pPr>
-            <a:r>
-              <a:t/>
-            </a:r>
             <a:endParaRPr sz="1500"/>
           </a:p>
         </p:txBody>
@@ -12224,11 +12061,11 @@
 </file>
 
 <file path=ppt/slides/slide6.xml><?xml version="1.0" encoding="utf-8"?>
-<p:sld xmlns:a="http://schemas.openxmlformats.org/drawingml/2006/main" xmlns:r="http://schemas.openxmlformats.org/officeDocument/2006/relationships" xmlns:mc="http://schemas.openxmlformats.org/markup-compatibility/2006" xmlns:mv="urn:schemas-microsoft-com:mac:vml" xmlns:p="http://schemas.openxmlformats.org/presentationml/2006/main" xmlns:c="http://schemas.openxmlformats.org/drawingml/2006/chart" xmlns:dgm="http://schemas.openxmlformats.org/drawingml/2006/diagram" xmlns:o="urn:schemas-microsoft-com:office:office" xmlns:v="urn:schemas-microsoft-com:vml" xmlns:pvml="urn:schemas-microsoft-com:office:powerpoint" xmlns:com="http://schemas.openxmlformats.org/drawingml/2006/compatibility" xmlns:p14="http://schemas.microsoft.com/office/powerpoint/2010/main" xmlns:p15="http://schemas.microsoft.com/office/powerpoint/2012/main" xmlns:ahyp="http://schemas.microsoft.com/office/drawing/2018/hyperlinkcolor">
+<p:sld xmlns:a="http://schemas.openxmlformats.org/drawingml/2006/main" xmlns:r="http://schemas.openxmlformats.org/officeDocument/2006/relationships" xmlns:p="http://schemas.openxmlformats.org/presentationml/2006/main">
   <p:cSld>
     <p:spTree>
       <p:nvGrpSpPr>
-        <p:cNvPr id="83" name="Shape 83"/>
+        <p:cNvPr id="1" name="Shape 83"/>
         <p:cNvGrpSpPr/>
         <p:nvPr/>
       </p:nvGrpSpPr>
@@ -12243,7 +12080,9 @@
       <p:sp>
         <p:nvSpPr>
           <p:cNvPr id="84" name="Google Shape;84;p18"/>
-          <p:cNvSpPr txBox="1"/>
+          <p:cNvSpPr txBox="1">
+            <a:spLocks noGrp="1"/>
+          </p:cNvSpPr>
           <p:nvPr>
             <p:ph type="title"/>
           </p:nvPr>
@@ -12258,12 +12097,12 @@
           </a:prstGeom>
         </p:spPr>
         <p:txBody>
-          <a:bodyPr anchorCtr="0" anchor="t" bIns="91425" lIns="91425" spcFirstLastPara="1" rIns="91425" wrap="square" tIns="91425">
+          <a:bodyPr spcFirstLastPara="1" wrap="square" lIns="91425" tIns="91425" rIns="91425" bIns="91425" anchor="t" anchorCtr="0">
             <a:normAutofit fontScale="90000"/>
           </a:bodyPr>
           <a:lstStyle/>
           <a:p>
-            <a:pPr indent="0" lvl="0" marL="0" rtl="0" algn="l">
+            <a:pPr marL="0" lvl="0" indent="0" algn="l" rtl="0">
               <a:spcBef>
                 <a:spcPts val="0"/>
               </a:spcBef>
@@ -12283,9 +12122,11 @@
       <p:sp>
         <p:nvSpPr>
           <p:cNvPr id="85" name="Google Shape;85;p18"/>
-          <p:cNvSpPr txBox="1"/>
+          <p:cNvSpPr txBox="1">
+            <a:spLocks noGrp="1"/>
+          </p:cNvSpPr>
           <p:nvPr>
-            <p:ph idx="1" type="body"/>
+            <p:ph type="body" idx="1"/>
           </p:nvPr>
         </p:nvSpPr>
         <p:spPr>
@@ -12298,12 +12139,12 @@
           </a:prstGeom>
         </p:spPr>
         <p:txBody>
-          <a:bodyPr anchorCtr="0" anchor="t" bIns="91425" lIns="91425" spcFirstLastPara="1" rIns="91425" wrap="square" tIns="91425">
+          <a:bodyPr spcFirstLastPara="1" wrap="square" lIns="91425" tIns="91425" rIns="91425" bIns="91425" anchor="t" anchorCtr="0">
             <a:normAutofit/>
           </a:bodyPr>
           <a:lstStyle/>
           <a:p>
-            <a:pPr indent="0" lvl="0" marL="0" rtl="0" algn="l">
+            <a:pPr marL="0" lvl="0" indent="0" algn="l" rtl="0">
               <a:spcBef>
                 <a:spcPts val="0"/>
               </a:spcBef>
@@ -12312,9 +12153,6 @@
               </a:spcAft>
               <a:buNone/>
             </a:pPr>
-            <a:r>
-              <a:t/>
-            </a:r>
             <a:endParaRPr/>
           </a:p>
         </p:txBody>
@@ -12384,11 +12222,11 @@
 </file>
 
 <file path=ppt/slides/slide7.xml><?xml version="1.0" encoding="utf-8"?>
-<p:sld xmlns:a="http://schemas.openxmlformats.org/drawingml/2006/main" xmlns:r="http://schemas.openxmlformats.org/officeDocument/2006/relationships" xmlns:mc="http://schemas.openxmlformats.org/markup-compatibility/2006" xmlns:mv="urn:schemas-microsoft-com:mac:vml" xmlns:p="http://schemas.openxmlformats.org/presentationml/2006/main" xmlns:c="http://schemas.openxmlformats.org/drawingml/2006/chart" xmlns:dgm="http://schemas.openxmlformats.org/drawingml/2006/diagram" xmlns:o="urn:schemas-microsoft-com:office:office" xmlns:v="urn:schemas-microsoft-com:vml" xmlns:pvml="urn:schemas-microsoft-com:office:powerpoint" xmlns:com="http://schemas.openxmlformats.org/drawingml/2006/compatibility" xmlns:p14="http://schemas.microsoft.com/office/powerpoint/2010/main" xmlns:p15="http://schemas.microsoft.com/office/powerpoint/2012/main" xmlns:ahyp="http://schemas.microsoft.com/office/drawing/2018/hyperlinkcolor">
+<p:sld xmlns:a="http://schemas.openxmlformats.org/drawingml/2006/main" xmlns:r="http://schemas.openxmlformats.org/officeDocument/2006/relationships" xmlns:p="http://schemas.openxmlformats.org/presentationml/2006/main">
   <p:cSld>
     <p:spTree>
       <p:nvGrpSpPr>
-        <p:cNvPr id="91" name="Shape 91"/>
+        <p:cNvPr id="1" name="Shape 91"/>
         <p:cNvGrpSpPr/>
         <p:nvPr/>
       </p:nvGrpSpPr>
@@ -12403,7 +12241,9 @@
       <p:sp>
         <p:nvSpPr>
           <p:cNvPr id="92" name="Google Shape;92;p19"/>
-          <p:cNvSpPr txBox="1"/>
+          <p:cNvSpPr txBox="1">
+            <a:spLocks noGrp="1"/>
+          </p:cNvSpPr>
           <p:nvPr>
             <p:ph type="title"/>
           </p:nvPr>
@@ -12418,12 +12258,12 @@
           </a:prstGeom>
         </p:spPr>
         <p:txBody>
-          <a:bodyPr anchorCtr="0" anchor="t" bIns="91425" lIns="91425" spcFirstLastPara="1" rIns="91425" wrap="square" tIns="91425">
+          <a:bodyPr spcFirstLastPara="1" wrap="square" lIns="91425" tIns="91425" rIns="91425" bIns="91425" anchor="t" anchorCtr="0">
             <a:normAutofit fontScale="90000"/>
           </a:bodyPr>
           <a:lstStyle/>
           <a:p>
-            <a:pPr indent="0" lvl="0" marL="0" rtl="0" algn="l">
+            <a:pPr marL="0" lvl="0" indent="0" algn="l" rtl="0">
               <a:spcBef>
                 <a:spcPts val="0"/>
               </a:spcBef>
@@ -12443,9 +12283,11 @@
       <p:sp>
         <p:nvSpPr>
           <p:cNvPr id="93" name="Google Shape;93;p19"/>
-          <p:cNvSpPr txBox="1"/>
+          <p:cNvSpPr txBox="1">
+            <a:spLocks noGrp="1"/>
+          </p:cNvSpPr>
           <p:nvPr>
-            <p:ph idx="1" type="body"/>
+            <p:ph type="body" idx="1"/>
           </p:nvPr>
         </p:nvSpPr>
         <p:spPr>
@@ -12458,12 +12300,12 @@
           </a:prstGeom>
         </p:spPr>
         <p:txBody>
-          <a:bodyPr anchorCtr="0" anchor="t" bIns="91425" lIns="91425" spcFirstLastPara="1" rIns="91425" wrap="square" tIns="91425">
+          <a:bodyPr spcFirstLastPara="1" wrap="square" lIns="91425" tIns="91425" rIns="91425" bIns="91425" anchor="t" anchorCtr="0">
             <a:normAutofit/>
           </a:bodyPr>
           <a:lstStyle/>
           <a:p>
-            <a:pPr indent="0" lvl="0" marL="0" rtl="0" algn="l">
+            <a:pPr marL="0" lvl="0" indent="0" algn="l" rtl="0">
               <a:spcBef>
                 <a:spcPts val="0"/>
               </a:spcBef>
@@ -12492,7 +12334,7 @@
             </a:endParaRPr>
           </a:p>
           <a:p>
-            <a:pPr indent="0" lvl="0" marL="0" rtl="0" algn="l">
+            <a:pPr marL="0" lvl="0" indent="0" algn="l" rtl="0">
               <a:spcBef>
                 <a:spcPts val="0"/>
               </a:spcBef>
@@ -12521,7 +12363,7 @@
             </a:endParaRPr>
           </a:p>
           <a:p>
-            <a:pPr indent="0" lvl="0" marL="0" rtl="0" algn="l">
+            <a:pPr marL="0" lvl="0" indent="0" algn="l" rtl="0">
               <a:spcBef>
                 <a:spcPts val="0"/>
               </a:spcBef>
@@ -12550,7 +12392,7 @@
             </a:endParaRPr>
           </a:p>
           <a:p>
-            <a:pPr indent="0" lvl="0" marL="0" rtl="0" algn="l">
+            <a:pPr marL="0" lvl="0" indent="0" algn="l" rtl="0">
               <a:spcBef>
                 <a:spcPts val="0"/>
               </a:spcBef>
@@ -12579,7 +12421,7 @@
             </a:endParaRPr>
           </a:p>
           <a:p>
-            <a:pPr indent="0" lvl="0" marL="0" rtl="0" algn="l">
+            <a:pPr marL="0" lvl="0" indent="0" algn="l" rtl="0">
               <a:spcBef>
                 <a:spcPts val="0"/>
               </a:spcBef>
@@ -12588,9 +12430,6 @@
               </a:spcAft>
               <a:buNone/>
             </a:pPr>
-            <a:r>
-              <a:t/>
-            </a:r>
             <a:endParaRPr sz="1500"/>
           </a:p>
         </p:txBody>
@@ -12604,11 +12443,11 @@
 </file>
 
 <file path=ppt/slides/slide8.xml><?xml version="1.0" encoding="utf-8"?>
-<p:sld xmlns:a="http://schemas.openxmlformats.org/drawingml/2006/main" xmlns:r="http://schemas.openxmlformats.org/officeDocument/2006/relationships" xmlns:mc="http://schemas.openxmlformats.org/markup-compatibility/2006" xmlns:mv="urn:schemas-microsoft-com:mac:vml" xmlns:p="http://schemas.openxmlformats.org/presentationml/2006/main" xmlns:c="http://schemas.openxmlformats.org/drawingml/2006/chart" xmlns:dgm="http://schemas.openxmlformats.org/drawingml/2006/diagram" xmlns:o="urn:schemas-microsoft-com:office:office" xmlns:v="urn:schemas-microsoft-com:vml" xmlns:pvml="urn:schemas-microsoft-com:office:powerpoint" xmlns:com="http://schemas.openxmlformats.org/drawingml/2006/compatibility" xmlns:p14="http://schemas.microsoft.com/office/powerpoint/2010/main" xmlns:p15="http://schemas.microsoft.com/office/powerpoint/2012/main" xmlns:ahyp="http://schemas.microsoft.com/office/drawing/2018/hyperlinkcolor">
+<p:sld xmlns:a="http://schemas.openxmlformats.org/drawingml/2006/main" xmlns:r="http://schemas.openxmlformats.org/officeDocument/2006/relationships" xmlns:p="http://schemas.openxmlformats.org/presentationml/2006/main">
   <p:cSld>
     <p:spTree>
       <p:nvGrpSpPr>
-        <p:cNvPr id="97" name="Shape 97"/>
+        <p:cNvPr id="1" name="Shape 97"/>
         <p:cNvGrpSpPr/>
         <p:nvPr/>
       </p:nvGrpSpPr>
@@ -12623,9 +12462,11 @@
       <p:sp>
         <p:nvSpPr>
           <p:cNvPr id="98" name="Google Shape;98;p20"/>
-          <p:cNvSpPr txBox="1"/>
+          <p:cNvSpPr txBox="1">
+            <a:spLocks noGrp="1"/>
+          </p:cNvSpPr>
           <p:nvPr>
-            <p:ph idx="4294967295" type="title"/>
+            <p:ph type="title" idx="4294967295"/>
           </p:nvPr>
         </p:nvSpPr>
         <p:spPr>
@@ -12638,12 +12479,12 @@
           </a:prstGeom>
         </p:spPr>
         <p:txBody>
-          <a:bodyPr anchorCtr="0" anchor="t" bIns="91425" lIns="91425" spcFirstLastPara="1" rIns="91425" wrap="square" tIns="91425">
+          <a:bodyPr spcFirstLastPara="1" wrap="square" lIns="91425" tIns="91425" rIns="91425" bIns="91425" anchor="t" anchorCtr="0">
             <a:normAutofit fontScale="90000"/>
           </a:bodyPr>
           <a:lstStyle/>
           <a:p>
-            <a:pPr indent="0" lvl="0" marL="0" rtl="0" algn="l">
+            <a:pPr marL="0" lvl="0" indent="0" algn="l" rtl="0">
               <a:spcBef>
                 <a:spcPts val="0"/>
               </a:spcBef>
@@ -12663,9 +12504,11 @@
       <p:sp>
         <p:nvSpPr>
           <p:cNvPr id="99" name="Google Shape;99;p20"/>
-          <p:cNvSpPr txBox="1"/>
+          <p:cNvSpPr txBox="1">
+            <a:spLocks noGrp="1"/>
+          </p:cNvSpPr>
           <p:nvPr>
-            <p:ph idx="1" type="body"/>
+            <p:ph type="body" idx="1"/>
           </p:nvPr>
         </p:nvSpPr>
         <p:spPr>
@@ -12678,23 +12521,20 @@
           </a:prstGeom>
         </p:spPr>
         <p:txBody>
-          <a:bodyPr anchorCtr="0" anchor="ctr" bIns="91425" lIns="91425" spcFirstLastPara="1" rIns="91425" wrap="square" tIns="91425">
+          <a:bodyPr spcFirstLastPara="1" wrap="square" lIns="91425" tIns="91425" rIns="91425" bIns="91425" anchor="ctr" anchorCtr="0">
             <a:normAutofit/>
           </a:bodyPr>
           <a:lstStyle/>
           <a:p>
-            <a:pPr indent="0" lvl="0" marL="0" rtl="0" algn="l">
-              <a:spcBef>
-                <a:spcPts val="0"/>
-              </a:spcBef>
-              <a:spcAft>
-                <a:spcPts val="0"/>
-              </a:spcAft>
-              <a:buNone/>
-            </a:pPr>
-            <a:r>
-              <a:t/>
-            </a:r>
+            <a:pPr marL="0" lvl="0" indent="0" algn="l" rtl="0">
+              <a:spcBef>
+                <a:spcPts val="0"/>
+              </a:spcBef>
+              <a:spcAft>
+                <a:spcPts val="0"/>
+              </a:spcAft>
+              <a:buNone/>
+            </a:pPr>
             <a:endParaRPr/>
           </a:p>
         </p:txBody>
@@ -12736,11 +12576,11 @@
 </file>
 
 <file path=ppt/slides/slide9.xml><?xml version="1.0" encoding="utf-8"?>
-<p:sld xmlns:a="http://schemas.openxmlformats.org/drawingml/2006/main" xmlns:r="http://schemas.openxmlformats.org/officeDocument/2006/relationships" xmlns:mc="http://schemas.openxmlformats.org/markup-compatibility/2006" xmlns:mv="urn:schemas-microsoft-com:mac:vml" xmlns:p="http://schemas.openxmlformats.org/presentationml/2006/main" xmlns:c="http://schemas.openxmlformats.org/drawingml/2006/chart" xmlns:dgm="http://schemas.openxmlformats.org/drawingml/2006/diagram" xmlns:o="urn:schemas-microsoft-com:office:office" xmlns:v="urn:schemas-microsoft-com:vml" xmlns:pvml="urn:schemas-microsoft-com:office:powerpoint" xmlns:com="http://schemas.openxmlformats.org/drawingml/2006/compatibility" xmlns:p14="http://schemas.microsoft.com/office/powerpoint/2010/main" xmlns:p15="http://schemas.microsoft.com/office/powerpoint/2012/main" xmlns:ahyp="http://schemas.microsoft.com/office/drawing/2018/hyperlinkcolor">
+<p:sld xmlns:a="http://schemas.openxmlformats.org/drawingml/2006/main" xmlns:r="http://schemas.openxmlformats.org/officeDocument/2006/relationships" xmlns:p="http://schemas.openxmlformats.org/presentationml/2006/main">
   <p:cSld>
     <p:spTree>
       <p:nvGrpSpPr>
-        <p:cNvPr id="104" name="Shape 104"/>
+        <p:cNvPr id="1" name="Shape 104"/>
         <p:cNvGrpSpPr/>
         <p:nvPr/>
       </p:nvGrpSpPr>
@@ -12755,7 +12595,9 @@
       <p:sp>
         <p:nvSpPr>
           <p:cNvPr id="105" name="Google Shape;105;p21"/>
-          <p:cNvSpPr txBox="1"/>
+          <p:cNvSpPr txBox="1">
+            <a:spLocks noGrp="1"/>
+          </p:cNvSpPr>
           <p:nvPr>
             <p:ph type="title"/>
           </p:nvPr>
@@ -12770,12 +12612,12 @@
           </a:prstGeom>
         </p:spPr>
         <p:txBody>
-          <a:bodyPr anchorCtr="0" anchor="t" bIns="91425" lIns="91425" spcFirstLastPara="1" rIns="91425" wrap="square" tIns="91425">
+          <a:bodyPr spcFirstLastPara="1" wrap="square" lIns="91425" tIns="91425" rIns="91425" bIns="91425" anchor="t" anchorCtr="0">
             <a:normAutofit fontScale="90000"/>
           </a:bodyPr>
           <a:lstStyle/>
           <a:p>
-            <a:pPr indent="0" lvl="0" marL="0" rtl="0" algn="l">
+            <a:pPr marL="0" lvl="0" indent="0" algn="l" rtl="0">
               <a:spcBef>
                 <a:spcPts val="0"/>
               </a:spcBef>
@@ -12795,9 +12637,11 @@
       <p:sp>
         <p:nvSpPr>
           <p:cNvPr id="106" name="Google Shape;106;p21"/>
-          <p:cNvSpPr txBox="1"/>
+          <p:cNvSpPr txBox="1">
+            <a:spLocks noGrp="1"/>
+          </p:cNvSpPr>
           <p:nvPr>
-            <p:ph idx="1" type="body"/>
+            <p:ph type="body" idx="1"/>
           </p:nvPr>
         </p:nvSpPr>
         <p:spPr>
@@ -12810,12 +12654,12 @@
           </a:prstGeom>
         </p:spPr>
         <p:txBody>
-          <a:bodyPr anchorCtr="0" anchor="t" bIns="91425" lIns="91425" spcFirstLastPara="1" rIns="91425" wrap="square" tIns="91425">
+          <a:bodyPr spcFirstLastPara="1" wrap="square" lIns="91425" tIns="91425" rIns="91425" bIns="91425" anchor="t" anchorCtr="0">
             <a:normAutofit/>
           </a:bodyPr>
           <a:lstStyle/>
           <a:p>
-            <a:pPr indent="0" lvl="0" marL="0" rtl="0" algn="l">
+            <a:pPr marL="0" lvl="0" indent="0" algn="l" rtl="0">
               <a:spcBef>
                 <a:spcPts val="0"/>
               </a:spcBef>
@@ -12824,9 +12668,6 @@
               </a:spcAft>
               <a:buNone/>
             </a:pPr>
-            <a:r>
-              <a:t/>
-            </a:r>
             <a:endParaRPr/>
           </a:p>
         </p:txBody>
@@ -12896,7 +12737,7 @@
 </file>
 
 <file path=ppt/theme/theme1.xml><?xml version="1.0" encoding="utf-8"?>
-<a:theme xmlns:a="http://schemas.openxmlformats.org/drawingml/2006/main" xmlns:r="http://schemas.openxmlformats.org/officeDocument/2006/relationships" name="Simple Light">
+<a:theme xmlns:a="http://schemas.openxmlformats.org/drawingml/2006/main" name="Simple Light">
   <a:themeElements>
     <a:clrScheme name="Simple Light">
       <a:dk1>
@@ -13171,11 +13012,13 @@
       </a:bgFillStyleLst>
     </a:fmtScheme>
   </a:themeElements>
+  <a:objectDefaults/>
+  <a:extraClrSchemeLst/>
 </a:theme>
 </file>
 
 <file path=ppt/theme/theme2.xml><?xml version="1.0" encoding="utf-8"?>
-<a:theme xmlns:a="http://schemas.openxmlformats.org/drawingml/2006/main" xmlns:r="http://schemas.openxmlformats.org/officeDocument/2006/relationships">
+<a:theme xmlns:a="http://schemas.openxmlformats.org/drawingml/2006/main">
   <a:themeElements>
     <a:clrScheme name="Default">
       <a:dk1>
@@ -13450,5 +13293,7 @@
       </a:bgFillStyleLst>
     </a:fmtScheme>
   </a:themeElements>
+  <a:objectDefaults/>
+  <a:extraClrSchemeLst/>
 </a:theme>
 </file>
--- a/src/lec7_exceptions_07-11/exceptions.pptx
+++ b/src/lec7_exceptions_07-11/exceptions.pptx
@@ -1894,7 +1894,7 @@
         </p:nvSpPr>
         <p:spPr>
           <a:xfrm>
-            <a:off x="381300" y="685800"/>
+            <a:off x="381000" y="685800"/>
             <a:ext cx="6096000" cy="3429000"/>
           </a:xfrm>
           <a:custGeom>
@@ -10172,14 +10172,14 @@
               <a:buNone/>
             </a:pPr>
             <a:r>
-              <a:rPr lang="ru">
+              <a:rPr lang="ru" dirty="0">
                 <a:solidFill>
                   <a:schemeClr val="dk1"/>
                 </a:solidFill>
               </a:rPr>
               <a:t>Программисты стараются предусмотреть обработку всех возможных ошибок во всех возможных местах. Такой стиль программирования называется Defensive Programming. И он нередко приводит к тому, что программа содержит больше кода для обработки ошибок, чем кода, выполняющего основную задачу. Конечно, это усложняет и написание кода, и поддержку.</a:t>
             </a:r>
-            <a:endParaRPr>
+            <a:endParaRPr dirty="0">
               <a:solidFill>
                 <a:schemeClr val="dk1"/>
               </a:solidFill>
@@ -10196,14 +10196,14 @@
               <a:buNone/>
             </a:pPr>
             <a:r>
-              <a:rPr lang="ru">
+              <a:rPr lang="ru" dirty="0">
                 <a:solidFill>
                   <a:schemeClr val="dk1"/>
                 </a:solidFill>
               </a:rPr>
-              <a:t>Эрланг предлагает другой подход: реализовать только основную задачу (happy path) и не писать код для обработки ошибок. Благодаря многопоточности и разделению потоков на рабочие и супервизоры, любая ошибка всегда будет замечена и записана в лог. А система в целом продолжит работу. Этот подход называется Let It Crash.</a:t>
+              <a:t>Эрланг предлагает другой подход: реализовать только основную задачу и не писать код для обработки ошибок. Благодаря многопоточности и разделению потоков на рабочие и супервизоры, любая ошибка всегда будет замечена и записана в лог. А система в целом продолжит работу. Этот подход называется Let It Crash.</a:t>
             </a:r>
-            <a:endParaRPr>
+            <a:endParaRPr dirty="0">
               <a:solidFill>
                 <a:schemeClr val="dk1"/>
               </a:solidFill>

--- a/src/lec7_exceptions_07-11/exceptions.pptx
+++ b/src/lec7_exceptions_07-11/exceptions.pptx
@@ -5,7 +5,7 @@
     <p:sldMasterId id="2147483659" r:id="rId1"/>
   </p:sldMasterIdLst>
   <p:notesMasterIdLst>
-    <p:notesMasterId r:id="rId23"/>
+    <p:notesMasterId r:id="rId24"/>
   </p:notesMasterIdLst>
   <p:sldIdLst>
     <p:sldId id="256" r:id="rId2"/>
@@ -20,15 +20,16 @@
     <p:sldId id="265" r:id="rId11"/>
     <p:sldId id="266" r:id="rId12"/>
     <p:sldId id="267" r:id="rId13"/>
-    <p:sldId id="268" r:id="rId14"/>
-    <p:sldId id="269" r:id="rId15"/>
-    <p:sldId id="270" r:id="rId16"/>
-    <p:sldId id="271" r:id="rId17"/>
-    <p:sldId id="272" r:id="rId18"/>
-    <p:sldId id="273" r:id="rId19"/>
-    <p:sldId id="274" r:id="rId20"/>
-    <p:sldId id="275" r:id="rId21"/>
-    <p:sldId id="276" r:id="rId22"/>
+    <p:sldId id="277" r:id="rId14"/>
+    <p:sldId id="268" r:id="rId15"/>
+    <p:sldId id="269" r:id="rId16"/>
+    <p:sldId id="270" r:id="rId17"/>
+    <p:sldId id="271" r:id="rId18"/>
+    <p:sldId id="272" r:id="rId19"/>
+    <p:sldId id="273" r:id="rId20"/>
+    <p:sldId id="274" r:id="rId21"/>
+    <p:sldId id="275" r:id="rId22"/>
+    <p:sldId id="276" r:id="rId23"/>
   </p:sldIdLst>
   <p:sldSz cx="9144000" cy="5143500" type="screen16x9"/>
   <p:notesSz cx="6858000" cy="9144000"/>
@@ -1142,6 +1143,115 @@
   <p:cSld>
     <p:spTree>
       <p:nvGrpSpPr>
+        <p:cNvPr id="1" name="Shape 121"/>
+        <p:cNvGrpSpPr/>
+        <p:nvPr/>
+      </p:nvGrpSpPr>
+      <p:grpSpPr>
+        <a:xfrm>
+          <a:off x="0" y="0"/>
+          <a:ext cx="0" cy="0"/>
+          <a:chOff x="0" y="0"/>
+          <a:chExt cx="0" cy="0"/>
+        </a:xfrm>
+      </p:grpSpPr>
+      <p:sp>
+        <p:nvSpPr>
+          <p:cNvPr id="122" name="Google Shape;122;g29796951e82_0_135:notes"/>
+          <p:cNvSpPr>
+            <a:spLocks noGrp="1" noRot="1" noChangeAspect="1"/>
+          </p:cNvSpPr>
+          <p:nvPr>
+            <p:ph type="sldImg" idx="2"/>
+          </p:nvPr>
+        </p:nvSpPr>
+        <p:spPr>
+          <a:xfrm>
+            <a:off x="381000" y="685800"/>
+            <a:ext cx="6096000" cy="3429000"/>
+          </a:xfrm>
+          <a:custGeom>
+            <a:avLst/>
+            <a:gdLst/>
+            <a:ahLst/>
+            <a:cxnLst/>
+            <a:rect l="l" t="t" r="r" b="b"/>
+            <a:pathLst>
+              <a:path w="120000" h="120000" extrusionOk="0">
+                <a:moveTo>
+                  <a:pt x="0" y="0"/>
+                </a:moveTo>
+                <a:lnTo>
+                  <a:pt x="120000" y="0"/>
+                </a:lnTo>
+                <a:lnTo>
+                  <a:pt x="120000" y="120000"/>
+                </a:lnTo>
+                <a:lnTo>
+                  <a:pt x="0" y="120000"/>
+                </a:lnTo>
+                <a:close/>
+              </a:path>
+            </a:pathLst>
+          </a:custGeom>
+        </p:spPr>
+      </p:sp>
+      <p:sp>
+        <p:nvSpPr>
+          <p:cNvPr id="123" name="Google Shape;123;g29796951e82_0_135:notes"/>
+          <p:cNvSpPr txBox="1">
+            <a:spLocks noGrp="1"/>
+          </p:cNvSpPr>
+          <p:nvPr>
+            <p:ph type="body" idx="1"/>
+          </p:nvPr>
+        </p:nvSpPr>
+        <p:spPr>
+          <a:xfrm>
+            <a:off x="685800" y="4343400"/>
+            <a:ext cx="5486400" cy="4114800"/>
+          </a:xfrm>
+          <a:prstGeom prst="rect">
+            <a:avLst/>
+          </a:prstGeom>
+        </p:spPr>
+        <p:txBody>
+          <a:bodyPr spcFirstLastPara="1" wrap="square" lIns="91425" tIns="91425" rIns="91425" bIns="91425" anchor="t" anchorCtr="0">
+            <a:noAutofit/>
+          </a:bodyPr>
+          <a:lstStyle/>
+          <a:p>
+            <a:pPr marL="0" lvl="0" indent="0" algn="l" rtl="0">
+              <a:spcBef>
+                <a:spcPts val="0"/>
+              </a:spcBef>
+              <a:spcAft>
+                <a:spcPts val="0"/>
+              </a:spcAft>
+              <a:buNone/>
+            </a:pPr>
+            <a:endParaRPr/>
+          </a:p>
+        </p:txBody>
+      </p:sp>
+    </p:spTree>
+    <p:extLst>
+      <p:ext uri="{BB962C8B-B14F-4D97-AF65-F5344CB8AC3E}">
+        <p14:creationId xmlns:p14="http://schemas.microsoft.com/office/powerpoint/2010/main" val="1625358558"/>
+      </p:ext>
+    </p:extLst>
+  </p:cSld>
+  <p:clrMapOvr>
+    <a:masterClrMapping/>
+  </p:clrMapOvr>
+</p:notes>
+</file>
+
+<file path=ppt/notesSlides/notesSlide14.xml><?xml version="1.0" encoding="utf-8"?>
+<p:notes xmlns:a="http://schemas.openxmlformats.org/drawingml/2006/main" xmlns:r="http://schemas.openxmlformats.org/officeDocument/2006/relationships" xmlns:p="http://schemas.openxmlformats.org/presentationml/2006/main" showMasterSp="0" showMasterPhAnim="0">
+  <p:cSld>
+    <p:spTree>
+      <p:nvGrpSpPr>
         <p:cNvPr id="1" name="Shape 127"/>
         <p:cNvGrpSpPr/>
         <p:nvPr/>
@@ -1241,7 +1351,7 @@
 </p:notes>
 </file>
 
-<file path=ppt/notesSlides/notesSlide14.xml><?xml version="1.0" encoding="utf-8"?>
+<file path=ppt/notesSlides/notesSlide15.xml><?xml version="1.0" encoding="utf-8"?>
 <p:notes xmlns:a="http://schemas.openxmlformats.org/drawingml/2006/main" xmlns:r="http://schemas.openxmlformats.org/officeDocument/2006/relationships" xmlns:p="http://schemas.openxmlformats.org/presentationml/2006/main" showMasterSp="0" showMasterPhAnim="0">
   <p:cSld>
     <p:spTree>
@@ -1345,7 +1455,7 @@
 </p:notes>
 </file>
 
-<file path=ppt/notesSlides/notesSlide15.xml><?xml version="1.0" encoding="utf-8"?>
+<file path=ppt/notesSlides/notesSlide16.xml><?xml version="1.0" encoding="utf-8"?>
 <p:notes xmlns:a="http://schemas.openxmlformats.org/drawingml/2006/main" xmlns:r="http://schemas.openxmlformats.org/officeDocument/2006/relationships" xmlns:p="http://schemas.openxmlformats.org/presentationml/2006/main" showMasterSp="0" showMasterPhAnim="0">
   <p:cSld>
     <p:spTree>
@@ -1449,7 +1559,7 @@
 </p:notes>
 </file>
 
-<file path=ppt/notesSlides/notesSlide16.xml><?xml version="1.0" encoding="utf-8"?>
+<file path=ppt/notesSlides/notesSlide17.xml><?xml version="1.0" encoding="utf-8"?>
 <p:notes xmlns:a="http://schemas.openxmlformats.org/drawingml/2006/main" xmlns:r="http://schemas.openxmlformats.org/officeDocument/2006/relationships" xmlns:p="http://schemas.openxmlformats.org/presentationml/2006/main" showMasterSp="0" showMasterPhAnim="0">
   <p:cSld>
     <p:spTree>
@@ -1553,7 +1663,7 @@
 </p:notes>
 </file>
 
-<file path=ppt/notesSlides/notesSlide17.xml><?xml version="1.0" encoding="utf-8"?>
+<file path=ppt/notesSlides/notesSlide18.xml><?xml version="1.0" encoding="utf-8"?>
 <p:notes xmlns:a="http://schemas.openxmlformats.org/drawingml/2006/main" xmlns:r="http://schemas.openxmlformats.org/officeDocument/2006/relationships" xmlns:p="http://schemas.openxmlformats.org/presentationml/2006/main" showMasterSp="0" showMasterPhAnim="0">
   <p:cSld>
     <p:spTree>
@@ -1657,7 +1767,7 @@
 </p:notes>
 </file>
 
-<file path=ppt/notesSlides/notesSlide18.xml><?xml version="1.0" encoding="utf-8"?>
+<file path=ppt/notesSlides/notesSlide19.xml><?xml version="1.0" encoding="utf-8"?>
 <p:notes xmlns:a="http://schemas.openxmlformats.org/drawingml/2006/main" xmlns:r="http://schemas.openxmlformats.org/officeDocument/2006/relationships" xmlns:p="http://schemas.openxmlformats.org/presentationml/2006/main" showMasterSp="0" showMasterPhAnim="0">
   <p:cSld>
     <p:spTree>
@@ -1718,110 +1828,6 @@
       <p:sp>
         <p:nvSpPr>
           <p:cNvPr id="163" name="Google Shape;163;g29796951e82_0_175:notes"/>
-          <p:cNvSpPr txBox="1">
-            <a:spLocks noGrp="1"/>
-          </p:cNvSpPr>
-          <p:nvPr>
-            <p:ph type="body" idx="1"/>
-          </p:nvPr>
-        </p:nvSpPr>
-        <p:spPr>
-          <a:xfrm>
-            <a:off x="685800" y="4343400"/>
-            <a:ext cx="5486400" cy="4114800"/>
-          </a:xfrm>
-          <a:prstGeom prst="rect">
-            <a:avLst/>
-          </a:prstGeom>
-        </p:spPr>
-        <p:txBody>
-          <a:bodyPr spcFirstLastPara="1" wrap="square" lIns="91425" tIns="91425" rIns="91425" bIns="91425" anchor="t" anchorCtr="0">
-            <a:noAutofit/>
-          </a:bodyPr>
-          <a:lstStyle/>
-          <a:p>
-            <a:pPr marL="0" lvl="0" indent="0" algn="l" rtl="0">
-              <a:spcBef>
-                <a:spcPts val="0"/>
-              </a:spcBef>
-              <a:spcAft>
-                <a:spcPts val="0"/>
-              </a:spcAft>
-              <a:buNone/>
-            </a:pPr>
-            <a:endParaRPr/>
-          </a:p>
-        </p:txBody>
-      </p:sp>
-    </p:spTree>
-  </p:cSld>
-  <p:clrMapOvr>
-    <a:masterClrMapping/>
-  </p:clrMapOvr>
-</p:notes>
-</file>
-
-<file path=ppt/notesSlides/notesSlide19.xml><?xml version="1.0" encoding="utf-8"?>
-<p:notes xmlns:a="http://schemas.openxmlformats.org/drawingml/2006/main" xmlns:r="http://schemas.openxmlformats.org/officeDocument/2006/relationships" xmlns:p="http://schemas.openxmlformats.org/presentationml/2006/main" showMasterSp="0" showMasterPhAnim="0">
-  <p:cSld>
-    <p:spTree>
-      <p:nvGrpSpPr>
-        <p:cNvPr id="1" name="Shape 168"/>
-        <p:cNvGrpSpPr/>
-        <p:nvPr/>
-      </p:nvGrpSpPr>
-      <p:grpSpPr>
-        <a:xfrm>
-          <a:off x="0" y="0"/>
-          <a:ext cx="0" cy="0"/>
-          <a:chOff x="0" y="0"/>
-          <a:chExt cx="0" cy="0"/>
-        </a:xfrm>
-      </p:grpSpPr>
-      <p:sp>
-        <p:nvSpPr>
-          <p:cNvPr id="169" name="Google Shape;169;g29796951e82_0_181:notes"/>
-          <p:cNvSpPr>
-            <a:spLocks noGrp="1" noRot="1" noChangeAspect="1"/>
-          </p:cNvSpPr>
-          <p:nvPr>
-            <p:ph type="sldImg" idx="2"/>
-          </p:nvPr>
-        </p:nvSpPr>
-        <p:spPr>
-          <a:xfrm>
-            <a:off x="381300" y="685800"/>
-            <a:ext cx="6096000" cy="3429000"/>
-          </a:xfrm>
-          <a:custGeom>
-            <a:avLst/>
-            <a:gdLst/>
-            <a:ahLst/>
-            <a:cxnLst/>
-            <a:rect l="l" t="t" r="r" b="b"/>
-            <a:pathLst>
-              <a:path w="120000" h="120000" extrusionOk="0">
-                <a:moveTo>
-                  <a:pt x="0" y="0"/>
-                </a:moveTo>
-                <a:lnTo>
-                  <a:pt x="120000" y="0"/>
-                </a:lnTo>
-                <a:lnTo>
-                  <a:pt x="120000" y="120000"/>
-                </a:lnTo>
-                <a:lnTo>
-                  <a:pt x="0" y="120000"/>
-                </a:lnTo>
-                <a:close/>
-              </a:path>
-            </a:pathLst>
-          </a:custGeom>
-        </p:spPr>
-      </p:sp>
-      <p:sp>
-        <p:nvSpPr>
-          <p:cNvPr id="170" name="Google Shape;170;g29796951e82_0_181:notes"/>
           <p:cNvSpPr txBox="1">
             <a:spLocks noGrp="1"/>
           </p:cNvSpPr>
@@ -1974,6 +1980,110 @@
   <p:cSld>
     <p:spTree>
       <p:nvGrpSpPr>
+        <p:cNvPr id="1" name="Shape 168"/>
+        <p:cNvGrpSpPr/>
+        <p:nvPr/>
+      </p:nvGrpSpPr>
+      <p:grpSpPr>
+        <a:xfrm>
+          <a:off x="0" y="0"/>
+          <a:ext cx="0" cy="0"/>
+          <a:chOff x="0" y="0"/>
+          <a:chExt cx="0" cy="0"/>
+        </a:xfrm>
+      </p:grpSpPr>
+      <p:sp>
+        <p:nvSpPr>
+          <p:cNvPr id="169" name="Google Shape;169;g29796951e82_0_181:notes"/>
+          <p:cNvSpPr>
+            <a:spLocks noGrp="1" noRot="1" noChangeAspect="1"/>
+          </p:cNvSpPr>
+          <p:nvPr>
+            <p:ph type="sldImg" idx="2"/>
+          </p:nvPr>
+        </p:nvSpPr>
+        <p:spPr>
+          <a:xfrm>
+            <a:off x="381300" y="685800"/>
+            <a:ext cx="6096000" cy="3429000"/>
+          </a:xfrm>
+          <a:custGeom>
+            <a:avLst/>
+            <a:gdLst/>
+            <a:ahLst/>
+            <a:cxnLst/>
+            <a:rect l="l" t="t" r="r" b="b"/>
+            <a:pathLst>
+              <a:path w="120000" h="120000" extrusionOk="0">
+                <a:moveTo>
+                  <a:pt x="0" y="0"/>
+                </a:moveTo>
+                <a:lnTo>
+                  <a:pt x="120000" y="0"/>
+                </a:lnTo>
+                <a:lnTo>
+                  <a:pt x="120000" y="120000"/>
+                </a:lnTo>
+                <a:lnTo>
+                  <a:pt x="0" y="120000"/>
+                </a:lnTo>
+                <a:close/>
+              </a:path>
+            </a:pathLst>
+          </a:custGeom>
+        </p:spPr>
+      </p:sp>
+      <p:sp>
+        <p:nvSpPr>
+          <p:cNvPr id="170" name="Google Shape;170;g29796951e82_0_181:notes"/>
+          <p:cNvSpPr txBox="1">
+            <a:spLocks noGrp="1"/>
+          </p:cNvSpPr>
+          <p:nvPr>
+            <p:ph type="body" idx="1"/>
+          </p:nvPr>
+        </p:nvSpPr>
+        <p:spPr>
+          <a:xfrm>
+            <a:off x="685800" y="4343400"/>
+            <a:ext cx="5486400" cy="4114800"/>
+          </a:xfrm>
+          <a:prstGeom prst="rect">
+            <a:avLst/>
+          </a:prstGeom>
+        </p:spPr>
+        <p:txBody>
+          <a:bodyPr spcFirstLastPara="1" wrap="square" lIns="91425" tIns="91425" rIns="91425" bIns="91425" anchor="t" anchorCtr="0">
+            <a:noAutofit/>
+          </a:bodyPr>
+          <a:lstStyle/>
+          <a:p>
+            <a:pPr marL="0" lvl="0" indent="0" algn="l" rtl="0">
+              <a:spcBef>
+                <a:spcPts val="0"/>
+              </a:spcBef>
+              <a:spcAft>
+                <a:spcPts val="0"/>
+              </a:spcAft>
+              <a:buNone/>
+            </a:pPr>
+            <a:endParaRPr/>
+          </a:p>
+        </p:txBody>
+      </p:sp>
+    </p:spTree>
+  </p:cSld>
+  <p:clrMapOvr>
+    <a:masterClrMapping/>
+  </p:clrMapOvr>
+</p:notes>
+</file>
+
+<file path=ppt/notesSlides/notesSlide21.xml><?xml version="1.0" encoding="utf-8"?>
+<p:notes xmlns:a="http://schemas.openxmlformats.org/drawingml/2006/main" xmlns:r="http://schemas.openxmlformats.org/officeDocument/2006/relationships" xmlns:p="http://schemas.openxmlformats.org/presentationml/2006/main" showMasterSp="0" showMasterPhAnim="0">
+  <p:cSld>
+    <p:spTree>
+      <p:nvGrpSpPr>
         <p:cNvPr id="1" name="Shape 175"/>
         <p:cNvGrpSpPr/>
         <p:nvPr/>
@@ -2073,7 +2183,7 @@
 </p:notes>
 </file>
 
-<file path=ppt/notesSlides/notesSlide21.xml><?xml version="1.0" encoding="utf-8"?>
+<file path=ppt/notesSlides/notesSlide22.xml><?xml version="1.0" encoding="utf-8"?>
 <p:notes xmlns:a="http://schemas.openxmlformats.org/drawingml/2006/main" xmlns:r="http://schemas.openxmlformats.org/officeDocument/2006/relationships" xmlns:p="http://schemas.openxmlformats.org/presentationml/2006/main" showMasterSp="0" showMasterPhAnim="0">
   <p:cSld>
     <p:spTree>
@@ -8612,10 +8722,18 @@
               <a:buNone/>
             </a:pPr>
             <a:r>
-              <a:rPr lang="ru"/>
+              <a:rPr lang="ru-RU" dirty="0"/>
+              <a:t>Обработка ошибок на низком уровне. </a:t>
+            </a:r>
+            <a:r>
+              <a:rPr lang="ru" dirty="0"/>
               <a:t>Link</a:t>
             </a:r>
-            <a:endParaRPr/>
+            <a:r>
+              <a:rPr lang="en-US" dirty="0"/>
+              <a:t> (1/2)</a:t>
+            </a:r>
+            <a:endParaRPr dirty="0"/>
           </a:p>
         </p:txBody>
       </p:sp>
@@ -8644,36 +8762,208 @@
           </a:bodyPr>
           <a:lstStyle/>
           <a:p>
-            <a:pPr marL="0" lvl="0" indent="0" algn="l" rtl="0">
-              <a:spcBef>
-                <a:spcPts val="0"/>
-              </a:spcBef>
-              <a:spcAft>
-                <a:spcPts val="0"/>
-              </a:spcAft>
-              <a:buClr>
-                <a:schemeClr val="dk1"/>
-              </a:buClr>
-              <a:buSzPts val="1100"/>
-              <a:buFont typeface="Arial"/>
-              <a:buNone/>
-            </a:pPr>
-            <a:endParaRPr sz="1500" dirty="0">
-              <a:solidFill>
-                <a:schemeClr val="dk1"/>
-              </a:solidFill>
+            <a:pPr marL="114300" indent="0" rtl="0">
+              <a:spcBef>
+                <a:spcPts val="0"/>
+              </a:spcBef>
+              <a:spcAft>
+                <a:spcPts val="0"/>
+              </a:spcAft>
+              <a:buNone/>
+            </a:pPr>
+            <a:r>
+              <a:rPr lang="ru-RU" sz="1800" b="0" i="0" u="none" strike="noStrike" dirty="0">
+                <a:solidFill>
+                  <a:srgbClr val="000000"/>
+                </a:solidFill>
+                <a:effectLst/>
+                <a:latin typeface="Arial" panose="020B0604020202020204" pitchFamily="34" charset="0"/>
+              </a:rPr>
+              <a:t>Вызов </a:t>
+            </a:r>
+            <a:r>
+              <a:rPr lang="ru-RU" sz="1800" b="0" i="0" u="none" strike="noStrike" dirty="0" err="1">
+                <a:solidFill>
+                  <a:srgbClr val="000000"/>
+                </a:solidFill>
+                <a:effectLst/>
+                <a:latin typeface="Arial" panose="020B0604020202020204" pitchFamily="34" charset="0"/>
+              </a:rPr>
+              <a:t>link</a:t>
+            </a:r>
+            <a:r>
+              <a:rPr lang="ru-RU" sz="1800" b="0" i="0" u="none" strike="noStrike" dirty="0">
+                <a:solidFill>
+                  <a:srgbClr val="000000"/>
+                </a:solidFill>
+                <a:effectLst/>
+                <a:latin typeface="Arial" panose="020B0604020202020204" pitchFamily="34" charset="0"/>
+              </a:rPr>
+              <a:t>(</a:t>
+            </a:r>
+            <a:r>
+              <a:rPr lang="ru-RU" sz="1800" b="0" i="0" u="none" strike="noStrike" dirty="0" err="1">
+                <a:solidFill>
+                  <a:srgbClr val="000000"/>
+                </a:solidFill>
+                <a:effectLst/>
+                <a:latin typeface="Arial" panose="020B0604020202020204" pitchFamily="34" charset="0"/>
+              </a:rPr>
+              <a:t>Pid</a:t>
+            </a:r>
+            <a:r>
+              <a:rPr lang="ru-RU" sz="1800" b="0" i="0" u="none" strike="noStrike" dirty="0">
+                <a:solidFill>
+                  <a:srgbClr val="000000"/>
+                </a:solidFill>
+                <a:effectLst/>
+                <a:latin typeface="Arial" panose="020B0604020202020204" pitchFamily="34" charset="0"/>
+              </a:rPr>
+              <a:t>) создает связь между текущим потоком и </a:t>
+            </a:r>
+            <a:r>
+              <a:rPr lang="ru-RU" sz="1800" b="0" i="0" u="none" strike="noStrike" dirty="0" err="1">
+                <a:solidFill>
+                  <a:srgbClr val="000000"/>
+                </a:solidFill>
+                <a:effectLst/>
+                <a:latin typeface="Arial" panose="020B0604020202020204" pitchFamily="34" charset="0"/>
+              </a:rPr>
+              <a:t>Pid</a:t>
+            </a:r>
+            <a:r>
+              <a:rPr lang="ru-RU" sz="1800" b="0" i="0" u="none" strike="noStrike" dirty="0">
+                <a:solidFill>
+                  <a:srgbClr val="000000"/>
+                </a:solidFill>
+                <a:effectLst/>
+                <a:latin typeface="Arial" panose="020B0604020202020204" pitchFamily="34" charset="0"/>
+              </a:rPr>
+              <a:t>.</a:t>
+            </a:r>
+            <a:endParaRPr lang="ru-RU" sz="1600" b="0" dirty="0">
+              <a:effectLst/>
             </a:endParaRPr>
           </a:p>
           <a:p>
-            <a:pPr marL="0" lvl="0" indent="0" algn="l" rtl="0">
-              <a:spcBef>
-                <a:spcPts val="0"/>
-              </a:spcBef>
-              <a:spcAft>
-                <a:spcPts val="1200"/>
-              </a:spcAft>
-              <a:buNone/>
-            </a:pPr>
+            <a:pPr marL="114300" indent="0" rtl="0">
+              <a:spcBef>
+                <a:spcPts val="0"/>
+              </a:spcBef>
+              <a:spcAft>
+                <a:spcPts val="0"/>
+              </a:spcAft>
+              <a:buNone/>
+            </a:pPr>
+            <a:r>
+              <a:rPr lang="ru-RU" sz="1800" b="0" i="0" u="none" strike="noStrike" dirty="0">
+                <a:solidFill>
+                  <a:srgbClr val="000000"/>
+                </a:solidFill>
+                <a:effectLst/>
+                <a:latin typeface="Arial" panose="020B0604020202020204" pitchFamily="34" charset="0"/>
+              </a:rPr>
+              <a:t>Связь двухсторонняя. Чтобы связать несколько потоков, нужно сделать</a:t>
+            </a:r>
+            <a:endParaRPr lang="ru-RU" sz="1600" b="0" dirty="0">
+              <a:effectLst/>
+            </a:endParaRPr>
+          </a:p>
+          <a:p>
+            <a:pPr marL="114300" indent="0" rtl="0">
+              <a:spcBef>
+                <a:spcPts val="0"/>
+              </a:spcBef>
+              <a:spcAft>
+                <a:spcPts val="0"/>
+              </a:spcAft>
+              <a:buNone/>
+            </a:pPr>
+            <a:r>
+              <a:rPr lang="ru-RU" sz="1800" b="0" i="0" u="none" strike="noStrike" dirty="0">
+                <a:solidFill>
+                  <a:srgbClr val="000000"/>
+                </a:solidFill>
+                <a:effectLst/>
+                <a:latin typeface="Arial" panose="020B0604020202020204" pitchFamily="34" charset="0"/>
+              </a:rPr>
+              <a:t>несколько вызовов </a:t>
+            </a:r>
+            <a:r>
+              <a:rPr lang="ru-RU" sz="1800" b="0" i="0" u="none" strike="noStrike" dirty="0" err="1">
+                <a:solidFill>
+                  <a:srgbClr val="000000"/>
+                </a:solidFill>
+                <a:effectLst/>
+                <a:latin typeface="Arial" panose="020B0604020202020204" pitchFamily="34" charset="0"/>
+              </a:rPr>
+              <a:t>link</a:t>
+            </a:r>
+            <a:r>
+              <a:rPr lang="ru-RU" sz="1800" b="0" i="0" u="none" strike="noStrike" dirty="0">
+                <a:solidFill>
+                  <a:srgbClr val="000000"/>
+                </a:solidFill>
+                <a:effectLst/>
+                <a:latin typeface="Arial" panose="020B0604020202020204" pitchFamily="34" charset="0"/>
+              </a:rPr>
+              <a:t>. Если потоки уже связаны, то вызов </a:t>
+            </a:r>
+            <a:r>
+              <a:rPr lang="ru-RU" sz="1800" b="0" i="0" u="none" strike="noStrike" dirty="0" err="1">
+                <a:solidFill>
+                  <a:srgbClr val="000000"/>
+                </a:solidFill>
+                <a:effectLst/>
+                <a:latin typeface="Arial" panose="020B0604020202020204" pitchFamily="34" charset="0"/>
+              </a:rPr>
+              <a:t>link</a:t>
+            </a:r>
+            <a:r>
+              <a:rPr lang="ru-RU" sz="1800" b="0" i="0" u="none" strike="noStrike" dirty="0">
+                <a:solidFill>
+                  <a:srgbClr val="000000"/>
+                </a:solidFill>
+                <a:effectLst/>
+                <a:latin typeface="Arial" panose="020B0604020202020204" pitchFamily="34" charset="0"/>
+              </a:rPr>
+              <a:t> не</a:t>
+            </a:r>
+            <a:endParaRPr lang="ru-RU" sz="1600" b="0" dirty="0">
+              <a:effectLst/>
+            </a:endParaRPr>
+          </a:p>
+          <a:p>
+            <a:pPr marL="114300" indent="0" rtl="0">
+              <a:spcBef>
+                <a:spcPts val="0"/>
+              </a:spcBef>
+              <a:spcAft>
+                <a:spcPts val="0"/>
+              </a:spcAft>
+              <a:buNone/>
+            </a:pPr>
+            <a:r>
+              <a:rPr lang="ru-RU" sz="1800" b="0" i="0" u="none" strike="noStrike" dirty="0">
+                <a:solidFill>
+                  <a:srgbClr val="000000"/>
+                </a:solidFill>
+                <a:effectLst/>
+                <a:latin typeface="Arial" panose="020B0604020202020204" pitchFamily="34" charset="0"/>
+              </a:rPr>
+              <a:t>оказывает никакого эффекта.</a:t>
+            </a:r>
+            <a:endParaRPr lang="ru-RU" sz="1600" b="0" dirty="0">
+              <a:effectLst/>
+            </a:endParaRPr>
+          </a:p>
+          <a:p>
+            <a:pPr marL="114300" indent="0">
+              <a:buNone/>
+            </a:pPr>
+            <a:br>
+              <a:rPr lang="ru-RU" sz="1600" dirty="0"/>
+            </a:br>
             <a:endParaRPr sz="1500" dirty="0"/>
           </a:p>
         </p:txBody>
@@ -8700,7 +8990,7 @@
         </p:blipFill>
         <p:spPr>
           <a:xfrm>
-            <a:off x="311700" y="1097989"/>
+            <a:off x="311700" y="2652325"/>
             <a:ext cx="5288114" cy="1932670"/>
           </a:xfrm>
           <a:prstGeom prst="rect">
@@ -8730,7 +9020,7 @@
         </p:blipFill>
         <p:spPr>
           <a:xfrm>
-            <a:off x="6018422" y="1097989"/>
+            <a:off x="6018422" y="2202577"/>
             <a:ext cx="2295845" cy="2495898"/>
           </a:xfrm>
           <a:prstGeom prst="rect">
@@ -8747,6 +9037,181 @@
 </file>
 
 <file path=ppt/slides/slide13.xml><?xml version="1.0" encoding="utf-8"?>
+<p:sld xmlns:a="http://schemas.openxmlformats.org/drawingml/2006/main" xmlns:r="http://schemas.openxmlformats.org/officeDocument/2006/relationships" xmlns:p="http://schemas.openxmlformats.org/presentationml/2006/main">
+  <p:cSld>
+    <p:spTree>
+      <p:nvGrpSpPr>
+        <p:cNvPr id="1" name="Shape 124"/>
+        <p:cNvGrpSpPr/>
+        <p:nvPr/>
+      </p:nvGrpSpPr>
+      <p:grpSpPr>
+        <a:xfrm>
+          <a:off x="0" y="0"/>
+          <a:ext cx="0" cy="0"/>
+          <a:chOff x="0" y="0"/>
+          <a:chExt cx="0" cy="0"/>
+        </a:xfrm>
+      </p:grpSpPr>
+      <p:sp>
+        <p:nvSpPr>
+          <p:cNvPr id="125" name="Google Shape;125;p24"/>
+          <p:cNvSpPr txBox="1">
+            <a:spLocks noGrp="1"/>
+          </p:cNvSpPr>
+          <p:nvPr>
+            <p:ph type="title"/>
+          </p:nvPr>
+        </p:nvSpPr>
+        <p:spPr>
+          <a:xfrm>
+            <a:off x="311700" y="445025"/>
+            <a:ext cx="8520600" cy="572700"/>
+          </a:xfrm>
+          <a:prstGeom prst="rect">
+            <a:avLst/>
+          </a:prstGeom>
+        </p:spPr>
+        <p:txBody>
+          <a:bodyPr spcFirstLastPara="1" wrap="square" lIns="91425" tIns="91425" rIns="91425" bIns="91425" anchor="t" anchorCtr="0">
+            <a:normAutofit fontScale="90000"/>
+          </a:bodyPr>
+          <a:lstStyle/>
+          <a:p>
+            <a:pPr marL="0" lvl="0" indent="0" algn="l" rtl="0">
+              <a:spcBef>
+                <a:spcPts val="0"/>
+              </a:spcBef>
+              <a:spcAft>
+                <a:spcPts val="0"/>
+              </a:spcAft>
+              <a:buNone/>
+            </a:pPr>
+            <a:r>
+              <a:rPr lang="ru-RU" dirty="0"/>
+              <a:t>Обработка ошибок на низком уровне. </a:t>
+            </a:r>
+            <a:r>
+              <a:rPr lang="ru" dirty="0"/>
+              <a:t>Link</a:t>
+            </a:r>
+            <a:r>
+              <a:rPr lang="en-US" dirty="0"/>
+              <a:t> (2/2)</a:t>
+            </a:r>
+            <a:endParaRPr dirty="0"/>
+          </a:p>
+        </p:txBody>
+      </p:sp>
+      <p:sp>
+        <p:nvSpPr>
+          <p:cNvPr id="126" name="Google Shape;126;p24"/>
+          <p:cNvSpPr txBox="1">
+            <a:spLocks noGrp="1"/>
+          </p:cNvSpPr>
+          <p:nvPr>
+            <p:ph type="body" idx="1"/>
+          </p:nvPr>
+        </p:nvSpPr>
+        <p:spPr>
+          <a:xfrm>
+            <a:off x="311700" y="944125"/>
+            <a:ext cx="8520600" cy="3416400"/>
+          </a:xfrm>
+          <a:prstGeom prst="rect">
+            <a:avLst/>
+          </a:prstGeom>
+        </p:spPr>
+        <p:txBody>
+          <a:bodyPr spcFirstLastPara="1" wrap="square" lIns="91425" tIns="91425" rIns="91425" bIns="91425" anchor="t" anchorCtr="0">
+            <a:noAutofit/>
+          </a:bodyPr>
+          <a:lstStyle/>
+          <a:p>
+            <a:pPr marL="114300" indent="0">
+              <a:buNone/>
+            </a:pPr>
+            <a:br>
+              <a:rPr lang="ru-RU" sz="1600" dirty="0"/>
+            </a:br>
+            <a:endParaRPr sz="1500" dirty="0"/>
+          </a:p>
+        </p:txBody>
+      </p:sp>
+      <p:pic>
+        <p:nvPicPr>
+          <p:cNvPr id="7" name="Рисунок 6">
+            <a:extLst>
+              <a:ext uri="{FF2B5EF4-FFF2-40B4-BE49-F238E27FC236}">
+                <a16:creationId xmlns:a16="http://schemas.microsoft.com/office/drawing/2014/main" id="{5ECB649D-F2C4-2CE4-C0DC-15D81E8732F9}"/>
+              </a:ext>
+            </a:extLst>
+          </p:cNvPr>
+          <p:cNvPicPr>
+            <a:picLocks noChangeAspect="1"/>
+          </p:cNvPicPr>
+          <p:nvPr/>
+        </p:nvPicPr>
+        <p:blipFill>
+          <a:blip r:embed="rId3"/>
+          <a:stretch>
+            <a:fillRect/>
+          </a:stretch>
+        </p:blipFill>
+        <p:spPr>
+          <a:xfrm>
+            <a:off x="5288231" y="2465583"/>
+            <a:ext cx="3172268" cy="1733792"/>
+          </a:xfrm>
+          <a:prstGeom prst="rect">
+            <a:avLst/>
+          </a:prstGeom>
+        </p:spPr>
+      </p:pic>
+      <p:pic>
+        <p:nvPicPr>
+          <p:cNvPr id="9" name="Рисунок 8">
+            <a:extLst>
+              <a:ext uri="{FF2B5EF4-FFF2-40B4-BE49-F238E27FC236}">
+                <a16:creationId xmlns:a16="http://schemas.microsoft.com/office/drawing/2014/main" id="{ABBD58C1-AB9E-52F3-2518-F274CBF3611D}"/>
+              </a:ext>
+            </a:extLst>
+          </p:cNvPr>
+          <p:cNvPicPr>
+            <a:picLocks noChangeAspect="1"/>
+          </p:cNvPicPr>
+          <p:nvPr/>
+        </p:nvPicPr>
+        <p:blipFill>
+          <a:blip r:embed="rId4"/>
+          <a:stretch>
+            <a:fillRect/>
+          </a:stretch>
+        </p:blipFill>
+        <p:spPr>
+          <a:xfrm>
+            <a:off x="401319" y="1391205"/>
+            <a:ext cx="4829899" cy="2249129"/>
+          </a:xfrm>
+          <a:prstGeom prst="rect">
+            <a:avLst/>
+          </a:prstGeom>
+        </p:spPr>
+      </p:pic>
+    </p:spTree>
+    <p:extLst>
+      <p:ext uri="{BB962C8B-B14F-4D97-AF65-F5344CB8AC3E}">
+        <p14:creationId xmlns:p14="http://schemas.microsoft.com/office/powerpoint/2010/main" val="3335465537"/>
+      </p:ext>
+    </p:extLst>
+  </p:cSld>
+  <p:clrMapOvr>
+    <a:masterClrMapping/>
+  </p:clrMapOvr>
+</p:sld>
+</file>
+
+<file path=ppt/slides/slide14.xml><?xml version="1.0" encoding="utf-8"?>
 <p:sld xmlns:a="http://schemas.openxmlformats.org/drawingml/2006/main" xmlns:r="http://schemas.openxmlformats.org/officeDocument/2006/relationships" xmlns:p="http://schemas.openxmlformats.org/presentationml/2006/main">
   <p:cSld>
     <p:spTree>
@@ -9083,7 +9548,7 @@
 </p:sld>
 </file>
 
-<file path=ppt/slides/slide14.xml><?xml version="1.0" encoding="utf-8"?>
+<file path=ppt/slides/slide15.xml><?xml version="1.0" encoding="utf-8"?>
 <p:sld xmlns:a="http://schemas.openxmlformats.org/drawingml/2006/main" xmlns:r="http://schemas.openxmlformats.org/officeDocument/2006/relationships" xmlns:p="http://schemas.openxmlformats.org/presentationml/2006/main">
   <p:cSld>
     <p:spTree>
@@ -9244,7 +9709,7 @@
 </p:sld>
 </file>
 
-<file path=ppt/slides/slide15.xml><?xml version="1.0" encoding="utf-8"?>
+<file path=ppt/slides/slide16.xml><?xml version="1.0" encoding="utf-8"?>
 <p:sld xmlns:a="http://schemas.openxmlformats.org/drawingml/2006/main" xmlns:r="http://schemas.openxmlformats.org/officeDocument/2006/relationships" xmlns:p="http://schemas.openxmlformats.org/presentationml/2006/main">
   <p:cSld>
     <p:spTree>
@@ -9489,7 +9954,7 @@
 </p:sld>
 </file>
 
-<file path=ppt/slides/slide16.xml><?xml version="1.0" encoding="utf-8"?>
+<file path=ppt/slides/slide17.xml><?xml version="1.0" encoding="utf-8"?>
 <p:sld xmlns:a="http://schemas.openxmlformats.org/drawingml/2006/main" xmlns:r="http://schemas.openxmlformats.org/officeDocument/2006/relationships" xmlns:p="http://schemas.openxmlformats.org/presentationml/2006/main">
   <p:cSld>
     <p:spTree>
@@ -9651,7 +10116,7 @@
 </p:sld>
 </file>
 
-<file path=ppt/slides/slide17.xml><?xml version="1.0" encoding="utf-8"?>
+<file path=ppt/slides/slide18.xml><?xml version="1.0" encoding="utf-8"?>
 <p:sld xmlns:a="http://schemas.openxmlformats.org/drawingml/2006/main" xmlns:r="http://schemas.openxmlformats.org/officeDocument/2006/relationships" xmlns:p="http://schemas.openxmlformats.org/presentationml/2006/main">
   <p:cSld>
     <p:spTree>
@@ -9784,7 +10249,7 @@
 </p:sld>
 </file>
 
-<file path=ppt/slides/slide18.xml><?xml version="1.0" encoding="utf-8"?>
+<file path=ppt/slides/slide19.xml><?xml version="1.0" encoding="utf-8"?>
 <p:sld xmlns:a="http://schemas.openxmlformats.org/drawingml/2006/main" xmlns:r="http://schemas.openxmlformats.org/officeDocument/2006/relationships" xmlns:p="http://schemas.openxmlformats.org/presentationml/2006/main">
   <p:cSld>
     <p:spTree>
@@ -9899,167 +10364,6 @@
           <a:xfrm>
             <a:off x="1704975" y="1257300"/>
             <a:ext cx="5734050" cy="2628900"/>
-          </a:xfrm>
-          <a:prstGeom prst="rect">
-            <a:avLst/>
-          </a:prstGeom>
-          <a:noFill/>
-          <a:ln>
-            <a:noFill/>
-          </a:ln>
-        </p:spPr>
-      </p:pic>
-    </p:spTree>
-  </p:cSld>
-  <p:clrMapOvr>
-    <a:masterClrMapping/>
-  </p:clrMapOvr>
-</p:sld>
-</file>
-
-<file path=ppt/slides/slide19.xml><?xml version="1.0" encoding="utf-8"?>
-<p:sld xmlns:a="http://schemas.openxmlformats.org/drawingml/2006/main" xmlns:r="http://schemas.openxmlformats.org/officeDocument/2006/relationships" xmlns:p="http://schemas.openxmlformats.org/presentationml/2006/main">
-  <p:cSld>
-    <p:spTree>
-      <p:nvGrpSpPr>
-        <p:cNvPr id="1" name="Shape 171"/>
-        <p:cNvGrpSpPr/>
-        <p:nvPr/>
-      </p:nvGrpSpPr>
-      <p:grpSpPr>
-        <a:xfrm>
-          <a:off x="0" y="0"/>
-          <a:ext cx="0" cy="0"/>
-          <a:chOff x="0" y="0"/>
-          <a:chExt cx="0" cy="0"/>
-        </a:xfrm>
-      </p:grpSpPr>
-      <p:sp>
-        <p:nvSpPr>
-          <p:cNvPr id="172" name="Google Shape;172;p31"/>
-          <p:cNvSpPr txBox="1">
-            <a:spLocks noGrp="1"/>
-          </p:cNvSpPr>
-          <p:nvPr>
-            <p:ph type="title"/>
-          </p:nvPr>
-        </p:nvSpPr>
-        <p:spPr>
-          <a:xfrm>
-            <a:off x="311700" y="445025"/>
-            <a:ext cx="8520600" cy="572700"/>
-          </a:xfrm>
-          <a:prstGeom prst="rect">
-            <a:avLst/>
-          </a:prstGeom>
-        </p:spPr>
-        <p:txBody>
-          <a:bodyPr spcFirstLastPara="1" wrap="square" lIns="91425" tIns="91425" rIns="91425" bIns="91425" anchor="t" anchorCtr="0">
-            <a:noAutofit/>
-          </a:bodyPr>
-          <a:lstStyle/>
-          <a:p>
-            <a:pPr marL="0" lvl="0" indent="0" algn="l" rtl="0">
-              <a:lnSpc>
-                <a:spcPct val="115000"/>
-              </a:lnSpc>
-              <a:spcBef>
-                <a:spcPts val="1600"/>
-              </a:spcBef>
-              <a:spcAft>
-                <a:spcPts val="0"/>
-              </a:spcAft>
-              <a:buClr>
-                <a:schemeClr val="dk1"/>
-              </a:buClr>
-              <a:buSzPts val="1100"/>
-              <a:buFont typeface="Arial"/>
-              <a:buNone/>
-            </a:pPr>
-            <a:r>
-              <a:rPr lang="ru" sz="2500">
-                <a:solidFill>
-                  <a:srgbClr val="434343"/>
-                </a:solidFill>
-              </a:rPr>
-              <a:t>Завершение потока с причиной kill</a:t>
-            </a:r>
-            <a:endParaRPr sz="2500">
-              <a:solidFill>
-                <a:srgbClr val="434343"/>
-              </a:solidFill>
-            </a:endParaRPr>
-          </a:p>
-          <a:p>
-            <a:pPr marL="0" lvl="0" indent="0" algn="l" rtl="0">
-              <a:spcBef>
-                <a:spcPts val="400"/>
-              </a:spcBef>
-              <a:spcAft>
-                <a:spcPts val="0"/>
-              </a:spcAft>
-              <a:buNone/>
-            </a:pPr>
-            <a:endParaRPr sz="2500"/>
-          </a:p>
-        </p:txBody>
-      </p:sp>
-      <p:sp>
-        <p:nvSpPr>
-          <p:cNvPr id="173" name="Google Shape;173;p31"/>
-          <p:cNvSpPr txBox="1">
-            <a:spLocks noGrp="1"/>
-          </p:cNvSpPr>
-          <p:nvPr>
-            <p:ph type="body" idx="1"/>
-          </p:nvPr>
-        </p:nvSpPr>
-        <p:spPr>
-          <a:xfrm>
-            <a:off x="311700" y="1152475"/>
-            <a:ext cx="8520600" cy="3416400"/>
-          </a:xfrm>
-          <a:prstGeom prst="rect">
-            <a:avLst/>
-          </a:prstGeom>
-        </p:spPr>
-        <p:txBody>
-          <a:bodyPr spcFirstLastPara="1" wrap="square" lIns="91425" tIns="91425" rIns="91425" bIns="91425" anchor="t" anchorCtr="0">
-            <a:normAutofit/>
-          </a:bodyPr>
-          <a:lstStyle/>
-          <a:p>
-            <a:pPr marL="0" lvl="0" indent="0" algn="l" rtl="0">
-              <a:spcBef>
-                <a:spcPts val="0"/>
-              </a:spcBef>
-              <a:spcAft>
-                <a:spcPts val="1200"/>
-              </a:spcAft>
-              <a:buNone/>
-            </a:pPr>
-            <a:endParaRPr/>
-          </a:p>
-        </p:txBody>
-      </p:sp>
-      <p:pic>
-        <p:nvPicPr>
-          <p:cNvPr id="174" name="Google Shape;174;p31"/>
-          <p:cNvPicPr preferRelativeResize="0"/>
-          <p:nvPr/>
-        </p:nvPicPr>
-        <p:blipFill>
-          <a:blip r:embed="rId3">
-            <a:alphaModFix/>
-          </a:blip>
-          <a:stretch>
-            <a:fillRect/>
-          </a:stretch>
-        </p:blipFill>
-        <p:spPr>
-          <a:xfrm>
-            <a:off x="1704975" y="1252538"/>
-            <a:ext cx="5734050" cy="2638425"/>
           </a:xfrm>
           <a:prstGeom prst="rect">
             <a:avLst/>
@@ -10224,6 +10528,167 @@
   <p:cSld>
     <p:spTree>
       <p:nvGrpSpPr>
+        <p:cNvPr id="1" name="Shape 171"/>
+        <p:cNvGrpSpPr/>
+        <p:nvPr/>
+      </p:nvGrpSpPr>
+      <p:grpSpPr>
+        <a:xfrm>
+          <a:off x="0" y="0"/>
+          <a:ext cx="0" cy="0"/>
+          <a:chOff x="0" y="0"/>
+          <a:chExt cx="0" cy="0"/>
+        </a:xfrm>
+      </p:grpSpPr>
+      <p:sp>
+        <p:nvSpPr>
+          <p:cNvPr id="172" name="Google Shape;172;p31"/>
+          <p:cNvSpPr txBox="1">
+            <a:spLocks noGrp="1"/>
+          </p:cNvSpPr>
+          <p:nvPr>
+            <p:ph type="title"/>
+          </p:nvPr>
+        </p:nvSpPr>
+        <p:spPr>
+          <a:xfrm>
+            <a:off x="311700" y="445025"/>
+            <a:ext cx="8520600" cy="572700"/>
+          </a:xfrm>
+          <a:prstGeom prst="rect">
+            <a:avLst/>
+          </a:prstGeom>
+        </p:spPr>
+        <p:txBody>
+          <a:bodyPr spcFirstLastPara="1" wrap="square" lIns="91425" tIns="91425" rIns="91425" bIns="91425" anchor="t" anchorCtr="0">
+            <a:noAutofit/>
+          </a:bodyPr>
+          <a:lstStyle/>
+          <a:p>
+            <a:pPr marL="0" lvl="0" indent="0" algn="l" rtl="0">
+              <a:lnSpc>
+                <a:spcPct val="115000"/>
+              </a:lnSpc>
+              <a:spcBef>
+                <a:spcPts val="1600"/>
+              </a:spcBef>
+              <a:spcAft>
+                <a:spcPts val="0"/>
+              </a:spcAft>
+              <a:buClr>
+                <a:schemeClr val="dk1"/>
+              </a:buClr>
+              <a:buSzPts val="1100"/>
+              <a:buFont typeface="Arial"/>
+              <a:buNone/>
+            </a:pPr>
+            <a:r>
+              <a:rPr lang="ru" sz="2500">
+                <a:solidFill>
+                  <a:srgbClr val="434343"/>
+                </a:solidFill>
+              </a:rPr>
+              <a:t>Завершение потока с причиной kill</a:t>
+            </a:r>
+            <a:endParaRPr sz="2500">
+              <a:solidFill>
+                <a:srgbClr val="434343"/>
+              </a:solidFill>
+            </a:endParaRPr>
+          </a:p>
+          <a:p>
+            <a:pPr marL="0" lvl="0" indent="0" algn="l" rtl="0">
+              <a:spcBef>
+                <a:spcPts val="400"/>
+              </a:spcBef>
+              <a:spcAft>
+                <a:spcPts val="0"/>
+              </a:spcAft>
+              <a:buNone/>
+            </a:pPr>
+            <a:endParaRPr sz="2500"/>
+          </a:p>
+        </p:txBody>
+      </p:sp>
+      <p:sp>
+        <p:nvSpPr>
+          <p:cNvPr id="173" name="Google Shape;173;p31"/>
+          <p:cNvSpPr txBox="1">
+            <a:spLocks noGrp="1"/>
+          </p:cNvSpPr>
+          <p:nvPr>
+            <p:ph type="body" idx="1"/>
+          </p:nvPr>
+        </p:nvSpPr>
+        <p:spPr>
+          <a:xfrm>
+            <a:off x="311700" y="1152475"/>
+            <a:ext cx="8520600" cy="3416400"/>
+          </a:xfrm>
+          <a:prstGeom prst="rect">
+            <a:avLst/>
+          </a:prstGeom>
+        </p:spPr>
+        <p:txBody>
+          <a:bodyPr spcFirstLastPara="1" wrap="square" lIns="91425" tIns="91425" rIns="91425" bIns="91425" anchor="t" anchorCtr="0">
+            <a:normAutofit/>
+          </a:bodyPr>
+          <a:lstStyle/>
+          <a:p>
+            <a:pPr marL="0" lvl="0" indent="0" algn="l" rtl="0">
+              <a:spcBef>
+                <a:spcPts val="0"/>
+              </a:spcBef>
+              <a:spcAft>
+                <a:spcPts val="1200"/>
+              </a:spcAft>
+              <a:buNone/>
+            </a:pPr>
+            <a:endParaRPr/>
+          </a:p>
+        </p:txBody>
+      </p:sp>
+      <p:pic>
+        <p:nvPicPr>
+          <p:cNvPr id="174" name="Google Shape;174;p31"/>
+          <p:cNvPicPr preferRelativeResize="0"/>
+          <p:nvPr/>
+        </p:nvPicPr>
+        <p:blipFill>
+          <a:blip r:embed="rId3">
+            <a:alphaModFix/>
+          </a:blip>
+          <a:stretch>
+            <a:fillRect/>
+          </a:stretch>
+        </p:blipFill>
+        <p:spPr>
+          <a:xfrm>
+            <a:off x="1704975" y="1252538"/>
+            <a:ext cx="5734050" cy="2638425"/>
+          </a:xfrm>
+          <a:prstGeom prst="rect">
+            <a:avLst/>
+          </a:prstGeom>
+          <a:noFill/>
+          <a:ln>
+            <a:noFill/>
+          </a:ln>
+        </p:spPr>
+      </p:pic>
+    </p:spTree>
+  </p:cSld>
+  <p:clrMapOvr>
+    <a:masterClrMapping/>
+  </p:clrMapOvr>
+</p:sld>
+</file>
+
+<file path=ppt/slides/slide21.xml><?xml version="1.0" encoding="utf-8"?>
+<p:sld xmlns:a="http://schemas.openxmlformats.org/drawingml/2006/main" xmlns:r="http://schemas.openxmlformats.org/officeDocument/2006/relationships" xmlns:p="http://schemas.openxmlformats.org/presentationml/2006/main">
+  <p:cSld>
+    <p:spTree>
+      <p:nvGrpSpPr>
         <p:cNvPr id="1" name="Shape 178"/>
         <p:cNvGrpSpPr/>
         <p:nvPr/>
@@ -10711,7 +11176,7 @@
 </p:sld>
 </file>
 
-<file path=ppt/slides/slide21.xml><?xml version="1.0" encoding="utf-8"?>
+<file path=ppt/slides/slide22.xml><?xml version="1.0" encoding="utf-8"?>
 <p:sld xmlns:a="http://schemas.openxmlformats.org/drawingml/2006/main" xmlns:r="http://schemas.openxmlformats.org/officeDocument/2006/relationships" xmlns:p="http://schemas.openxmlformats.org/presentationml/2006/main">
   <p:cSld>
     <p:spTree>

--- a/src/lec7_exceptions_07-11/exceptions.pptx
+++ b/src/lec7_exceptions_07-11/exceptions.pptx
@@ -8819,7 +8819,7 @@
                 <a:effectLst/>
                 <a:latin typeface="Arial" panose="020B0604020202020204" pitchFamily="34" charset="0"/>
               </a:rPr>
-              <a:t>) создает связь между текущим потоком и </a:t>
+              <a:t>) создает связь между текущим потоком и потоком с идентификатором </a:t>
             </a:r>
             <a:r>
               <a:rPr lang="ru-RU" sz="1800" b="0" i="0" u="none" strike="noStrike" dirty="0" err="1">
@@ -9020,7 +9020,7 @@
         </p:blipFill>
         <p:spPr>
           <a:xfrm>
-            <a:off x="6018422" y="2202577"/>
+            <a:off x="6011334" y="2363727"/>
             <a:ext cx="2295845" cy="2495898"/>
           </a:xfrm>
           <a:prstGeom prst="rect">
